--- a/SQLSat Bham 2019/Think Like a Certification Exam.pptx
+++ b/SQLSat Bham 2019/Think Like a Certification Exam.pptx
@@ -12,7 +12,7 @@
   </p:notesMasterIdLst>
   <p:sldIdLst>
     <p:sldId id="259" r:id="rId5"/>
-    <p:sldId id="300" r:id="rId6"/>
+    <p:sldId id="416" r:id="rId6"/>
     <p:sldId id="286" r:id="rId7"/>
     <p:sldId id="296" r:id="rId8"/>
     <p:sldId id="287" r:id="rId9"/>
@@ -248,7 +248,7 @@
           <a:p>
             <a:fld id="{6CD4ABDE-846B-4F2E-A91E-CE2D55B6EF91}" type="datetimeFigureOut">
               <a:rPr lang="en-US" smtClean="0"/>
-              <a:t>7/24/2019</a:t>
+              <a:t>7/30/2019</a:t>
             </a:fld>
             <a:endParaRPr lang="en-US"/>
           </a:p>
@@ -823,7 +823,7 @@
           <a:p>
             <a:fld id="{DF1B7059-9994-452B-97D3-B9424BDCF679}" type="datetimeFigureOut">
               <a:rPr lang="en-US" smtClean="0"/>
-              <a:t>7/24/2019</a:t>
+              <a:t>7/30/2019</a:t>
             </a:fld>
             <a:endParaRPr lang="en-US" dirty="0"/>
           </a:p>
@@ -993,7 +993,7 @@
           <a:p>
             <a:fld id="{DF1B7059-9994-452B-97D3-B9424BDCF679}" type="datetimeFigureOut">
               <a:rPr lang="en-US" smtClean="0"/>
-              <a:t>7/24/2019</a:t>
+              <a:t>7/30/2019</a:t>
             </a:fld>
             <a:endParaRPr lang="en-US" dirty="0"/>
           </a:p>
@@ -1173,7 +1173,7 @@
           <a:p>
             <a:fld id="{DF1B7059-9994-452B-97D3-B9424BDCF679}" type="datetimeFigureOut">
               <a:rPr lang="en-US" smtClean="0"/>
-              <a:t>7/24/2019</a:t>
+              <a:t>7/30/2019</a:t>
             </a:fld>
             <a:endParaRPr lang="en-US" dirty="0"/>
           </a:p>
@@ -2564,7 +2564,7 @@
           <a:p>
             <a:fld id="{DF1B7059-9994-452B-97D3-B9424BDCF679}" type="datetimeFigureOut">
               <a:rPr lang="en-US" smtClean="0"/>
-              <a:t>7/24/2019</a:t>
+              <a:t>7/30/2019</a:t>
             </a:fld>
             <a:endParaRPr lang="en-US" dirty="0"/>
           </a:p>
@@ -3209,7 +3209,7 @@
                 </a:solidFill>
               </a:rPr>
               <a:pPr/>
-              <a:t>7/24/2019</a:t>
+              <a:t>7/30/2019</a:t>
             </a:fld>
             <a:endParaRPr lang="en-US" dirty="0">
               <a:solidFill>
@@ -3456,7 +3456,7 @@
           <a:p>
             <a:fld id="{DF1B7059-9994-452B-97D3-B9424BDCF679}" type="datetimeFigureOut">
               <a:rPr lang="en-US" smtClean="0"/>
-              <a:t>7/24/2019</a:t>
+              <a:t>7/30/2019</a:t>
             </a:fld>
             <a:endParaRPr lang="en-US" dirty="0"/>
           </a:p>
@@ -3591,7 +3591,7 @@
                 </a:solidFill>
               </a:rPr>
               <a:pPr/>
-              <a:t>7/24/2019</a:t>
+              <a:t>7/30/2019</a:t>
             </a:fld>
             <a:endParaRPr lang="en-US" dirty="0">
               <a:solidFill>
@@ -3838,7 +3838,7 @@
           <a:p>
             <a:fld id="{DF1B7059-9994-452B-97D3-B9424BDCF679}" type="datetimeFigureOut">
               <a:rPr lang="en-US" smtClean="0"/>
-              <a:t>7/24/2019</a:t>
+              <a:t>7/30/2019</a:t>
             </a:fld>
             <a:endParaRPr lang="en-US" dirty="0"/>
           </a:p>
@@ -4082,7 +4082,7 @@
           <a:p>
             <a:fld id="{DF1B7059-9994-452B-97D3-B9424BDCF679}" type="datetimeFigureOut">
               <a:rPr lang="en-US" smtClean="0"/>
-              <a:t>7/24/2019</a:t>
+              <a:t>7/30/2019</a:t>
             </a:fld>
             <a:endParaRPr lang="en-US" dirty="0"/>
           </a:p>
@@ -4272,7 +4272,7 @@
           <a:p>
             <a:fld id="{3FAA6659-066F-4E7F-BD92-0981E5430CBE}" type="datetimeFigureOut">
               <a:rPr lang="en-US" smtClean="0"/>
-              <a:t>7/24/2019</a:t>
+              <a:t>7/30/2019</a:t>
             </a:fld>
             <a:endParaRPr lang="en-US"/>
           </a:p>
@@ -4440,7 +4440,7 @@
           <a:p>
             <a:fld id="{3FAA6659-066F-4E7F-BD92-0981E5430CBE}" type="datetimeFigureOut">
               <a:rPr lang="en-US" smtClean="0"/>
-              <a:t>7/24/2019</a:t>
+              <a:t>7/30/2019</a:t>
             </a:fld>
             <a:endParaRPr lang="en-US"/>
           </a:p>
@@ -4685,7 +4685,7 @@
           <a:p>
             <a:fld id="{3FAA6659-066F-4E7F-BD92-0981E5430CBE}" type="datetimeFigureOut">
               <a:rPr lang="en-US" smtClean="0"/>
-              <a:t>7/24/2019</a:t>
+              <a:t>7/30/2019</a:t>
             </a:fld>
             <a:endParaRPr lang="en-US"/>
           </a:p>
@@ -4914,7 +4914,7 @@
           <a:p>
             <a:fld id="{3FAA6659-066F-4E7F-BD92-0981E5430CBE}" type="datetimeFigureOut">
               <a:rPr lang="en-US" smtClean="0"/>
-              <a:t>7/24/2019</a:t>
+              <a:t>7/30/2019</a:t>
             </a:fld>
             <a:endParaRPr lang="en-US"/>
           </a:p>
@@ -5278,7 +5278,7 @@
           <a:p>
             <a:fld id="{3FAA6659-066F-4E7F-BD92-0981E5430CBE}" type="datetimeFigureOut">
               <a:rPr lang="en-US" smtClean="0"/>
-              <a:t>7/24/2019</a:t>
+              <a:t>7/30/2019</a:t>
             </a:fld>
             <a:endParaRPr lang="en-US"/>
           </a:p>
@@ -5395,7 +5395,7 @@
           <a:p>
             <a:fld id="{3FAA6659-066F-4E7F-BD92-0981E5430CBE}" type="datetimeFigureOut">
               <a:rPr lang="en-US" smtClean="0"/>
-              <a:t>7/24/2019</a:t>
+              <a:t>7/30/2019</a:t>
             </a:fld>
             <a:endParaRPr lang="en-US"/>
           </a:p>
@@ -5490,7 +5490,7 @@
           <a:p>
             <a:fld id="{3FAA6659-066F-4E7F-BD92-0981E5430CBE}" type="datetimeFigureOut">
               <a:rPr lang="en-US" smtClean="0"/>
-              <a:t>7/24/2019</a:t>
+              <a:t>7/30/2019</a:t>
             </a:fld>
             <a:endParaRPr lang="en-US"/>
           </a:p>
@@ -5765,7 +5765,7 @@
           <a:p>
             <a:fld id="{3FAA6659-066F-4E7F-BD92-0981E5430CBE}" type="datetimeFigureOut">
               <a:rPr lang="en-US" smtClean="0"/>
-              <a:t>7/24/2019</a:t>
+              <a:t>7/30/2019</a:t>
             </a:fld>
             <a:endParaRPr lang="en-US"/>
           </a:p>
@@ -6017,7 +6017,7 @@
           <a:p>
             <a:fld id="{3FAA6659-066F-4E7F-BD92-0981E5430CBE}" type="datetimeFigureOut">
               <a:rPr lang="en-US" smtClean="0"/>
-              <a:t>7/24/2019</a:t>
+              <a:t>7/30/2019</a:t>
             </a:fld>
             <a:endParaRPr lang="en-US"/>
           </a:p>
@@ -6185,7 +6185,7 @@
           <a:p>
             <a:fld id="{3FAA6659-066F-4E7F-BD92-0981E5430CBE}" type="datetimeFigureOut">
               <a:rPr lang="en-US" smtClean="0"/>
-              <a:t>7/24/2019</a:t>
+              <a:t>7/30/2019</a:t>
             </a:fld>
             <a:endParaRPr lang="en-US"/>
           </a:p>
@@ -6417,7 +6417,7 @@
           <a:p>
             <a:fld id="{DF1B7059-9994-452B-97D3-B9424BDCF679}" type="datetimeFigureOut">
               <a:rPr lang="en-US" smtClean="0"/>
-              <a:t>7/24/2019</a:t>
+              <a:t>7/30/2019</a:t>
             </a:fld>
             <a:endParaRPr lang="en-US" dirty="0"/>
           </a:p>
@@ -6595,7 +6595,7 @@
           <a:p>
             <a:fld id="{3FAA6659-066F-4E7F-BD92-0981E5430CBE}" type="datetimeFigureOut">
               <a:rPr lang="en-US" smtClean="0"/>
-              <a:t>7/24/2019</a:t>
+              <a:t>7/30/2019</a:t>
             </a:fld>
             <a:endParaRPr lang="en-US"/>
           </a:p>
@@ -7169,7 +7169,7 @@
           <a:p>
             <a:fld id="{DF1B7059-9994-452B-97D3-B9424BDCF679}" type="datetimeFigureOut">
               <a:rPr lang="en-US" smtClean="0"/>
-              <a:t>7/24/2019</a:t>
+              <a:t>7/30/2019</a:t>
             </a:fld>
             <a:endParaRPr lang="en-US" dirty="0"/>
           </a:p>
@@ -7287,7 +7287,7 @@
           <a:p>
             <a:fld id="{DF1B7059-9994-452B-97D3-B9424BDCF679}" type="datetimeFigureOut">
               <a:rPr lang="en-US" smtClean="0"/>
-              <a:t>7/24/2019</a:t>
+              <a:t>7/30/2019</a:t>
             </a:fld>
             <a:endParaRPr lang="en-US" dirty="0"/>
           </a:p>
@@ -7382,7 +7382,7 @@
           <a:p>
             <a:fld id="{DF1B7059-9994-452B-97D3-B9424BDCF679}" type="datetimeFigureOut">
               <a:rPr lang="en-US" smtClean="0"/>
-              <a:t>7/24/2019</a:t>
+              <a:t>7/30/2019</a:t>
             </a:fld>
             <a:endParaRPr lang="en-US" dirty="0"/>
           </a:p>
@@ -7659,7 +7659,7 @@
           <a:p>
             <a:fld id="{DF1B7059-9994-452B-97D3-B9424BDCF679}" type="datetimeFigureOut">
               <a:rPr lang="en-US" smtClean="0"/>
-              <a:t>7/24/2019</a:t>
+              <a:t>7/30/2019</a:t>
             </a:fld>
             <a:endParaRPr lang="en-US" dirty="0"/>
           </a:p>
@@ -7915,7 +7915,7 @@
           <a:p>
             <a:fld id="{DF1B7059-9994-452B-97D3-B9424BDCF679}" type="datetimeFigureOut">
               <a:rPr lang="en-US" smtClean="0"/>
-              <a:t>7/24/2019</a:t>
+              <a:t>7/30/2019</a:t>
             </a:fld>
             <a:endParaRPr lang="en-US" dirty="0"/>
           </a:p>
@@ -8128,7 +8128,7 @@
           <a:p>
             <a:fld id="{DF1B7059-9994-452B-97D3-B9424BDCF679}" type="datetimeFigureOut">
               <a:rPr lang="en-US" smtClean="0"/>
-              <a:t>7/24/2019</a:t>
+              <a:t>7/30/2019</a:t>
             </a:fld>
             <a:endParaRPr lang="en-US" dirty="0"/>
           </a:p>
@@ -8723,7 +8723,7 @@
                 </a:solidFill>
               </a:rPr>
               <a:pPr/>
-              <a:t>7/24/2019</a:t>
+              <a:t>7/30/2019</a:t>
             </a:fld>
             <a:endParaRPr lang="en-US" dirty="0">
               <a:solidFill>
@@ -9286,7 +9286,7 @@
                 </a:solidFill>
               </a:rPr>
               <a:pPr/>
-              <a:t>7/24/2019</a:t>
+              <a:t>7/30/2019</a:t>
             </a:fld>
             <a:endParaRPr lang="en-US" dirty="0">
               <a:solidFill>
@@ -9804,7 +9804,7 @@
           <a:p>
             <a:fld id="{3FAA6659-066F-4E7F-BD92-0981E5430CBE}" type="datetimeFigureOut">
               <a:rPr lang="en-US" smtClean="0"/>
-              <a:t>7/24/2019</a:t>
+              <a:t>7/30/2019</a:t>
             </a:fld>
             <a:endParaRPr lang="en-US"/>
           </a:p>
@@ -11000,7 +11000,7 @@
           <a:p>
             <a:r>
               <a:rPr lang="en-US" dirty="0"/>
-              <a:t>Test-taking Insight</a:t>
+              <a:t>How To Prepare for Cert Exams</a:t>
             </a:r>
           </a:p>
         </p:txBody>
@@ -11333,7 +11333,7 @@
           <a:p>
             <a:r>
               <a:rPr lang="en-US" dirty="0"/>
-              <a:t>Test-taking Insight</a:t>
+              <a:t>How To Prepare for Cert Exams</a:t>
             </a:r>
           </a:p>
         </p:txBody>
@@ -11362,7 +11362,7 @@
           <a:p>
             <a:r>
               <a:rPr lang="en-US" sz="4400" dirty="0"/>
-              <a:t>Do not study by reading (alone).</a:t>
+              <a:t>Do not study only by reading books/MSDN.</a:t>
             </a:r>
           </a:p>
           <a:p>
@@ -13980,7 +13980,7 @@
                 </a:solidFill>
                 <a:latin typeface="+mn-lt"/>
               </a:rPr>
-              <a:t>. – that’s it on the menu</a:t>
+              <a:t>. – that’s it for the menu</a:t>
             </a:r>
           </a:p>
           <a:p>
@@ -14116,7 +14116,65 @@
                 </a:solidFill>
                 <a:latin typeface="+mn-lt"/>
               </a:rPr>
-              <a:t>The "application only connects to </a:t>
+              <a:t>The "application </a:t>
+            </a:r>
+            <a:r>
+              <a:rPr lang="en-US" sz="3200" dirty="0">
+                <a:solidFill>
+                  <a:schemeClr val="tx1"/>
+                </a:solidFill>
+                <a:latin typeface="+mn-lt"/>
+              </a:rPr>
+              <a:t>only connects </a:t>
+            </a:r>
+            <a:r>
+              <a:rPr lang="en-US" sz="3200" b="0" dirty="0">
+                <a:solidFill>
+                  <a:schemeClr val="tx1"/>
+                </a:solidFill>
+                <a:latin typeface="+mn-lt"/>
+              </a:rPr>
+              <a:t>to one database" </a:t>
+            </a:r>
+          </a:p>
+          <a:p>
+            <a:r>
+              <a:rPr lang="en-US" sz="3200" b="0" dirty="0">
+                <a:solidFill>
+                  <a:schemeClr val="tx1"/>
+                </a:solidFill>
+                <a:latin typeface="+mn-lt"/>
+              </a:rPr>
+              <a:t>vs. </a:t>
+            </a:r>
+          </a:p>
+          <a:p>
+            <a:r>
+              <a:rPr lang="en-US" sz="3200" b="0" dirty="0">
+                <a:solidFill>
+                  <a:schemeClr val="tx1"/>
+                </a:solidFill>
+                <a:latin typeface="+mn-lt"/>
+              </a:rPr>
+              <a:t>the "application connects to </a:t>
+            </a:r>
+            <a:r>
+              <a:rPr lang="en-US" sz="3200" dirty="0">
+                <a:solidFill>
+                  <a:schemeClr val="tx1"/>
+                </a:solidFill>
+                <a:latin typeface="+mn-lt"/>
+              </a:rPr>
+              <a:t>only</a:t>
+            </a:r>
+            <a:r>
+              <a:rPr lang="en-US" sz="3200" b="0" dirty="0">
+                <a:solidFill>
+                  <a:schemeClr val="tx1"/>
+                </a:solidFill>
+                <a:latin typeface="+mn-lt"/>
+              </a:rPr>
+              <a:t> </a:t>
             </a:r>
             <a:r>
               <a:rPr lang="en-US" sz="3200" dirty="0">
@@ -14134,47 +14192,7 @@
                 </a:solidFill>
                 <a:latin typeface="+mn-lt"/>
               </a:rPr>
-              <a:t> database" </a:t>
-            </a:r>
-          </a:p>
-          <a:p>
-            <a:r>
-              <a:rPr lang="en-US" sz="3200" b="0" dirty="0">
-                <a:solidFill>
-                  <a:schemeClr val="tx1"/>
-                </a:solidFill>
-                <a:latin typeface="+mn-lt"/>
-              </a:rPr>
-              <a:t>vs. </a:t>
-            </a:r>
-          </a:p>
-          <a:p>
-            <a:r>
-              <a:rPr lang="en-US" sz="3200" b="0" dirty="0">
-                <a:solidFill>
-                  <a:schemeClr val="tx1"/>
-                </a:solidFill>
-                <a:latin typeface="+mn-lt"/>
-              </a:rPr>
-              <a:t>the "application connects to </a:t>
-            </a:r>
-            <a:r>
-              <a:rPr lang="en-US" sz="3200" dirty="0">
-                <a:solidFill>
-                  <a:schemeClr val="tx1"/>
-                </a:solidFill>
-                <a:latin typeface="+mn-lt"/>
-              </a:rPr>
-              <a:t>only</a:t>
-            </a:r>
-            <a:r>
-              <a:rPr lang="en-US" sz="3200" b="0" dirty="0">
-                <a:solidFill>
-                  <a:schemeClr val="tx1"/>
-                </a:solidFill>
-                <a:latin typeface="+mn-lt"/>
-              </a:rPr>
-              <a:t> one database"</a:t>
+              <a:t> database"</a:t>
             </a:r>
           </a:p>
         </p:txBody>
@@ -14614,19 +14632,19 @@
           <a:p>
             <a:r>
               <a:rPr lang="en-US" sz="3200" dirty="0"/>
-              <a:t>You are choosing the leader for your starship out of the ranks of captains throughout time.</a:t>
+              <a:t>You are choosing the leader for your new flagship out of the ranks of captains throughout time.</a:t>
             </a:r>
           </a:p>
           <a:p>
             <a:r>
               <a:rPr lang="en-US" sz="3200" dirty="0"/>
-              <a:t>Your choice must have experience in both Star Trek franchise movies and TV shows. The captain must have a superior hairstyle.</a:t>
+              <a:t>Your choice must at least five seasons of TV experience. The new captain must have a superior hairstyle.</a:t>
             </a:r>
           </a:p>
           <a:p>
             <a:r>
               <a:rPr lang="en-US" sz="3200" dirty="0"/>
-              <a:t>Who do you choose?</a:t>
+              <a:t>You need to choose a leader for your starship.</a:t>
             </a:r>
             <a:endParaRPr lang="en-US" dirty="0"/>
           </a:p>
@@ -14683,7 +14701,7 @@
         </p:nvSpPr>
         <p:spPr>
           <a:xfrm rot="10800000">
-            <a:off x="3848878" y="4157021"/>
+            <a:off x="3721058" y="4160492"/>
             <a:ext cx="1371600" cy="385483"/>
           </a:xfrm>
           <a:prstGeom prst="rightArrow">
@@ -14718,7 +14736,7 @@
     </p:spTree>
     <p:extLst>
       <p:ext uri="{BB962C8B-B14F-4D97-AF65-F5344CB8AC3E}">
-        <p14:creationId xmlns:p14="http://schemas.microsoft.com/office/powerpoint/2010/main" val="3998209774"/>
+        <p14:creationId xmlns:p14="http://schemas.microsoft.com/office/powerpoint/2010/main" val="1395901747"/>
       </p:ext>
     </p:extLst>
   </p:cSld>
@@ -16592,7 +16610,7 @@
                 </a:solidFill>
                 <a:latin typeface="+mn-lt"/>
               </a:rPr>
-              <a:t>difficult to keep the answer simple</a:t>
+              <a:t>difficult to keep the question scenario simple</a:t>
             </a:r>
             <a:r>
               <a:rPr lang="en-US" sz="3600" b="0" dirty="0">
@@ -16855,7 +16873,7 @@
         <p:spPr>
           <a:xfrm>
             <a:off x="233916" y="1073886"/>
-            <a:ext cx="11292799" cy="3785652"/>
+            <a:ext cx="11292799" cy="4154984"/>
           </a:xfrm>
           <a:prstGeom prst="rect">
             <a:avLst/>
@@ -16869,23 +16887,23 @@
           <a:lstStyle/>
           <a:p>
             <a:r>
-              <a:rPr lang="en-US" sz="4000" dirty="0"/>
+              <a:rPr lang="en-US" sz="4400" dirty="0"/>
               <a:t>“Domain Drift” is when your question became so complicated,</a:t>
             </a:r>
           </a:p>
           <a:p>
             <a:r>
-              <a:rPr lang="en-US" sz="4000" dirty="0"/>
+              <a:rPr lang="en-US" sz="4400" dirty="0"/>
               <a:t>you end up with a question on a different topic. </a:t>
             </a:r>
           </a:p>
           <a:p>
-            <a:endParaRPr lang="en-US" sz="4000" dirty="0"/>
-          </a:p>
-          <a:p>
-            <a:r>
-              <a:rPr lang="en-US" sz="4000" dirty="0"/>
-              <a:t>Now you have to beg another item writer to trade question assignments with you.</a:t>
+            <a:endParaRPr lang="en-US" sz="4400" dirty="0"/>
+          </a:p>
+          <a:p>
+            <a:r>
+              <a:rPr lang="en-US" sz="4400" dirty="0"/>
+              <a:t>Now you have to beg another Item Writer to trade question assignments with you.</a:t>
             </a:r>
           </a:p>
         </p:txBody>
@@ -22546,7 +22564,25 @@
                 </a:solidFill>
                 <a:latin typeface="+mn-lt"/>
               </a:rPr>
-              <a:t>It’s a question about the details of solution selection.</a:t>
+              <a:t>It’s a question about the details of </a:t>
+            </a:r>
+            <a:r>
+              <a:rPr lang="en-US" sz="3200" dirty="0">
+                <a:solidFill>
+                  <a:srgbClr val="C00000"/>
+                </a:solidFill>
+                <a:latin typeface="+mn-lt"/>
+              </a:rPr>
+              <a:t>solution selection</a:t>
+            </a:r>
+            <a:r>
+              <a:rPr lang="en-US" sz="3200" b="0" dirty="0">
+                <a:solidFill>
+                  <a:srgbClr val="C00000"/>
+                </a:solidFill>
+                <a:latin typeface="+mn-lt"/>
+              </a:rPr>
+              <a:t>.</a:t>
             </a:r>
           </a:p>
         </p:txBody>
@@ -23357,19 +23393,19 @@
           <a:p>
             <a:r>
               <a:rPr lang="en-US" sz="3200" dirty="0"/>
-              <a:t>You are choosing the leader for your starship out of the ranks of captains throughout time.</a:t>
+              <a:t>You are choosing the leader for your new flagship out of the ranks of captains throughout time.</a:t>
             </a:r>
           </a:p>
           <a:p>
             <a:r>
               <a:rPr lang="en-US" sz="3200" dirty="0"/>
-              <a:t>Your choice must have experience in both Star Trek franchise movies and TV shows. The captain must have a superior hairstyle.</a:t>
+              <a:t>Your choice must at least five seasons of TV experience. The new captain must have a superior hairstyle.</a:t>
             </a:r>
           </a:p>
           <a:p>
             <a:r>
               <a:rPr lang="en-US" sz="3200" dirty="0"/>
-              <a:t>Who do you choose?</a:t>
+              <a:t>You need to choose a leader for your starship.</a:t>
             </a:r>
             <a:endParaRPr lang="en-US" dirty="0"/>
           </a:p>
@@ -23492,7 +23528,7 @@
         </p:nvCxnSpPr>
         <p:spPr>
           <a:xfrm flipH="1" flipV="1">
-            <a:off x="1619951" y="3931812"/>
+            <a:off x="1619951" y="3978906"/>
             <a:ext cx="3988778" cy="38478"/>
           </a:xfrm>
           <a:prstGeom prst="line">
@@ -23522,13 +23558,15 @@
       <p:cxnSp>
         <p:nvCxnSpPr>
           <p:cNvPr id="13" name="Straight Connector 12"/>
-          <p:cNvCxnSpPr/>
+          <p:cNvCxnSpPr>
+            <a:cxnSpLocks/>
+          </p:cNvCxnSpPr>
           <p:nvPr/>
         </p:nvCxnSpPr>
         <p:spPr>
           <a:xfrm flipH="1">
-            <a:off x="942369" y="2868558"/>
-            <a:ext cx="2195819" cy="1"/>
+            <a:off x="4119716" y="2839062"/>
+            <a:ext cx="2703872" cy="0"/>
           </a:xfrm>
           <a:prstGeom prst="line">
             <a:avLst/>
@@ -23553,13 +23591,15 @@
       <p:cxnSp>
         <p:nvCxnSpPr>
           <p:cNvPr id="14" name="Straight Connector 13"/>
-          <p:cNvCxnSpPr/>
+          <p:cNvCxnSpPr>
+            <a:cxnSpLocks/>
+          </p:cNvCxnSpPr>
           <p:nvPr/>
         </p:nvCxnSpPr>
         <p:spPr>
           <a:xfrm flipH="1">
-            <a:off x="6804025" y="2873662"/>
-            <a:ext cx="2969731" cy="0"/>
+            <a:off x="7187381" y="2527073"/>
+            <a:ext cx="2153264" cy="0"/>
           </a:xfrm>
           <a:prstGeom prst="line">
             <a:avLst/>
@@ -23588,13 +23628,15 @@
       <p:cxnSp>
         <p:nvCxnSpPr>
           <p:cNvPr id="15" name="Straight Connector 14"/>
-          <p:cNvCxnSpPr/>
+          <p:cNvCxnSpPr>
+            <a:cxnSpLocks/>
+          </p:cNvCxnSpPr>
           <p:nvPr/>
         </p:nvCxnSpPr>
         <p:spPr>
           <a:xfrm flipH="1">
-            <a:off x="942369" y="2107743"/>
-            <a:ext cx="1244097" cy="0"/>
+            <a:off x="942370" y="2107743"/>
+            <a:ext cx="1702507" cy="0"/>
           </a:xfrm>
           <a:prstGeom prst="line">
             <a:avLst/>
@@ -23628,7 +23670,7 @@
         </p:nvSpPr>
         <p:spPr>
           <a:xfrm rot="10800000">
-            <a:off x="3848878" y="4157021"/>
+            <a:off x="3721058" y="4160492"/>
             <a:ext cx="1371600" cy="385483"/>
           </a:xfrm>
           <a:prstGeom prst="rightArrow">
@@ -23670,551 +23712,6 @@
   <p:clrMapOvr>
     <a:masterClrMapping/>
   </p:clrMapOvr>
-  <p:timing>
-    <p:tnLst>
-      <p:par>
-        <p:cTn id="1" dur="indefinite" restart="never" nodeType="tmRoot">
-          <p:childTnLst>
-            <p:seq concurrent="1" nextAc="seek">
-              <p:cTn id="2" dur="indefinite" nodeType="mainSeq">
-                <p:childTnLst>
-                  <p:par>
-                    <p:cTn id="3" fill="hold">
-                      <p:stCondLst>
-                        <p:cond delay="indefinite"/>
-                      </p:stCondLst>
-                      <p:childTnLst>
-                        <p:par>
-                          <p:cTn id="4" fill="hold">
-                            <p:stCondLst>
-                              <p:cond delay="0"/>
-                            </p:stCondLst>
-                            <p:childTnLst>
-                              <p:par>
-                                <p:cTn id="5" presetID="1" presetClass="entr" presetSubtype="0" fill="hold" nodeType="clickEffect">
-                                  <p:stCondLst>
-                                    <p:cond delay="0"/>
-                                  </p:stCondLst>
-                                  <p:childTnLst>
-                                    <p:set>
-                                      <p:cBhvr>
-                                        <p:cTn id="6" dur="1" fill="hold">
-                                          <p:stCondLst>
-                                            <p:cond delay="0"/>
-                                          </p:stCondLst>
-                                        </p:cTn>
-                                        <p:tgtEl>
-                                          <p:spTgt spid="7"/>
-                                        </p:tgtEl>
-                                        <p:attrNameLst>
-                                          <p:attrName>style.visibility</p:attrName>
-                                        </p:attrNameLst>
-                                      </p:cBhvr>
-                                      <p:to>
-                                        <p:strVal val="visible"/>
-                                      </p:to>
-                                    </p:set>
-                                  </p:childTnLst>
-                                </p:cTn>
-                              </p:par>
-                              <p:par>
-                                <p:cTn id="7" presetID="1" presetClass="entr" presetSubtype="0" fill="hold" nodeType="withEffect">
-                                  <p:stCondLst>
-                                    <p:cond delay="0"/>
-                                  </p:stCondLst>
-                                  <p:childTnLst>
-                                    <p:set>
-                                      <p:cBhvr>
-                                        <p:cTn id="8" dur="1" fill="hold">
-                                          <p:stCondLst>
-                                            <p:cond delay="0"/>
-                                          </p:stCondLst>
-                                        </p:cTn>
-                                        <p:tgtEl>
-                                          <p:spTgt spid="15"/>
-                                        </p:tgtEl>
-                                        <p:attrNameLst>
-                                          <p:attrName>style.visibility</p:attrName>
-                                        </p:attrNameLst>
-                                      </p:cBhvr>
-                                      <p:to>
-                                        <p:strVal val="visible"/>
-                                      </p:to>
-                                    </p:set>
-                                  </p:childTnLst>
-                                </p:cTn>
-                              </p:par>
-                            </p:childTnLst>
-                          </p:cTn>
-                        </p:par>
-                      </p:childTnLst>
-                    </p:cTn>
-                  </p:par>
-                  <p:par>
-                    <p:cTn id="9" fill="hold">
-                      <p:stCondLst>
-                        <p:cond delay="indefinite"/>
-                      </p:stCondLst>
-                      <p:childTnLst>
-                        <p:par>
-                          <p:cTn id="10" fill="hold">
-                            <p:stCondLst>
-                              <p:cond delay="0"/>
-                            </p:stCondLst>
-                            <p:childTnLst>
-                              <p:par>
-                                <p:cTn id="11" presetID="1" presetClass="entr" presetSubtype="0" fill="hold" nodeType="clickEffect">
-                                  <p:stCondLst>
-                                    <p:cond delay="0"/>
-                                  </p:stCondLst>
-                                  <p:childTnLst>
-                                    <p:set>
-                                      <p:cBhvr>
-                                        <p:cTn id="12" dur="1" fill="hold">
-                                          <p:stCondLst>
-                                            <p:cond delay="0"/>
-                                          </p:stCondLst>
-                                        </p:cTn>
-                                        <p:tgtEl>
-                                          <p:spTgt spid="5"/>
-                                        </p:tgtEl>
-                                        <p:attrNameLst>
-                                          <p:attrName>style.visibility</p:attrName>
-                                        </p:attrNameLst>
-                                      </p:cBhvr>
-                                      <p:to>
-                                        <p:strVal val="visible"/>
-                                      </p:to>
-                                    </p:set>
-                                  </p:childTnLst>
-                                </p:cTn>
-                              </p:par>
-                              <p:par>
-                                <p:cTn id="13" presetID="1" presetClass="entr" presetSubtype="0" fill="hold" nodeType="withEffect">
-                                  <p:stCondLst>
-                                    <p:cond delay="0"/>
-                                  </p:stCondLst>
-                                  <p:childTnLst>
-                                    <p:set>
-                                      <p:cBhvr>
-                                        <p:cTn id="14" dur="1" fill="hold">
-                                          <p:stCondLst>
-                                            <p:cond delay="0"/>
-                                          </p:stCondLst>
-                                        </p:cTn>
-                                        <p:tgtEl>
-                                          <p:spTgt spid="13"/>
-                                        </p:tgtEl>
-                                        <p:attrNameLst>
-                                          <p:attrName>style.visibility</p:attrName>
-                                        </p:attrNameLst>
-                                      </p:cBhvr>
-                                      <p:to>
-                                        <p:strVal val="visible"/>
-                                      </p:to>
-                                    </p:set>
-                                  </p:childTnLst>
-                                </p:cTn>
-                              </p:par>
-                            </p:childTnLst>
-                          </p:cTn>
-                        </p:par>
-                      </p:childTnLst>
-                    </p:cTn>
-                  </p:par>
-                  <p:par>
-                    <p:cTn id="15" fill="hold">
-                      <p:stCondLst>
-                        <p:cond delay="indefinite"/>
-                      </p:stCondLst>
-                      <p:childTnLst>
-                        <p:par>
-                          <p:cTn id="16" fill="hold">
-                            <p:stCondLst>
-                              <p:cond delay="0"/>
-                            </p:stCondLst>
-                            <p:childTnLst>
-                              <p:par>
-                                <p:cTn id="17" presetID="1" presetClass="entr" presetSubtype="0" fill="hold" nodeType="clickEffect">
-                                  <p:stCondLst>
-                                    <p:cond delay="0"/>
-                                  </p:stCondLst>
-                                  <p:childTnLst>
-                                    <p:set>
-                                      <p:cBhvr>
-                                        <p:cTn id="18" dur="1" fill="hold">
-                                          <p:stCondLst>
-                                            <p:cond delay="0"/>
-                                          </p:stCondLst>
-                                        </p:cTn>
-                                        <p:tgtEl>
-                                          <p:spTgt spid="8"/>
-                                        </p:tgtEl>
-                                        <p:attrNameLst>
-                                          <p:attrName>style.visibility</p:attrName>
-                                        </p:attrNameLst>
-                                      </p:cBhvr>
-                                      <p:to>
-                                        <p:strVal val="visible"/>
-                                      </p:to>
-                                    </p:set>
-                                  </p:childTnLst>
-                                </p:cTn>
-                              </p:par>
-                              <p:par>
-                                <p:cTn id="19" presetID="1" presetClass="entr" presetSubtype="0" fill="hold" nodeType="withEffect">
-                                  <p:stCondLst>
-                                    <p:cond delay="0"/>
-                                  </p:stCondLst>
-                                  <p:childTnLst>
-                                    <p:set>
-                                      <p:cBhvr>
-                                        <p:cTn id="20" dur="1" fill="hold">
-                                          <p:stCondLst>
-                                            <p:cond delay="0"/>
-                                          </p:stCondLst>
-                                        </p:cTn>
-                                        <p:tgtEl>
-                                          <p:spTgt spid="14"/>
-                                        </p:tgtEl>
-                                        <p:attrNameLst>
-                                          <p:attrName>style.visibility</p:attrName>
-                                        </p:attrNameLst>
-                                      </p:cBhvr>
-                                      <p:to>
-                                        <p:strVal val="visible"/>
-                                      </p:to>
-                                    </p:set>
-                                  </p:childTnLst>
-                                </p:cTn>
-                              </p:par>
-                            </p:childTnLst>
-                          </p:cTn>
-                        </p:par>
-                      </p:childTnLst>
-                    </p:cTn>
-                  </p:par>
-                  <p:par>
-                    <p:cTn id="21" fill="hold">
-                      <p:stCondLst>
-                        <p:cond delay="indefinite"/>
-                      </p:stCondLst>
-                      <p:childTnLst>
-                        <p:par>
-                          <p:cTn id="22" fill="hold">
-                            <p:stCondLst>
-                              <p:cond delay="0"/>
-                            </p:stCondLst>
-                            <p:childTnLst>
-                              <p:par>
-                                <p:cTn id="23" presetID="26" presetClass="entr" presetSubtype="0" fill="hold" grpId="0" nodeType="clickEffect">
-                                  <p:stCondLst>
-                                    <p:cond delay="0"/>
-                                  </p:stCondLst>
-                                  <p:childTnLst>
-                                    <p:set>
-                                      <p:cBhvr>
-                                        <p:cTn id="24" dur="1" fill="hold">
-                                          <p:stCondLst>
-                                            <p:cond delay="0"/>
-                                          </p:stCondLst>
-                                        </p:cTn>
-                                        <p:tgtEl>
-                                          <p:spTgt spid="17"/>
-                                        </p:tgtEl>
-                                        <p:attrNameLst>
-                                          <p:attrName>style.visibility</p:attrName>
-                                        </p:attrNameLst>
-                                      </p:cBhvr>
-                                      <p:to>
-                                        <p:strVal val="visible"/>
-                                      </p:to>
-                                    </p:set>
-                                    <p:animEffect transition="in" filter="wipe(down)">
-                                      <p:cBhvr>
-                                        <p:cTn id="25" dur="580">
-                                          <p:stCondLst>
-                                            <p:cond delay="0"/>
-                                          </p:stCondLst>
-                                        </p:cTn>
-                                        <p:tgtEl>
-                                          <p:spTgt spid="17"/>
-                                        </p:tgtEl>
-                                      </p:cBhvr>
-                                    </p:animEffect>
-                                    <p:anim calcmode="lin" valueType="num">
-                                      <p:cBhvr>
-                                        <p:cTn id="26" dur="1822" tmFilter="0,0; 0.14,0.36; 0.43,0.73; 0.71,0.91; 1.0,1.0">
-                                          <p:stCondLst>
-                                            <p:cond delay="0"/>
-                                          </p:stCondLst>
-                                        </p:cTn>
-                                        <p:tgtEl>
-                                          <p:spTgt spid="17"/>
-                                        </p:tgtEl>
-                                        <p:attrNameLst>
-                                          <p:attrName>ppt_x</p:attrName>
-                                        </p:attrNameLst>
-                                      </p:cBhvr>
-                                      <p:tavLst>
-                                        <p:tav tm="0">
-                                          <p:val>
-                                            <p:strVal val="#ppt_x-0.25"/>
-                                          </p:val>
-                                        </p:tav>
-                                        <p:tav tm="100000">
-                                          <p:val>
-                                            <p:strVal val="#ppt_x"/>
-                                          </p:val>
-                                        </p:tav>
-                                      </p:tavLst>
-                                    </p:anim>
-                                    <p:anim calcmode="lin" valueType="num">
-                                      <p:cBhvr>
-                                        <p:cTn id="27" dur="664" tmFilter="0.0,0.0; 0.25,0.07; 0.50,0.2; 0.75,0.467; 1.0,1.0">
-                                          <p:stCondLst>
-                                            <p:cond delay="0"/>
-                                          </p:stCondLst>
-                                        </p:cTn>
-                                        <p:tgtEl>
-                                          <p:spTgt spid="17"/>
-                                        </p:tgtEl>
-                                        <p:attrNameLst>
-                                          <p:attrName>ppt_y</p:attrName>
-                                        </p:attrNameLst>
-                                      </p:cBhvr>
-                                      <p:tavLst>
-                                        <p:tav tm="0" fmla="#ppt_y-sin(pi*$)/3">
-                                          <p:val>
-                                            <p:fltVal val="0.5"/>
-                                          </p:val>
-                                        </p:tav>
-                                        <p:tav tm="100000">
-                                          <p:val>
-                                            <p:fltVal val="1"/>
-                                          </p:val>
-                                        </p:tav>
-                                      </p:tavLst>
-                                    </p:anim>
-                                    <p:anim calcmode="lin" valueType="num">
-                                      <p:cBhvr>
-                                        <p:cTn id="28" dur="664" tmFilter="0, 0; 0.125,0.2665; 0.25,0.4; 0.375,0.465; 0.5,0.5;  0.625,0.535; 0.75,0.6; 0.875,0.7335; 1,1">
-                                          <p:stCondLst>
-                                            <p:cond delay="664"/>
-                                          </p:stCondLst>
-                                        </p:cTn>
-                                        <p:tgtEl>
-                                          <p:spTgt spid="17"/>
-                                        </p:tgtEl>
-                                        <p:attrNameLst>
-                                          <p:attrName>ppt_y</p:attrName>
-                                        </p:attrNameLst>
-                                      </p:cBhvr>
-                                      <p:tavLst>
-                                        <p:tav tm="0" fmla="#ppt_y-sin(pi*$)/9">
-                                          <p:val>
-                                            <p:fltVal val="0"/>
-                                          </p:val>
-                                        </p:tav>
-                                        <p:tav tm="100000">
-                                          <p:val>
-                                            <p:fltVal val="1"/>
-                                          </p:val>
-                                        </p:tav>
-                                      </p:tavLst>
-                                    </p:anim>
-                                    <p:anim calcmode="lin" valueType="num">
-                                      <p:cBhvr>
-                                        <p:cTn id="29" dur="332" tmFilter="0, 0; 0.125,0.2665; 0.25,0.4; 0.375,0.465; 0.5,0.5;  0.625,0.535; 0.75,0.6; 0.875,0.7335; 1,1">
-                                          <p:stCondLst>
-                                            <p:cond delay="1324"/>
-                                          </p:stCondLst>
-                                        </p:cTn>
-                                        <p:tgtEl>
-                                          <p:spTgt spid="17"/>
-                                        </p:tgtEl>
-                                        <p:attrNameLst>
-                                          <p:attrName>ppt_y</p:attrName>
-                                        </p:attrNameLst>
-                                      </p:cBhvr>
-                                      <p:tavLst>
-                                        <p:tav tm="0" fmla="#ppt_y-sin(pi*$)/27">
-                                          <p:val>
-                                            <p:fltVal val="0"/>
-                                          </p:val>
-                                        </p:tav>
-                                        <p:tav tm="100000">
-                                          <p:val>
-                                            <p:fltVal val="1"/>
-                                          </p:val>
-                                        </p:tav>
-                                      </p:tavLst>
-                                    </p:anim>
-                                    <p:anim calcmode="lin" valueType="num">
-                                      <p:cBhvr>
-                                        <p:cTn id="30" dur="164" tmFilter="0, 0; 0.125,0.2665; 0.25,0.4; 0.375,0.465; 0.5,0.5;  0.625,0.535; 0.75,0.6; 0.875,0.7335; 1,1">
-                                          <p:stCondLst>
-                                            <p:cond delay="1656"/>
-                                          </p:stCondLst>
-                                        </p:cTn>
-                                        <p:tgtEl>
-                                          <p:spTgt spid="17"/>
-                                        </p:tgtEl>
-                                        <p:attrNameLst>
-                                          <p:attrName>ppt_y</p:attrName>
-                                        </p:attrNameLst>
-                                      </p:cBhvr>
-                                      <p:tavLst>
-                                        <p:tav tm="0" fmla="#ppt_y-sin(pi*$)/81">
-                                          <p:val>
-                                            <p:fltVal val="0"/>
-                                          </p:val>
-                                        </p:tav>
-                                        <p:tav tm="100000">
-                                          <p:val>
-                                            <p:fltVal val="1"/>
-                                          </p:val>
-                                        </p:tav>
-                                      </p:tavLst>
-                                    </p:anim>
-                                    <p:animScale>
-                                      <p:cBhvr>
-                                        <p:cTn id="31" dur="26">
-                                          <p:stCondLst>
-                                            <p:cond delay="650"/>
-                                          </p:stCondLst>
-                                        </p:cTn>
-                                        <p:tgtEl>
-                                          <p:spTgt spid="17"/>
-                                        </p:tgtEl>
-                                      </p:cBhvr>
-                                      <p:to x="100000" y="60000"/>
-                                    </p:animScale>
-                                    <p:animScale>
-                                      <p:cBhvr>
-                                        <p:cTn id="32" dur="166" decel="50000">
-                                          <p:stCondLst>
-                                            <p:cond delay="676"/>
-                                          </p:stCondLst>
-                                        </p:cTn>
-                                        <p:tgtEl>
-                                          <p:spTgt spid="17"/>
-                                        </p:tgtEl>
-                                      </p:cBhvr>
-                                      <p:to x="100000" y="100000"/>
-                                    </p:animScale>
-                                    <p:animScale>
-                                      <p:cBhvr>
-                                        <p:cTn id="33" dur="26">
-                                          <p:stCondLst>
-                                            <p:cond delay="1312"/>
-                                          </p:stCondLst>
-                                        </p:cTn>
-                                        <p:tgtEl>
-                                          <p:spTgt spid="17"/>
-                                        </p:tgtEl>
-                                      </p:cBhvr>
-                                      <p:to x="100000" y="80000"/>
-                                    </p:animScale>
-                                    <p:animScale>
-                                      <p:cBhvr>
-                                        <p:cTn id="34" dur="166" decel="50000">
-                                          <p:stCondLst>
-                                            <p:cond delay="1338"/>
-                                          </p:stCondLst>
-                                        </p:cTn>
-                                        <p:tgtEl>
-                                          <p:spTgt spid="17"/>
-                                        </p:tgtEl>
-                                      </p:cBhvr>
-                                      <p:to x="100000" y="100000"/>
-                                    </p:animScale>
-                                    <p:animScale>
-                                      <p:cBhvr>
-                                        <p:cTn id="35" dur="26">
-                                          <p:stCondLst>
-                                            <p:cond delay="1642"/>
-                                          </p:stCondLst>
-                                        </p:cTn>
-                                        <p:tgtEl>
-                                          <p:spTgt spid="17"/>
-                                        </p:tgtEl>
-                                      </p:cBhvr>
-                                      <p:to x="100000" y="90000"/>
-                                    </p:animScale>
-                                    <p:animScale>
-                                      <p:cBhvr>
-                                        <p:cTn id="36" dur="166" decel="50000">
-                                          <p:stCondLst>
-                                            <p:cond delay="1668"/>
-                                          </p:stCondLst>
-                                        </p:cTn>
-                                        <p:tgtEl>
-                                          <p:spTgt spid="17"/>
-                                        </p:tgtEl>
-                                      </p:cBhvr>
-                                      <p:to x="100000" y="100000"/>
-                                    </p:animScale>
-                                    <p:animScale>
-                                      <p:cBhvr>
-                                        <p:cTn id="37" dur="26">
-                                          <p:stCondLst>
-                                            <p:cond delay="1808"/>
-                                          </p:stCondLst>
-                                        </p:cTn>
-                                        <p:tgtEl>
-                                          <p:spTgt spid="17"/>
-                                        </p:tgtEl>
-                                      </p:cBhvr>
-                                      <p:to x="100000" y="95000"/>
-                                    </p:animScale>
-                                    <p:animScale>
-                                      <p:cBhvr>
-                                        <p:cTn id="38" dur="166" decel="50000">
-                                          <p:stCondLst>
-                                            <p:cond delay="1834"/>
-                                          </p:stCondLst>
-                                        </p:cTn>
-                                        <p:tgtEl>
-                                          <p:spTgt spid="17"/>
-                                        </p:tgtEl>
-                                      </p:cBhvr>
-                                      <p:to x="100000" y="100000"/>
-                                    </p:animScale>
-                                  </p:childTnLst>
-                                </p:cTn>
-                              </p:par>
-                            </p:childTnLst>
-                          </p:cTn>
-                        </p:par>
-                      </p:childTnLst>
-                    </p:cTn>
-                  </p:par>
-                </p:childTnLst>
-              </p:cTn>
-              <p:prevCondLst>
-                <p:cond evt="onPrev" delay="0">
-                  <p:tgtEl>
-                    <p:sldTgt/>
-                  </p:tgtEl>
-                </p:cond>
-              </p:prevCondLst>
-              <p:nextCondLst>
-                <p:cond evt="onNext" delay="0">
-                  <p:tgtEl>
-                    <p:sldTgt/>
-                  </p:tgtEl>
-                </p:cond>
-              </p:nextCondLst>
-            </p:seq>
-          </p:childTnLst>
-        </p:cTn>
-      </p:par>
-    </p:tnLst>
-    <p:bldLst>
-      <p:bldP spid="17" grpId="0" animBg="1"/>
-    </p:bldLst>
-  </p:timing>
 </p:sld>
 </file>
 
@@ -24413,87 +23910,6 @@
               <a:rPr lang="en-US" dirty="0"/>
               <a:t>Question 2</a:t>
             </a:r>
-          </a:p>
-        </p:txBody>
-      </p:sp>
-      <p:sp>
-        <p:nvSpPr>
-          <p:cNvPr id="3" name="Content Placeholder 2"/>
-          <p:cNvSpPr>
-            <a:spLocks noGrp="1"/>
-          </p:cNvSpPr>
-          <p:nvPr>
-            <p:ph idx="1"/>
-          </p:nvPr>
-        </p:nvSpPr>
-        <p:spPr/>
-        <p:txBody>
-          <a:bodyPr>
-            <a:normAutofit fontScale="92500" lnSpcReduction="20000"/>
-          </a:bodyPr>
-          <a:lstStyle/>
-          <a:p>
-            <a:r>
-              <a:rPr lang="en-US" sz="3200" dirty="0"/>
-              <a:t>You are the sports director of a small college. </a:t>
-            </a:r>
-          </a:p>
-          <a:p>
-            <a:r>
-              <a:rPr lang="en-US" sz="3200" dirty="0"/>
-              <a:t>The dean has instructed you to grow the athletic program. You must choose a new varsity sport that uses spherical balls.</a:t>
-            </a:r>
-          </a:p>
-          <a:p>
-            <a:r>
-              <a:rPr lang="en-US" sz="3200" dirty="0"/>
-              <a:t>The sport must be able to sell tickets in the university’s outdoor grass turf venue to anyone.</a:t>
-            </a:r>
-          </a:p>
-          <a:p>
-            <a:r>
-              <a:rPr lang="en-US" sz="3200" dirty="0"/>
-              <a:t>Which sport program should you choose? </a:t>
-            </a:r>
-          </a:p>
-          <a:p>
-            <a:pPr marL="0" indent="0">
-              <a:buNone/>
-            </a:pPr>
-            <a:endParaRPr lang="en-US" dirty="0"/>
-          </a:p>
-          <a:p>
-            <a:pPr marL="0" indent="0">
-              <a:buNone/>
-            </a:pPr>
-            <a:endParaRPr lang="en-US" dirty="0"/>
-          </a:p>
-          <a:p>
-            <a:r>
-              <a:rPr lang="en-US" dirty="0"/>
-              <a:t>A. 	Basketball</a:t>
-            </a:r>
-          </a:p>
-          <a:p>
-            <a:r>
-              <a:rPr lang="en-US" dirty="0"/>
-              <a:t>B. 	Baseball</a:t>
-            </a:r>
-          </a:p>
-          <a:p>
-            <a:r>
-              <a:rPr lang="en-US" dirty="0"/>
-              <a:t>C. 	Football</a:t>
-            </a:r>
-          </a:p>
-          <a:p>
-            <a:r>
-              <a:rPr lang="en-US" dirty="0"/>
-              <a:t>D. 	Quidditch</a:t>
-            </a:r>
-          </a:p>
-          <a:p>
-            <a:endParaRPr lang="en-US" dirty="0"/>
           </a:p>
         </p:txBody>
       </p:sp>
@@ -24742,6 +24158,87 @@
           <a:p>
             <a:pPr algn="ctr"/>
             <a:endParaRPr lang="en-US"/>
+          </a:p>
+        </p:txBody>
+      </p:sp>
+      <p:sp>
+        <p:nvSpPr>
+          <p:cNvPr id="3" name="Content Placeholder 2"/>
+          <p:cNvSpPr>
+            <a:spLocks noGrp="1"/>
+          </p:cNvSpPr>
+          <p:nvPr>
+            <p:ph idx="1"/>
+          </p:nvPr>
+        </p:nvSpPr>
+        <p:spPr/>
+        <p:txBody>
+          <a:bodyPr>
+            <a:normAutofit fontScale="92500" lnSpcReduction="20000"/>
+          </a:bodyPr>
+          <a:lstStyle/>
+          <a:p>
+            <a:r>
+              <a:rPr lang="en-US" sz="3200" dirty="0"/>
+              <a:t>You are the sports director of a small college. </a:t>
+            </a:r>
+          </a:p>
+          <a:p>
+            <a:r>
+              <a:rPr lang="en-US" sz="3200" dirty="0"/>
+              <a:t>The dean has instructed you to grow the athletic program. You must choose a new varsity sport that uses spherical balls.</a:t>
+            </a:r>
+          </a:p>
+          <a:p>
+            <a:r>
+              <a:rPr lang="en-US" sz="3200" dirty="0"/>
+              <a:t>The sport must be able to sell tickets in the university’s outdoor grass turf venue to anyone.</a:t>
+            </a:r>
+          </a:p>
+          <a:p>
+            <a:r>
+              <a:rPr lang="en-US" sz="3200" dirty="0"/>
+              <a:t>You need to choose a new sport program.</a:t>
+            </a:r>
+          </a:p>
+          <a:p>
+            <a:pPr marL="0" indent="0">
+              <a:buNone/>
+            </a:pPr>
+            <a:endParaRPr lang="en-US" dirty="0"/>
+          </a:p>
+          <a:p>
+            <a:pPr marL="0" indent="0">
+              <a:buNone/>
+            </a:pPr>
+            <a:endParaRPr lang="en-US" dirty="0"/>
+          </a:p>
+          <a:p>
+            <a:r>
+              <a:rPr lang="en-US" dirty="0"/>
+              <a:t>A. 	Basketball</a:t>
+            </a:r>
+          </a:p>
+          <a:p>
+            <a:r>
+              <a:rPr lang="en-US" dirty="0"/>
+              <a:t>B. 	Baseball</a:t>
+            </a:r>
+          </a:p>
+          <a:p>
+            <a:r>
+              <a:rPr lang="en-US" dirty="0"/>
+              <a:t>C. 	Football</a:t>
+            </a:r>
+          </a:p>
+          <a:p>
+            <a:r>
+              <a:rPr lang="en-US" dirty="0"/>
+              <a:t>D. 	Quidditch</a:t>
+            </a:r>
+          </a:p>
+          <a:p>
+            <a:endParaRPr lang="en-US" dirty="0"/>
           </a:p>
         </p:txBody>
       </p:sp>
@@ -25232,13 +24729,13 @@
           <a:p>
             <a:r>
               <a:rPr lang="en-US" sz="3200" dirty="0"/>
-              <a:t>The film must be a science fiction film featuring both a cat and an android. You must not choose a film that features raccoons. </a:t>
+              <a:t>The film must be a science fiction film featuring both a cat and an android. You must not choose a film that features any raccoons. </a:t>
             </a:r>
           </a:p>
           <a:p>
             <a:r>
               <a:rPr lang="en-US" sz="3200" dirty="0"/>
-              <a:t>Which film should you choose?</a:t>
+              <a:t>You need to choose a film for the screening.</a:t>
             </a:r>
           </a:p>
           <a:p>
@@ -25259,7 +24756,7 @@
           <a:p>
             <a:r>
               <a:rPr lang="en-US" dirty="0"/>
-              <a:t>B. 	Alien</a:t>
+              <a:t>B. 	Blade Runner</a:t>
             </a:r>
           </a:p>
           <a:p>
@@ -25427,8 +24924,8 @@
         </p:nvCxnSpPr>
         <p:spPr>
           <a:xfrm flipH="1">
-            <a:off x="8593285" y="2692137"/>
-            <a:ext cx="1426613" cy="0"/>
+            <a:off x="8593286" y="2692137"/>
+            <a:ext cx="2094379" cy="0"/>
           </a:xfrm>
           <a:prstGeom prst="line">
             <a:avLst/>
@@ -25462,7 +24959,7 @@
         </p:nvSpPr>
         <p:spPr>
           <a:xfrm rot="10800000">
-            <a:off x="2449663" y="5439684"/>
+            <a:off x="2508656" y="5439684"/>
             <a:ext cx="1371600" cy="385483"/>
           </a:xfrm>
           <a:prstGeom prst="rightArrow">
@@ -26071,6 +25568,92 @@
       </p:grpSpPr>
       <p:sp>
         <p:nvSpPr>
+          <p:cNvPr id="3" name="Content Placeholder 2"/>
+          <p:cNvSpPr>
+            <a:spLocks noGrp="1"/>
+          </p:cNvSpPr>
+          <p:nvPr>
+            <p:ph idx="1"/>
+          </p:nvPr>
+        </p:nvSpPr>
+        <p:spPr>
+          <a:xfrm>
+            <a:off x="501448" y="931611"/>
+            <a:ext cx="10972800" cy="5459357"/>
+          </a:xfrm>
+        </p:spPr>
+        <p:txBody>
+          <a:bodyPr>
+            <a:normAutofit fontScale="77500" lnSpcReduction="20000"/>
+          </a:bodyPr>
+          <a:lstStyle/>
+          <a:p>
+            <a:r>
+              <a:rPr lang="en-US" sz="4100" dirty="0"/>
+              <a:t>You are the bartender of a local fine dining establishment.</a:t>
+            </a:r>
+          </a:p>
+          <a:p>
+            <a:r>
+              <a:rPr lang="en-US" sz="4100" dirty="0"/>
+              <a:t>You are instructed to serve an appropriate spirit to a diner. Your establishment only serves whiskeys aged in American oak barrels.</a:t>
+            </a:r>
+          </a:p>
+          <a:p>
+            <a:r>
+              <a:rPr lang="en-US" sz="4100" dirty="0"/>
+              <a:t>The diner has requested a malt whiskey from outside of Tennessee. The malt must not contain corn. </a:t>
+            </a:r>
+          </a:p>
+          <a:p>
+            <a:r>
+              <a:rPr lang="en-US" sz="4100" dirty="0"/>
+              <a:t>You need to choose a spirit.</a:t>
+            </a:r>
+          </a:p>
+          <a:p>
+            <a:pPr marL="0" indent="0">
+              <a:buNone/>
+            </a:pPr>
+            <a:endParaRPr lang="en-US" dirty="0"/>
+          </a:p>
+          <a:p>
+            <a:pPr marL="0" indent="0">
+              <a:buNone/>
+            </a:pPr>
+            <a:endParaRPr lang="en-US" dirty="0"/>
+          </a:p>
+          <a:p>
+            <a:r>
+              <a:rPr lang="en-US" sz="3300" dirty="0"/>
+              <a:t>A. 	Scotch</a:t>
+            </a:r>
+          </a:p>
+          <a:p>
+            <a:r>
+              <a:rPr lang="en-US" sz="3300" dirty="0"/>
+              <a:t>B. 	Bourbon</a:t>
+            </a:r>
+          </a:p>
+          <a:p>
+            <a:r>
+              <a:rPr lang="en-US" sz="3300" dirty="0"/>
+              <a:t>C. 	Tennessee Whiskey</a:t>
+            </a:r>
+          </a:p>
+          <a:p>
+            <a:r>
+              <a:rPr lang="en-US" sz="3300" dirty="0"/>
+              <a:t>D. 	Cognac</a:t>
+            </a:r>
+          </a:p>
+          <a:p>
+            <a:endParaRPr lang="en-US" dirty="0"/>
+          </a:p>
+        </p:txBody>
+      </p:sp>
+      <p:sp>
+        <p:nvSpPr>
           <p:cNvPr id="2" name="Title 1"/>
           <p:cNvSpPr>
             <a:spLocks noGrp="1"/>
@@ -26088,95 +25671,6 @@
               <a:rPr lang="en-US" dirty="0"/>
               <a:t>Question 4</a:t>
             </a:r>
-          </a:p>
-        </p:txBody>
-      </p:sp>
-      <p:sp>
-        <p:nvSpPr>
-          <p:cNvPr id="3" name="Content Placeholder 2"/>
-          <p:cNvSpPr>
-            <a:spLocks noGrp="1"/>
-          </p:cNvSpPr>
-          <p:nvPr>
-            <p:ph idx="1"/>
-          </p:nvPr>
-        </p:nvSpPr>
-        <p:spPr/>
-        <p:txBody>
-          <a:bodyPr>
-            <a:normAutofit fontScale="85000" lnSpcReduction="20000"/>
-          </a:bodyPr>
-          <a:lstStyle/>
-          <a:p>
-            <a:r>
-              <a:rPr lang="en-US" sz="3200" dirty="0"/>
-              <a:t>You are the bartender of a local fine dining establishment.</a:t>
-            </a:r>
-          </a:p>
-          <a:p>
-            <a:r>
-              <a:rPr lang="en-US" sz="3200" dirty="0"/>
-              <a:t>You are instructed to provide the appropriate whiskey to a diner. Your establishment only serves whiskeys aged in American oak barrels.</a:t>
-            </a:r>
-          </a:p>
-          <a:p>
-            <a:r>
-              <a:rPr lang="en-US" sz="3200" dirty="0"/>
-              <a:t>The diner has requested a malt whiskey from outside of Tennessee. The malt must not contain corn. </a:t>
-            </a:r>
-          </a:p>
-          <a:p>
-            <a:r>
-              <a:rPr lang="en-US" sz="3200" dirty="0"/>
-              <a:t>Which whiskey do you choose?</a:t>
-            </a:r>
-          </a:p>
-          <a:p>
-            <a:pPr marL="0" indent="0">
-              <a:buNone/>
-            </a:pPr>
-            <a:endParaRPr lang="en-US" dirty="0"/>
-          </a:p>
-          <a:p>
-            <a:pPr marL="0" indent="0">
-              <a:buNone/>
-            </a:pPr>
-            <a:endParaRPr lang="en-US" dirty="0"/>
-          </a:p>
-          <a:p>
-            <a:r>
-              <a:rPr lang="en-US" dirty="0"/>
-              <a:t>A. 	Scotch Whisky</a:t>
-            </a:r>
-          </a:p>
-          <a:p>
-            <a:r>
-              <a:rPr lang="en-US" dirty="0"/>
-              <a:t>B. 	Bourbon</a:t>
-            </a:r>
-          </a:p>
-          <a:p>
-            <a:r>
-              <a:rPr lang="en-US" dirty="0"/>
-              <a:t>C. 	</a:t>
-            </a:r>
-            <a:r>
-              <a:rPr lang="en-US" dirty="0" err="1"/>
-              <a:t>Tenneessee</a:t>
-            </a:r>
-            <a:r>
-              <a:rPr lang="en-US" dirty="0"/>
-              <a:t> Whiskey</a:t>
-            </a:r>
-          </a:p>
-          <a:p>
-            <a:r>
-              <a:rPr lang="en-US" dirty="0"/>
-              <a:t>D. 	Cognac</a:t>
-            </a:r>
-          </a:p>
-          <a:p>
-            <a:endParaRPr lang="en-US" dirty="0"/>
           </a:p>
         </p:txBody>
       </p:sp>
@@ -26188,7 +25682,7 @@
         </p:nvCxnSpPr>
         <p:spPr>
           <a:xfrm flipH="1" flipV="1">
-            <a:off x="1578304" y="4898943"/>
+            <a:off x="1519312" y="5562793"/>
             <a:ext cx="3988778" cy="25380"/>
           </a:xfrm>
           <a:prstGeom prst="line">
@@ -26219,7 +25713,7 @@
         </p:nvCxnSpPr>
         <p:spPr>
           <a:xfrm flipH="1">
-            <a:off x="1528998" y="5311267"/>
+            <a:off x="1470006" y="5989695"/>
             <a:ext cx="4087390" cy="0"/>
           </a:xfrm>
           <a:prstGeom prst="line">
@@ -26254,7 +25748,7 @@
         </p:nvCxnSpPr>
         <p:spPr>
           <a:xfrm flipH="1" flipV="1">
-            <a:off x="1578304" y="4525078"/>
+            <a:off x="1568618" y="5120251"/>
             <a:ext cx="3988778" cy="38478"/>
           </a:xfrm>
           <a:prstGeom prst="line">
@@ -26291,7 +25785,7 @@
         </p:nvCxnSpPr>
         <p:spPr>
           <a:xfrm flipH="1">
-            <a:off x="8346143" y="2457059"/>
+            <a:off x="905996" y="3246383"/>
             <a:ext cx="1845607" cy="0"/>
           </a:xfrm>
           <a:prstGeom prst="line">
@@ -26323,9 +25817,9 @@
           <p:nvPr/>
         </p:nvCxnSpPr>
         <p:spPr>
-          <a:xfrm flipH="1">
-            <a:off x="2323928" y="2725271"/>
-            <a:ext cx="2438572" cy="0"/>
+          <a:xfrm flipH="1" flipV="1">
+            <a:off x="5303104" y="3238289"/>
+            <a:ext cx="2621696" cy="8094"/>
           </a:xfrm>
           <a:prstGeom prst="line">
             <a:avLst/>
@@ -26361,8 +25855,8 @@
         </p:nvCxnSpPr>
         <p:spPr>
           <a:xfrm flipH="1">
-            <a:off x="4612342" y="2444281"/>
-            <a:ext cx="1807508" cy="0"/>
+            <a:off x="5192246" y="2896569"/>
+            <a:ext cx="2063960" cy="0"/>
           </a:xfrm>
           <a:prstGeom prst="line">
             <a:avLst/>
@@ -26396,7 +25890,7 @@
         </p:nvSpPr>
         <p:spPr>
           <a:xfrm rot="10800000">
-            <a:off x="4372361" y="3867287"/>
+            <a:off x="2592725" y="4473589"/>
             <a:ext cx="1371600" cy="385483"/>
           </a:xfrm>
           <a:prstGeom prst="rightArrow">
@@ -26808,6 +26302,82 @@
       </p:grpSpPr>
       <p:sp>
         <p:nvSpPr>
+          <p:cNvPr id="3" name="Content Placeholder 2"/>
+          <p:cNvSpPr>
+            <a:spLocks noGrp="1"/>
+          </p:cNvSpPr>
+          <p:nvPr>
+            <p:ph idx="1"/>
+          </p:nvPr>
+        </p:nvSpPr>
+        <p:spPr/>
+        <p:txBody>
+          <a:bodyPr>
+            <a:normAutofit fontScale="92500" lnSpcReduction="20000"/>
+          </a:bodyPr>
+          <a:lstStyle/>
+          <a:p>
+            <a:r>
+              <a:rPr lang="en-US" sz="3200" dirty="0"/>
+              <a:t>You are the social media director for a cool hip company.</a:t>
+            </a:r>
+          </a:p>
+          <a:p>
+            <a:r>
+              <a:rPr lang="en-US" sz="3200" dirty="0"/>
+              <a:t>Your new marketing campaign much choose a social media platform. </a:t>
+            </a:r>
+          </a:p>
+          <a:p>
+            <a:r>
+              <a:rPr lang="en-US" sz="3200" dirty="0"/>
+              <a:t>The social media platform must be persistent online forever. The grandmother of the CEO must not be aware of the platform. The platform be a social media platform with accelerating growth.</a:t>
+            </a:r>
+          </a:p>
+          <a:p>
+            <a:r>
+              <a:rPr lang="en-US" sz="3200" dirty="0"/>
+              <a:t>You need to choose a social media platform.</a:t>
+            </a:r>
+            <a:endParaRPr lang="en-US" dirty="0"/>
+          </a:p>
+          <a:p>
+            <a:pPr marL="0" indent="0">
+              <a:buNone/>
+            </a:pPr>
+            <a:endParaRPr lang="en-US" dirty="0"/>
+          </a:p>
+          <a:p>
+            <a:r>
+              <a:rPr lang="en-US" dirty="0"/>
+              <a:t>A. 	Facebook</a:t>
+            </a:r>
+          </a:p>
+          <a:p>
+            <a:r>
+              <a:rPr lang="en-US" dirty="0"/>
+              <a:t>B. 	Twitter</a:t>
+            </a:r>
+          </a:p>
+          <a:p>
+            <a:r>
+              <a:rPr lang="en-US" dirty="0"/>
+              <a:t>C. 	Instagram</a:t>
+            </a:r>
+          </a:p>
+          <a:p>
+            <a:r>
+              <a:rPr lang="en-US" dirty="0"/>
+              <a:t>D. 	Snapchat</a:t>
+            </a:r>
+          </a:p>
+          <a:p>
+            <a:endParaRPr lang="en-US" dirty="0"/>
+          </a:p>
+        </p:txBody>
+      </p:sp>
+      <p:sp>
+        <p:nvSpPr>
           <p:cNvPr id="2" name="Title 1"/>
           <p:cNvSpPr>
             <a:spLocks noGrp="1"/>
@@ -26825,87 +26395,6 @@
               <a:rPr lang="en-US" dirty="0"/>
               <a:t>Question 5</a:t>
             </a:r>
-          </a:p>
-        </p:txBody>
-      </p:sp>
-      <p:sp>
-        <p:nvSpPr>
-          <p:cNvPr id="3" name="Content Placeholder 2"/>
-          <p:cNvSpPr>
-            <a:spLocks noGrp="1"/>
-          </p:cNvSpPr>
-          <p:nvPr>
-            <p:ph idx="1"/>
-          </p:nvPr>
-        </p:nvSpPr>
-        <p:spPr/>
-        <p:txBody>
-          <a:bodyPr>
-            <a:normAutofit fontScale="92500" lnSpcReduction="20000"/>
-          </a:bodyPr>
-          <a:lstStyle/>
-          <a:p>
-            <a:r>
-              <a:rPr lang="en-US" sz="3200" dirty="0"/>
-              <a:t>You are the social media director for a cool hip company.</a:t>
-            </a:r>
-          </a:p>
-          <a:p>
-            <a:r>
-              <a:rPr lang="en-US" sz="3200" dirty="0"/>
-              <a:t>Your new marketing campaign much choose a social media platform. </a:t>
-            </a:r>
-          </a:p>
-          <a:p>
-            <a:r>
-              <a:rPr lang="en-US" sz="3200" dirty="0"/>
-              <a:t>The social media platform must be persistent online forever. The grandmother of the CEO must not be aware of the platform.</a:t>
-            </a:r>
-          </a:p>
-          <a:p>
-            <a:r>
-              <a:rPr lang="en-US" sz="3200" dirty="0"/>
-              <a:t>The platform be a social media platform with accelerating growth.</a:t>
-            </a:r>
-          </a:p>
-          <a:p>
-            <a:pPr marL="0" indent="0">
-              <a:buNone/>
-            </a:pPr>
-            <a:endParaRPr lang="en-US" dirty="0"/>
-          </a:p>
-          <a:p>
-            <a:pPr marL="0" indent="0">
-              <a:buNone/>
-            </a:pPr>
-            <a:endParaRPr lang="en-US" dirty="0"/>
-          </a:p>
-          <a:p>
-            <a:r>
-              <a:rPr lang="en-US" dirty="0"/>
-              <a:t>A. 	Facebook</a:t>
-            </a:r>
-          </a:p>
-          <a:p>
-            <a:r>
-              <a:rPr lang="en-US" dirty="0"/>
-              <a:t>B. 	Twitter</a:t>
-            </a:r>
-          </a:p>
-          <a:p>
-            <a:r>
-              <a:rPr lang="en-US" dirty="0"/>
-              <a:t>C. 	Instagram</a:t>
-            </a:r>
-          </a:p>
-          <a:p>
-            <a:r>
-              <a:rPr lang="en-US" dirty="0"/>
-              <a:t>D. 	Snapchat</a:t>
-            </a:r>
-          </a:p>
-          <a:p>
-            <a:endParaRPr lang="en-US" dirty="0"/>
           </a:p>
         </p:txBody>
       </p:sp>
@@ -26917,7 +26406,7 @@
         </p:nvCxnSpPr>
         <p:spPr>
           <a:xfrm flipH="1" flipV="1">
-            <a:off x="1578304" y="4377430"/>
+            <a:off x="1578304" y="4296744"/>
             <a:ext cx="3988778" cy="25380"/>
           </a:xfrm>
           <a:prstGeom prst="line">
@@ -26948,7 +26437,7 @@
         </p:nvCxnSpPr>
         <p:spPr>
           <a:xfrm flipH="1">
-            <a:off x="1528998" y="5624339"/>
+            <a:off x="1528998" y="5555513"/>
             <a:ext cx="4087390" cy="0"/>
           </a:xfrm>
           <a:prstGeom prst="line">
@@ -26983,7 +26472,7 @@
         </p:nvCxnSpPr>
         <p:spPr>
           <a:xfrm flipH="1" flipV="1">
-            <a:off x="1578304" y="4781859"/>
+            <a:off x="1578304" y="4706193"/>
             <a:ext cx="3988778" cy="38478"/>
           </a:xfrm>
           <a:prstGeom prst="line">
@@ -27013,13 +26502,15 @@
       <p:cxnSp>
         <p:nvCxnSpPr>
           <p:cNvPr id="13" name="Straight Connector 12"/>
-          <p:cNvCxnSpPr/>
+          <p:cNvCxnSpPr>
+            <a:cxnSpLocks/>
+          </p:cNvCxnSpPr>
           <p:nvPr/>
         </p:nvCxnSpPr>
         <p:spPr>
-          <a:xfrm flipH="1" flipV="1">
-            <a:off x="867747" y="2876884"/>
-            <a:ext cx="3909528" cy="3945"/>
+          <a:xfrm flipH="1">
+            <a:off x="1084057" y="2817806"/>
+            <a:ext cx="3476622" cy="1"/>
           </a:xfrm>
           <a:prstGeom prst="line">
             <a:avLst/>
@@ -27049,7 +26540,7 @@
         </p:nvCxnSpPr>
         <p:spPr>
           <a:xfrm flipH="1">
-            <a:off x="8034261" y="3350422"/>
+            <a:off x="7393469" y="3173444"/>
             <a:ext cx="2969731" cy="0"/>
           </a:xfrm>
           <a:prstGeom prst="line">
@@ -27084,7 +26575,7 @@
         </p:nvCxnSpPr>
         <p:spPr>
           <a:xfrm flipH="1">
-            <a:off x="6379013" y="2547257"/>
+            <a:off x="6452131" y="2503779"/>
             <a:ext cx="3698048" cy="7613"/>
           </a:xfrm>
           <a:prstGeom prst="line">
@@ -27119,7 +26610,7 @@
         </p:nvSpPr>
         <p:spPr>
           <a:xfrm rot="10800000">
-            <a:off x="2972769" y="4987735"/>
+            <a:off x="2962937" y="4935998"/>
             <a:ext cx="1371600" cy="385483"/>
           </a:xfrm>
           <a:prstGeom prst="rightArrow">
@@ -27588,7 +27079,7 @@
           <a:p>
             <a:r>
               <a:rPr lang="en-US" sz="3200" dirty="0"/>
-              <a:t>Which planet do you choose to settle on?</a:t>
+              <a:t>You need to choose a location for your new space base.</a:t>
             </a:r>
           </a:p>
           <a:p>
@@ -27642,7 +27133,7 @@
         </p:nvCxnSpPr>
         <p:spPr>
           <a:xfrm flipH="1">
-            <a:off x="1578304" y="4165374"/>
+            <a:off x="1578304" y="4047387"/>
             <a:ext cx="1095046" cy="0"/>
           </a:xfrm>
           <a:prstGeom prst="line">
@@ -27675,7 +27166,7 @@
         </p:nvCxnSpPr>
         <p:spPr>
           <a:xfrm flipH="1">
-            <a:off x="1578304" y="5059189"/>
+            <a:off x="1578304" y="4931370"/>
             <a:ext cx="1145846" cy="0"/>
           </a:xfrm>
           <a:prstGeom prst="line">
@@ -27712,7 +27203,7 @@
         </p:nvCxnSpPr>
         <p:spPr>
           <a:xfrm flipH="1">
-            <a:off x="1578304" y="4616759"/>
+            <a:off x="1578304" y="4479108"/>
             <a:ext cx="1145846" cy="0"/>
           </a:xfrm>
           <a:prstGeom prst="line">
@@ -27782,8 +27273,8 @@
         </p:nvCxnSpPr>
         <p:spPr>
           <a:xfrm flipH="1">
-            <a:off x="6426843" y="2368645"/>
-            <a:ext cx="1581376" cy="0"/>
+            <a:off x="6358017" y="2339148"/>
+            <a:ext cx="1763428" cy="0"/>
           </a:xfrm>
           <a:prstGeom prst="line">
             <a:avLst/>
@@ -28359,7 +27850,7 @@
               <a:buChar char="•"/>
             </a:pPr>
             <a:r>
-              <a:rPr lang="en-US" sz="1800" b="0" dirty="0">
+              <a:rPr lang="en-US" sz="2000" b="0" dirty="0">
                 <a:solidFill>
                   <a:schemeClr val="tx1"/>
                 </a:solidFill>
@@ -28375,7 +27866,7 @@
               <a:buChar char="•"/>
             </a:pPr>
             <a:r>
-              <a:rPr lang="en-US" sz="1800" b="0" dirty="0">
+              <a:rPr lang="en-US" sz="2000" b="0" dirty="0">
                 <a:solidFill>
                   <a:schemeClr val="tx1"/>
                 </a:solidFill>
@@ -28391,7 +27882,7 @@
               <a:buChar char="•"/>
             </a:pPr>
             <a:r>
-              <a:rPr lang="en-US" sz="1800" b="0" dirty="0">
+              <a:rPr lang="en-US" sz="2000" b="0" dirty="0">
                 <a:solidFill>
                   <a:schemeClr val="tx1"/>
                 </a:solidFill>
@@ -28400,7 +27891,7 @@
               </a:rPr>
               <a:t>https://borntolearn.mslearn.net/b/weblog/archive/2014/03/10/certification-update-sql-server-2014</a:t>
             </a:r>
-            <a:endParaRPr lang="en-US" sz="1800" b="0" dirty="0">
+            <a:endParaRPr lang="en-US" sz="2000" b="0" dirty="0">
               <a:solidFill>
                 <a:schemeClr val="tx1"/>
               </a:solidFill>
@@ -28412,7 +27903,7 @@
               <a:buFont typeface="Arial" panose="020B0604020202020204" pitchFamily="34" charset="0"/>
               <a:buChar char="•"/>
             </a:pPr>
-            <a:endParaRPr lang="en-US" sz="1800" b="0" dirty="0">
+            <a:endParaRPr lang="en-US" sz="2000" b="0" dirty="0">
               <a:solidFill>
                 <a:schemeClr val="tx1"/>
               </a:solidFill>
@@ -28426,7 +27917,7 @@
               <a:buChar char="•"/>
             </a:pPr>
             <a:r>
-              <a:rPr lang="en-US" sz="1800" b="0" dirty="0">
+              <a:rPr lang="en-US" sz="2000" b="0" dirty="0">
                 <a:solidFill>
                   <a:schemeClr val="tx1"/>
                 </a:solidFill>
@@ -28442,7 +27933,7 @@
               <a:buChar char="•"/>
             </a:pPr>
             <a:r>
-              <a:rPr lang="en-US" sz="1800" b="0" dirty="0">
+              <a:rPr lang="en-US" sz="2000" b="0" dirty="0">
                 <a:solidFill>
                   <a:schemeClr val="tx1"/>
                 </a:solidFill>
@@ -28451,7 +27942,7 @@
               </a:rPr>
               <a:t>https://www.microsoft.com/learning/en-us/exam-70-463.aspx</a:t>
             </a:r>
-            <a:endParaRPr lang="en-US" sz="1800" b="0" dirty="0">
+            <a:endParaRPr lang="en-US" sz="2000" b="0" dirty="0">
               <a:solidFill>
                 <a:schemeClr val="tx1"/>
               </a:solidFill>
@@ -28464,7 +27955,7 @@
               <a:buChar char="•"/>
             </a:pPr>
             <a:r>
-              <a:rPr lang="en-US" sz="1800" b="0" dirty="0">
+              <a:rPr lang="en-US" sz="2000" b="0" dirty="0">
                 <a:solidFill>
                   <a:schemeClr val="tx1"/>
                 </a:solidFill>
@@ -28473,7 +27964,7 @@
               </a:rPr>
               <a:t>https://www.microsoft.com/en-ca/learning/sql-certification.aspx</a:t>
             </a:r>
-            <a:endParaRPr lang="en-US" sz="1800" b="0" dirty="0">
+            <a:endParaRPr lang="en-US" sz="2000" b="0" dirty="0">
               <a:solidFill>
                 <a:schemeClr val="tx1"/>
               </a:solidFill>
@@ -28485,7 +27976,7 @@
               <a:buFont typeface="Arial" panose="020B0604020202020204" pitchFamily="34" charset="0"/>
               <a:buChar char="•"/>
             </a:pPr>
-            <a:endParaRPr lang="en-US" sz="1800" b="0" dirty="0">
+            <a:endParaRPr lang="en-US" sz="2000" b="0" dirty="0">
               <a:solidFill>
                 <a:schemeClr val="tx1"/>
               </a:solidFill>
@@ -28497,7 +27988,7 @@
               <a:buFont typeface="Arial" panose="020B0604020202020204" pitchFamily="34" charset="0"/>
               <a:buChar char="•"/>
             </a:pPr>
-            <a:endParaRPr lang="en-US" sz="1800" b="0" dirty="0">
+            <a:endParaRPr lang="en-US" sz="2000" b="0" dirty="0">
               <a:solidFill>
                 <a:schemeClr val="tx1"/>
               </a:solidFill>
@@ -28509,7 +28000,7 @@
               <a:buFont typeface="Arial" panose="020B0604020202020204" pitchFamily="34" charset="0"/>
               <a:buChar char="•"/>
             </a:pPr>
-            <a:endParaRPr lang="en-US" sz="1800" b="0" dirty="0">
+            <a:endParaRPr lang="en-US" sz="2000" b="0" dirty="0">
               <a:solidFill>
                 <a:schemeClr val="tx1"/>
               </a:solidFill>
@@ -28521,7 +28012,7 @@
               <a:buFont typeface="Arial" panose="020B0604020202020204" pitchFamily="34" charset="0"/>
               <a:buChar char="•"/>
             </a:pPr>
-            <a:endParaRPr lang="en-US" sz="1800" b="0" dirty="0">
+            <a:endParaRPr lang="en-US" sz="2000" b="0" dirty="0">
               <a:solidFill>
                 <a:schemeClr val="tx1"/>
               </a:solidFill>
@@ -28533,7 +28024,7 @@
               <a:buFont typeface="Arial" panose="020B0604020202020204" pitchFamily="34" charset="0"/>
               <a:buChar char="•"/>
             </a:pPr>
-            <a:endParaRPr lang="en-US" sz="1800" b="0" dirty="0">
+            <a:endParaRPr lang="en-US" sz="2000" b="0" dirty="0">
               <a:solidFill>
                 <a:schemeClr val="tx1"/>
               </a:solidFill>
@@ -30660,6 +30151,9 @@
                     <p:cTn id="3" fill="hold">
                       <p:stCondLst>
                         <p:cond delay="indefinite"/>
+                        <p:cond evt="onBegin" delay="0">
+                          <p:tn val="2"/>
+                        </p:cond>
                       </p:stCondLst>
                       <p:childTnLst>
                         <p:par>
@@ -30669,7 +30163,7 @@
                             </p:stCondLst>
                             <p:childTnLst>
                               <p:par>
-                                <p:cTn id="5" presetID="1" presetClass="entr" presetSubtype="0" fill="hold" grpId="0" nodeType="clickEffect">
+                                <p:cTn id="5" presetID="1" presetClass="entr" presetSubtype="0" fill="hold" grpId="0" nodeType="withEffect">
                                   <p:stCondLst>
                                     <p:cond delay="0"/>
                                   </p:stCondLst>
@@ -30699,33 +30193,15 @@
                                   </p:childTnLst>
                                 </p:cTn>
                               </p:par>
-                            </p:childTnLst>
-                          </p:cTn>
-                        </p:par>
-                      </p:childTnLst>
-                    </p:cTn>
-                  </p:par>
-                  <p:par>
-                    <p:cTn id="7" fill="hold">
-                      <p:stCondLst>
-                        <p:cond delay="indefinite"/>
-                      </p:stCondLst>
-                      <p:childTnLst>
-                        <p:par>
-                          <p:cTn id="8" fill="hold">
-                            <p:stCondLst>
-                              <p:cond delay="0"/>
-                            </p:stCondLst>
-                            <p:childTnLst>
                               <p:par>
-                                <p:cTn id="9" presetID="1" presetClass="entr" presetSubtype="0" fill="hold" grpId="0" nodeType="clickEffect">
+                                <p:cTn id="7" presetID="1" presetClass="entr" presetSubtype="0" fill="hold" grpId="0" nodeType="withEffect">
                                   <p:stCondLst>
                                     <p:cond delay="0"/>
                                   </p:stCondLst>
                                   <p:childTnLst>
                                     <p:set>
                                       <p:cBhvr>
-                                        <p:cTn id="10" dur="1" fill="hold">
+                                        <p:cTn id="8" dur="1" fill="hold">
                                           <p:stCondLst>
                                             <p:cond delay="0"/>
                                           </p:stCondLst>
@@ -30748,33 +30224,15 @@
                                   </p:childTnLst>
                                 </p:cTn>
                               </p:par>
-                            </p:childTnLst>
-                          </p:cTn>
-                        </p:par>
-                      </p:childTnLst>
-                    </p:cTn>
-                  </p:par>
-                  <p:par>
-                    <p:cTn id="11" fill="hold">
-                      <p:stCondLst>
-                        <p:cond delay="indefinite"/>
-                      </p:stCondLst>
-                      <p:childTnLst>
-                        <p:par>
-                          <p:cTn id="12" fill="hold">
-                            <p:stCondLst>
-                              <p:cond delay="0"/>
-                            </p:stCondLst>
-                            <p:childTnLst>
                               <p:par>
-                                <p:cTn id="13" presetID="1" presetClass="entr" presetSubtype="0" fill="hold" grpId="0" nodeType="clickEffect">
+                                <p:cTn id="9" presetID="1" presetClass="entr" presetSubtype="0" fill="hold" grpId="0" nodeType="withEffect">
                                   <p:stCondLst>
                                     <p:cond delay="0"/>
                                   </p:stCondLst>
                                   <p:childTnLst>
                                     <p:set>
                                       <p:cBhvr>
-                                        <p:cTn id="14" dur="1" fill="hold">
+                                        <p:cTn id="10" dur="1" fill="hold">
                                           <p:stCondLst>
                                             <p:cond delay="0"/>
                                           </p:stCondLst>

--- a/SQLSat Bham 2019/Think Like a Certification Exam.pptx
+++ b/SQLSat Bham 2019/Think Like a Certification Exam.pptx
@@ -8,58 +8,59 @@
     <p:sldMasterId id="2147483692" r:id="rId4"/>
   </p:sldMasterIdLst>
   <p:notesMasterIdLst>
-    <p:notesMasterId r:id="rId54"/>
+    <p:notesMasterId r:id="rId55"/>
   </p:notesMasterIdLst>
   <p:sldIdLst>
     <p:sldId id="259" r:id="rId5"/>
-    <p:sldId id="416" r:id="rId6"/>
+    <p:sldId id="418" r:id="rId6"/>
     <p:sldId id="286" r:id="rId7"/>
     <p:sldId id="296" r:id="rId8"/>
     <p:sldId id="287" r:id="rId9"/>
-    <p:sldId id="302" r:id="rId10"/>
-    <p:sldId id="262" r:id="rId11"/>
-    <p:sldId id="301" r:id="rId12"/>
-    <p:sldId id="292" r:id="rId13"/>
-    <p:sldId id="293" r:id="rId14"/>
-    <p:sldId id="275" r:id="rId15"/>
-    <p:sldId id="288" r:id="rId16"/>
-    <p:sldId id="294" r:id="rId17"/>
-    <p:sldId id="289" r:id="rId18"/>
-    <p:sldId id="261" r:id="rId19"/>
-    <p:sldId id="290" r:id="rId20"/>
-    <p:sldId id="303" r:id="rId21"/>
-    <p:sldId id="263" r:id="rId22"/>
-    <p:sldId id="264" r:id="rId23"/>
-    <p:sldId id="265" r:id="rId24"/>
-    <p:sldId id="291" r:id="rId25"/>
-    <p:sldId id="304" r:id="rId26"/>
-    <p:sldId id="283" r:id="rId27"/>
-    <p:sldId id="266" r:id="rId28"/>
-    <p:sldId id="277" r:id="rId29"/>
-    <p:sldId id="310" r:id="rId30"/>
-    <p:sldId id="267" r:id="rId31"/>
-    <p:sldId id="268" r:id="rId32"/>
-    <p:sldId id="269" r:id="rId33"/>
-    <p:sldId id="270" r:id="rId34"/>
-    <p:sldId id="271" r:id="rId35"/>
-    <p:sldId id="280" r:id="rId36"/>
-    <p:sldId id="272" r:id="rId37"/>
-    <p:sldId id="274" r:id="rId38"/>
-    <p:sldId id="273" r:id="rId39"/>
-    <p:sldId id="297" r:id="rId40"/>
-    <p:sldId id="305" r:id="rId41"/>
-    <p:sldId id="279" r:id="rId42"/>
-    <p:sldId id="299" r:id="rId43"/>
-    <p:sldId id="284" r:id="rId44"/>
-    <p:sldId id="285" r:id="rId45"/>
-    <p:sldId id="295" r:id="rId46"/>
-    <p:sldId id="298" r:id="rId47"/>
-    <p:sldId id="311" r:id="rId48"/>
-    <p:sldId id="258" r:id="rId49"/>
-    <p:sldId id="309" r:id="rId50"/>
-    <p:sldId id="415" r:id="rId51"/>
-    <p:sldId id="307" r:id="rId52"/>
-    <p:sldId id="413" r:id="rId53"/>
+    <p:sldId id="301" r:id="rId10"/>
+    <p:sldId id="292" r:id="rId11"/>
+    <p:sldId id="417" r:id="rId12"/>
+    <p:sldId id="293" r:id="rId13"/>
+    <p:sldId id="275" r:id="rId14"/>
+    <p:sldId id="288" r:id="rId15"/>
+    <p:sldId id="294" r:id="rId16"/>
+    <p:sldId id="289" r:id="rId17"/>
+    <p:sldId id="302" r:id="rId18"/>
+    <p:sldId id="262" r:id="rId19"/>
+    <p:sldId id="261" r:id="rId20"/>
+    <p:sldId id="290" r:id="rId21"/>
+    <p:sldId id="303" r:id="rId22"/>
+    <p:sldId id="263" r:id="rId23"/>
+    <p:sldId id="264" r:id="rId24"/>
+    <p:sldId id="265" r:id="rId25"/>
+    <p:sldId id="291" r:id="rId26"/>
+    <p:sldId id="304" r:id="rId27"/>
+    <p:sldId id="283" r:id="rId28"/>
+    <p:sldId id="266" r:id="rId29"/>
+    <p:sldId id="277" r:id="rId30"/>
+    <p:sldId id="310" r:id="rId31"/>
+    <p:sldId id="267" r:id="rId32"/>
+    <p:sldId id="268" r:id="rId33"/>
+    <p:sldId id="269" r:id="rId34"/>
+    <p:sldId id="270" r:id="rId35"/>
+    <p:sldId id="271" r:id="rId36"/>
+    <p:sldId id="280" r:id="rId37"/>
+    <p:sldId id="272" r:id="rId38"/>
+    <p:sldId id="274" r:id="rId39"/>
+    <p:sldId id="273" r:id="rId40"/>
+    <p:sldId id="297" r:id="rId41"/>
+    <p:sldId id="305" r:id="rId42"/>
+    <p:sldId id="279" r:id="rId43"/>
+    <p:sldId id="299" r:id="rId44"/>
+    <p:sldId id="284" r:id="rId45"/>
+    <p:sldId id="285" r:id="rId46"/>
+    <p:sldId id="295" r:id="rId47"/>
+    <p:sldId id="298" r:id="rId48"/>
+    <p:sldId id="311" r:id="rId49"/>
+    <p:sldId id="258" r:id="rId50"/>
+    <p:sldId id="309" r:id="rId51"/>
+    <p:sldId id="415" r:id="rId52"/>
+    <p:sldId id="307" r:id="rId53"/>
+    <p:sldId id="413" r:id="rId54"/>
   </p:sldIdLst>
   <p:sldSz cx="12192000" cy="6858000"/>
   <p:notesSz cx="6858000" cy="9144000"/>
@@ -248,7 +249,7 @@
           <a:p>
             <a:fld id="{6CD4ABDE-846B-4F2E-A91E-CE2D55B6EF91}" type="datetimeFigureOut">
               <a:rPr lang="en-US" smtClean="0"/>
-              <a:t>7/30/2019</a:t>
+              <a:t>7/31/2019</a:t>
             </a:fld>
             <a:endParaRPr lang="en-US"/>
           </a:p>
@@ -673,7 +674,7 @@
           <a:p>
             <a:fld id="{966FAD78-1551-4070-85DE-2E0D872D5203}" type="slidenum">
               <a:rPr lang="en-US" smtClean="0"/>
-              <a:t>15</a:t>
+              <a:t>16</a:t>
             </a:fld>
             <a:endParaRPr lang="en-US"/>
           </a:p>
@@ -823,7 +824,7 @@
           <a:p>
             <a:fld id="{DF1B7059-9994-452B-97D3-B9424BDCF679}" type="datetimeFigureOut">
               <a:rPr lang="en-US" smtClean="0"/>
-              <a:t>7/30/2019</a:t>
+              <a:t>7/31/2019</a:t>
             </a:fld>
             <a:endParaRPr lang="en-US" dirty="0"/>
           </a:p>
@@ -993,7 +994,7 @@
           <a:p>
             <a:fld id="{DF1B7059-9994-452B-97D3-B9424BDCF679}" type="datetimeFigureOut">
               <a:rPr lang="en-US" smtClean="0"/>
-              <a:t>7/30/2019</a:t>
+              <a:t>7/31/2019</a:t>
             </a:fld>
             <a:endParaRPr lang="en-US" dirty="0"/>
           </a:p>
@@ -1173,7 +1174,7 @@
           <a:p>
             <a:fld id="{DF1B7059-9994-452B-97D3-B9424BDCF679}" type="datetimeFigureOut">
               <a:rPr lang="en-US" smtClean="0"/>
-              <a:t>7/30/2019</a:t>
+              <a:t>7/31/2019</a:t>
             </a:fld>
             <a:endParaRPr lang="en-US" dirty="0"/>
           </a:p>
@@ -2564,7 +2565,7 @@
           <a:p>
             <a:fld id="{DF1B7059-9994-452B-97D3-B9424BDCF679}" type="datetimeFigureOut">
               <a:rPr lang="en-US" smtClean="0"/>
-              <a:t>7/30/2019</a:t>
+              <a:t>7/31/2019</a:t>
             </a:fld>
             <a:endParaRPr lang="en-US" dirty="0"/>
           </a:p>
@@ -3209,7 +3210,7 @@
                 </a:solidFill>
               </a:rPr>
               <a:pPr/>
-              <a:t>7/30/2019</a:t>
+              <a:t>7/31/2019</a:t>
             </a:fld>
             <a:endParaRPr lang="en-US" dirty="0">
               <a:solidFill>
@@ -3456,7 +3457,7 @@
           <a:p>
             <a:fld id="{DF1B7059-9994-452B-97D3-B9424BDCF679}" type="datetimeFigureOut">
               <a:rPr lang="en-US" smtClean="0"/>
-              <a:t>7/30/2019</a:t>
+              <a:t>7/31/2019</a:t>
             </a:fld>
             <a:endParaRPr lang="en-US" dirty="0"/>
           </a:p>
@@ -3591,7 +3592,7 @@
                 </a:solidFill>
               </a:rPr>
               <a:pPr/>
-              <a:t>7/30/2019</a:t>
+              <a:t>7/31/2019</a:t>
             </a:fld>
             <a:endParaRPr lang="en-US" dirty="0">
               <a:solidFill>
@@ -3838,7 +3839,7 @@
           <a:p>
             <a:fld id="{DF1B7059-9994-452B-97D3-B9424BDCF679}" type="datetimeFigureOut">
               <a:rPr lang="en-US" smtClean="0"/>
-              <a:t>7/30/2019</a:t>
+              <a:t>7/31/2019</a:t>
             </a:fld>
             <a:endParaRPr lang="en-US" dirty="0"/>
           </a:p>
@@ -4082,7 +4083,7 @@
           <a:p>
             <a:fld id="{DF1B7059-9994-452B-97D3-B9424BDCF679}" type="datetimeFigureOut">
               <a:rPr lang="en-US" smtClean="0"/>
-              <a:t>7/30/2019</a:t>
+              <a:t>7/31/2019</a:t>
             </a:fld>
             <a:endParaRPr lang="en-US" dirty="0"/>
           </a:p>
@@ -4272,7 +4273,7 @@
           <a:p>
             <a:fld id="{3FAA6659-066F-4E7F-BD92-0981E5430CBE}" type="datetimeFigureOut">
               <a:rPr lang="en-US" smtClean="0"/>
-              <a:t>7/30/2019</a:t>
+              <a:t>7/31/2019</a:t>
             </a:fld>
             <a:endParaRPr lang="en-US"/>
           </a:p>
@@ -4440,7 +4441,7 @@
           <a:p>
             <a:fld id="{3FAA6659-066F-4E7F-BD92-0981E5430CBE}" type="datetimeFigureOut">
               <a:rPr lang="en-US" smtClean="0"/>
-              <a:t>7/30/2019</a:t>
+              <a:t>7/31/2019</a:t>
             </a:fld>
             <a:endParaRPr lang="en-US"/>
           </a:p>
@@ -4685,7 +4686,7 @@
           <a:p>
             <a:fld id="{3FAA6659-066F-4E7F-BD92-0981E5430CBE}" type="datetimeFigureOut">
               <a:rPr lang="en-US" smtClean="0"/>
-              <a:t>7/30/2019</a:t>
+              <a:t>7/31/2019</a:t>
             </a:fld>
             <a:endParaRPr lang="en-US"/>
           </a:p>
@@ -4914,7 +4915,7 @@
           <a:p>
             <a:fld id="{3FAA6659-066F-4E7F-BD92-0981E5430CBE}" type="datetimeFigureOut">
               <a:rPr lang="en-US" smtClean="0"/>
-              <a:t>7/30/2019</a:t>
+              <a:t>7/31/2019</a:t>
             </a:fld>
             <a:endParaRPr lang="en-US"/>
           </a:p>
@@ -5278,7 +5279,7 @@
           <a:p>
             <a:fld id="{3FAA6659-066F-4E7F-BD92-0981E5430CBE}" type="datetimeFigureOut">
               <a:rPr lang="en-US" smtClean="0"/>
-              <a:t>7/30/2019</a:t>
+              <a:t>7/31/2019</a:t>
             </a:fld>
             <a:endParaRPr lang="en-US"/>
           </a:p>
@@ -5395,7 +5396,7 @@
           <a:p>
             <a:fld id="{3FAA6659-066F-4E7F-BD92-0981E5430CBE}" type="datetimeFigureOut">
               <a:rPr lang="en-US" smtClean="0"/>
-              <a:t>7/30/2019</a:t>
+              <a:t>7/31/2019</a:t>
             </a:fld>
             <a:endParaRPr lang="en-US"/>
           </a:p>
@@ -5490,7 +5491,7 @@
           <a:p>
             <a:fld id="{3FAA6659-066F-4E7F-BD92-0981E5430CBE}" type="datetimeFigureOut">
               <a:rPr lang="en-US" smtClean="0"/>
-              <a:t>7/30/2019</a:t>
+              <a:t>7/31/2019</a:t>
             </a:fld>
             <a:endParaRPr lang="en-US"/>
           </a:p>
@@ -5765,7 +5766,7 @@
           <a:p>
             <a:fld id="{3FAA6659-066F-4E7F-BD92-0981E5430CBE}" type="datetimeFigureOut">
               <a:rPr lang="en-US" smtClean="0"/>
-              <a:t>7/30/2019</a:t>
+              <a:t>7/31/2019</a:t>
             </a:fld>
             <a:endParaRPr lang="en-US"/>
           </a:p>
@@ -6017,7 +6018,7 @@
           <a:p>
             <a:fld id="{3FAA6659-066F-4E7F-BD92-0981E5430CBE}" type="datetimeFigureOut">
               <a:rPr lang="en-US" smtClean="0"/>
-              <a:t>7/30/2019</a:t>
+              <a:t>7/31/2019</a:t>
             </a:fld>
             <a:endParaRPr lang="en-US"/>
           </a:p>
@@ -6185,7 +6186,7 @@
           <a:p>
             <a:fld id="{3FAA6659-066F-4E7F-BD92-0981E5430CBE}" type="datetimeFigureOut">
               <a:rPr lang="en-US" smtClean="0"/>
-              <a:t>7/30/2019</a:t>
+              <a:t>7/31/2019</a:t>
             </a:fld>
             <a:endParaRPr lang="en-US"/>
           </a:p>
@@ -6417,7 +6418,7 @@
           <a:p>
             <a:fld id="{DF1B7059-9994-452B-97D3-B9424BDCF679}" type="datetimeFigureOut">
               <a:rPr lang="en-US" smtClean="0"/>
-              <a:t>7/30/2019</a:t>
+              <a:t>7/31/2019</a:t>
             </a:fld>
             <a:endParaRPr lang="en-US" dirty="0"/>
           </a:p>
@@ -6595,7 +6596,7 @@
           <a:p>
             <a:fld id="{3FAA6659-066F-4E7F-BD92-0981E5430CBE}" type="datetimeFigureOut">
               <a:rPr lang="en-US" smtClean="0"/>
-              <a:t>7/30/2019</a:t>
+              <a:t>7/31/2019</a:t>
             </a:fld>
             <a:endParaRPr lang="en-US"/>
           </a:p>
@@ -7169,7 +7170,7 @@
           <a:p>
             <a:fld id="{DF1B7059-9994-452B-97D3-B9424BDCF679}" type="datetimeFigureOut">
               <a:rPr lang="en-US" smtClean="0"/>
-              <a:t>7/30/2019</a:t>
+              <a:t>7/31/2019</a:t>
             </a:fld>
             <a:endParaRPr lang="en-US" dirty="0"/>
           </a:p>
@@ -7287,7 +7288,7 @@
           <a:p>
             <a:fld id="{DF1B7059-9994-452B-97D3-B9424BDCF679}" type="datetimeFigureOut">
               <a:rPr lang="en-US" smtClean="0"/>
-              <a:t>7/30/2019</a:t>
+              <a:t>7/31/2019</a:t>
             </a:fld>
             <a:endParaRPr lang="en-US" dirty="0"/>
           </a:p>
@@ -7382,7 +7383,7 @@
           <a:p>
             <a:fld id="{DF1B7059-9994-452B-97D3-B9424BDCF679}" type="datetimeFigureOut">
               <a:rPr lang="en-US" smtClean="0"/>
-              <a:t>7/30/2019</a:t>
+              <a:t>7/31/2019</a:t>
             </a:fld>
             <a:endParaRPr lang="en-US" dirty="0"/>
           </a:p>
@@ -7659,7 +7660,7 @@
           <a:p>
             <a:fld id="{DF1B7059-9994-452B-97D3-B9424BDCF679}" type="datetimeFigureOut">
               <a:rPr lang="en-US" smtClean="0"/>
-              <a:t>7/30/2019</a:t>
+              <a:t>7/31/2019</a:t>
             </a:fld>
             <a:endParaRPr lang="en-US" dirty="0"/>
           </a:p>
@@ -7915,7 +7916,7 @@
           <a:p>
             <a:fld id="{DF1B7059-9994-452B-97D3-B9424BDCF679}" type="datetimeFigureOut">
               <a:rPr lang="en-US" smtClean="0"/>
-              <a:t>7/30/2019</a:t>
+              <a:t>7/31/2019</a:t>
             </a:fld>
             <a:endParaRPr lang="en-US" dirty="0"/>
           </a:p>
@@ -8128,7 +8129,7 @@
           <a:p>
             <a:fld id="{DF1B7059-9994-452B-97D3-B9424BDCF679}" type="datetimeFigureOut">
               <a:rPr lang="en-US" smtClean="0"/>
-              <a:t>7/30/2019</a:t>
+              <a:t>7/31/2019</a:t>
             </a:fld>
             <a:endParaRPr lang="en-US" dirty="0"/>
           </a:p>
@@ -8723,7 +8724,7 @@
                 </a:solidFill>
               </a:rPr>
               <a:pPr/>
-              <a:t>7/30/2019</a:t>
+              <a:t>7/31/2019</a:t>
             </a:fld>
             <a:endParaRPr lang="en-US" dirty="0">
               <a:solidFill>
@@ -9286,7 +9287,7 @@
                 </a:solidFill>
               </a:rPr>
               <a:pPr/>
-              <a:t>7/30/2019</a:t>
+              <a:t>7/31/2019</a:t>
             </a:fld>
             <a:endParaRPr lang="en-US" dirty="0">
               <a:solidFill>
@@ -9804,7 +9805,7 @@
           <a:p>
             <a:fld id="{3FAA6659-066F-4E7F-BD92-0981E5430CBE}" type="datetimeFigureOut">
               <a:rPr lang="en-US" smtClean="0"/>
-              <a:t>7/30/2019</a:t>
+              <a:t>7/31/2019</a:t>
             </a:fld>
             <a:endParaRPr lang="en-US"/>
           </a:p>
@@ -10377,132 +10378,6 @@
           <a:chExt cx="0" cy="0"/>
         </a:xfrm>
       </p:grpSpPr>
-      <p:sp>
-        <p:nvSpPr>
-          <p:cNvPr id="2" name="Title 1"/>
-          <p:cNvSpPr>
-            <a:spLocks noGrp="1"/>
-          </p:cNvSpPr>
-          <p:nvPr>
-            <p:ph type="title"/>
-          </p:nvPr>
-        </p:nvSpPr>
-        <p:spPr/>
-        <p:txBody>
-          <a:bodyPr/>
-          <a:lstStyle/>
-          <a:p>
-            <a:r>
-              <a:rPr lang="en-US" dirty="0"/>
-              <a:t>How to Train an Employee</a:t>
-            </a:r>
-          </a:p>
-        </p:txBody>
-      </p:sp>
-      <p:sp>
-        <p:nvSpPr>
-          <p:cNvPr id="3" name="Content Placeholder 2"/>
-          <p:cNvSpPr>
-            <a:spLocks noGrp="1"/>
-          </p:cNvSpPr>
-          <p:nvPr>
-            <p:ph idx="1"/>
-          </p:nvPr>
-        </p:nvSpPr>
-        <p:spPr>
-          <a:xfrm>
-            <a:off x="247650" y="972674"/>
-            <a:ext cx="11820525" cy="5551951"/>
-          </a:xfrm>
-        </p:spPr>
-        <p:txBody>
-          <a:bodyPr>
-            <a:normAutofit/>
-          </a:bodyPr>
-          <a:lstStyle/>
-          <a:p>
-            <a:r>
-              <a:rPr lang="en-US" sz="4800" dirty="0"/>
-              <a:t>Employers: </a:t>
-            </a:r>
-          </a:p>
-          <a:p>
-            <a:pPr lvl="1"/>
-            <a:r>
-              <a:rPr lang="en-US" sz="4000" dirty="0"/>
-              <a:t>Classroom training overrated, lengthy, hit-and-miss. </a:t>
-            </a:r>
-          </a:p>
-          <a:p>
-            <a:pPr lvl="1"/>
-            <a:r>
-              <a:rPr lang="en-US" sz="4000" dirty="0"/>
-              <a:t>Travel conferences are expensive, lengthy. </a:t>
-            </a:r>
-          </a:p>
-          <a:p>
-            <a:pPr lvl="2"/>
-            <a:r>
-              <a:rPr lang="en-US" sz="3600" dirty="0"/>
-              <a:t>Require knowledge transfer afterwards.</a:t>
-            </a:r>
-          </a:p>
-          <a:p>
-            <a:pPr lvl="2"/>
-            <a:r>
-              <a:rPr lang="en-US" sz="3600" dirty="0"/>
-              <a:t>Proof of hands-on-lab completion when sending employees off. No hands-on labs? Be skeptical. :/</a:t>
-            </a:r>
-          </a:p>
-          <a:p>
-            <a:pPr lvl="1"/>
-            <a:r>
-              <a:rPr lang="en-US" sz="4000" dirty="0"/>
-              <a:t>Employees should take advantage of the easy free training opportunities to earn expensive paid ones </a:t>
-            </a:r>
-            <a:r>
-              <a:rPr lang="en-US" sz="3600" dirty="0"/>
-              <a:t>(Hint: This. Event. Right. Now.)</a:t>
-            </a:r>
-          </a:p>
-          <a:p>
-            <a:pPr marL="457200" lvl="1" indent="0">
-              <a:buNone/>
-            </a:pPr>
-            <a:endParaRPr lang="en-US" sz="3600" dirty="0"/>
-          </a:p>
-        </p:txBody>
-      </p:sp>
-    </p:spTree>
-    <p:extLst>
-      <p:ext uri="{BB962C8B-B14F-4D97-AF65-F5344CB8AC3E}">
-        <p14:creationId xmlns:p14="http://schemas.microsoft.com/office/powerpoint/2010/main" val="3697046818"/>
-      </p:ext>
-    </p:extLst>
-  </p:cSld>
-  <p:clrMapOvr>
-    <a:masterClrMapping/>
-  </p:clrMapOvr>
-</p:sld>
-</file>
-
-<file path=ppt/slides/slide11.xml><?xml version="1.0" encoding="utf-8"?>
-<p:sld xmlns:a="http://schemas.openxmlformats.org/drawingml/2006/main" xmlns:r="http://schemas.openxmlformats.org/officeDocument/2006/relationships" xmlns:p="http://schemas.openxmlformats.org/presentationml/2006/main">
-  <p:cSld>
-    <p:spTree>
-      <p:nvGrpSpPr>
-        <p:cNvPr id="1" name=""/>
-        <p:cNvGrpSpPr/>
-        <p:nvPr/>
-      </p:nvGrpSpPr>
-      <p:grpSpPr>
-        <a:xfrm>
-          <a:off x="0" y="0"/>
-          <a:ext cx="0" cy="0"/>
-          <a:chOff x="0" y="0"/>
-          <a:chExt cx="0" cy="0"/>
-        </a:xfrm>
-      </p:grpSpPr>
       <p:pic>
         <p:nvPicPr>
           <p:cNvPr id="4" name="Picture 3">
@@ -10654,7 +10529,7 @@
 </p:sld>
 </file>
 
-<file path=ppt/slides/slide12.xml><?xml version="1.0" encoding="utf-8"?>
+<file path=ppt/slides/slide11.xml><?xml version="1.0" encoding="utf-8"?>
 <p:sld xmlns:a="http://schemas.openxmlformats.org/drawingml/2006/main" xmlns:r="http://schemas.openxmlformats.org/officeDocument/2006/relationships" xmlns:p="http://schemas.openxmlformats.org/presentationml/2006/main">
   <p:cSld>
     <p:spTree>
@@ -10966,7 +10841,7 @@
 </p:sld>
 </file>
 
-<file path=ppt/slides/slide13.xml><?xml version="1.0" encoding="utf-8"?>
+<file path=ppt/slides/slide12.xml><?xml version="1.0" encoding="utf-8"?>
 <p:sld xmlns:a="http://schemas.openxmlformats.org/drawingml/2006/main" xmlns:r="http://schemas.openxmlformats.org/officeDocument/2006/relationships" xmlns:p="http://schemas.openxmlformats.org/presentationml/2006/main">
   <p:cSld>
     <p:spTree>
@@ -11299,7 +11174,7 @@
 </p:sld>
 </file>
 
-<file path=ppt/slides/slide14.xml><?xml version="1.0" encoding="utf-8"?>
+<file path=ppt/slides/slide13.xml><?xml version="1.0" encoding="utf-8"?>
 <p:sld xmlns:a="http://schemas.openxmlformats.org/drawingml/2006/main" xmlns:r="http://schemas.openxmlformats.org/officeDocument/2006/relationships" xmlns:p="http://schemas.openxmlformats.org/presentationml/2006/main">
   <p:cSld>
     <p:spTree>
@@ -11685,6 +11560,149 @@
 </p:sld>
 </file>
 
+<file path=ppt/slides/slide14.xml><?xml version="1.0" encoding="utf-8"?>
+<p:sld xmlns:a="http://schemas.openxmlformats.org/drawingml/2006/main" xmlns:r="http://schemas.openxmlformats.org/officeDocument/2006/relationships" xmlns:p="http://schemas.openxmlformats.org/presentationml/2006/main">
+  <p:cSld>
+    <p:spTree>
+      <p:nvGrpSpPr>
+        <p:cNvPr id="1" name=""/>
+        <p:cNvGrpSpPr/>
+        <p:nvPr/>
+      </p:nvGrpSpPr>
+      <p:grpSpPr>
+        <a:xfrm>
+          <a:off x="0" y="0"/>
+          <a:ext cx="0" cy="0"/>
+          <a:chOff x="0" y="0"/>
+          <a:chExt cx="0" cy="0"/>
+        </a:xfrm>
+      </p:grpSpPr>
+      <p:sp>
+        <p:nvSpPr>
+          <p:cNvPr id="2" name="Title 1">
+            <a:extLst>
+              <a:ext uri="{FF2B5EF4-FFF2-40B4-BE49-F238E27FC236}">
+                <a16:creationId xmlns:a16="http://schemas.microsoft.com/office/drawing/2014/main" id="{DDEF33D2-C99C-40D1-89F1-A81B1F85D202}"/>
+              </a:ext>
+            </a:extLst>
+          </p:cNvPr>
+          <p:cNvSpPr>
+            <a:spLocks noGrp="1"/>
+          </p:cNvSpPr>
+          <p:nvPr>
+            <p:ph type="title"/>
+          </p:nvPr>
+        </p:nvSpPr>
+        <p:spPr/>
+        <p:txBody>
+          <a:bodyPr/>
+          <a:lstStyle/>
+          <a:p>
+            <a:r>
+              <a:rPr lang="en-US" dirty="0"/>
+              <a:t>What Exams Try to Test</a:t>
+            </a:r>
+          </a:p>
+        </p:txBody>
+      </p:sp>
+      <p:sp>
+        <p:nvSpPr>
+          <p:cNvPr id="3" name="Content Placeholder 2">
+            <a:extLst>
+              <a:ext uri="{FF2B5EF4-FFF2-40B4-BE49-F238E27FC236}">
+                <a16:creationId xmlns:a16="http://schemas.microsoft.com/office/drawing/2014/main" id="{FDC8B2BB-F0F2-481C-8DA0-098CADBB7296}"/>
+              </a:ext>
+            </a:extLst>
+          </p:cNvPr>
+          <p:cNvSpPr>
+            <a:spLocks noGrp="1"/>
+          </p:cNvSpPr>
+          <p:nvPr>
+            <p:ph idx="1"/>
+          </p:nvPr>
+        </p:nvSpPr>
+        <p:spPr>
+          <a:xfrm>
+            <a:off x="609600" y="990603"/>
+            <a:ext cx="10972800" cy="5657847"/>
+          </a:xfrm>
+        </p:spPr>
+        <p:txBody>
+          <a:bodyPr>
+            <a:normAutofit fontScale="92500" lnSpcReduction="10000"/>
+          </a:bodyPr>
+          <a:lstStyle/>
+          <a:p>
+            <a:r>
+              <a:rPr lang="en-US" sz="4000" dirty="0"/>
+              <a:t>The exams are highly situational.</a:t>
+            </a:r>
+          </a:p>
+          <a:p>
+            <a:r>
+              <a:rPr lang="en-US" sz="4000" dirty="0"/>
+              <a:t>So instead of asking "What is the difference between x and y." </a:t>
+            </a:r>
+          </a:p>
+          <a:p>
+            <a:r>
+              <a:rPr lang="en-US" sz="4000" dirty="0"/>
+              <a:t>The question will be:</a:t>
+            </a:r>
+            <a:br>
+              <a:rPr lang="en-US" sz="4000" dirty="0"/>
+            </a:br>
+            <a:br>
+              <a:rPr lang="en-US" sz="4000" dirty="0"/>
+            </a:br>
+            <a:r>
+              <a:rPr lang="en-US" sz="4000" dirty="0"/>
+              <a:t>You are doing this with these conditions and variables. What should you choose. </a:t>
+            </a:r>
+            <a:br>
+              <a:rPr lang="en-US" sz="4000" dirty="0"/>
+            </a:br>
+            <a:r>
+              <a:rPr lang="en-US" sz="4000" dirty="0"/>
+              <a:t>a. X  </a:t>
+            </a:r>
+            <a:br>
+              <a:rPr lang="en-US" sz="4000" dirty="0"/>
+            </a:br>
+            <a:r>
+              <a:rPr lang="en-US" sz="4000" dirty="0"/>
+              <a:t>b. Y  </a:t>
+            </a:r>
+            <a:br>
+              <a:rPr lang="en-US" sz="4000" dirty="0"/>
+            </a:br>
+            <a:r>
+              <a:rPr lang="en-US" sz="4000" dirty="0"/>
+              <a:t>c. Z  </a:t>
+            </a:r>
+            <a:br>
+              <a:rPr lang="en-US" sz="4000" dirty="0"/>
+            </a:br>
+            <a:r>
+              <a:rPr lang="en-US" sz="4000" dirty="0"/>
+              <a:t>d. Q</a:t>
+            </a:r>
+          </a:p>
+        </p:txBody>
+      </p:sp>
+    </p:spTree>
+    <p:extLst>
+      <p:ext uri="{BB962C8B-B14F-4D97-AF65-F5344CB8AC3E}">
+        <p14:creationId xmlns:p14="http://schemas.microsoft.com/office/powerpoint/2010/main" val="1873288180"/>
+      </p:ext>
+    </p:extLst>
+  </p:cSld>
+  <p:clrMapOvr>
+    <a:masterClrMapping/>
+  </p:clrMapOvr>
+</p:sld>
+</file>
+
 <file path=ppt/slides/slide15.xml><?xml version="1.0" encoding="utf-8"?>
 <p:sld xmlns:a="http://schemas.openxmlformats.org/drawingml/2006/main" xmlns:r="http://schemas.openxmlformats.org/officeDocument/2006/relationships" xmlns:p="http://schemas.openxmlformats.org/presentationml/2006/main">
   <p:cSld>
@@ -11721,7 +11739,7 @@
           <a:p>
             <a:r>
               <a:rPr lang="en-US" dirty="0"/>
-              <a:t>Solutions Providers, Not Exam Takers</a:t>
+              <a:t>Real Answer Options</a:t>
             </a:r>
           </a:p>
         </p:txBody>
@@ -11750,7 +11768,7 @@
               <a:rPr lang="en-US" smtClean="0"/>
               <a:t>15</a:t>
             </a:fld>
-            <a:endParaRPr lang="en-US" dirty="0"/>
+            <a:endParaRPr lang="en-US"/>
           </a:p>
         </p:txBody>
       </p:sp>
@@ -11764,8 +11782,8 @@
         </p:nvSpPr>
         <p:spPr>
           <a:xfrm>
-            <a:off x="381674" y="938677"/>
-            <a:ext cx="10972800" cy="2338598"/>
+            <a:off x="285981" y="839972"/>
+            <a:ext cx="10972800" cy="5637027"/>
           </a:xfrm>
           <a:prstGeom prst="rect">
             <a:avLst/>
@@ -11793,16 +11811,381 @@
           </a:lstStyle>
           <a:p>
             <a:r>
-              <a:rPr lang="en-US" sz="3200" b="0" dirty="0">
+              <a:rPr lang="en-US" b="0" dirty="0">
                 <a:solidFill>
                   <a:schemeClr val="tx1"/>
                 </a:solidFill>
                 <a:latin typeface="+mn-lt"/>
               </a:rPr>
-              <a:t>Microsoft’s recent Emphasis is on Solutions.</a:t>
-            </a:r>
-          </a:p>
-          <a:p>
+              <a:t>The correct answer has to be 100% correct.  </a:t>
+            </a:r>
+            <a:br>
+              <a:rPr lang="en-US" b="0" dirty="0">
+                <a:solidFill>
+                  <a:schemeClr val="tx1"/>
+                </a:solidFill>
+                <a:latin typeface="+mn-lt"/>
+              </a:rPr>
+            </a:br>
+            <a:r>
+              <a:rPr lang="en-US" b="0" dirty="0">
+                <a:solidFill>
+                  <a:schemeClr val="tx1"/>
+                </a:solidFill>
+                <a:latin typeface="+mn-lt"/>
+              </a:rPr>
+              <a:t>The "distractors" have to be plausible, but 100% wrong.</a:t>
+            </a:r>
+          </a:p>
+          <a:p>
+            <a:endParaRPr lang="en-US" b="0" dirty="0">
+              <a:solidFill>
+                <a:schemeClr val="tx1"/>
+              </a:solidFill>
+              <a:latin typeface="+mn-lt"/>
+            </a:endParaRPr>
+          </a:p>
+          <a:p>
+            <a:r>
+              <a:rPr lang="en-US" b="0" i="1" dirty="0">
+                <a:solidFill>
+                  <a:schemeClr val="tx1"/>
+                </a:solidFill>
+                <a:latin typeface="+mn-lt"/>
+              </a:rPr>
+              <a:t>But we can't make stuff up.</a:t>
+            </a:r>
+            <a:r>
+              <a:rPr lang="en-US" b="0" dirty="0">
+                <a:solidFill>
+                  <a:schemeClr val="tx1"/>
+                </a:solidFill>
+                <a:latin typeface="+mn-lt"/>
+              </a:rPr>
+              <a:t> Every answer you see is something real. We write plausible real wrong answers.</a:t>
+            </a:r>
+          </a:p>
+          <a:p>
+            <a:r>
+              <a:rPr lang="en-US" b="0" dirty="0">
+                <a:solidFill>
+                  <a:schemeClr val="tx1"/>
+                </a:solidFill>
+                <a:latin typeface="+mn-lt"/>
+              </a:rPr>
+              <a:t>In SQL Server, there is no “CHECKSUM Recovery Model” so you won’t see it on an exam.</a:t>
+            </a:r>
+          </a:p>
+          <a:p>
+            <a:endParaRPr lang="en-US" b="0" dirty="0">
+              <a:solidFill>
+                <a:schemeClr val="tx1"/>
+              </a:solidFill>
+              <a:latin typeface="+mn-lt"/>
+            </a:endParaRPr>
+          </a:p>
+        </p:txBody>
+      </p:sp>
+    </p:spTree>
+    <p:extLst>
+      <p:ext uri="{BB962C8B-B14F-4D97-AF65-F5344CB8AC3E}">
+        <p14:creationId xmlns:p14="http://schemas.microsoft.com/office/powerpoint/2010/main" val="1514263936"/>
+      </p:ext>
+    </p:extLst>
+  </p:cSld>
+  <p:clrMapOvr>
+    <a:masterClrMapping/>
+  </p:clrMapOvr>
+  <p:timing>
+    <p:tnLst>
+      <p:par>
+        <p:cTn id="1" dur="indefinite" restart="never" nodeType="tmRoot">
+          <p:childTnLst>
+            <p:seq concurrent="1" nextAc="seek">
+              <p:cTn id="2" dur="indefinite" nodeType="mainSeq">
+                <p:childTnLst>
+                  <p:par>
+                    <p:cTn id="3" fill="hold">
+                      <p:stCondLst>
+                        <p:cond delay="indefinite"/>
+                        <p:cond evt="onBegin" delay="0">
+                          <p:tn val="2"/>
+                        </p:cond>
+                      </p:stCondLst>
+                      <p:childTnLst>
+                        <p:par>
+                          <p:cTn id="4" fill="hold">
+                            <p:stCondLst>
+                              <p:cond delay="0"/>
+                            </p:stCondLst>
+                            <p:childTnLst>
+                              <p:par>
+                                <p:cTn id="5" presetID="1" presetClass="entr" presetSubtype="0" fill="hold" grpId="0" nodeType="withEffect">
+                                  <p:stCondLst>
+                                    <p:cond delay="0"/>
+                                  </p:stCondLst>
+                                  <p:childTnLst>
+                                    <p:set>
+                                      <p:cBhvr>
+                                        <p:cTn id="6" dur="1" fill="hold">
+                                          <p:stCondLst>
+                                            <p:cond delay="0"/>
+                                          </p:stCondLst>
+                                        </p:cTn>
+                                        <p:tgtEl>
+                                          <p:spTgt spid="6">
+                                            <p:txEl>
+                                              <p:pRg st="0" end="0"/>
+                                            </p:txEl>
+                                          </p:spTgt>
+                                        </p:tgtEl>
+                                        <p:attrNameLst>
+                                          <p:attrName>style.visibility</p:attrName>
+                                        </p:attrNameLst>
+                                      </p:cBhvr>
+                                      <p:to>
+                                        <p:strVal val="visible"/>
+                                      </p:to>
+                                    </p:set>
+                                  </p:childTnLst>
+                                </p:cTn>
+                              </p:par>
+                              <p:par>
+                                <p:cTn id="7" presetID="1" presetClass="entr" presetSubtype="0" fill="hold" grpId="0" nodeType="withEffect">
+                                  <p:stCondLst>
+                                    <p:cond delay="0"/>
+                                  </p:stCondLst>
+                                  <p:childTnLst>
+                                    <p:set>
+                                      <p:cBhvr>
+                                        <p:cTn id="8" dur="1" fill="hold">
+                                          <p:stCondLst>
+                                            <p:cond delay="0"/>
+                                          </p:stCondLst>
+                                        </p:cTn>
+                                        <p:tgtEl>
+                                          <p:spTgt spid="6">
+                                            <p:txEl>
+                                              <p:pRg st="2" end="2"/>
+                                            </p:txEl>
+                                          </p:spTgt>
+                                        </p:tgtEl>
+                                        <p:attrNameLst>
+                                          <p:attrName>style.visibility</p:attrName>
+                                        </p:attrNameLst>
+                                      </p:cBhvr>
+                                      <p:to>
+                                        <p:strVal val="visible"/>
+                                      </p:to>
+                                    </p:set>
+                                  </p:childTnLst>
+                                </p:cTn>
+                              </p:par>
+                              <p:par>
+                                <p:cTn id="9" presetID="1" presetClass="entr" presetSubtype="0" fill="hold" grpId="0" nodeType="withEffect">
+                                  <p:stCondLst>
+                                    <p:cond delay="0"/>
+                                  </p:stCondLst>
+                                  <p:childTnLst>
+                                    <p:set>
+                                      <p:cBhvr>
+                                        <p:cTn id="10" dur="1" fill="hold">
+                                          <p:stCondLst>
+                                            <p:cond delay="0"/>
+                                          </p:stCondLst>
+                                        </p:cTn>
+                                        <p:tgtEl>
+                                          <p:spTgt spid="6">
+                                            <p:txEl>
+                                              <p:pRg st="3" end="3"/>
+                                            </p:txEl>
+                                          </p:spTgt>
+                                        </p:tgtEl>
+                                        <p:attrNameLst>
+                                          <p:attrName>style.visibility</p:attrName>
+                                        </p:attrNameLst>
+                                      </p:cBhvr>
+                                      <p:to>
+                                        <p:strVal val="visible"/>
+                                      </p:to>
+                                    </p:set>
+                                  </p:childTnLst>
+                                </p:cTn>
+                              </p:par>
+                            </p:childTnLst>
+                          </p:cTn>
+                        </p:par>
+                      </p:childTnLst>
+                    </p:cTn>
+                  </p:par>
+                </p:childTnLst>
+              </p:cTn>
+              <p:prevCondLst>
+                <p:cond evt="onPrev" delay="0">
+                  <p:tgtEl>
+                    <p:sldTgt/>
+                  </p:tgtEl>
+                </p:cond>
+              </p:prevCondLst>
+              <p:nextCondLst>
+                <p:cond evt="onNext" delay="0">
+                  <p:tgtEl>
+                    <p:sldTgt/>
+                  </p:tgtEl>
+                </p:cond>
+              </p:nextCondLst>
+            </p:seq>
+          </p:childTnLst>
+        </p:cTn>
+      </p:par>
+    </p:tnLst>
+    <p:bldLst>
+      <p:bldP spid="6" grpId="0" uiExpand="1" build="allAtOnce"/>
+    </p:bldLst>
+  </p:timing>
+</p:sld>
+</file>
+
+<file path=ppt/slides/slide16.xml><?xml version="1.0" encoding="utf-8"?>
+<p:sld xmlns:a="http://schemas.openxmlformats.org/drawingml/2006/main" xmlns:r="http://schemas.openxmlformats.org/officeDocument/2006/relationships" xmlns:p="http://schemas.openxmlformats.org/presentationml/2006/main">
+  <p:cSld>
+    <p:spTree>
+      <p:nvGrpSpPr>
+        <p:cNvPr id="1" name=""/>
+        <p:cNvGrpSpPr/>
+        <p:nvPr/>
+      </p:nvGrpSpPr>
+      <p:grpSpPr>
+        <a:xfrm>
+          <a:off x="0" y="0"/>
+          <a:ext cx="0" cy="0"/>
+          <a:chOff x="0" y="0"/>
+          <a:chExt cx="0" cy="0"/>
+        </a:xfrm>
+      </p:grpSpPr>
+      <p:sp>
+        <p:nvSpPr>
+          <p:cNvPr id="5" name="Title 4"/>
+          <p:cNvSpPr>
+            <a:spLocks noGrp="1"/>
+          </p:cNvSpPr>
+          <p:nvPr>
+            <p:ph type="title"/>
+          </p:nvPr>
+        </p:nvSpPr>
+        <p:spPr/>
+        <p:txBody>
+          <a:bodyPr>
+            <a:normAutofit/>
+          </a:bodyPr>
+          <a:lstStyle/>
+          <a:p>
+            <a:r>
+              <a:rPr lang="en-US" dirty="0"/>
+              <a:t>Solutions Providers, Not Exam Takers</a:t>
+            </a:r>
+          </a:p>
+        </p:txBody>
+      </p:sp>
+      <p:sp>
+        <p:nvSpPr>
+          <p:cNvPr id="4" name="Slide Number Placeholder 3"/>
+          <p:cNvSpPr>
+            <a:spLocks noGrp="1"/>
+          </p:cNvSpPr>
+          <p:nvPr>
+            <p:ph type="sldNum" sz="quarter" idx="4294967295"/>
+          </p:nvPr>
+        </p:nvSpPr>
+        <p:spPr>
+          <a:xfrm>
+            <a:off x="9347200" y="6356350"/>
+            <a:ext cx="2844800" cy="365125"/>
+          </a:xfrm>
+        </p:spPr>
+        <p:txBody>
+          <a:bodyPr/>
+          <a:lstStyle/>
+          <a:p>
+            <a:fld id="{CC077DB7-DE37-4EA7-B5C7-4FE1B440C5DB}" type="slidenum">
+              <a:rPr lang="en-US" smtClean="0"/>
+              <a:t>16</a:t>
+            </a:fld>
+            <a:endParaRPr lang="en-US" dirty="0"/>
+          </a:p>
+        </p:txBody>
+      </p:sp>
+      <p:sp>
+        <p:nvSpPr>
+          <p:cNvPr id="6" name="Title 4"/>
+          <p:cNvSpPr txBox="1">
+            <a:spLocks/>
+          </p:cNvSpPr>
+          <p:nvPr/>
+        </p:nvSpPr>
+        <p:spPr>
+          <a:xfrm>
+            <a:off x="381674" y="938677"/>
+            <a:ext cx="10972800" cy="2338598"/>
+          </a:xfrm>
+          <a:prstGeom prst="rect">
+            <a:avLst/>
+          </a:prstGeom>
+        </p:spPr>
+        <p:txBody>
+          <a:bodyPr vert="horz" lIns="91440" tIns="45720" rIns="91440" bIns="45720" rtlCol="0" anchor="t">
+            <a:noAutofit/>
+          </a:bodyPr>
+          <a:lstStyle>
+            <a:lvl1pPr algn="l" defTabSz="914400" rtl="0" eaLnBrk="1" latinLnBrk="0" hangingPunct="1">
+              <a:spcBef>
+                <a:spcPct val="0"/>
+              </a:spcBef>
+              <a:buNone/>
+              <a:defRPr sz="4000" b="1" kern="1200" baseline="0">
+                <a:solidFill>
+                  <a:srgbClr val="4F2683"/>
+                </a:solidFill>
+                <a:latin typeface="+mj-lt"/>
+                <a:ea typeface="+mj-ea"/>
+                <a:cs typeface="+mj-cs"/>
+              </a:defRPr>
+            </a:lvl1pPr>
+          </a:lstStyle>
+          <a:p>
+            <a:r>
+              <a:rPr lang="en-US" sz="3200" b="0" dirty="0">
+                <a:solidFill>
+                  <a:schemeClr val="tx1"/>
+                </a:solidFill>
+                <a:latin typeface="+mn-lt"/>
+              </a:rPr>
+              <a:t>Microsoft’s recent Emphasis is on Solutions. Example: </a:t>
+            </a:r>
+          </a:p>
+          <a:p>
+            <a:pPr lvl="1"/>
+            <a:r>
+              <a:rPr lang="en-US" sz="3000" b="0" dirty="0">
+                <a:solidFill>
+                  <a:schemeClr val="tx1"/>
+                </a:solidFill>
+                <a:latin typeface="+mn-lt"/>
+              </a:rPr>
+              <a:t>To get SQL MCSA (three exams), you need to know how to build end-to-end Business Intelligence, with lots of SSIS (including Data Quality Services), SSRS, even SSAS, in addition to the expected database admin and querying</a:t>
+            </a:r>
+            <a:r>
+              <a:rPr lang="en-US" sz="3200" b="0" dirty="0">
+                <a:solidFill>
+                  <a:schemeClr val="tx1"/>
+                </a:solidFill>
+                <a:latin typeface="+mn-lt"/>
+              </a:rPr>
+              <a:t>. </a:t>
+            </a:r>
+          </a:p>
+          <a:p>
+            <a:pPr lvl="1"/>
             <a:endParaRPr lang="en-US" sz="3200" b="0" dirty="0">
               <a:solidFill>
                 <a:schemeClr val="tx1"/>
@@ -11818,26 +12201,7 @@
                 </a:solidFill>
                 <a:latin typeface="+mn-lt"/>
               </a:rPr>
-              <a:t>Example: To get an SQL MCSA, you need to know how to build end-to-end Business Intelligence, with lots of SSIS (including Data Quality Services!), SSRS, even SSAS, in addition to the expected database admin and querying. </a:t>
-            </a:r>
-          </a:p>
-          <a:p>
-            <a:endParaRPr lang="en-US" sz="3200" b="0" dirty="0">
-              <a:solidFill>
-                <a:schemeClr val="tx1"/>
-              </a:solidFill>
-              <a:latin typeface="+mn-lt"/>
-            </a:endParaRPr>
-          </a:p>
-          <a:p>
-            <a:r>
-              <a:rPr lang="en-US" sz="3200" b="0" dirty="0">
-                <a:solidFill>
-                  <a:schemeClr val="tx1"/>
-                </a:solidFill>
-                <a:latin typeface="+mn-lt"/>
-              </a:rPr>
-              <a:t>There is no such thing as a one-dimensional certification. </a:t>
+              <a:t>There is no such thing as a one-dimensional certification because there are few cases of one-dimensional jobs.</a:t>
             </a:r>
           </a:p>
           <a:p>
@@ -11914,26 +12278,39 @@
                                   </p:childTnLst>
                                 </p:cTn>
                               </p:par>
-                            </p:childTnLst>
-                          </p:cTn>
-                        </p:par>
-                      </p:childTnLst>
-                    </p:cTn>
-                  </p:par>
-                  <p:par>
-                    <p:cTn id="7" fill="hold">
-                      <p:stCondLst>
-                        <p:cond delay="indefinite"/>
-                      </p:stCondLst>
-                      <p:childTnLst>
-                        <p:par>
-                          <p:cTn id="8" fill="hold">
-                            <p:stCondLst>
-                              <p:cond delay="0"/>
-                            </p:stCondLst>
-                            <p:childTnLst>
                               <p:par>
-                                <p:cTn id="9" presetID="1" presetClass="entr" presetSubtype="0" fill="hold" grpId="0" nodeType="clickEffect">
+                                <p:cTn id="7" presetID="1" presetClass="entr" presetSubtype="0" fill="hold" grpId="0" nodeType="withEffect">
+                                  <p:stCondLst>
+                                    <p:cond delay="0"/>
+                                  </p:stCondLst>
+                                  <p:childTnLst>
+                                    <p:set>
+                                      <p:cBhvr>
+                                        <p:cTn id="8" dur="1" fill="hold">
+                                          <p:stCondLst>
+                                            <p:cond delay="0"/>
+                                          </p:stCondLst>
+                                        </p:cTn>
+                                        <p:tgtEl>
+                                          <p:spTgt spid="6">
+                                            <p:txEl>
+                                              <p:pRg st="1" end="1"/>
+                                            </p:txEl>
+                                          </p:spTgt>
+                                        </p:tgtEl>
+                                        <p:attrNameLst>
+                                          <p:attrName>style.visibility</p:attrName>
+                                        </p:attrNameLst>
+                                      </p:cBhvr>
+                                      <p:to>
+                                        <p:strVal val="visible"/>
+                                      </p:to>
+                                    </p:set>
+                                  </p:childTnLst>
+                                </p:cTn>
+                              </p:par>
+                              <p:par>
+                                <p:cTn id="9" presetID="1" presetClass="entr" presetSubtype="0" fill="hold" grpId="0" nodeType="withEffect">
                                   <p:stCondLst>
                                     <p:cond delay="0"/>
                                   </p:stCondLst>
@@ -11948,7 +12325,7 @@
                                         <p:tgtEl>
                                           <p:spTgt spid="6">
                                             <p:txEl>
-                                              <p:pRg st="2" end="2"/>
+                                              <p:pRg st="3" end="3"/>
                                             </p:txEl>
                                           </p:spTgt>
                                         </p:tgtEl>
@@ -12018,55 +12395,6 @@
                       </p:childTnLst>
                     </p:cTn>
                   </p:par>
-                  <p:par>
-                    <p:cTn id="15" fill="hold">
-                      <p:stCondLst>
-                        <p:cond delay="indefinite"/>
-                      </p:stCondLst>
-                      <p:childTnLst>
-                        <p:par>
-                          <p:cTn id="16" fill="hold">
-                            <p:stCondLst>
-                              <p:cond delay="0"/>
-                            </p:stCondLst>
-                            <p:childTnLst>
-                              <p:par>
-                                <p:cTn id="17" presetID="1" presetClass="entr" presetSubtype="0" fill="hold" grpId="0" nodeType="clickEffect">
-                                  <p:stCondLst>
-                                    <p:cond delay="0"/>
-                                  </p:stCondLst>
-                                  <p:childTnLst>
-                                    <p:set>
-                                      <p:cBhvr>
-                                        <p:cTn id="18" dur="1" fill="hold">
-                                          <p:stCondLst>
-                                            <p:cond delay="0"/>
-                                          </p:stCondLst>
-                                        </p:cTn>
-                                        <p:tgtEl>
-                                          <p:spTgt spid="6">
-                                            <p:txEl>
-                                              <p:pRg st="5" end="5"/>
-                                            </p:txEl>
-                                          </p:spTgt>
-                                        </p:tgtEl>
-                                        <p:attrNameLst>
-                                          <p:attrName>style.visibility</p:attrName>
-                                        </p:attrNameLst>
-                                      </p:cBhvr>
-                                      <p:to>
-                                        <p:strVal val="visible"/>
-                                      </p:to>
-                                    </p:set>
-                                  </p:childTnLst>
-                                </p:cTn>
-                              </p:par>
-                            </p:childTnLst>
-                          </p:cTn>
-                        </p:par>
-                      </p:childTnLst>
-                    </p:cTn>
-                  </p:par>
                 </p:childTnLst>
               </p:cTn>
               <p:prevCondLst>
@@ -12095,7 +12423,7 @@
 </p:sld>
 </file>
 
-<file path=ppt/slides/slide16.xml><?xml version="1.0" encoding="utf-8"?>
+<file path=ppt/slides/slide17.xml><?xml version="1.0" encoding="utf-8"?>
 <p:sld xmlns:a="http://schemas.openxmlformats.org/drawingml/2006/main" xmlns:r="http://schemas.openxmlformats.org/officeDocument/2006/relationships" xmlns:p="http://schemas.openxmlformats.org/presentationml/2006/main">
   <p:cSld>
     <p:spTree>
@@ -12158,7 +12486,7 @@
           <a:p>
             <a:fld id="{CC077DB7-DE37-4EA7-B5C7-4FE1B440C5DB}" type="slidenum">
               <a:rPr lang="en-US" smtClean="0"/>
-              <a:t>16</a:t>
+              <a:t>17</a:t>
             </a:fld>
             <a:endParaRPr lang="en-US" dirty="0"/>
           </a:p>
@@ -12209,18 +12537,24 @@
                 </a:solidFill>
                 <a:latin typeface="+mn-lt"/>
               </a:rPr>
-              <a:t>Microsoft subcontracts out SME’s globally. </a:t>
-            </a:r>
-          </a:p>
-          <a:p>
-            <a:r>
+              <a:t>Let’s talk about who creates the exams. </a:t>
+            </a:r>
+            <a:br>
               <a:rPr lang="en-US" sz="3600" b="0" dirty="0">
                 <a:solidFill>
                   <a:schemeClr val="tx1"/>
                 </a:solidFill>
                 <a:latin typeface="+mn-lt"/>
               </a:rPr>
-              <a:t> </a:t>
+            </a:br>
+            <a:r>
+              <a:rPr lang="en-US" sz="3600" b="0" dirty="0">
+                <a:solidFill>
+                  <a:schemeClr val="tx1"/>
+                </a:solidFill>
+                <a:latin typeface="+mn-lt"/>
+              </a:rPr>
+              <a:t>Microsoft subcontracts out SME’s globally. </a:t>
             </a:r>
           </a:p>
           <a:p>
@@ -12382,26 +12716,39 @@
                                   </p:childTnLst>
                                 </p:cTn>
                               </p:par>
-                            </p:childTnLst>
-                          </p:cTn>
-                        </p:par>
-                      </p:childTnLst>
-                    </p:cTn>
-                  </p:par>
-                  <p:par>
-                    <p:cTn id="7" fill="hold">
-                      <p:stCondLst>
-                        <p:cond delay="indefinite"/>
-                      </p:stCondLst>
-                      <p:childTnLst>
-                        <p:par>
-                          <p:cTn id="8" fill="hold">
-                            <p:stCondLst>
-                              <p:cond delay="0"/>
-                            </p:stCondLst>
-                            <p:childTnLst>
                               <p:par>
-                                <p:cTn id="9" presetID="1" presetClass="entr" presetSubtype="0" fill="hold" grpId="0" nodeType="clickEffect">
+                                <p:cTn id="7" presetID="1" presetClass="entr" presetSubtype="0" fill="hold" grpId="0" nodeType="withEffect">
+                                  <p:stCondLst>
+                                    <p:cond delay="0"/>
+                                  </p:stCondLst>
+                                  <p:childTnLst>
+                                    <p:set>
+                                      <p:cBhvr>
+                                        <p:cTn id="8" dur="1" fill="hold">
+                                          <p:stCondLst>
+                                            <p:cond delay="0"/>
+                                          </p:stCondLst>
+                                        </p:cTn>
+                                        <p:tgtEl>
+                                          <p:spTgt spid="6">
+                                            <p:txEl>
+                                              <p:pRg st="1" end="1"/>
+                                            </p:txEl>
+                                          </p:spTgt>
+                                        </p:tgtEl>
+                                        <p:attrNameLst>
+                                          <p:attrName>style.visibility</p:attrName>
+                                        </p:attrNameLst>
+                                      </p:cBhvr>
+                                      <p:to>
+                                        <p:strVal val="visible"/>
+                                      </p:to>
+                                    </p:set>
+                                  </p:childTnLst>
+                                </p:cTn>
+                              </p:par>
+                              <p:par>
+                                <p:cTn id="9" presetID="1" presetClass="entr" presetSubtype="0" fill="hold" grpId="0" nodeType="withEffect">
                                   <p:stCondLst>
                                     <p:cond delay="0"/>
                                   </p:stCondLst>
@@ -12416,7 +12763,7 @@
                                         <p:tgtEl>
                                           <p:spTgt spid="6">
                                             <p:txEl>
-                                              <p:pRg st="1" end="1"/>
+                                              <p:pRg st="3" end="3"/>
                                             </p:txEl>
                                           </p:spTgt>
                                         </p:tgtEl>
@@ -12447,7 +12794,7 @@
                                         <p:tgtEl>
                                           <p:spTgt spid="6">
                                             <p:txEl>
-                                              <p:pRg st="2" end="2"/>
+                                              <p:pRg st="5" end="5"/>
                                             </p:txEl>
                                           </p:spTgt>
                                         </p:tgtEl>
@@ -12478,69 +12825,7 @@
                                         <p:tgtEl>
                                           <p:spTgt spid="6">
                                             <p:txEl>
-                                              <p:pRg st="4" end="4"/>
-                                            </p:txEl>
-                                          </p:spTgt>
-                                        </p:tgtEl>
-                                        <p:attrNameLst>
-                                          <p:attrName>style.visibility</p:attrName>
-                                        </p:attrNameLst>
-                                      </p:cBhvr>
-                                      <p:to>
-                                        <p:strVal val="visible"/>
-                                      </p:to>
-                                    </p:set>
-                                  </p:childTnLst>
-                                </p:cTn>
-                              </p:par>
-                              <p:par>
-                                <p:cTn id="15" presetID="1" presetClass="entr" presetSubtype="0" fill="hold" grpId="0" nodeType="withEffect">
-                                  <p:stCondLst>
-                                    <p:cond delay="0"/>
-                                  </p:stCondLst>
-                                  <p:childTnLst>
-                                    <p:set>
-                                      <p:cBhvr>
-                                        <p:cTn id="16" dur="1" fill="hold">
-                                          <p:stCondLst>
-                                            <p:cond delay="0"/>
-                                          </p:stCondLst>
-                                        </p:cTn>
-                                        <p:tgtEl>
-                                          <p:spTgt spid="6">
-                                            <p:txEl>
                                               <p:pRg st="6" end="6"/>
-                                            </p:txEl>
-                                          </p:spTgt>
-                                        </p:tgtEl>
-                                        <p:attrNameLst>
-                                          <p:attrName>style.visibility</p:attrName>
-                                        </p:attrNameLst>
-                                      </p:cBhvr>
-                                      <p:to>
-                                        <p:strVal val="visible"/>
-                                      </p:to>
-                                    </p:set>
-                                  </p:childTnLst>
-                                </p:cTn>
-                              </p:par>
-                              <p:par>
-                                <p:cTn id="17" presetID="1" presetClass="entr" presetSubtype="0" fill="hold" grpId="0" nodeType="withEffect">
-                                  <p:stCondLst>
-                                    <p:cond delay="0"/>
-                                  </p:stCondLst>
-                                  <p:childTnLst>
-                                    <p:set>
-                                      <p:cBhvr>
-                                        <p:cTn id="18" dur="1" fill="hold">
-                                          <p:stCondLst>
-                                            <p:cond delay="0"/>
-                                          </p:stCondLst>
-                                        </p:cTn>
-                                        <p:tgtEl>
-                                          <p:spTgt spid="6">
-                                            <p:txEl>
-                                              <p:pRg st="7" end="7"/>
                                             </p:txEl>
                                           </p:spTgt>
                                         </p:tgtEl>
@@ -12589,7 +12874,7 @@
 </p:sld>
 </file>
 
-<file path=ppt/slides/slide17.xml><?xml version="1.0" encoding="utf-8"?>
+<file path=ppt/slides/slide18.xml><?xml version="1.0" encoding="utf-8"?>
 <p:sld xmlns:a="http://schemas.openxmlformats.org/drawingml/2006/main" xmlns:r="http://schemas.openxmlformats.org/officeDocument/2006/relationships" xmlns:p="http://schemas.openxmlformats.org/presentationml/2006/main">
   <p:cSld>
     <p:spTree>
@@ -12652,7 +12937,7 @@
           <a:p>
             <a:fld id="{CC077DB7-DE37-4EA7-B5C7-4FE1B440C5DB}" type="slidenum">
               <a:rPr lang="en-US" smtClean="0"/>
-              <a:t>17</a:t>
+              <a:t>18</a:t>
             </a:fld>
             <a:endParaRPr lang="en-US" dirty="0"/>
           </a:p>
@@ -12945,7 +13230,7 @@
 </p:sld>
 </file>
 
-<file path=ppt/slides/slide18.xml><?xml version="1.0" encoding="utf-8"?>
+<file path=ppt/slides/slide19.xml><?xml version="1.0" encoding="utf-8"?>
 <p:sld xmlns:a="http://schemas.openxmlformats.org/drawingml/2006/main" xmlns:r="http://schemas.openxmlformats.org/officeDocument/2006/relationships" xmlns:p="http://schemas.openxmlformats.org/presentationml/2006/main">
   <p:cSld>
     <p:spTree>
@@ -13008,7 +13293,7 @@
           <a:p>
             <a:fld id="{CC077DB7-DE37-4EA7-B5C7-4FE1B440C5DB}" type="slidenum">
               <a:rPr lang="en-US" smtClean="0"/>
-              <a:t>18</a:t>
+              <a:t>19</a:t>
             </a:fld>
             <a:endParaRPr lang="en-US"/>
           </a:p>
@@ -13793,7 +14078,7 @@
 </p:sld>
 </file>
 
-<file path=ppt/slides/slide19.xml><?xml version="1.0" encoding="utf-8"?>
+<file path=ppt/slides/slide2.xml><?xml version="1.0" encoding="utf-8"?>
 <p:sld xmlns:a="http://schemas.openxmlformats.org/drawingml/2006/main" xmlns:r="http://schemas.openxmlformats.org/officeDocument/2006/relationships" xmlns:p="http://schemas.openxmlformats.org/presentationml/2006/main">
   <p:cSld>
     <p:spTree>
@@ -13812,6 +14097,188 @@
       </p:grpSpPr>
       <p:sp>
         <p:nvSpPr>
+          <p:cNvPr id="2" name="Title 1"/>
+          <p:cNvSpPr>
+            <a:spLocks noGrp="1"/>
+          </p:cNvSpPr>
+          <p:nvPr>
+            <p:ph type="title"/>
+          </p:nvPr>
+        </p:nvSpPr>
+        <p:spPr/>
+        <p:txBody>
+          <a:bodyPr/>
+          <a:lstStyle/>
+          <a:p>
+            <a:r>
+              <a:rPr lang="en-US" dirty="0"/>
+              <a:t>Pop Quiz</a:t>
+            </a:r>
+          </a:p>
+        </p:txBody>
+      </p:sp>
+      <p:sp>
+        <p:nvSpPr>
+          <p:cNvPr id="3" name="Content Placeholder 2"/>
+          <p:cNvSpPr>
+            <a:spLocks noGrp="1"/>
+          </p:cNvSpPr>
+          <p:nvPr>
+            <p:ph idx="1"/>
+          </p:nvPr>
+        </p:nvSpPr>
+        <p:spPr>
+          <a:xfrm>
+            <a:off x="609600" y="990603"/>
+            <a:ext cx="10972800" cy="5305422"/>
+          </a:xfrm>
+        </p:spPr>
+        <p:txBody>
+          <a:bodyPr>
+            <a:normAutofit fontScale="77500" lnSpcReduction="20000"/>
+          </a:bodyPr>
+          <a:lstStyle/>
+          <a:p>
+            <a:r>
+              <a:rPr lang="en-US" sz="4100" dirty="0"/>
+              <a:t>You are an admiral in Starfleet.</a:t>
+            </a:r>
+          </a:p>
+          <a:p>
+            <a:r>
+              <a:rPr lang="en-US" sz="4100" dirty="0"/>
+              <a:t>Your new flagship needs a captain. You may choose any out of the ranks of captains throughout time. The captain must have never willingly cooperated with the Borg. Because of the long voyage, the captain must have no children to leave behind. The new captain must have a superior hairstyle.</a:t>
+            </a:r>
+          </a:p>
+          <a:p>
+            <a:r>
+              <a:rPr lang="en-US" sz="4100" dirty="0"/>
+              <a:t>You need to choose a leader for your starship.</a:t>
+            </a:r>
+          </a:p>
+          <a:p>
+            <a:r>
+              <a:rPr lang="en-US" sz="4100" dirty="0"/>
+              <a:t>Who captain should you choose?</a:t>
+            </a:r>
+          </a:p>
+          <a:p>
+            <a:pPr marL="0" indent="0">
+              <a:buNone/>
+            </a:pPr>
+            <a:endParaRPr lang="en-US" dirty="0"/>
+          </a:p>
+          <a:p>
+            <a:r>
+              <a:rPr lang="en-US" dirty="0"/>
+              <a:t>A. 	James T Kirk</a:t>
+            </a:r>
+          </a:p>
+          <a:p>
+            <a:r>
+              <a:rPr lang="en-US" dirty="0"/>
+              <a:t>B. 	Jean-Luc Picard</a:t>
+            </a:r>
+          </a:p>
+          <a:p>
+            <a:r>
+              <a:rPr lang="en-US" dirty="0"/>
+              <a:t>C. 	Benjamin </a:t>
+            </a:r>
+            <a:r>
+              <a:rPr lang="en-US" dirty="0" err="1"/>
+              <a:t>Sisko</a:t>
+            </a:r>
+            <a:endParaRPr lang="en-US" dirty="0"/>
+          </a:p>
+          <a:p>
+            <a:r>
+              <a:rPr lang="en-US" dirty="0"/>
+              <a:t>D. 	Kathryn </a:t>
+            </a:r>
+            <a:r>
+              <a:rPr lang="en-US" dirty="0" err="1"/>
+              <a:t>Janeway</a:t>
+            </a:r>
+            <a:endParaRPr lang="en-US" dirty="0"/>
+          </a:p>
+          <a:p>
+            <a:endParaRPr lang="en-US" dirty="0"/>
+          </a:p>
+        </p:txBody>
+      </p:sp>
+      <p:sp>
+        <p:nvSpPr>
+          <p:cNvPr id="17" name="Arrow: Right 16"/>
+          <p:cNvSpPr/>
+          <p:nvPr/>
+        </p:nvSpPr>
+        <p:spPr>
+          <a:xfrm rot="10800000">
+            <a:off x="3555346" y="4893184"/>
+            <a:ext cx="1371600" cy="385483"/>
+          </a:xfrm>
+          <a:prstGeom prst="rightArrow">
+            <a:avLst/>
+          </a:prstGeom>
+        </p:spPr>
+        <p:style>
+          <a:lnRef idx="2">
+            <a:schemeClr val="accent6">
+              <a:shade val="50000"/>
+            </a:schemeClr>
+          </a:lnRef>
+          <a:fillRef idx="1">
+            <a:schemeClr val="accent6"/>
+          </a:fillRef>
+          <a:effectRef idx="0">
+            <a:schemeClr val="accent6"/>
+          </a:effectRef>
+          <a:fontRef idx="minor">
+            <a:schemeClr val="lt1"/>
+          </a:fontRef>
+        </p:style>
+        <p:txBody>
+          <a:bodyPr rtlCol="0" anchor="ctr"/>
+          <a:lstStyle/>
+          <a:p>
+            <a:pPr algn="ctr"/>
+            <a:endParaRPr lang="en-US"/>
+          </a:p>
+        </p:txBody>
+      </p:sp>
+    </p:spTree>
+    <p:extLst>
+      <p:ext uri="{BB962C8B-B14F-4D97-AF65-F5344CB8AC3E}">
+        <p14:creationId xmlns:p14="http://schemas.microsoft.com/office/powerpoint/2010/main" val="4037388772"/>
+      </p:ext>
+    </p:extLst>
+  </p:cSld>
+  <p:clrMapOvr>
+    <a:masterClrMapping/>
+  </p:clrMapOvr>
+</p:sld>
+</file>
+
+<file path=ppt/slides/slide20.xml><?xml version="1.0" encoding="utf-8"?>
+<p:sld xmlns:a="http://schemas.openxmlformats.org/drawingml/2006/main" xmlns:r="http://schemas.openxmlformats.org/officeDocument/2006/relationships" xmlns:p="http://schemas.openxmlformats.org/presentationml/2006/main">
+  <p:cSld>
+    <p:spTree>
+      <p:nvGrpSpPr>
+        <p:cNvPr id="1" name=""/>
+        <p:cNvGrpSpPr/>
+        <p:nvPr/>
+      </p:nvGrpSpPr>
+      <p:grpSpPr>
+        <a:xfrm>
+          <a:off x="0" y="0"/>
+          <a:ext cx="0" cy="0"/>
+          <a:chOff x="0" y="0"/>
+          <a:chExt cx="0" cy="0"/>
+        </a:xfrm>
+      </p:grpSpPr>
+      <p:sp>
+        <p:nvSpPr>
           <p:cNvPr id="5" name="Title 4"/>
           <p:cNvSpPr>
             <a:spLocks noGrp="1"/>
@@ -13856,7 +14323,7 @@
           <a:p>
             <a:fld id="{CC077DB7-DE37-4EA7-B5C7-4FE1B440C5DB}" type="slidenum">
               <a:rPr lang="en-US" smtClean="0"/>
-              <a:t>19</a:t>
+              <a:t>20</a:t>
             </a:fld>
             <a:endParaRPr lang="en-US"/>
           </a:p>
@@ -14568,7 +15035,7 @@
 </p:sld>
 </file>
 
-<file path=ppt/slides/slide2.xml><?xml version="1.0" encoding="utf-8"?>
+<file path=ppt/slides/slide21.xml><?xml version="1.0" encoding="utf-8"?>
 <p:sld xmlns:a="http://schemas.openxmlformats.org/drawingml/2006/main" xmlns:r="http://schemas.openxmlformats.org/officeDocument/2006/relationships" xmlns:p="http://schemas.openxmlformats.org/presentationml/2006/main">
   <p:cSld>
     <p:spTree>
@@ -14587,513 +15054,6 @@
       </p:grpSpPr>
       <p:sp>
         <p:nvSpPr>
-          <p:cNvPr id="2" name="Title 1"/>
-          <p:cNvSpPr>
-            <a:spLocks noGrp="1"/>
-          </p:cNvSpPr>
-          <p:nvPr>
-            <p:ph type="title"/>
-          </p:nvPr>
-        </p:nvSpPr>
-        <p:spPr/>
-        <p:txBody>
-          <a:bodyPr/>
-          <a:lstStyle/>
-          <a:p>
-            <a:r>
-              <a:rPr lang="en-US" dirty="0"/>
-              <a:t>Pop Quiz</a:t>
-            </a:r>
-          </a:p>
-        </p:txBody>
-      </p:sp>
-      <p:sp>
-        <p:nvSpPr>
-          <p:cNvPr id="3" name="Content Placeholder 2"/>
-          <p:cNvSpPr>
-            <a:spLocks noGrp="1"/>
-          </p:cNvSpPr>
-          <p:nvPr>
-            <p:ph idx="1"/>
-          </p:nvPr>
-        </p:nvSpPr>
-        <p:spPr/>
-        <p:txBody>
-          <a:bodyPr>
-            <a:normAutofit fontScale="92500" lnSpcReduction="20000"/>
-          </a:bodyPr>
-          <a:lstStyle/>
-          <a:p>
-            <a:r>
-              <a:rPr lang="en-US" sz="3200" dirty="0"/>
-              <a:t>You are an admiral in Starfleet.</a:t>
-            </a:r>
-          </a:p>
-          <a:p>
-            <a:r>
-              <a:rPr lang="en-US" sz="3200" dirty="0"/>
-              <a:t>You are choosing the leader for your new flagship out of the ranks of captains throughout time.</a:t>
-            </a:r>
-          </a:p>
-          <a:p>
-            <a:r>
-              <a:rPr lang="en-US" sz="3200" dirty="0"/>
-              <a:t>Your choice must at least five seasons of TV experience. The new captain must have a superior hairstyle.</a:t>
-            </a:r>
-          </a:p>
-          <a:p>
-            <a:r>
-              <a:rPr lang="en-US" sz="3200" dirty="0"/>
-              <a:t>You need to choose a leader for your starship.</a:t>
-            </a:r>
-            <a:endParaRPr lang="en-US" dirty="0"/>
-          </a:p>
-          <a:p>
-            <a:pPr marL="0" indent="0">
-              <a:buNone/>
-            </a:pPr>
-            <a:endParaRPr lang="en-US" dirty="0"/>
-          </a:p>
-          <a:p>
-            <a:r>
-              <a:rPr lang="en-US" dirty="0"/>
-              <a:t>A. 	James T Kirk</a:t>
-            </a:r>
-          </a:p>
-          <a:p>
-            <a:r>
-              <a:rPr lang="en-US" dirty="0"/>
-              <a:t>B. 	Jean-Luc Picard</a:t>
-            </a:r>
-          </a:p>
-          <a:p>
-            <a:r>
-              <a:rPr lang="en-US" dirty="0"/>
-              <a:t>C. 	Benjamin </a:t>
-            </a:r>
-            <a:r>
-              <a:rPr lang="en-US" dirty="0" err="1"/>
-              <a:t>Sisko</a:t>
-            </a:r>
-            <a:endParaRPr lang="en-US" dirty="0"/>
-          </a:p>
-          <a:p>
-            <a:r>
-              <a:rPr lang="en-US" dirty="0"/>
-              <a:t>D. 	Kathryn </a:t>
-            </a:r>
-            <a:r>
-              <a:rPr lang="en-US" dirty="0" err="1"/>
-              <a:t>Janeway</a:t>
-            </a:r>
-            <a:endParaRPr lang="en-US" dirty="0"/>
-          </a:p>
-          <a:p>
-            <a:endParaRPr lang="en-US" dirty="0"/>
-          </a:p>
-        </p:txBody>
-      </p:sp>
-      <p:sp>
-        <p:nvSpPr>
-          <p:cNvPr id="17" name="Arrow: Right 16"/>
-          <p:cNvSpPr/>
-          <p:nvPr/>
-        </p:nvSpPr>
-        <p:spPr>
-          <a:xfrm rot="10800000">
-            <a:off x="3721058" y="4160492"/>
-            <a:ext cx="1371600" cy="385483"/>
-          </a:xfrm>
-          <a:prstGeom prst="rightArrow">
-            <a:avLst/>
-          </a:prstGeom>
-        </p:spPr>
-        <p:style>
-          <a:lnRef idx="2">
-            <a:schemeClr val="accent6">
-              <a:shade val="50000"/>
-            </a:schemeClr>
-          </a:lnRef>
-          <a:fillRef idx="1">
-            <a:schemeClr val="accent6"/>
-          </a:fillRef>
-          <a:effectRef idx="0">
-            <a:schemeClr val="accent6"/>
-          </a:effectRef>
-          <a:fontRef idx="minor">
-            <a:schemeClr val="lt1"/>
-          </a:fontRef>
-        </p:style>
-        <p:txBody>
-          <a:bodyPr rtlCol="0" anchor="ctr"/>
-          <a:lstStyle/>
-          <a:p>
-            <a:pPr algn="ctr"/>
-            <a:endParaRPr lang="en-US"/>
-          </a:p>
-        </p:txBody>
-      </p:sp>
-    </p:spTree>
-    <p:extLst>
-      <p:ext uri="{BB962C8B-B14F-4D97-AF65-F5344CB8AC3E}">
-        <p14:creationId xmlns:p14="http://schemas.microsoft.com/office/powerpoint/2010/main" val="1395901747"/>
-      </p:ext>
-    </p:extLst>
-  </p:cSld>
-  <p:clrMapOvr>
-    <a:masterClrMapping/>
-  </p:clrMapOvr>
-  <p:timing>
-    <p:tnLst>
-      <p:par>
-        <p:cTn id="1" dur="indefinite" restart="never" nodeType="tmRoot">
-          <p:childTnLst>
-            <p:seq concurrent="1" nextAc="seek">
-              <p:cTn id="2" dur="indefinite" nodeType="mainSeq">
-                <p:childTnLst>
-                  <p:par>
-                    <p:cTn id="3" fill="hold">
-                      <p:stCondLst>
-                        <p:cond delay="indefinite"/>
-                      </p:stCondLst>
-                      <p:childTnLst>
-                        <p:par>
-                          <p:cTn id="4" fill="hold">
-                            <p:stCondLst>
-                              <p:cond delay="0"/>
-                            </p:stCondLst>
-                            <p:childTnLst>
-                              <p:par>
-                                <p:cTn id="5" presetID="26" presetClass="entr" presetSubtype="0" fill="hold" grpId="0" nodeType="clickEffect">
-                                  <p:stCondLst>
-                                    <p:cond delay="0"/>
-                                  </p:stCondLst>
-                                  <p:childTnLst>
-                                    <p:set>
-                                      <p:cBhvr>
-                                        <p:cTn id="6" dur="1" fill="hold">
-                                          <p:stCondLst>
-                                            <p:cond delay="0"/>
-                                          </p:stCondLst>
-                                        </p:cTn>
-                                        <p:tgtEl>
-                                          <p:spTgt spid="17"/>
-                                        </p:tgtEl>
-                                        <p:attrNameLst>
-                                          <p:attrName>style.visibility</p:attrName>
-                                        </p:attrNameLst>
-                                      </p:cBhvr>
-                                      <p:to>
-                                        <p:strVal val="visible"/>
-                                      </p:to>
-                                    </p:set>
-                                    <p:animEffect transition="in" filter="wipe(down)">
-                                      <p:cBhvr>
-                                        <p:cTn id="7" dur="580">
-                                          <p:stCondLst>
-                                            <p:cond delay="0"/>
-                                          </p:stCondLst>
-                                        </p:cTn>
-                                        <p:tgtEl>
-                                          <p:spTgt spid="17"/>
-                                        </p:tgtEl>
-                                      </p:cBhvr>
-                                    </p:animEffect>
-                                    <p:anim calcmode="lin" valueType="num">
-                                      <p:cBhvr>
-                                        <p:cTn id="8" dur="1822" tmFilter="0,0; 0.14,0.36; 0.43,0.73; 0.71,0.91; 1.0,1.0">
-                                          <p:stCondLst>
-                                            <p:cond delay="0"/>
-                                          </p:stCondLst>
-                                        </p:cTn>
-                                        <p:tgtEl>
-                                          <p:spTgt spid="17"/>
-                                        </p:tgtEl>
-                                        <p:attrNameLst>
-                                          <p:attrName>ppt_x</p:attrName>
-                                        </p:attrNameLst>
-                                      </p:cBhvr>
-                                      <p:tavLst>
-                                        <p:tav tm="0">
-                                          <p:val>
-                                            <p:strVal val="#ppt_x-0.25"/>
-                                          </p:val>
-                                        </p:tav>
-                                        <p:tav tm="100000">
-                                          <p:val>
-                                            <p:strVal val="#ppt_x"/>
-                                          </p:val>
-                                        </p:tav>
-                                      </p:tavLst>
-                                    </p:anim>
-                                    <p:anim calcmode="lin" valueType="num">
-                                      <p:cBhvr>
-                                        <p:cTn id="9" dur="664" tmFilter="0.0,0.0; 0.25,0.07; 0.50,0.2; 0.75,0.467; 1.0,1.0">
-                                          <p:stCondLst>
-                                            <p:cond delay="0"/>
-                                          </p:stCondLst>
-                                        </p:cTn>
-                                        <p:tgtEl>
-                                          <p:spTgt spid="17"/>
-                                        </p:tgtEl>
-                                        <p:attrNameLst>
-                                          <p:attrName>ppt_y</p:attrName>
-                                        </p:attrNameLst>
-                                      </p:cBhvr>
-                                      <p:tavLst>
-                                        <p:tav tm="0" fmla="#ppt_y-sin(pi*$)/3">
-                                          <p:val>
-                                            <p:fltVal val="0.5"/>
-                                          </p:val>
-                                        </p:tav>
-                                        <p:tav tm="100000">
-                                          <p:val>
-                                            <p:fltVal val="1"/>
-                                          </p:val>
-                                        </p:tav>
-                                      </p:tavLst>
-                                    </p:anim>
-                                    <p:anim calcmode="lin" valueType="num">
-                                      <p:cBhvr>
-                                        <p:cTn id="10" dur="664" tmFilter="0, 0; 0.125,0.2665; 0.25,0.4; 0.375,0.465; 0.5,0.5;  0.625,0.535; 0.75,0.6; 0.875,0.7335; 1,1">
-                                          <p:stCondLst>
-                                            <p:cond delay="664"/>
-                                          </p:stCondLst>
-                                        </p:cTn>
-                                        <p:tgtEl>
-                                          <p:spTgt spid="17"/>
-                                        </p:tgtEl>
-                                        <p:attrNameLst>
-                                          <p:attrName>ppt_y</p:attrName>
-                                        </p:attrNameLst>
-                                      </p:cBhvr>
-                                      <p:tavLst>
-                                        <p:tav tm="0" fmla="#ppt_y-sin(pi*$)/9">
-                                          <p:val>
-                                            <p:fltVal val="0"/>
-                                          </p:val>
-                                        </p:tav>
-                                        <p:tav tm="100000">
-                                          <p:val>
-                                            <p:fltVal val="1"/>
-                                          </p:val>
-                                        </p:tav>
-                                      </p:tavLst>
-                                    </p:anim>
-                                    <p:anim calcmode="lin" valueType="num">
-                                      <p:cBhvr>
-                                        <p:cTn id="11" dur="332" tmFilter="0, 0; 0.125,0.2665; 0.25,0.4; 0.375,0.465; 0.5,0.5;  0.625,0.535; 0.75,0.6; 0.875,0.7335; 1,1">
-                                          <p:stCondLst>
-                                            <p:cond delay="1324"/>
-                                          </p:stCondLst>
-                                        </p:cTn>
-                                        <p:tgtEl>
-                                          <p:spTgt spid="17"/>
-                                        </p:tgtEl>
-                                        <p:attrNameLst>
-                                          <p:attrName>ppt_y</p:attrName>
-                                        </p:attrNameLst>
-                                      </p:cBhvr>
-                                      <p:tavLst>
-                                        <p:tav tm="0" fmla="#ppt_y-sin(pi*$)/27">
-                                          <p:val>
-                                            <p:fltVal val="0"/>
-                                          </p:val>
-                                        </p:tav>
-                                        <p:tav tm="100000">
-                                          <p:val>
-                                            <p:fltVal val="1"/>
-                                          </p:val>
-                                        </p:tav>
-                                      </p:tavLst>
-                                    </p:anim>
-                                    <p:anim calcmode="lin" valueType="num">
-                                      <p:cBhvr>
-                                        <p:cTn id="12" dur="164" tmFilter="0, 0; 0.125,0.2665; 0.25,0.4; 0.375,0.465; 0.5,0.5;  0.625,0.535; 0.75,0.6; 0.875,0.7335; 1,1">
-                                          <p:stCondLst>
-                                            <p:cond delay="1656"/>
-                                          </p:stCondLst>
-                                        </p:cTn>
-                                        <p:tgtEl>
-                                          <p:spTgt spid="17"/>
-                                        </p:tgtEl>
-                                        <p:attrNameLst>
-                                          <p:attrName>ppt_y</p:attrName>
-                                        </p:attrNameLst>
-                                      </p:cBhvr>
-                                      <p:tavLst>
-                                        <p:tav tm="0" fmla="#ppt_y-sin(pi*$)/81">
-                                          <p:val>
-                                            <p:fltVal val="0"/>
-                                          </p:val>
-                                        </p:tav>
-                                        <p:tav tm="100000">
-                                          <p:val>
-                                            <p:fltVal val="1"/>
-                                          </p:val>
-                                        </p:tav>
-                                      </p:tavLst>
-                                    </p:anim>
-                                    <p:animScale>
-                                      <p:cBhvr>
-                                        <p:cTn id="13" dur="26">
-                                          <p:stCondLst>
-                                            <p:cond delay="650"/>
-                                          </p:stCondLst>
-                                        </p:cTn>
-                                        <p:tgtEl>
-                                          <p:spTgt spid="17"/>
-                                        </p:tgtEl>
-                                      </p:cBhvr>
-                                      <p:to x="100000" y="60000"/>
-                                    </p:animScale>
-                                    <p:animScale>
-                                      <p:cBhvr>
-                                        <p:cTn id="14" dur="166" decel="50000">
-                                          <p:stCondLst>
-                                            <p:cond delay="676"/>
-                                          </p:stCondLst>
-                                        </p:cTn>
-                                        <p:tgtEl>
-                                          <p:spTgt spid="17"/>
-                                        </p:tgtEl>
-                                      </p:cBhvr>
-                                      <p:to x="100000" y="100000"/>
-                                    </p:animScale>
-                                    <p:animScale>
-                                      <p:cBhvr>
-                                        <p:cTn id="15" dur="26">
-                                          <p:stCondLst>
-                                            <p:cond delay="1312"/>
-                                          </p:stCondLst>
-                                        </p:cTn>
-                                        <p:tgtEl>
-                                          <p:spTgt spid="17"/>
-                                        </p:tgtEl>
-                                      </p:cBhvr>
-                                      <p:to x="100000" y="80000"/>
-                                    </p:animScale>
-                                    <p:animScale>
-                                      <p:cBhvr>
-                                        <p:cTn id="16" dur="166" decel="50000">
-                                          <p:stCondLst>
-                                            <p:cond delay="1338"/>
-                                          </p:stCondLst>
-                                        </p:cTn>
-                                        <p:tgtEl>
-                                          <p:spTgt spid="17"/>
-                                        </p:tgtEl>
-                                      </p:cBhvr>
-                                      <p:to x="100000" y="100000"/>
-                                    </p:animScale>
-                                    <p:animScale>
-                                      <p:cBhvr>
-                                        <p:cTn id="17" dur="26">
-                                          <p:stCondLst>
-                                            <p:cond delay="1642"/>
-                                          </p:stCondLst>
-                                        </p:cTn>
-                                        <p:tgtEl>
-                                          <p:spTgt spid="17"/>
-                                        </p:tgtEl>
-                                      </p:cBhvr>
-                                      <p:to x="100000" y="90000"/>
-                                    </p:animScale>
-                                    <p:animScale>
-                                      <p:cBhvr>
-                                        <p:cTn id="18" dur="166" decel="50000">
-                                          <p:stCondLst>
-                                            <p:cond delay="1668"/>
-                                          </p:stCondLst>
-                                        </p:cTn>
-                                        <p:tgtEl>
-                                          <p:spTgt spid="17"/>
-                                        </p:tgtEl>
-                                      </p:cBhvr>
-                                      <p:to x="100000" y="100000"/>
-                                    </p:animScale>
-                                    <p:animScale>
-                                      <p:cBhvr>
-                                        <p:cTn id="19" dur="26">
-                                          <p:stCondLst>
-                                            <p:cond delay="1808"/>
-                                          </p:stCondLst>
-                                        </p:cTn>
-                                        <p:tgtEl>
-                                          <p:spTgt spid="17"/>
-                                        </p:tgtEl>
-                                      </p:cBhvr>
-                                      <p:to x="100000" y="95000"/>
-                                    </p:animScale>
-                                    <p:animScale>
-                                      <p:cBhvr>
-                                        <p:cTn id="20" dur="166" decel="50000">
-                                          <p:stCondLst>
-                                            <p:cond delay="1834"/>
-                                          </p:stCondLst>
-                                        </p:cTn>
-                                        <p:tgtEl>
-                                          <p:spTgt spid="17"/>
-                                        </p:tgtEl>
-                                      </p:cBhvr>
-                                      <p:to x="100000" y="100000"/>
-                                    </p:animScale>
-                                  </p:childTnLst>
-                                </p:cTn>
-                              </p:par>
-                            </p:childTnLst>
-                          </p:cTn>
-                        </p:par>
-                      </p:childTnLst>
-                    </p:cTn>
-                  </p:par>
-                </p:childTnLst>
-              </p:cTn>
-              <p:prevCondLst>
-                <p:cond evt="onPrev" delay="0">
-                  <p:tgtEl>
-                    <p:sldTgt/>
-                  </p:tgtEl>
-                </p:cond>
-              </p:prevCondLst>
-              <p:nextCondLst>
-                <p:cond evt="onNext" delay="0">
-                  <p:tgtEl>
-                    <p:sldTgt/>
-                  </p:tgtEl>
-                </p:cond>
-              </p:nextCondLst>
-            </p:seq>
-          </p:childTnLst>
-        </p:cTn>
-      </p:par>
-    </p:tnLst>
-    <p:bldLst>
-      <p:bldP spid="17" grpId="0" animBg="1"/>
-    </p:bldLst>
-  </p:timing>
-</p:sld>
-</file>
-
-<file path=ppt/slides/slide20.xml><?xml version="1.0" encoding="utf-8"?>
-<p:sld xmlns:a="http://schemas.openxmlformats.org/drawingml/2006/main" xmlns:r="http://schemas.openxmlformats.org/officeDocument/2006/relationships" xmlns:p="http://schemas.openxmlformats.org/presentationml/2006/main">
-  <p:cSld>
-    <p:spTree>
-      <p:nvGrpSpPr>
-        <p:cNvPr id="1" name=""/>
-        <p:cNvGrpSpPr/>
-        <p:nvPr/>
-      </p:nvGrpSpPr>
-      <p:grpSpPr>
-        <a:xfrm>
-          <a:off x="0" y="0"/>
-          <a:ext cx="0" cy="0"/>
-          <a:chOff x="0" y="0"/>
-          <a:chExt cx="0" cy="0"/>
-        </a:xfrm>
-      </p:grpSpPr>
-      <p:sp>
-        <p:nvSpPr>
           <p:cNvPr id="5" name="Title 4"/>
           <p:cNvSpPr>
             <a:spLocks noGrp="1"/>
@@ -15138,7 +15098,7 @@
           <a:p>
             <a:fld id="{CC077DB7-DE37-4EA7-B5C7-4FE1B440C5DB}" type="slidenum">
               <a:rPr lang="en-US" smtClean="0"/>
-              <a:t>20</a:t>
+              <a:t>21</a:t>
             </a:fld>
             <a:endParaRPr lang="en-US"/>
           </a:p>
@@ -15318,7 +15278,7 @@
                 </a:solidFill>
                 <a:latin typeface="+mn-lt"/>
               </a:rPr>
-              <a:t>“never use GUIDs because William told me not to”</a:t>
+              <a:t>“never use GUIDs”</a:t>
             </a:r>
           </a:p>
         </p:txBody>
@@ -15810,147 +15770,6 @@
 </p:sld>
 </file>
 
-<file path=ppt/slides/slide21.xml><?xml version="1.0" encoding="utf-8"?>
-<p:sld xmlns:a="http://schemas.openxmlformats.org/drawingml/2006/main" xmlns:r="http://schemas.openxmlformats.org/officeDocument/2006/relationships" xmlns:p="http://schemas.openxmlformats.org/presentationml/2006/main">
-  <p:cSld>
-    <p:spTree>
-      <p:nvGrpSpPr>
-        <p:cNvPr id="1" name=""/>
-        <p:cNvGrpSpPr/>
-        <p:nvPr/>
-      </p:nvGrpSpPr>
-      <p:grpSpPr>
-        <a:xfrm>
-          <a:off x="0" y="0"/>
-          <a:ext cx="0" cy="0"/>
-          <a:chOff x="0" y="0"/>
-          <a:chExt cx="0" cy="0"/>
-        </a:xfrm>
-      </p:grpSpPr>
-      <p:sp>
-        <p:nvSpPr>
-          <p:cNvPr id="2" name="Title 1"/>
-          <p:cNvSpPr>
-            <a:spLocks noGrp="1"/>
-          </p:cNvSpPr>
-          <p:nvPr>
-            <p:ph type="title"/>
-          </p:nvPr>
-        </p:nvSpPr>
-        <p:spPr/>
-        <p:txBody>
-          <a:bodyPr/>
-          <a:lstStyle/>
-          <a:p>
-            <a:r>
-              <a:rPr lang="en-US" dirty="0"/>
-              <a:t>After the exam is live</a:t>
-            </a:r>
-          </a:p>
-        </p:txBody>
-      </p:sp>
-      <p:sp>
-        <p:nvSpPr>
-          <p:cNvPr id="3" name="Content Placeholder 2"/>
-          <p:cNvSpPr>
-            <a:spLocks noGrp="1"/>
-          </p:cNvSpPr>
-          <p:nvPr>
-            <p:ph idx="1"/>
-          </p:nvPr>
-        </p:nvSpPr>
-        <p:spPr>
-          <a:xfrm>
-            <a:off x="609600" y="990603"/>
-            <a:ext cx="10972800" cy="5648322"/>
-          </a:xfrm>
-        </p:spPr>
-        <p:txBody>
-          <a:bodyPr>
-            <a:noAutofit/>
-          </a:bodyPr>
-          <a:lstStyle/>
-          <a:p>
-            <a:r>
-              <a:rPr lang="en-US" sz="3600" dirty="0"/>
-              <a:t>Question success is statistically analyzed by a </a:t>
-            </a:r>
-            <a:r>
-              <a:rPr lang="en-US" sz="3600" i="1" dirty="0"/>
-              <a:t>psychometrician</a:t>
-            </a:r>
-          </a:p>
-          <a:p>
-            <a:pPr lvl="1"/>
-            <a:r>
-              <a:rPr lang="en-US" sz="3200" dirty="0"/>
-              <a:t>Do candidates who pass get this question right? Good.</a:t>
-            </a:r>
-          </a:p>
-          <a:p>
-            <a:pPr lvl="1"/>
-            <a:r>
-              <a:rPr lang="en-US" sz="3200" dirty="0"/>
-              <a:t>Do candidates who pass get this question wrong? Not good.</a:t>
-            </a:r>
-          </a:p>
-          <a:p>
-            <a:pPr lvl="1"/>
-            <a:r>
-              <a:rPr lang="en-US" sz="3200" dirty="0"/>
-              <a:t>Is question success unrelated to this exam success? </a:t>
-            </a:r>
-            <a:br>
-              <a:rPr lang="en-US" sz="3200" dirty="0"/>
-            </a:br>
-            <a:r>
-              <a:rPr lang="en-US" sz="3200" dirty="0"/>
-              <a:t>They’re guessing.</a:t>
-            </a:r>
-          </a:p>
-          <a:p>
-            <a:r>
-              <a:rPr lang="en-US" sz="3600" dirty="0"/>
-              <a:t>Your comments on the exam are reviewed, by name.</a:t>
-            </a:r>
-          </a:p>
-          <a:p>
-            <a:pPr lvl="1"/>
-            <a:r>
-              <a:rPr lang="en-US" sz="3200" dirty="0"/>
-              <a:t>Be professional. </a:t>
-            </a:r>
-          </a:p>
-          <a:p>
-            <a:pPr lvl="1"/>
-            <a:r>
-              <a:rPr lang="en-US" sz="3200" dirty="0"/>
-              <a:t>Your comments can contribute to changing/abandoning a question.</a:t>
-            </a:r>
-          </a:p>
-          <a:p>
-            <a:pPr lvl="2"/>
-            <a:r>
-              <a:rPr lang="en-US" sz="2800" dirty="0"/>
-              <a:t>"Why are you testing this? I'd look this up!"</a:t>
-            </a:r>
-            <a:endParaRPr lang="en-US" sz="3600" dirty="0"/>
-          </a:p>
-        </p:txBody>
-      </p:sp>
-    </p:spTree>
-    <p:extLst>
-      <p:ext uri="{BB962C8B-B14F-4D97-AF65-F5344CB8AC3E}">
-        <p14:creationId xmlns:p14="http://schemas.microsoft.com/office/powerpoint/2010/main" val="2077756835"/>
-      </p:ext>
-    </p:extLst>
-  </p:cSld>
-  <p:clrMapOvr>
-    <a:masterClrMapping/>
-  </p:clrMapOvr>
-</p:sld>
-</file>
-
 <file path=ppt/slides/slide22.xml><?xml version="1.0" encoding="utf-8"?>
 <p:sld xmlns:a="http://schemas.openxmlformats.org/drawingml/2006/main" xmlns:r="http://schemas.openxmlformats.org/officeDocument/2006/relationships" xmlns:p="http://schemas.openxmlformats.org/presentationml/2006/main">
   <p:cSld>
@@ -16000,7 +15819,12 @@
             <p:ph idx="1"/>
           </p:nvPr>
         </p:nvSpPr>
-        <p:spPr/>
+        <p:spPr>
+          <a:xfrm>
+            <a:off x="609600" y="990603"/>
+            <a:ext cx="10972800" cy="5648322"/>
+          </a:xfrm>
+        </p:spPr>
         <p:txBody>
           <a:bodyPr>
             <a:noAutofit/>
@@ -16008,36 +15832,76 @@
           <a:lstStyle/>
           <a:p>
             <a:r>
-              <a:rPr lang="en-US" sz="4000" dirty="0"/>
-              <a:t>Exams can be refreshed for new content.</a:t>
+              <a:rPr lang="en-US" sz="3600" dirty="0"/>
+              <a:t>Question success is statistically analyzed by a </a:t>
+            </a:r>
+            <a:r>
+              <a:rPr lang="en-US" sz="3600" i="1" dirty="0"/>
+              <a:t>psychometrician</a:t>
             </a:r>
           </a:p>
           <a:p>
             <a:pPr lvl="1"/>
             <a:r>
+              <a:rPr lang="en-US" sz="3200" dirty="0"/>
+              <a:t>Do candidates who pass get this question right? Good.</a:t>
+            </a:r>
+          </a:p>
+          <a:p>
+            <a:pPr lvl="1"/>
+            <a:r>
+              <a:rPr lang="en-US" sz="3200" dirty="0"/>
+              <a:t>Do candidates who pass get this question wrong? Not good.</a:t>
+            </a:r>
+          </a:p>
+          <a:p>
+            <a:pPr lvl="1"/>
+            <a:r>
+              <a:rPr lang="en-US" sz="3200" dirty="0"/>
+              <a:t>Is question success unrelated to this exam success? </a:t>
+            </a:r>
+            <a:br>
+              <a:rPr lang="en-US" sz="3200" dirty="0"/>
+            </a:br>
+            <a:r>
+              <a:rPr lang="en-US" sz="3200" dirty="0"/>
+              <a:t>They’re guessing.</a:t>
+            </a:r>
+          </a:p>
+          <a:p>
+            <a:r>
               <a:rPr lang="en-US" sz="3600" dirty="0"/>
-              <a:t>For example, the SQL 2012 exams were updated with 2014 content. </a:t>
+              <a:t>Your comments on the exam are reviewed, by name.</a:t>
             </a:r>
           </a:p>
           <a:p>
             <a:pPr lvl="1"/>
             <a:r>
-              <a:rPr lang="en-US" sz="3600" dirty="0"/>
-              <a:t>The SQL 2016 exams were written from scratch, updated in 2017 for new content including Azure.</a:t>
-            </a:r>
-          </a:p>
-          <a:p>
-            <a:r>
-              <a:rPr lang="en-US" sz="4000" dirty="0"/>
-              <a:t>New product capabilities/features often get a special focus on exams.</a:t>
-            </a:r>
+              <a:rPr lang="en-US" sz="3200" dirty="0"/>
+              <a:t>Be professional. </a:t>
+            </a:r>
+          </a:p>
+          <a:p>
+            <a:pPr lvl="1"/>
+            <a:r>
+              <a:rPr lang="en-US" sz="3200" dirty="0"/>
+              <a:t>Your comments can contribute to changing/abandoning a question.</a:t>
+            </a:r>
+          </a:p>
+          <a:p>
+            <a:pPr lvl="2"/>
+            <a:r>
+              <a:rPr lang="en-US" sz="2800" dirty="0"/>
+              <a:t>"Why are you testing this? I'd look this up!"</a:t>
+            </a:r>
+            <a:endParaRPr lang="en-US" sz="3600" dirty="0"/>
           </a:p>
         </p:txBody>
       </p:sp>
     </p:spTree>
     <p:extLst>
       <p:ext uri="{BB962C8B-B14F-4D97-AF65-F5344CB8AC3E}">
-        <p14:creationId xmlns:p14="http://schemas.microsoft.com/office/powerpoint/2010/main" val="2737845932"/>
+        <p14:creationId xmlns:p14="http://schemas.microsoft.com/office/powerpoint/2010/main" val="2077756835"/>
       </p:ext>
     </p:extLst>
   </p:cSld>
@@ -16066,6 +15930,102 @@
       </p:grpSpPr>
       <p:sp>
         <p:nvSpPr>
+          <p:cNvPr id="2" name="Title 1"/>
+          <p:cNvSpPr>
+            <a:spLocks noGrp="1"/>
+          </p:cNvSpPr>
+          <p:nvPr>
+            <p:ph type="title"/>
+          </p:nvPr>
+        </p:nvSpPr>
+        <p:spPr/>
+        <p:txBody>
+          <a:bodyPr/>
+          <a:lstStyle/>
+          <a:p>
+            <a:r>
+              <a:rPr lang="en-US" dirty="0"/>
+              <a:t>After the exam is live</a:t>
+            </a:r>
+          </a:p>
+        </p:txBody>
+      </p:sp>
+      <p:sp>
+        <p:nvSpPr>
+          <p:cNvPr id="3" name="Content Placeholder 2"/>
+          <p:cNvSpPr>
+            <a:spLocks noGrp="1"/>
+          </p:cNvSpPr>
+          <p:nvPr>
+            <p:ph idx="1"/>
+          </p:nvPr>
+        </p:nvSpPr>
+        <p:spPr/>
+        <p:txBody>
+          <a:bodyPr>
+            <a:noAutofit/>
+          </a:bodyPr>
+          <a:lstStyle/>
+          <a:p>
+            <a:r>
+              <a:rPr lang="en-US" sz="4000" dirty="0"/>
+              <a:t>Exams can be refreshed for new content.</a:t>
+            </a:r>
+          </a:p>
+          <a:p>
+            <a:pPr lvl="1"/>
+            <a:r>
+              <a:rPr lang="en-US" sz="3600" dirty="0"/>
+              <a:t>For example, the SQL 2012 exams were updated with 2014 content. </a:t>
+            </a:r>
+          </a:p>
+          <a:p>
+            <a:pPr lvl="1"/>
+            <a:r>
+              <a:rPr lang="en-US" sz="3600" dirty="0"/>
+              <a:t>Then, new SQL 2016 exams with new numbers were written from scratch, and later updated in 2017 for new content including Azure.</a:t>
+            </a:r>
+          </a:p>
+          <a:p>
+            <a:r>
+              <a:rPr lang="en-US" sz="4000" dirty="0"/>
+              <a:t>New product capabilities/features often get a special focus on exams.</a:t>
+            </a:r>
+          </a:p>
+        </p:txBody>
+      </p:sp>
+    </p:spTree>
+    <p:extLst>
+      <p:ext uri="{BB962C8B-B14F-4D97-AF65-F5344CB8AC3E}">
+        <p14:creationId xmlns:p14="http://schemas.microsoft.com/office/powerpoint/2010/main" val="2737845932"/>
+      </p:ext>
+    </p:extLst>
+  </p:cSld>
+  <p:clrMapOvr>
+    <a:masterClrMapping/>
+  </p:clrMapOvr>
+</p:sld>
+</file>
+
+<file path=ppt/slides/slide24.xml><?xml version="1.0" encoding="utf-8"?>
+<p:sld xmlns:a="http://schemas.openxmlformats.org/drawingml/2006/main" xmlns:r="http://schemas.openxmlformats.org/officeDocument/2006/relationships" xmlns:p="http://schemas.openxmlformats.org/presentationml/2006/main">
+  <p:cSld>
+    <p:spTree>
+      <p:nvGrpSpPr>
+        <p:cNvPr id="1" name=""/>
+        <p:cNvGrpSpPr/>
+        <p:nvPr/>
+      </p:nvGrpSpPr>
+      <p:grpSpPr>
+        <a:xfrm>
+          <a:off x="0" y="0"/>
+          <a:ext cx="0" cy="0"/>
+          <a:chOff x="0" y="0"/>
+          <a:chExt cx="0" cy="0"/>
+        </a:xfrm>
+      </p:grpSpPr>
+      <p:sp>
+        <p:nvSpPr>
           <p:cNvPr id="5" name="Title 4"/>
           <p:cNvSpPr>
             <a:spLocks noGrp="1"/>
@@ -16110,7 +16070,7 @@
           <a:p>
             <a:fld id="{CC077DB7-DE37-4EA7-B5C7-4FE1B440C5DB}" type="slidenum">
               <a:rPr lang="en-US" smtClean="0"/>
-              <a:t>23</a:t>
+              <a:t>24</a:t>
             </a:fld>
             <a:endParaRPr lang="en-US"/>
           </a:p>
@@ -16161,7 +16121,7 @@
                 </a:solidFill>
                 <a:latin typeface="+mn-lt"/>
               </a:rPr>
-              <a:t>If two of the answers seem correct, </a:t>
+              <a:t>If two answers seem correct, </a:t>
             </a:r>
             <a:br>
               <a:rPr lang="en-US" sz="3600" b="0" dirty="0">
@@ -16432,7 +16392,7 @@
 </p:sld>
 </file>
 
-<file path=ppt/slides/slide24.xml><?xml version="1.0" encoding="utf-8"?>
+<file path=ppt/slides/slide25.xml><?xml version="1.0" encoding="utf-8"?>
 <p:sld xmlns:a="http://schemas.openxmlformats.org/drawingml/2006/main" xmlns:r="http://schemas.openxmlformats.org/officeDocument/2006/relationships" xmlns:p="http://schemas.openxmlformats.org/presentationml/2006/main">
   <p:cSld>
     <p:spTree>
@@ -16495,7 +16455,7 @@
           <a:p>
             <a:fld id="{CC077DB7-DE37-4EA7-B5C7-4FE1B440C5DB}" type="slidenum">
               <a:rPr lang="en-US" smtClean="0"/>
-              <a:t>24</a:t>
+              <a:t>25</a:t>
             </a:fld>
             <a:endParaRPr lang="en-US"/>
           </a:p>
@@ -16825,7 +16785,7 @@
 </p:sld>
 </file>
 
-<file path=ppt/slides/slide25.xml><?xml version="1.0" encoding="utf-8"?>
+<file path=ppt/slides/slide26.xml><?xml version="1.0" encoding="utf-8"?>
 <p:sld xmlns:a="http://schemas.openxmlformats.org/drawingml/2006/main" xmlns:r="http://schemas.openxmlformats.org/officeDocument/2006/relationships" xmlns:p="http://schemas.openxmlformats.org/presentationml/2006/main">
   <p:cSld>
     <p:spTree>
@@ -17065,7 +17025,7 @@
 </p:sld>
 </file>
 
-<file path=ppt/slides/slide26.xml><?xml version="1.0" encoding="utf-8"?>
+<file path=ppt/slides/slide27.xml><?xml version="1.0" encoding="utf-8"?>
 <p:sld xmlns:a="http://schemas.openxmlformats.org/drawingml/2006/main" xmlns:r="http://schemas.openxmlformats.org/officeDocument/2006/relationships" xmlns:p="http://schemas.openxmlformats.org/presentationml/2006/main">
   <p:cSld>
     <p:spTree>
@@ -17228,7 +17188,7 @@
 </p:sld>
 </file>
 
-<file path=ppt/slides/slide27.xml><?xml version="1.0" encoding="utf-8"?>
+<file path=ppt/slides/slide28.xml><?xml version="1.0" encoding="utf-8"?>
 <p:sld xmlns:a="http://schemas.openxmlformats.org/drawingml/2006/main" xmlns:r="http://schemas.openxmlformats.org/officeDocument/2006/relationships" xmlns:p="http://schemas.openxmlformats.org/presentationml/2006/main">
   <p:cSld>
     <p:spTree>
@@ -17291,7 +17251,7 @@
           <a:p>
             <a:fld id="{CC077DB7-DE37-4EA7-B5C7-4FE1B440C5DB}" type="slidenum">
               <a:rPr lang="en-US" smtClean="0"/>
-              <a:t>27</a:t>
+              <a:t>28</a:t>
             </a:fld>
             <a:endParaRPr lang="en-US"/>
           </a:p>
@@ -17378,7 +17338,7 @@
                 </a:solidFill>
                 <a:latin typeface="+mn-lt"/>
               </a:rPr>
-              <a:t>a Problem Statement,</a:t>
+              <a:t>a Problem Statement and Requirements,</a:t>
             </a:r>
           </a:p>
           <a:p>
@@ -17391,20 +17351,6 @@
               </a:rPr>
               <a:t> </a:t>
             </a:r>
-            <a:br>
-              <a:rPr lang="en-US" sz="3600" b="0" dirty="0">
-                <a:solidFill>
-                  <a:schemeClr val="tx1"/>
-                </a:solidFill>
-                <a:latin typeface="+mn-lt"/>
-              </a:rPr>
-            </a:br>
-            <a:endParaRPr lang="en-US" sz="3600" b="0" dirty="0">
-              <a:solidFill>
-                <a:schemeClr val="tx1"/>
-              </a:solidFill>
-              <a:latin typeface="+mn-lt"/>
-            </a:endParaRPr>
           </a:p>
           <a:p>
             <a:r>
@@ -18105,7 +18051,7 @@
 </p:sld>
 </file>
 
-<file path=ppt/slides/slide28.xml><?xml version="1.0" encoding="utf-8"?>
+<file path=ppt/slides/slide29.xml><?xml version="1.0" encoding="utf-8"?>
 <p:sld xmlns:a="http://schemas.openxmlformats.org/drawingml/2006/main" xmlns:r="http://schemas.openxmlformats.org/officeDocument/2006/relationships" xmlns:p="http://schemas.openxmlformats.org/presentationml/2006/main">
   <p:cSld>
     <p:spTree>
@@ -18168,7 +18114,7 @@
           <a:p>
             <a:fld id="{CC077DB7-DE37-4EA7-B5C7-4FE1B440C5DB}" type="slidenum">
               <a:rPr lang="en-US" smtClean="0"/>
-              <a:t>28</a:t>
+              <a:t>29</a:t>
             </a:fld>
             <a:endParaRPr lang="en-US"/>
           </a:p>
@@ -18737,7 +18683,7 @@
 </p:sld>
 </file>
 
-<file path=ppt/slides/slide29.xml><?xml version="1.0" encoding="utf-8"?>
+<file path=ppt/slides/slide3.xml><?xml version="1.0" encoding="utf-8"?>
 <p:sld xmlns:a="http://schemas.openxmlformats.org/drawingml/2006/main" xmlns:r="http://schemas.openxmlformats.org/officeDocument/2006/relationships" xmlns:p="http://schemas.openxmlformats.org/presentationml/2006/main">
   <p:cSld>
     <p:spTree>
@@ -18754,6 +18700,192 @@
           <a:chExt cx="0" cy="0"/>
         </a:xfrm>
       </p:grpSpPr>
+      <p:pic>
+        <p:nvPicPr>
+          <p:cNvPr id="1026" name="Picture 2" descr="Image result for microsoft learning"/>
+          <p:cNvPicPr>
+            <a:picLocks noChangeAspect="1" noChangeArrowheads="1"/>
+          </p:cNvPicPr>
+          <p:nvPr/>
+        </p:nvPicPr>
+        <p:blipFill>
+          <a:blip r:embed="rId2">
+            <a:extLst>
+              <a:ext uri="{28A0092B-C50C-407E-A947-70E740481C1C}">
+                <a14:useLocalDpi xmlns:a14="http://schemas.microsoft.com/office/drawing/2010/main" val="0"/>
+              </a:ext>
+            </a:extLst>
+          </a:blip>
+          <a:srcRect/>
+          <a:stretch>
+            <a:fillRect/>
+          </a:stretch>
+        </p:blipFill>
+        <p:spPr bwMode="auto">
+          <a:xfrm>
+            <a:off x="6970833" y="4706599"/>
+            <a:ext cx="5117839" cy="1884346"/>
+          </a:xfrm>
+          <a:prstGeom prst="rect">
+            <a:avLst/>
+          </a:prstGeom>
+          <a:noFill/>
+          <a:extLst>
+            <a:ext uri="{909E8E84-426E-40DD-AFC4-6F175D3DCCD1}">
+              <a14:hiddenFill xmlns:a14="http://schemas.microsoft.com/office/drawing/2010/main">
+                <a:solidFill>
+                  <a:srgbClr val="FFFFFF"/>
+                </a:solidFill>
+              </a14:hiddenFill>
+            </a:ext>
+          </a:extLst>
+        </p:spPr>
+      </p:pic>
+      <p:sp>
+        <p:nvSpPr>
+          <p:cNvPr id="2" name="Title 1"/>
+          <p:cNvSpPr>
+            <a:spLocks noGrp="1"/>
+          </p:cNvSpPr>
+          <p:nvPr>
+            <p:ph type="title"/>
+          </p:nvPr>
+        </p:nvSpPr>
+        <p:spPr/>
+        <p:txBody>
+          <a:bodyPr/>
+          <a:lstStyle/>
+          <a:p>
+            <a:r>
+              <a:rPr lang="en-US" dirty="0"/>
+              <a:t>Summary</a:t>
+            </a:r>
+          </a:p>
+        </p:txBody>
+      </p:sp>
+      <p:sp>
+        <p:nvSpPr>
+          <p:cNvPr id="3" name="Content Placeholder 2"/>
+          <p:cNvSpPr>
+            <a:spLocks noGrp="1"/>
+          </p:cNvSpPr>
+          <p:nvPr>
+            <p:ph idx="1"/>
+          </p:nvPr>
+        </p:nvSpPr>
+        <p:spPr/>
+        <p:txBody>
+          <a:bodyPr/>
+          <a:lstStyle/>
+          <a:p>
+            <a:r>
+              <a:rPr lang="en-US" dirty="0"/>
+              <a:t>Who exams are for</a:t>
+            </a:r>
+          </a:p>
+          <a:p>
+            <a:r>
+              <a:rPr lang="en-US" dirty="0"/>
+              <a:t>How Exams are Written</a:t>
+            </a:r>
+          </a:p>
+          <a:p>
+            <a:r>
+              <a:rPr lang="en-US" dirty="0"/>
+              <a:t>Test-taking tips</a:t>
+            </a:r>
+          </a:p>
+          <a:p>
+            <a:r>
+              <a:rPr lang="en-US" dirty="0"/>
+              <a:t>Deconstructing the wrong answers</a:t>
+            </a:r>
+          </a:p>
+          <a:p>
+            <a:r>
+              <a:rPr lang="en-US" dirty="0"/>
+              <a:t>Sample exercises</a:t>
+            </a:r>
+            <a:br>
+              <a:rPr lang="en-US" dirty="0"/>
+            </a:br>
+            <a:endParaRPr lang="en-US" dirty="0"/>
+          </a:p>
+          <a:p>
+            <a:endParaRPr lang="en-US" dirty="0"/>
+          </a:p>
+          <a:p>
+            <a:r>
+              <a:rPr lang="en-US" dirty="0"/>
+              <a:t>Content is not specific to Microsoft technologies and exams, though that is where my experience lies as a consultant, as a certified pro, and as an exam item writer.</a:t>
+            </a:r>
+          </a:p>
+        </p:txBody>
+      </p:sp>
+      <p:sp>
+        <p:nvSpPr>
+          <p:cNvPr id="5" name="Rectangle 4">
+            <a:extLst>
+              <a:ext uri="{FF2B5EF4-FFF2-40B4-BE49-F238E27FC236}">
+                <a16:creationId xmlns:a16="http://schemas.microsoft.com/office/drawing/2014/main" id="{D75E2337-27ED-410E-A7A6-274E92DCF152}"/>
+              </a:ext>
+            </a:extLst>
+          </p:cNvPr>
+          <p:cNvSpPr/>
+          <p:nvPr/>
+        </p:nvSpPr>
+        <p:spPr>
+          <a:xfrm>
+            <a:off x="6711696" y="990596"/>
+            <a:ext cx="5376976" cy="3108543"/>
+          </a:xfrm>
+          <a:prstGeom prst="rect">
+            <a:avLst/>
+          </a:prstGeom>
+        </p:spPr>
+        <p:txBody>
+          <a:bodyPr wrap="square">
+            <a:spAutoFit/>
+          </a:bodyPr>
+          <a:lstStyle/>
+          <a:p>
+            <a:r>
+              <a:rPr lang="en-US" sz="2800" dirty="0"/>
+              <a:t>Gain exam insights, the best prep strategies, an test-taking strategies from a exam veteran and writer. Learn how to deconstruct questions and answers, how questions are written, and what certification exams are really testing for.</a:t>
+            </a:r>
+          </a:p>
+        </p:txBody>
+      </p:sp>
+    </p:spTree>
+    <p:extLst>
+      <p:ext uri="{BB962C8B-B14F-4D97-AF65-F5344CB8AC3E}">
+        <p14:creationId xmlns:p14="http://schemas.microsoft.com/office/powerpoint/2010/main" val="810930538"/>
+      </p:ext>
+    </p:extLst>
+  </p:cSld>
+  <p:clrMapOvr>
+    <a:masterClrMapping/>
+  </p:clrMapOvr>
+</p:sld>
+</file>
+
+<file path=ppt/slides/slide30.xml><?xml version="1.0" encoding="utf-8"?>
+<p:sld xmlns:a="http://schemas.openxmlformats.org/drawingml/2006/main" xmlns:r="http://schemas.openxmlformats.org/officeDocument/2006/relationships" xmlns:p="http://schemas.openxmlformats.org/presentationml/2006/main">
+  <p:cSld>
+    <p:spTree>
+      <p:nvGrpSpPr>
+        <p:cNvPr id="1" name=""/>
+        <p:cNvGrpSpPr/>
+        <p:nvPr/>
+      </p:nvGrpSpPr>
+      <p:grpSpPr>
+        <a:xfrm>
+          <a:off x="0" y="0"/>
+          <a:ext cx="0" cy="0"/>
+          <a:chOff x="0" y="0"/>
+          <a:chExt cx="0" cy="0"/>
+        </a:xfrm>
+      </p:grpSpPr>
       <p:sp>
         <p:nvSpPr>
           <p:cNvPr id="5" name="Title 4"/>
@@ -18800,7 +18932,7 @@
           <a:p>
             <a:fld id="{CC077DB7-DE37-4EA7-B5C7-4FE1B440C5DB}" type="slidenum">
               <a:rPr lang="en-US" smtClean="0"/>
-              <a:t>29</a:t>
+              <a:t>30</a:t>
             </a:fld>
             <a:endParaRPr lang="en-US"/>
           </a:p>
@@ -19238,7 +19370,7 @@
 </p:sld>
 </file>
 
-<file path=ppt/slides/slide3.xml><?xml version="1.0" encoding="utf-8"?>
+<file path=ppt/slides/slide31.xml><?xml version="1.0" encoding="utf-8"?>
 <p:sld xmlns:a="http://schemas.openxmlformats.org/drawingml/2006/main" xmlns:r="http://schemas.openxmlformats.org/officeDocument/2006/relationships" xmlns:p="http://schemas.openxmlformats.org/presentationml/2006/main">
   <p:cSld>
     <p:spTree>
@@ -19255,192 +19387,6 @@
           <a:chExt cx="0" cy="0"/>
         </a:xfrm>
       </p:grpSpPr>
-      <p:pic>
-        <p:nvPicPr>
-          <p:cNvPr id="1026" name="Picture 2" descr="Image result for microsoft learning"/>
-          <p:cNvPicPr>
-            <a:picLocks noChangeAspect="1" noChangeArrowheads="1"/>
-          </p:cNvPicPr>
-          <p:nvPr/>
-        </p:nvPicPr>
-        <p:blipFill>
-          <a:blip r:embed="rId2">
-            <a:extLst>
-              <a:ext uri="{28A0092B-C50C-407E-A947-70E740481C1C}">
-                <a14:useLocalDpi xmlns:a14="http://schemas.microsoft.com/office/drawing/2010/main" val="0"/>
-              </a:ext>
-            </a:extLst>
-          </a:blip>
-          <a:srcRect/>
-          <a:stretch>
-            <a:fillRect/>
-          </a:stretch>
-        </p:blipFill>
-        <p:spPr bwMode="auto">
-          <a:xfrm>
-            <a:off x="6970833" y="4706599"/>
-            <a:ext cx="5117839" cy="1884346"/>
-          </a:xfrm>
-          <a:prstGeom prst="rect">
-            <a:avLst/>
-          </a:prstGeom>
-          <a:noFill/>
-          <a:extLst>
-            <a:ext uri="{909E8E84-426E-40DD-AFC4-6F175D3DCCD1}">
-              <a14:hiddenFill xmlns:a14="http://schemas.microsoft.com/office/drawing/2010/main">
-                <a:solidFill>
-                  <a:srgbClr val="FFFFFF"/>
-                </a:solidFill>
-              </a14:hiddenFill>
-            </a:ext>
-          </a:extLst>
-        </p:spPr>
-      </p:pic>
-      <p:sp>
-        <p:nvSpPr>
-          <p:cNvPr id="2" name="Title 1"/>
-          <p:cNvSpPr>
-            <a:spLocks noGrp="1"/>
-          </p:cNvSpPr>
-          <p:nvPr>
-            <p:ph type="title"/>
-          </p:nvPr>
-        </p:nvSpPr>
-        <p:spPr/>
-        <p:txBody>
-          <a:bodyPr/>
-          <a:lstStyle/>
-          <a:p>
-            <a:r>
-              <a:rPr lang="en-US" dirty="0"/>
-              <a:t>Summary</a:t>
-            </a:r>
-          </a:p>
-        </p:txBody>
-      </p:sp>
-      <p:sp>
-        <p:nvSpPr>
-          <p:cNvPr id="3" name="Content Placeholder 2"/>
-          <p:cNvSpPr>
-            <a:spLocks noGrp="1"/>
-          </p:cNvSpPr>
-          <p:nvPr>
-            <p:ph idx="1"/>
-          </p:nvPr>
-        </p:nvSpPr>
-        <p:spPr/>
-        <p:txBody>
-          <a:bodyPr/>
-          <a:lstStyle/>
-          <a:p>
-            <a:r>
-              <a:rPr lang="en-US" dirty="0"/>
-              <a:t>Who exams are for</a:t>
-            </a:r>
-          </a:p>
-          <a:p>
-            <a:r>
-              <a:rPr lang="en-US" dirty="0"/>
-              <a:t>How Exams are Written</a:t>
-            </a:r>
-          </a:p>
-          <a:p>
-            <a:r>
-              <a:rPr lang="en-US" dirty="0"/>
-              <a:t>Test-taking tips</a:t>
-            </a:r>
-          </a:p>
-          <a:p>
-            <a:r>
-              <a:rPr lang="en-US" dirty="0"/>
-              <a:t>Deconstructing the wrong answers</a:t>
-            </a:r>
-          </a:p>
-          <a:p>
-            <a:r>
-              <a:rPr lang="en-US" dirty="0"/>
-              <a:t>Sample exercises</a:t>
-            </a:r>
-            <a:br>
-              <a:rPr lang="en-US" dirty="0"/>
-            </a:br>
-            <a:endParaRPr lang="en-US" dirty="0"/>
-          </a:p>
-          <a:p>
-            <a:endParaRPr lang="en-US" dirty="0"/>
-          </a:p>
-          <a:p>
-            <a:r>
-              <a:rPr lang="en-US" dirty="0"/>
-              <a:t>Content is not specific to Microsoft technologies and exams, though that is where my experience lies as a consultant, as a certified pro, and as an exam item writer.</a:t>
-            </a:r>
-          </a:p>
-        </p:txBody>
-      </p:sp>
-      <p:sp>
-        <p:nvSpPr>
-          <p:cNvPr id="5" name="Rectangle 4">
-            <a:extLst>
-              <a:ext uri="{FF2B5EF4-FFF2-40B4-BE49-F238E27FC236}">
-                <a16:creationId xmlns:a16="http://schemas.microsoft.com/office/drawing/2014/main" id="{D75E2337-27ED-410E-A7A6-274E92DCF152}"/>
-              </a:ext>
-            </a:extLst>
-          </p:cNvPr>
-          <p:cNvSpPr/>
-          <p:nvPr/>
-        </p:nvSpPr>
-        <p:spPr>
-          <a:xfrm>
-            <a:off x="6711696" y="990596"/>
-            <a:ext cx="5376976" cy="3108543"/>
-          </a:xfrm>
-          <a:prstGeom prst="rect">
-            <a:avLst/>
-          </a:prstGeom>
-        </p:spPr>
-        <p:txBody>
-          <a:bodyPr wrap="square">
-            <a:spAutoFit/>
-          </a:bodyPr>
-          <a:lstStyle/>
-          <a:p>
-            <a:r>
-              <a:rPr lang="en-US" sz="2800" dirty="0"/>
-              <a:t>Gain exam insights, the best prep strategies, an test-taking strategies from a exam veteran and writer. Learn how to deconstruct questions and answers, how questions are written, and what certification exams are really testing for.</a:t>
-            </a:r>
-          </a:p>
-        </p:txBody>
-      </p:sp>
-    </p:spTree>
-    <p:extLst>
-      <p:ext uri="{BB962C8B-B14F-4D97-AF65-F5344CB8AC3E}">
-        <p14:creationId xmlns:p14="http://schemas.microsoft.com/office/powerpoint/2010/main" val="810930538"/>
-      </p:ext>
-    </p:extLst>
-  </p:cSld>
-  <p:clrMapOvr>
-    <a:masterClrMapping/>
-  </p:clrMapOvr>
-</p:sld>
-</file>
-
-<file path=ppt/slides/slide30.xml><?xml version="1.0" encoding="utf-8"?>
-<p:sld xmlns:a="http://schemas.openxmlformats.org/drawingml/2006/main" xmlns:r="http://schemas.openxmlformats.org/officeDocument/2006/relationships" xmlns:p="http://schemas.openxmlformats.org/presentationml/2006/main">
-  <p:cSld>
-    <p:spTree>
-      <p:nvGrpSpPr>
-        <p:cNvPr id="1" name=""/>
-        <p:cNvGrpSpPr/>
-        <p:nvPr/>
-      </p:nvGrpSpPr>
-      <p:grpSpPr>
-        <a:xfrm>
-          <a:off x="0" y="0"/>
-          <a:ext cx="0" cy="0"/>
-          <a:chOff x="0" y="0"/>
-          <a:chExt cx="0" cy="0"/>
-        </a:xfrm>
-      </p:grpSpPr>
       <p:sp>
         <p:nvSpPr>
           <p:cNvPr id="5" name="Title 4"/>
@@ -19487,7 +19433,7 @@
           <a:p>
             <a:fld id="{CC077DB7-DE37-4EA7-B5C7-4FE1B440C5DB}" type="slidenum">
               <a:rPr lang="en-US" smtClean="0"/>
-              <a:t>30</a:t>
+              <a:t>31</a:t>
             </a:fld>
             <a:endParaRPr lang="en-US"/>
           </a:p>
@@ -19885,7 +19831,7 @@
 </p:sld>
 </file>
 
-<file path=ppt/slides/slide31.xml><?xml version="1.0" encoding="utf-8"?>
+<file path=ppt/slides/slide32.xml><?xml version="1.0" encoding="utf-8"?>
 <p:sld xmlns:a="http://schemas.openxmlformats.org/drawingml/2006/main" xmlns:r="http://schemas.openxmlformats.org/officeDocument/2006/relationships" xmlns:p="http://schemas.openxmlformats.org/presentationml/2006/main">
   <p:cSld>
     <p:spTree>
@@ -19948,7 +19894,7 @@
           <a:p>
             <a:fld id="{CC077DB7-DE37-4EA7-B5C7-4FE1B440C5DB}" type="slidenum">
               <a:rPr lang="en-US" smtClean="0"/>
-              <a:t>31</a:t>
+              <a:t>32</a:t>
             </a:fld>
             <a:endParaRPr lang="en-US"/>
           </a:p>
@@ -20421,7 +20367,7 @@
 </p:sld>
 </file>
 
-<file path=ppt/slides/slide32.xml><?xml version="1.0" encoding="utf-8"?>
+<file path=ppt/slides/slide33.xml><?xml version="1.0" encoding="utf-8"?>
 <p:sld xmlns:a="http://schemas.openxmlformats.org/drawingml/2006/main" xmlns:r="http://schemas.openxmlformats.org/officeDocument/2006/relationships" xmlns:p="http://schemas.openxmlformats.org/presentationml/2006/main">
   <p:cSld>
     <p:spTree>
@@ -20484,7 +20430,7 @@
           <a:p>
             <a:fld id="{CC077DB7-DE37-4EA7-B5C7-4FE1B440C5DB}" type="slidenum">
               <a:rPr lang="en-US" smtClean="0"/>
-              <a:t>32</a:t>
+              <a:t>33</a:t>
             </a:fld>
             <a:endParaRPr lang="en-US"/>
           </a:p>
@@ -20959,7 +20905,7 @@
 </p:sld>
 </file>
 
-<file path=ppt/slides/slide33.xml><?xml version="1.0" encoding="utf-8"?>
+<file path=ppt/slides/slide34.xml><?xml version="1.0" encoding="utf-8"?>
 <p:sld xmlns:a="http://schemas.openxmlformats.org/drawingml/2006/main" xmlns:r="http://schemas.openxmlformats.org/officeDocument/2006/relationships" xmlns:p="http://schemas.openxmlformats.org/presentationml/2006/main">
   <p:cSld>
     <p:spTree>
@@ -21022,7 +20968,7 @@
           <a:p>
             <a:fld id="{CC077DB7-DE37-4EA7-B5C7-4FE1B440C5DB}" type="slidenum">
               <a:rPr lang="en-US" smtClean="0"/>
-              <a:t>33</a:t>
+              <a:t>34</a:t>
             </a:fld>
             <a:endParaRPr lang="en-US"/>
           </a:p>
@@ -21528,318 +21474,6 @@
 </p:sld>
 </file>
 
-<file path=ppt/slides/slide34.xml><?xml version="1.0" encoding="utf-8"?>
-<p:sld xmlns:a="http://schemas.openxmlformats.org/drawingml/2006/main" xmlns:r="http://schemas.openxmlformats.org/officeDocument/2006/relationships" xmlns:p="http://schemas.openxmlformats.org/presentationml/2006/main">
-  <p:cSld>
-    <p:spTree>
-      <p:nvGrpSpPr>
-        <p:cNvPr id="1" name=""/>
-        <p:cNvGrpSpPr/>
-        <p:nvPr/>
-      </p:nvGrpSpPr>
-      <p:grpSpPr>
-        <a:xfrm>
-          <a:off x="0" y="0"/>
-          <a:ext cx="0" cy="0"/>
-          <a:chOff x="0" y="0"/>
-          <a:chExt cx="0" cy="0"/>
-        </a:xfrm>
-      </p:grpSpPr>
-      <p:sp>
-        <p:nvSpPr>
-          <p:cNvPr id="5" name="Title 4"/>
-          <p:cNvSpPr>
-            <a:spLocks noGrp="1"/>
-          </p:cNvSpPr>
-          <p:nvPr>
-            <p:ph type="title"/>
-          </p:nvPr>
-        </p:nvSpPr>
-        <p:spPr/>
-        <p:txBody>
-          <a:bodyPr>
-            <a:normAutofit/>
-          </a:bodyPr>
-          <a:lstStyle/>
-          <a:p>
-            <a:r>
-              <a:rPr lang="en-US" dirty="0"/>
-              <a:t>Writing the Wrong Answers Is Most Difficult</a:t>
-            </a:r>
-          </a:p>
-        </p:txBody>
-      </p:sp>
-      <p:sp>
-        <p:nvSpPr>
-          <p:cNvPr id="4" name="Slide Number Placeholder 3"/>
-          <p:cNvSpPr>
-            <a:spLocks noGrp="1"/>
-          </p:cNvSpPr>
-          <p:nvPr>
-            <p:ph type="sldNum" sz="quarter" idx="4294967295"/>
-          </p:nvPr>
-        </p:nvSpPr>
-        <p:spPr>
-          <a:xfrm>
-            <a:off x="9347200" y="6356350"/>
-            <a:ext cx="2844800" cy="365125"/>
-          </a:xfrm>
-        </p:spPr>
-        <p:txBody>
-          <a:bodyPr/>
-          <a:lstStyle/>
-          <a:p>
-            <a:fld id="{CC077DB7-DE37-4EA7-B5C7-4FE1B440C5DB}" type="slidenum">
-              <a:rPr lang="en-US" smtClean="0"/>
-              <a:t>34</a:t>
-            </a:fld>
-            <a:endParaRPr lang="en-US"/>
-          </a:p>
-        </p:txBody>
-      </p:sp>
-      <p:sp>
-        <p:nvSpPr>
-          <p:cNvPr id="6" name="Title 4"/>
-          <p:cNvSpPr txBox="1">
-            <a:spLocks/>
-          </p:cNvSpPr>
-          <p:nvPr/>
-        </p:nvSpPr>
-        <p:spPr>
-          <a:xfrm>
-            <a:off x="296613" y="839973"/>
-            <a:ext cx="4556741" cy="4444408"/>
-          </a:xfrm>
-          <a:prstGeom prst="rect">
-            <a:avLst/>
-          </a:prstGeom>
-        </p:spPr>
-        <p:txBody>
-          <a:bodyPr vert="horz" lIns="91440" tIns="45720" rIns="91440" bIns="45720" rtlCol="0" anchor="t">
-            <a:noAutofit/>
-          </a:bodyPr>
-          <a:lstStyle>
-            <a:lvl1pPr algn="l" defTabSz="914400" rtl="0" eaLnBrk="1" latinLnBrk="0" hangingPunct="1">
-              <a:spcBef>
-                <a:spcPct val="0"/>
-              </a:spcBef>
-              <a:buNone/>
-              <a:defRPr sz="4000" b="1" kern="1200" baseline="0">
-                <a:solidFill>
-                  <a:srgbClr val="4F2683"/>
-                </a:solidFill>
-                <a:latin typeface="+mj-lt"/>
-                <a:ea typeface="+mj-ea"/>
-                <a:cs typeface="+mj-cs"/>
-              </a:defRPr>
-            </a:lvl1pPr>
-          </a:lstStyle>
-          <a:p>
-            <a:r>
-              <a:rPr lang="en-US" sz="3600" b="0" dirty="0">
-                <a:solidFill>
-                  <a:srgbClr val="C00000"/>
-                </a:solidFill>
-                <a:latin typeface="+mn-lt"/>
-              </a:rPr>
-              <a:t>Boom, now Sporks are CLEARLY not allowed (for no good real-life reason, only one made up for this question). </a:t>
-            </a:r>
-            <a:br>
-              <a:rPr lang="en-US" sz="3600" b="0" dirty="0">
-                <a:solidFill>
-                  <a:srgbClr val="C00000"/>
-                </a:solidFill>
-                <a:latin typeface="+mn-lt"/>
-              </a:rPr>
-            </a:br>
-            <a:r>
-              <a:rPr lang="en-US" sz="3600" b="0" dirty="0">
-                <a:solidFill>
-                  <a:srgbClr val="C00000"/>
-                </a:solidFill>
-                <a:latin typeface="+mn-lt"/>
-              </a:rPr>
-              <a:t>An answer is made 100% wrong.</a:t>
-            </a:r>
-          </a:p>
-          <a:p>
-            <a:endParaRPr lang="en-US" sz="3600" b="0" dirty="0">
-              <a:solidFill>
-                <a:srgbClr val="C00000"/>
-              </a:solidFill>
-              <a:latin typeface="+mn-lt"/>
-            </a:endParaRPr>
-          </a:p>
-          <a:p>
-            <a:r>
-              <a:rPr lang="en-US" sz="3600" b="0" dirty="0">
-                <a:solidFill>
-                  <a:srgbClr val="C00000"/>
-                </a:solidFill>
-                <a:latin typeface="+mn-lt"/>
-              </a:rPr>
-              <a:t>But forks remain a problem…</a:t>
-            </a:r>
-          </a:p>
-        </p:txBody>
-      </p:sp>
-      <p:sp>
-        <p:nvSpPr>
-          <p:cNvPr id="7" name="Title 4"/>
-          <p:cNvSpPr txBox="1">
-            <a:spLocks/>
-          </p:cNvSpPr>
-          <p:nvPr/>
-        </p:nvSpPr>
-        <p:spPr>
-          <a:xfrm>
-            <a:off x="5454502" y="839973"/>
-            <a:ext cx="6453963" cy="4444408"/>
-          </a:xfrm>
-          <a:prstGeom prst="rect">
-            <a:avLst/>
-          </a:prstGeom>
-        </p:spPr>
-        <p:txBody>
-          <a:bodyPr vert="horz" lIns="91440" tIns="45720" rIns="91440" bIns="45720" rtlCol="0" anchor="t">
-            <a:noAutofit/>
-          </a:bodyPr>
-          <a:lstStyle>
-            <a:lvl1pPr algn="l" defTabSz="914400" rtl="0" eaLnBrk="1" latinLnBrk="0" hangingPunct="1">
-              <a:spcBef>
-                <a:spcPct val="0"/>
-              </a:spcBef>
-              <a:buNone/>
-              <a:defRPr sz="4000" b="1" kern="1200" baseline="0">
-                <a:solidFill>
-                  <a:srgbClr val="4F2683"/>
-                </a:solidFill>
-                <a:latin typeface="+mj-lt"/>
-                <a:ea typeface="+mj-ea"/>
-                <a:cs typeface="+mj-cs"/>
-              </a:defRPr>
-            </a:lvl1pPr>
-          </a:lstStyle>
-          <a:p>
-            <a:r>
-              <a:rPr lang="en-US" sz="3600" b="0" dirty="0">
-                <a:solidFill>
-                  <a:schemeClr val="tx1"/>
-                </a:solidFill>
-                <a:latin typeface="+mn-lt"/>
-              </a:rPr>
-              <a:t>For example:</a:t>
-            </a:r>
-          </a:p>
-          <a:p>
-            <a:r>
-              <a:rPr lang="en-US" sz="3600" b="0" dirty="0">
-                <a:solidFill>
-                  <a:schemeClr val="tx1"/>
-                </a:solidFill>
-                <a:latin typeface="+mn-lt"/>
-              </a:rPr>
-              <a:t>You are making a sandwich.</a:t>
-            </a:r>
-          </a:p>
-          <a:p>
-            <a:r>
-              <a:rPr lang="en-US" sz="3200" b="0" dirty="0">
-                <a:solidFill>
-                  <a:schemeClr val="tx1"/>
-                </a:solidFill>
-                <a:latin typeface="+mn-lt"/>
-              </a:rPr>
-              <a:t>You must make the sandwich with peanut butter and cut the </a:t>
-            </a:r>
-            <a:br>
-              <a:rPr lang="en-US" sz="3200" b="0" dirty="0">
-                <a:solidFill>
-                  <a:schemeClr val="tx1"/>
-                </a:solidFill>
-                <a:latin typeface="+mn-lt"/>
-              </a:rPr>
-            </a:br>
-            <a:r>
-              <a:rPr lang="en-US" sz="3200" b="0" dirty="0">
-                <a:solidFill>
-                  <a:schemeClr val="tx1"/>
-                </a:solidFill>
-                <a:latin typeface="+mn-lt"/>
-              </a:rPr>
-              <a:t>sandwich in half using the same utensil. </a:t>
-            </a:r>
-            <a:r>
-              <a:rPr lang="en-US" sz="3200" dirty="0">
-                <a:solidFill>
-                  <a:schemeClr val="tx1"/>
-                </a:solidFill>
-                <a:latin typeface="+mn-lt"/>
-              </a:rPr>
-              <a:t>You do not have access to a hybrid utensil environment.</a:t>
-            </a:r>
-          </a:p>
-          <a:p>
-            <a:r>
-              <a:rPr lang="en-US" sz="3200" b="0" dirty="0">
-                <a:solidFill>
-                  <a:schemeClr val="tx1"/>
-                </a:solidFill>
-                <a:latin typeface="+mn-lt"/>
-              </a:rPr>
-              <a:t>You need to choose a utensil that will spread the peanut butter by using the least amount of administrative effort.</a:t>
-            </a:r>
-          </a:p>
-          <a:p>
-            <a:r>
-              <a:rPr lang="en-US" sz="3200" b="0" dirty="0">
-                <a:solidFill>
-                  <a:schemeClr val="tx1"/>
-                </a:solidFill>
-                <a:latin typeface="+mn-lt"/>
-              </a:rPr>
-              <a:t>Which do you choose?</a:t>
-            </a:r>
-          </a:p>
-          <a:p>
-            <a:endParaRPr lang="en-US" sz="3600" b="0" dirty="0">
-              <a:solidFill>
-                <a:schemeClr val="tx1"/>
-              </a:solidFill>
-              <a:latin typeface="+mn-lt"/>
-            </a:endParaRPr>
-          </a:p>
-          <a:p>
-            <a:endParaRPr lang="en-US" sz="3600" b="0" dirty="0">
-              <a:solidFill>
-                <a:schemeClr val="tx1"/>
-              </a:solidFill>
-              <a:latin typeface="+mn-lt"/>
-            </a:endParaRPr>
-          </a:p>
-          <a:p>
-            <a:endParaRPr lang="en-US" sz="3600" b="0" dirty="0">
-              <a:solidFill>
-                <a:schemeClr val="tx1"/>
-              </a:solidFill>
-              <a:latin typeface="+mn-lt"/>
-            </a:endParaRPr>
-          </a:p>
-        </p:txBody>
-      </p:sp>
-    </p:spTree>
-    <p:extLst>
-      <p:ext uri="{BB962C8B-B14F-4D97-AF65-F5344CB8AC3E}">
-        <p14:creationId xmlns:p14="http://schemas.microsoft.com/office/powerpoint/2010/main" val="1917163484"/>
-      </p:ext>
-    </p:extLst>
-  </p:cSld>
-  <p:clrMapOvr>
-    <a:masterClrMapping/>
-  </p:clrMapOvr>
-</p:sld>
-</file>
-
 <file path=ppt/slides/slide35.xml><?xml version="1.0" encoding="utf-8"?>
 <p:sld xmlns:a="http://schemas.openxmlformats.org/drawingml/2006/main" xmlns:r="http://schemas.openxmlformats.org/officeDocument/2006/relationships" xmlns:p="http://schemas.openxmlformats.org/presentationml/2006/main">
   <p:cSld>
@@ -21904,6 +21538,318 @@
             <a:fld id="{CC077DB7-DE37-4EA7-B5C7-4FE1B440C5DB}" type="slidenum">
               <a:rPr lang="en-US" smtClean="0"/>
               <a:t>35</a:t>
+            </a:fld>
+            <a:endParaRPr lang="en-US"/>
+          </a:p>
+        </p:txBody>
+      </p:sp>
+      <p:sp>
+        <p:nvSpPr>
+          <p:cNvPr id="6" name="Title 4"/>
+          <p:cNvSpPr txBox="1">
+            <a:spLocks/>
+          </p:cNvSpPr>
+          <p:nvPr/>
+        </p:nvSpPr>
+        <p:spPr>
+          <a:xfrm>
+            <a:off x="296613" y="839973"/>
+            <a:ext cx="4556741" cy="4444408"/>
+          </a:xfrm>
+          <a:prstGeom prst="rect">
+            <a:avLst/>
+          </a:prstGeom>
+        </p:spPr>
+        <p:txBody>
+          <a:bodyPr vert="horz" lIns="91440" tIns="45720" rIns="91440" bIns="45720" rtlCol="0" anchor="t">
+            <a:noAutofit/>
+          </a:bodyPr>
+          <a:lstStyle>
+            <a:lvl1pPr algn="l" defTabSz="914400" rtl="0" eaLnBrk="1" latinLnBrk="0" hangingPunct="1">
+              <a:spcBef>
+                <a:spcPct val="0"/>
+              </a:spcBef>
+              <a:buNone/>
+              <a:defRPr sz="4000" b="1" kern="1200" baseline="0">
+                <a:solidFill>
+                  <a:srgbClr val="4F2683"/>
+                </a:solidFill>
+                <a:latin typeface="+mj-lt"/>
+                <a:ea typeface="+mj-ea"/>
+                <a:cs typeface="+mj-cs"/>
+              </a:defRPr>
+            </a:lvl1pPr>
+          </a:lstStyle>
+          <a:p>
+            <a:r>
+              <a:rPr lang="en-US" sz="3600" b="0" dirty="0">
+                <a:solidFill>
+                  <a:srgbClr val="C00000"/>
+                </a:solidFill>
+                <a:latin typeface="+mn-lt"/>
+              </a:rPr>
+              <a:t>Boom, now Sporks are CLEARLY not allowed (for no good real-life reason, only one made up for this question). </a:t>
+            </a:r>
+            <a:br>
+              <a:rPr lang="en-US" sz="3600" b="0" dirty="0">
+                <a:solidFill>
+                  <a:srgbClr val="C00000"/>
+                </a:solidFill>
+                <a:latin typeface="+mn-lt"/>
+              </a:rPr>
+            </a:br>
+            <a:r>
+              <a:rPr lang="en-US" sz="3600" b="0" dirty="0">
+                <a:solidFill>
+                  <a:srgbClr val="C00000"/>
+                </a:solidFill>
+                <a:latin typeface="+mn-lt"/>
+              </a:rPr>
+              <a:t>An answer is made 100% wrong.</a:t>
+            </a:r>
+          </a:p>
+          <a:p>
+            <a:endParaRPr lang="en-US" sz="3600" b="0" dirty="0">
+              <a:solidFill>
+                <a:srgbClr val="C00000"/>
+              </a:solidFill>
+              <a:latin typeface="+mn-lt"/>
+            </a:endParaRPr>
+          </a:p>
+          <a:p>
+            <a:r>
+              <a:rPr lang="en-US" sz="3600" b="0" dirty="0">
+                <a:solidFill>
+                  <a:srgbClr val="C00000"/>
+                </a:solidFill>
+                <a:latin typeface="+mn-lt"/>
+              </a:rPr>
+              <a:t>But forks remain a problem…</a:t>
+            </a:r>
+          </a:p>
+        </p:txBody>
+      </p:sp>
+      <p:sp>
+        <p:nvSpPr>
+          <p:cNvPr id="7" name="Title 4"/>
+          <p:cNvSpPr txBox="1">
+            <a:spLocks/>
+          </p:cNvSpPr>
+          <p:nvPr/>
+        </p:nvSpPr>
+        <p:spPr>
+          <a:xfrm>
+            <a:off x="5454502" y="839973"/>
+            <a:ext cx="6453963" cy="4444408"/>
+          </a:xfrm>
+          <a:prstGeom prst="rect">
+            <a:avLst/>
+          </a:prstGeom>
+        </p:spPr>
+        <p:txBody>
+          <a:bodyPr vert="horz" lIns="91440" tIns="45720" rIns="91440" bIns="45720" rtlCol="0" anchor="t">
+            <a:noAutofit/>
+          </a:bodyPr>
+          <a:lstStyle>
+            <a:lvl1pPr algn="l" defTabSz="914400" rtl="0" eaLnBrk="1" latinLnBrk="0" hangingPunct="1">
+              <a:spcBef>
+                <a:spcPct val="0"/>
+              </a:spcBef>
+              <a:buNone/>
+              <a:defRPr sz="4000" b="1" kern="1200" baseline="0">
+                <a:solidFill>
+                  <a:srgbClr val="4F2683"/>
+                </a:solidFill>
+                <a:latin typeface="+mj-lt"/>
+                <a:ea typeface="+mj-ea"/>
+                <a:cs typeface="+mj-cs"/>
+              </a:defRPr>
+            </a:lvl1pPr>
+          </a:lstStyle>
+          <a:p>
+            <a:r>
+              <a:rPr lang="en-US" sz="3600" b="0" dirty="0">
+                <a:solidFill>
+                  <a:schemeClr val="tx1"/>
+                </a:solidFill>
+                <a:latin typeface="+mn-lt"/>
+              </a:rPr>
+              <a:t>For example:</a:t>
+            </a:r>
+          </a:p>
+          <a:p>
+            <a:r>
+              <a:rPr lang="en-US" sz="3600" b="0" dirty="0">
+                <a:solidFill>
+                  <a:schemeClr val="tx1"/>
+                </a:solidFill>
+                <a:latin typeface="+mn-lt"/>
+              </a:rPr>
+              <a:t>You are making a sandwich.</a:t>
+            </a:r>
+          </a:p>
+          <a:p>
+            <a:r>
+              <a:rPr lang="en-US" sz="3200" b="0" dirty="0">
+                <a:solidFill>
+                  <a:schemeClr val="tx1"/>
+                </a:solidFill>
+                <a:latin typeface="+mn-lt"/>
+              </a:rPr>
+              <a:t>You must make the sandwich with peanut butter and cut the </a:t>
+            </a:r>
+            <a:br>
+              <a:rPr lang="en-US" sz="3200" b="0" dirty="0">
+                <a:solidFill>
+                  <a:schemeClr val="tx1"/>
+                </a:solidFill>
+                <a:latin typeface="+mn-lt"/>
+              </a:rPr>
+            </a:br>
+            <a:r>
+              <a:rPr lang="en-US" sz="3200" b="0" dirty="0">
+                <a:solidFill>
+                  <a:schemeClr val="tx1"/>
+                </a:solidFill>
+                <a:latin typeface="+mn-lt"/>
+              </a:rPr>
+              <a:t>sandwich in half using the same utensil. </a:t>
+            </a:r>
+            <a:r>
+              <a:rPr lang="en-US" sz="3200" dirty="0">
+                <a:solidFill>
+                  <a:schemeClr val="tx1"/>
+                </a:solidFill>
+                <a:latin typeface="+mn-lt"/>
+              </a:rPr>
+              <a:t>You do not have access to a hybrid utensil environment.</a:t>
+            </a:r>
+          </a:p>
+          <a:p>
+            <a:r>
+              <a:rPr lang="en-US" sz="3200" b="0" dirty="0">
+                <a:solidFill>
+                  <a:schemeClr val="tx1"/>
+                </a:solidFill>
+                <a:latin typeface="+mn-lt"/>
+              </a:rPr>
+              <a:t>You need to choose a utensil that will spread the peanut butter by using the least amount of administrative effort.</a:t>
+            </a:r>
+          </a:p>
+          <a:p>
+            <a:r>
+              <a:rPr lang="en-US" sz="3200" b="0" dirty="0">
+                <a:solidFill>
+                  <a:schemeClr val="tx1"/>
+                </a:solidFill>
+                <a:latin typeface="+mn-lt"/>
+              </a:rPr>
+              <a:t>Which do you choose?</a:t>
+            </a:r>
+          </a:p>
+          <a:p>
+            <a:endParaRPr lang="en-US" sz="3600" b="0" dirty="0">
+              <a:solidFill>
+                <a:schemeClr val="tx1"/>
+              </a:solidFill>
+              <a:latin typeface="+mn-lt"/>
+            </a:endParaRPr>
+          </a:p>
+          <a:p>
+            <a:endParaRPr lang="en-US" sz="3600" b="0" dirty="0">
+              <a:solidFill>
+                <a:schemeClr val="tx1"/>
+              </a:solidFill>
+              <a:latin typeface="+mn-lt"/>
+            </a:endParaRPr>
+          </a:p>
+          <a:p>
+            <a:endParaRPr lang="en-US" sz="3600" b="0" dirty="0">
+              <a:solidFill>
+                <a:schemeClr val="tx1"/>
+              </a:solidFill>
+              <a:latin typeface="+mn-lt"/>
+            </a:endParaRPr>
+          </a:p>
+        </p:txBody>
+      </p:sp>
+    </p:spTree>
+    <p:extLst>
+      <p:ext uri="{BB962C8B-B14F-4D97-AF65-F5344CB8AC3E}">
+        <p14:creationId xmlns:p14="http://schemas.microsoft.com/office/powerpoint/2010/main" val="1917163484"/>
+      </p:ext>
+    </p:extLst>
+  </p:cSld>
+  <p:clrMapOvr>
+    <a:masterClrMapping/>
+  </p:clrMapOvr>
+</p:sld>
+</file>
+
+<file path=ppt/slides/slide36.xml><?xml version="1.0" encoding="utf-8"?>
+<p:sld xmlns:a="http://schemas.openxmlformats.org/drawingml/2006/main" xmlns:r="http://schemas.openxmlformats.org/officeDocument/2006/relationships" xmlns:p="http://schemas.openxmlformats.org/presentationml/2006/main">
+  <p:cSld>
+    <p:spTree>
+      <p:nvGrpSpPr>
+        <p:cNvPr id="1" name=""/>
+        <p:cNvGrpSpPr/>
+        <p:nvPr/>
+      </p:nvGrpSpPr>
+      <p:grpSpPr>
+        <a:xfrm>
+          <a:off x="0" y="0"/>
+          <a:ext cx="0" cy="0"/>
+          <a:chOff x="0" y="0"/>
+          <a:chExt cx="0" cy="0"/>
+        </a:xfrm>
+      </p:grpSpPr>
+      <p:sp>
+        <p:nvSpPr>
+          <p:cNvPr id="5" name="Title 4"/>
+          <p:cNvSpPr>
+            <a:spLocks noGrp="1"/>
+          </p:cNvSpPr>
+          <p:nvPr>
+            <p:ph type="title"/>
+          </p:nvPr>
+        </p:nvSpPr>
+        <p:spPr/>
+        <p:txBody>
+          <a:bodyPr>
+            <a:normAutofit/>
+          </a:bodyPr>
+          <a:lstStyle/>
+          <a:p>
+            <a:r>
+              <a:rPr lang="en-US" dirty="0"/>
+              <a:t>Writing the Wrong Answers Is Most Difficult</a:t>
+            </a:r>
+          </a:p>
+        </p:txBody>
+      </p:sp>
+      <p:sp>
+        <p:nvSpPr>
+          <p:cNvPr id="4" name="Slide Number Placeholder 3"/>
+          <p:cNvSpPr>
+            <a:spLocks noGrp="1"/>
+          </p:cNvSpPr>
+          <p:nvPr>
+            <p:ph type="sldNum" sz="quarter" idx="4294967295"/>
+          </p:nvPr>
+        </p:nvSpPr>
+        <p:spPr>
+          <a:xfrm>
+            <a:off x="9347200" y="6356350"/>
+            <a:ext cx="2844800" cy="365125"/>
+          </a:xfrm>
+        </p:spPr>
+        <p:txBody>
+          <a:bodyPr/>
+          <a:lstStyle/>
+          <a:p>
+            <a:fld id="{CC077DB7-DE37-4EA7-B5C7-4FE1B440C5DB}" type="slidenum">
+              <a:rPr lang="en-US" smtClean="0"/>
+              <a:t>36</a:t>
             </a:fld>
             <a:endParaRPr lang="en-US"/>
           </a:p>
@@ -22412,7 +22358,7 @@
 </p:sld>
 </file>
 
-<file path=ppt/slides/slide36.xml><?xml version="1.0" encoding="utf-8"?>
+<file path=ppt/slides/slide37.xml><?xml version="1.0" encoding="utf-8"?>
 <p:sld xmlns:a="http://schemas.openxmlformats.org/drawingml/2006/main" xmlns:r="http://schemas.openxmlformats.org/officeDocument/2006/relationships" xmlns:p="http://schemas.openxmlformats.org/presentationml/2006/main">
   <p:cSld>
     <p:spTree>
@@ -22475,7 +22421,7 @@
           <a:p>
             <a:fld id="{CC077DB7-DE37-4EA7-B5C7-4FE1B440C5DB}" type="slidenum">
               <a:rPr lang="en-US" smtClean="0"/>
-              <a:t>36</a:t>
+              <a:t>37</a:t>
             </a:fld>
             <a:endParaRPr lang="en-US"/>
           </a:p>
@@ -22880,7 +22826,7 @@
 </p:sld>
 </file>
 
-<file path=ppt/slides/slide37.xml><?xml version="1.0" encoding="utf-8"?>
+<file path=ppt/slides/slide38.xml><?xml version="1.0" encoding="utf-8"?>
 <p:sld xmlns:a="http://schemas.openxmlformats.org/drawingml/2006/main" xmlns:r="http://schemas.openxmlformats.org/officeDocument/2006/relationships" xmlns:p="http://schemas.openxmlformats.org/presentationml/2006/main">
   <p:cSld>
     <p:spTree>
@@ -23166,7 +23112,7 @@
 </p:sld>
 </file>
 
-<file path=ppt/slides/slide38.xml><?xml version="1.0" encoding="utf-8"?>
+<file path=ppt/slides/slide39.xml><?xml version="1.0" encoding="utf-8"?>
 <p:sld xmlns:a="http://schemas.openxmlformats.org/drawingml/2006/main" xmlns:r="http://schemas.openxmlformats.org/officeDocument/2006/relationships" xmlns:p="http://schemas.openxmlformats.org/presentationml/2006/main">
   <p:cSld>
     <p:spTree>
@@ -23329,7 +23275,7 @@
 </p:sld>
 </file>
 
-<file path=ppt/slides/slide39.xml><?xml version="1.0" encoding="utf-8"?>
+<file path=ppt/slides/slide4.xml><?xml version="1.0" encoding="utf-8"?>
 <p:sld xmlns:a="http://schemas.openxmlformats.org/drawingml/2006/main" xmlns:r="http://schemas.openxmlformats.org/officeDocument/2006/relationships" xmlns:p="http://schemas.openxmlformats.org/presentationml/2006/main">
   <p:cSld>
     <p:spTree>
@@ -23363,7 +23309,7 @@
           <a:p>
             <a:r>
               <a:rPr lang="en-US" dirty="0"/>
-              <a:t>Remember this?</a:t>
+              <a:t>Certified Technology Professionals</a:t>
             </a:r>
           </a:p>
         </p:txBody>
@@ -23381,33 +23327,196 @@
         <p:spPr/>
         <p:txBody>
           <a:bodyPr>
-            <a:normAutofit fontScale="92500" lnSpcReduction="20000"/>
+            <a:normAutofit lnSpcReduction="10000"/>
           </a:bodyPr>
           <a:lstStyle/>
           <a:p>
             <a:r>
-              <a:rPr lang="en-US" sz="3200" dirty="0"/>
+              <a:rPr lang="en-US" dirty="0"/>
+              <a:t>Certified employees are 17% more productive.</a:t>
+            </a:r>
+          </a:p>
+          <a:p>
+            <a:r>
+              <a:rPr lang="en-US" dirty="0"/>
+              <a:t>Certified reduce unplanned downtime when problems arise by 56%</a:t>
+            </a:r>
+          </a:p>
+          <a:p>
+            <a:r>
+              <a:rPr lang="en-US" dirty="0"/>
+              <a:t>Certified employees are generally more satisfied with their jobs and enjoy tenures that are 15% longer than uncertified employees.</a:t>
+            </a:r>
+          </a:p>
+          <a:p>
+            <a:r>
+              <a:rPr lang="en-US" dirty="0"/>
+              <a:t>72% of employers require IT certifications for certain job openings</a:t>
+            </a:r>
+          </a:p>
+          <a:p>
+            <a:r>
+              <a:rPr lang="en-US" dirty="0"/>
+              <a:t>60% of employers use certifications to confirm subject matter expertise.</a:t>
+            </a:r>
+          </a:p>
+          <a:p>
+            <a:pPr marL="0" indent="0">
+              <a:buNone/>
+            </a:pPr>
+            <a:endParaRPr lang="en-US" dirty="0"/>
+          </a:p>
+          <a:p>
+            <a:pPr marL="0" indent="0">
+              <a:buNone/>
+            </a:pPr>
+            <a:r>
+              <a:rPr lang="en-US" sz="1600" dirty="0"/>
+              <a:t>Source: </a:t>
+            </a:r>
+            <a:br>
+              <a:rPr lang="en-US" sz="1600" dirty="0"/>
+            </a:br>
+            <a:r>
+              <a:rPr lang="en-US" sz="1600" dirty="0"/>
+              <a:t>Microsoft Learning White Paper </a:t>
+            </a:r>
+            <a:r>
+              <a:rPr lang="en-US" sz="1600" dirty="0">
+                <a:hlinkClick r:id="rId2"/>
+              </a:rPr>
+              <a:t>http://download.microsoft.com/download/9/4/B/94B5442E-0494-4B42-A5DC-8742E4254B09/BVW-Microsoft-US40548315.pdf</a:t>
+            </a:r>
+            <a:endParaRPr lang="en-US" sz="1600" dirty="0"/>
+          </a:p>
+          <a:p>
+            <a:pPr marL="0" indent="0">
+              <a:buNone/>
+            </a:pPr>
+            <a:r>
+              <a:rPr lang="en-US" sz="1600" dirty="0"/>
+              <a:t>CompTIA HR Perception of IT Training and Certification Study: 2015</a:t>
+            </a:r>
+          </a:p>
+          <a:p>
+            <a:pPr marL="0" indent="0">
+              <a:buNone/>
+            </a:pPr>
+            <a:r>
+              <a:rPr lang="en-US" sz="1600" dirty="0">
+                <a:hlinkClick r:id="rId3"/>
+              </a:rPr>
+              <a:t>https://certification.comptia.org/docs/default-source/downloadablefiles/hr-perceptions-of-it-training-and-certification.pdf</a:t>
+            </a:r>
+            <a:endParaRPr lang="en-US" sz="1600" dirty="0"/>
+          </a:p>
+          <a:p>
+            <a:pPr marL="0" indent="0">
+              <a:buNone/>
+            </a:pPr>
+            <a:endParaRPr lang="en-US" sz="1600" dirty="0"/>
+          </a:p>
+          <a:p>
+            <a:endParaRPr lang="en-US" dirty="0"/>
+          </a:p>
+        </p:txBody>
+      </p:sp>
+    </p:spTree>
+    <p:extLst>
+      <p:ext uri="{BB962C8B-B14F-4D97-AF65-F5344CB8AC3E}">
+        <p14:creationId xmlns:p14="http://schemas.microsoft.com/office/powerpoint/2010/main" val="3233773377"/>
+      </p:ext>
+    </p:extLst>
+  </p:cSld>
+  <p:clrMapOvr>
+    <a:masterClrMapping/>
+  </p:clrMapOvr>
+</p:sld>
+</file>
+
+<file path=ppt/slides/slide40.xml><?xml version="1.0" encoding="utf-8"?>
+<p:sld xmlns:a="http://schemas.openxmlformats.org/drawingml/2006/main" xmlns:r="http://schemas.openxmlformats.org/officeDocument/2006/relationships" xmlns:p="http://schemas.openxmlformats.org/presentationml/2006/main">
+  <p:cSld>
+    <p:spTree>
+      <p:nvGrpSpPr>
+        <p:cNvPr id="1" name=""/>
+        <p:cNvGrpSpPr/>
+        <p:nvPr/>
+      </p:nvGrpSpPr>
+      <p:grpSpPr>
+        <a:xfrm>
+          <a:off x="0" y="0"/>
+          <a:ext cx="0" cy="0"/>
+          <a:chOff x="0" y="0"/>
+          <a:chExt cx="0" cy="0"/>
+        </a:xfrm>
+      </p:grpSpPr>
+      <p:sp>
+        <p:nvSpPr>
+          <p:cNvPr id="2" name="Title 1"/>
+          <p:cNvSpPr>
+            <a:spLocks noGrp="1"/>
+          </p:cNvSpPr>
+          <p:nvPr>
+            <p:ph type="title"/>
+          </p:nvPr>
+        </p:nvSpPr>
+        <p:spPr/>
+        <p:txBody>
+          <a:bodyPr/>
+          <a:lstStyle/>
+          <a:p>
+            <a:r>
+              <a:rPr lang="en-US" dirty="0"/>
+              <a:t>Remember this?</a:t>
+            </a:r>
+          </a:p>
+        </p:txBody>
+      </p:sp>
+      <p:sp>
+        <p:nvSpPr>
+          <p:cNvPr id="3" name="Content Placeholder 2"/>
+          <p:cNvSpPr>
+            <a:spLocks noGrp="1"/>
+          </p:cNvSpPr>
+          <p:nvPr>
+            <p:ph idx="1"/>
+          </p:nvPr>
+        </p:nvSpPr>
+        <p:spPr>
+          <a:xfrm>
+            <a:off x="609600" y="990603"/>
+            <a:ext cx="10972800" cy="5305422"/>
+          </a:xfrm>
+        </p:spPr>
+        <p:txBody>
+          <a:bodyPr>
+            <a:normAutofit fontScale="77500" lnSpcReduction="20000"/>
+          </a:bodyPr>
+          <a:lstStyle/>
+          <a:p>
+            <a:r>
+              <a:rPr lang="en-US" sz="4100" dirty="0"/>
               <a:t>You are an admiral in Starfleet.</a:t>
             </a:r>
           </a:p>
           <a:p>
             <a:r>
-              <a:rPr lang="en-US" sz="3200" dirty="0"/>
-              <a:t>You are choosing the leader for your new flagship out of the ranks of captains throughout time.</a:t>
-            </a:r>
-          </a:p>
-          <a:p>
-            <a:r>
-              <a:rPr lang="en-US" sz="3200" dirty="0"/>
-              <a:t>Your choice must at least five seasons of TV experience. The new captain must have a superior hairstyle.</a:t>
-            </a:r>
-          </a:p>
-          <a:p>
-            <a:r>
-              <a:rPr lang="en-US" sz="3200" dirty="0"/>
+              <a:rPr lang="en-US" sz="4100" dirty="0"/>
+              <a:t>Your new flagship needs a captain. You may choose any out of the ranks of captains throughout time. The captain must have never willingly cooperated with the Borg. Because of the long voyage, the captain must have no children to leave behind. The new captain must have a superior hairstyle.</a:t>
+            </a:r>
+          </a:p>
+          <a:p>
+            <a:r>
+              <a:rPr lang="en-US" sz="4100" dirty="0"/>
               <a:t>You need to choose a leader for your starship.</a:t>
             </a:r>
-            <a:endParaRPr lang="en-US" dirty="0"/>
+          </a:p>
+          <a:p>
+            <a:r>
+              <a:rPr lang="en-US" sz="4100" dirty="0"/>
+              <a:t>Who captain should you choose?</a:t>
+            </a:r>
           </a:p>
           <a:p>
             <a:pPr marL="0" indent="0">
@@ -23462,7 +23571,7 @@
         </p:nvCxnSpPr>
         <p:spPr>
           <a:xfrm flipH="1" flipV="1">
-            <a:off x="1570645" y="5192264"/>
+            <a:off x="1521176" y="5807348"/>
             <a:ext cx="4087390" cy="25380"/>
           </a:xfrm>
           <a:prstGeom prst="line">
@@ -23493,43 +23602,8 @@
         </p:nvCxnSpPr>
         <p:spPr>
           <a:xfrm flipH="1">
-            <a:off x="1570645" y="4794579"/>
+            <a:off x="1540108" y="4736815"/>
             <a:ext cx="4087390" cy="0"/>
-          </a:xfrm>
-          <a:prstGeom prst="line">
-            <a:avLst/>
-          </a:prstGeom>
-          <a:ln w="38100">
-            <a:solidFill>
-              <a:srgbClr val="FFC000"/>
-            </a:solidFill>
-          </a:ln>
-        </p:spPr>
-        <p:style>
-          <a:lnRef idx="1">
-            <a:schemeClr val="accent2"/>
-          </a:lnRef>
-          <a:fillRef idx="0">
-            <a:schemeClr val="accent2"/>
-          </a:fillRef>
-          <a:effectRef idx="0">
-            <a:schemeClr val="accent2"/>
-          </a:effectRef>
-          <a:fontRef idx="minor">
-            <a:schemeClr val="tx1"/>
-          </a:fontRef>
-        </p:style>
-      </p:cxnSp>
-      <p:cxnSp>
-        <p:nvCxnSpPr>
-          <p:cNvPr id="8" name="Straight Connector 7"/>
-          <p:cNvCxnSpPr/>
-          <p:nvPr/>
-        </p:nvCxnSpPr>
-        <p:spPr>
-          <a:xfrm flipH="1" flipV="1">
-            <a:off x="1619951" y="3978906"/>
-            <a:ext cx="3988778" cy="38478"/>
           </a:xfrm>
           <a:prstGeom prst="line">
             <a:avLst/>
@@ -23557,7 +23631,7 @@
       </p:cxnSp>
       <p:cxnSp>
         <p:nvCxnSpPr>
-          <p:cNvPr id="13" name="Straight Connector 12"/>
+          <p:cNvPr id="8" name="Straight Connector 7"/>
           <p:cNvCxnSpPr>
             <a:cxnSpLocks/>
           </p:cNvCxnSpPr>
@@ -23565,8 +23639,91 @@
         </p:nvCxnSpPr>
         <p:spPr>
           <a:xfrm flipH="1">
-            <a:off x="4119716" y="2839062"/>
-            <a:ext cx="2703872" cy="0"/>
+            <a:off x="1568565" y="5413631"/>
+            <a:ext cx="4030476" cy="0"/>
+          </a:xfrm>
+          <a:prstGeom prst="line">
+            <a:avLst/>
+          </a:prstGeom>
+          <a:ln w="38100">
+            <a:solidFill>
+              <a:schemeClr val="accent4"/>
+            </a:solidFill>
+          </a:ln>
+        </p:spPr>
+        <p:style>
+          <a:lnRef idx="1">
+            <a:schemeClr val="accent2"/>
+          </a:lnRef>
+          <a:fillRef idx="0">
+            <a:schemeClr val="accent2"/>
+          </a:fillRef>
+          <a:effectRef idx="0">
+            <a:schemeClr val="accent2"/>
+          </a:effectRef>
+          <a:fontRef idx="minor">
+            <a:schemeClr val="tx1"/>
+          </a:fontRef>
+        </p:style>
+      </p:cxnSp>
+      <p:sp>
+        <p:nvSpPr>
+          <p:cNvPr id="17" name="Arrow: Right 16"/>
+          <p:cNvSpPr/>
+          <p:nvPr/>
+        </p:nvSpPr>
+        <p:spPr>
+          <a:xfrm rot="10800000">
+            <a:off x="3555346" y="4893184"/>
+            <a:ext cx="1371600" cy="385483"/>
+          </a:xfrm>
+          <a:prstGeom prst="rightArrow">
+            <a:avLst/>
+          </a:prstGeom>
+        </p:spPr>
+        <p:style>
+          <a:lnRef idx="2">
+            <a:schemeClr val="accent6">
+              <a:shade val="50000"/>
+            </a:schemeClr>
+          </a:lnRef>
+          <a:fillRef idx="1">
+            <a:schemeClr val="accent6"/>
+          </a:fillRef>
+          <a:effectRef idx="0">
+            <a:schemeClr val="accent6"/>
+          </a:effectRef>
+          <a:fontRef idx="minor">
+            <a:schemeClr val="lt1"/>
+          </a:fontRef>
+        </p:style>
+        <p:txBody>
+          <a:bodyPr rtlCol="0" anchor="ctr"/>
+          <a:lstStyle/>
+          <a:p>
+            <a:pPr algn="ctr"/>
+            <a:endParaRPr lang="en-US"/>
+          </a:p>
+        </p:txBody>
+      </p:sp>
+      <p:cxnSp>
+        <p:nvCxnSpPr>
+          <p:cNvPr id="12" name="Straight Connector 11">
+            <a:extLst>
+              <a:ext uri="{FF2B5EF4-FFF2-40B4-BE49-F238E27FC236}">
+                <a16:creationId xmlns:a16="http://schemas.microsoft.com/office/drawing/2014/main" id="{15724DA3-838E-4D0F-A823-36BD9C15EB2E}"/>
+              </a:ext>
+            </a:extLst>
+          </p:cNvPr>
+          <p:cNvCxnSpPr>
+            <a:cxnSpLocks/>
+          </p:cNvCxnSpPr>
+          <p:nvPr/>
+        </p:nvCxnSpPr>
+        <p:spPr>
+          <a:xfrm flipH="1">
+            <a:off x="981222" y="2483490"/>
+            <a:ext cx="6657828" cy="0"/>
           </a:xfrm>
           <a:prstGeom prst="line">
             <a:avLst/>
@@ -23590,7 +23747,13 @@
       </p:cxnSp>
       <p:cxnSp>
         <p:nvCxnSpPr>
-          <p:cNvPr id="14" name="Straight Connector 13"/>
+          <p:cNvPr id="21" name="Straight Connector 20">
+            <a:extLst>
+              <a:ext uri="{FF2B5EF4-FFF2-40B4-BE49-F238E27FC236}">
+                <a16:creationId xmlns:a16="http://schemas.microsoft.com/office/drawing/2014/main" id="{9C5E3890-AC07-41CC-BE8A-F5F1CD53B77B}"/>
+              </a:ext>
+            </a:extLst>
+          </p:cNvPr>
           <p:cNvCxnSpPr>
             <a:cxnSpLocks/>
           </p:cNvCxnSpPr>
@@ -23598,8 +23761,49 @@
         </p:nvCxnSpPr>
         <p:spPr>
           <a:xfrm flipH="1">
-            <a:off x="7187381" y="2527073"/>
-            <a:ext cx="2153264" cy="0"/>
+            <a:off x="5965054" y="2820296"/>
+            <a:ext cx="4531496" cy="0"/>
+          </a:xfrm>
+          <a:prstGeom prst="line">
+            <a:avLst/>
+          </a:prstGeom>
+          <a:ln w="38100">
+            <a:solidFill>
+              <a:schemeClr val="accent4"/>
+            </a:solidFill>
+          </a:ln>
+        </p:spPr>
+        <p:style>
+          <a:lnRef idx="1">
+            <a:schemeClr val="accent2"/>
+          </a:lnRef>
+          <a:fillRef idx="0">
+            <a:schemeClr val="accent2"/>
+          </a:fillRef>
+          <a:effectRef idx="0">
+            <a:schemeClr val="accent2"/>
+          </a:effectRef>
+          <a:fontRef idx="minor">
+            <a:schemeClr val="tx1"/>
+          </a:fontRef>
+        </p:style>
+      </p:cxnSp>
+      <p:cxnSp>
+        <p:nvCxnSpPr>
+          <p:cNvPr id="22" name="Straight Connector 21">
+            <a:extLst>
+              <a:ext uri="{FF2B5EF4-FFF2-40B4-BE49-F238E27FC236}">
+                <a16:creationId xmlns:a16="http://schemas.microsoft.com/office/drawing/2014/main" id="{2324BFCB-CA63-422D-AE63-3C4F3D0AEC62}"/>
+              </a:ext>
+            </a:extLst>
+          </p:cNvPr>
+          <p:cNvCxnSpPr/>
+          <p:nvPr/>
+        </p:nvCxnSpPr>
+        <p:spPr>
+          <a:xfrm flipH="1">
+            <a:off x="3921358" y="3155665"/>
+            <a:ext cx="4087390" cy="0"/>
           </a:xfrm>
           <a:prstGeom prst="line">
             <a:avLst/>
@@ -23625,83 +23829,6 @@
           </a:fontRef>
         </p:style>
       </p:cxnSp>
-      <p:cxnSp>
-        <p:nvCxnSpPr>
-          <p:cNvPr id="15" name="Straight Connector 14"/>
-          <p:cNvCxnSpPr>
-            <a:cxnSpLocks/>
-          </p:cNvCxnSpPr>
-          <p:nvPr/>
-        </p:nvCxnSpPr>
-        <p:spPr>
-          <a:xfrm flipH="1">
-            <a:off x="942370" y="2107743"/>
-            <a:ext cx="1702507" cy="0"/>
-          </a:xfrm>
-          <a:prstGeom prst="line">
-            <a:avLst/>
-          </a:prstGeom>
-          <a:ln w="38100">
-            <a:solidFill>
-              <a:srgbClr val="FFC000"/>
-            </a:solidFill>
-          </a:ln>
-        </p:spPr>
-        <p:style>
-          <a:lnRef idx="1">
-            <a:schemeClr val="accent2"/>
-          </a:lnRef>
-          <a:fillRef idx="0">
-            <a:schemeClr val="accent2"/>
-          </a:fillRef>
-          <a:effectRef idx="0">
-            <a:schemeClr val="accent2"/>
-          </a:effectRef>
-          <a:fontRef idx="minor">
-            <a:schemeClr val="tx1"/>
-          </a:fontRef>
-        </p:style>
-      </p:cxnSp>
-      <p:sp>
-        <p:nvSpPr>
-          <p:cNvPr id="17" name="Arrow: Right 16"/>
-          <p:cNvSpPr/>
-          <p:nvPr/>
-        </p:nvSpPr>
-        <p:spPr>
-          <a:xfrm rot="10800000">
-            <a:off x="3721058" y="4160492"/>
-            <a:ext cx="1371600" cy="385483"/>
-          </a:xfrm>
-          <a:prstGeom prst="rightArrow">
-            <a:avLst/>
-          </a:prstGeom>
-        </p:spPr>
-        <p:style>
-          <a:lnRef idx="2">
-            <a:schemeClr val="accent6">
-              <a:shade val="50000"/>
-            </a:schemeClr>
-          </a:lnRef>
-          <a:fillRef idx="1">
-            <a:schemeClr val="accent6"/>
-          </a:fillRef>
-          <a:effectRef idx="0">
-            <a:schemeClr val="accent6"/>
-          </a:effectRef>
-          <a:fontRef idx="minor">
-            <a:schemeClr val="lt1"/>
-          </a:fontRef>
-        </p:style>
-        <p:txBody>
-          <a:bodyPr rtlCol="0" anchor="ctr"/>
-          <a:lstStyle/>
-          <a:p>
-            <a:pPr algn="ctr"/>
-            <a:endParaRPr lang="en-US"/>
-          </a:p>
-        </p:txBody>
-      </p:sp>
     </p:spTree>
     <p:extLst>
       <p:ext uri="{BB962C8B-B14F-4D97-AF65-F5344CB8AC3E}">
@@ -23715,7 +23842,7 @@
 </p:sld>
 </file>
 
-<file path=ppt/slides/slide4.xml><?xml version="1.0" encoding="utf-8"?>
+<file path=ppt/slides/slide41.xml><?xml version="1.0" encoding="utf-8"?>
 <p:sld xmlns:a="http://schemas.openxmlformats.org/drawingml/2006/main" xmlns:r="http://schemas.openxmlformats.org/officeDocument/2006/relationships" xmlns:p="http://schemas.openxmlformats.org/presentationml/2006/main">
   <p:cSld>
     <p:spTree>
@@ -23734,28 +23861,6 @@
       </p:grpSpPr>
       <p:sp>
         <p:nvSpPr>
-          <p:cNvPr id="2" name="Title 1"/>
-          <p:cNvSpPr>
-            <a:spLocks noGrp="1"/>
-          </p:cNvSpPr>
-          <p:nvPr>
-            <p:ph type="title"/>
-          </p:nvPr>
-        </p:nvSpPr>
-        <p:spPr/>
-        <p:txBody>
-          <a:bodyPr/>
-          <a:lstStyle/>
-          <a:p>
-            <a:r>
-              <a:rPr lang="en-US" dirty="0"/>
-              <a:t>Certified Technology Professionals</a:t>
-            </a:r>
-          </a:p>
-        </p:txBody>
-      </p:sp>
-      <p:sp>
-        <p:nvSpPr>
           <p:cNvPr id="3" name="Content Placeholder 2"/>
           <p:cNvSpPr>
             <a:spLocks noGrp="1"/>
@@ -23767,37 +23872,31 @@
         <p:spPr/>
         <p:txBody>
           <a:bodyPr>
-            <a:normAutofit lnSpcReduction="10000"/>
+            <a:normAutofit fontScale="92500" lnSpcReduction="20000"/>
           </a:bodyPr>
           <a:lstStyle/>
           <a:p>
             <a:r>
-              <a:rPr lang="en-US" dirty="0"/>
-              <a:t>Certified employees are 17% more productive.</a:t>
-            </a:r>
-          </a:p>
-          <a:p>
-            <a:r>
-              <a:rPr lang="en-US" dirty="0"/>
-              <a:t>Certified reduce unplanned downtime when problems arise by 56%</a:t>
-            </a:r>
-          </a:p>
-          <a:p>
-            <a:r>
-              <a:rPr lang="en-US" dirty="0"/>
-              <a:t>Certified employees are generally more satisfied with their jobs and enjoy tenures that are 15% longer than uncertified employees.</a:t>
-            </a:r>
-          </a:p>
-          <a:p>
-            <a:r>
-              <a:rPr lang="en-US" dirty="0"/>
-              <a:t>72% of employers require IT certifications for certain job openings</a:t>
-            </a:r>
-          </a:p>
-          <a:p>
-            <a:r>
-              <a:rPr lang="en-US" dirty="0"/>
-              <a:t>60% of employers use certifications to confirm subject matter expertise.</a:t>
+              <a:rPr lang="en-US" sz="3200" dirty="0"/>
+              <a:t>You are the sports director of a small college. </a:t>
+            </a:r>
+          </a:p>
+          <a:p>
+            <a:r>
+              <a:rPr lang="en-US" sz="3200" dirty="0"/>
+              <a:t>The dean has instructed you to grow the athletic program. You must choose a new varsity sport that uses spherical balls. The sport must be able to sell tickets in the university’s outdoor grass turf venue to anyone.</a:t>
+            </a:r>
+          </a:p>
+          <a:p>
+            <a:r>
+              <a:rPr lang="en-US" sz="3200" dirty="0"/>
+              <a:t>You need to choose a new sport program. </a:t>
+            </a:r>
+          </a:p>
+          <a:p>
+            <a:r>
+              <a:rPr lang="en-US" sz="3200" dirty="0"/>
+              <a:t>What sport should you choose?</a:t>
             </a:r>
           </a:p>
           <a:p>
@@ -23807,90 +23906,34 @@
             <a:endParaRPr lang="en-US" dirty="0"/>
           </a:p>
           <a:p>
-            <a:pPr marL="0" indent="0">
-              <a:buNone/>
-            </a:pPr>
-            <a:r>
-              <a:rPr lang="en-US" sz="1600" dirty="0"/>
-              <a:t>Source: </a:t>
-            </a:r>
-            <a:br>
-              <a:rPr lang="en-US" sz="1600" dirty="0"/>
-            </a:br>
-            <a:r>
-              <a:rPr lang="en-US" sz="1600" dirty="0"/>
-              <a:t>Microsoft Learning White Paper </a:t>
-            </a:r>
-            <a:r>
-              <a:rPr lang="en-US" sz="1600" dirty="0">
-                <a:hlinkClick r:id="rId2"/>
-              </a:rPr>
-              <a:t>http://download.microsoft.com/download/9/4/B/94B5442E-0494-4B42-A5DC-8742E4254B09/BVW-Microsoft-US40548315.pdf</a:t>
-            </a:r>
-            <a:endParaRPr lang="en-US" sz="1600" dirty="0"/>
-          </a:p>
-          <a:p>
-            <a:pPr marL="0" indent="0">
-              <a:buNone/>
-            </a:pPr>
-            <a:r>
-              <a:rPr lang="en-US" sz="1600" dirty="0"/>
-              <a:t>CompTIA HR Perception of IT Training and Certification Study: 2015</a:t>
-            </a:r>
-          </a:p>
-          <a:p>
-            <a:pPr marL="0" indent="0">
-              <a:buNone/>
-            </a:pPr>
-            <a:r>
-              <a:rPr lang="en-US" sz="1600" dirty="0">
-                <a:hlinkClick r:id="rId3"/>
-              </a:rPr>
-              <a:t>https://certification.comptia.org/docs/default-source/downloadablefiles/hr-perceptions-of-it-training-and-certification.pdf</a:t>
-            </a:r>
-            <a:endParaRPr lang="en-US" sz="1600" dirty="0"/>
-          </a:p>
-          <a:p>
-            <a:pPr marL="0" indent="0">
-              <a:buNone/>
-            </a:pPr>
-            <a:endParaRPr lang="en-US" sz="1600" dirty="0"/>
+            <a:r>
+              <a:rPr lang="en-US" dirty="0"/>
+              <a:t>A. 	Basketball</a:t>
+            </a:r>
+          </a:p>
+          <a:p>
+            <a:r>
+              <a:rPr lang="en-US" dirty="0"/>
+              <a:t>B. 	Baseball</a:t>
+            </a:r>
+          </a:p>
+          <a:p>
+            <a:r>
+              <a:rPr lang="en-US" dirty="0"/>
+              <a:t>C. 	Football</a:t>
+            </a:r>
+          </a:p>
+          <a:p>
+            <a:r>
+              <a:rPr lang="en-US" dirty="0"/>
+              <a:t>D. 	Quidditch</a:t>
+            </a:r>
           </a:p>
           <a:p>
             <a:endParaRPr lang="en-US" dirty="0"/>
           </a:p>
         </p:txBody>
       </p:sp>
-    </p:spTree>
-    <p:extLst>
-      <p:ext uri="{BB962C8B-B14F-4D97-AF65-F5344CB8AC3E}">
-        <p14:creationId xmlns:p14="http://schemas.microsoft.com/office/powerpoint/2010/main" val="3233773377"/>
-      </p:ext>
-    </p:extLst>
-  </p:cSld>
-  <p:clrMapOvr>
-    <a:masterClrMapping/>
-  </p:clrMapOvr>
-</p:sld>
-</file>
-
-<file path=ppt/slides/slide40.xml><?xml version="1.0" encoding="utf-8"?>
-<p:sld xmlns:a="http://schemas.openxmlformats.org/drawingml/2006/main" xmlns:r="http://schemas.openxmlformats.org/officeDocument/2006/relationships" xmlns:p="http://schemas.openxmlformats.org/presentationml/2006/main">
-  <p:cSld>
-    <p:spTree>
-      <p:nvGrpSpPr>
-        <p:cNvPr id="1" name=""/>
-        <p:cNvGrpSpPr/>
-        <p:nvPr/>
-      </p:nvGrpSpPr>
-      <p:grpSpPr>
-        <a:xfrm>
-          <a:off x="0" y="0"/>
-          <a:ext cx="0" cy="0"/>
-          <a:chOff x="0" y="0"/>
-          <a:chExt cx="0" cy="0"/>
-        </a:xfrm>
-      </p:grpSpPr>
       <p:sp>
         <p:nvSpPr>
           <p:cNvPr id="2" name="Title 1"/>
@@ -23921,7 +23964,7 @@
         </p:nvCxnSpPr>
         <p:spPr>
           <a:xfrm flipH="1" flipV="1">
-            <a:off x="888023" y="5207716"/>
+            <a:off x="1443837" y="5141001"/>
             <a:ext cx="2435469" cy="24600"/>
           </a:xfrm>
           <a:prstGeom prst="line">
@@ -23952,7 +23995,7 @@
         </p:nvCxnSpPr>
         <p:spPr>
           <a:xfrm flipH="1" flipV="1">
-            <a:off x="888022" y="4381585"/>
+            <a:off x="1443836" y="4314870"/>
             <a:ext cx="2435470" cy="19006"/>
           </a:xfrm>
           <a:prstGeom prst="line">
@@ -23987,7 +24030,7 @@
         </p:nvCxnSpPr>
         <p:spPr>
           <a:xfrm flipH="1" flipV="1">
-            <a:off x="888022" y="5616605"/>
+            <a:off x="1443836" y="5549890"/>
             <a:ext cx="2435470" cy="24602"/>
           </a:xfrm>
           <a:prstGeom prst="line">
@@ -24024,8 +24067,8 @@
         </p:nvCxnSpPr>
         <p:spPr>
           <a:xfrm flipH="1">
-            <a:off x="6544753" y="2087998"/>
-            <a:ext cx="2299210" cy="0"/>
+            <a:off x="6619875" y="2087998"/>
+            <a:ext cx="2224088" cy="0"/>
           </a:xfrm>
           <a:prstGeom prst="line">
             <a:avLst/>
@@ -24057,8 +24100,8 @@
         </p:nvCxnSpPr>
         <p:spPr>
           <a:xfrm flipH="1">
-            <a:off x="3469343" y="2853279"/>
-            <a:ext cx="1593195" cy="1568"/>
+            <a:off x="981075" y="2736344"/>
+            <a:ext cx="1066801" cy="0"/>
           </a:xfrm>
           <a:prstGeom prst="line">
             <a:avLst/>
@@ -24094,8 +24137,8 @@
         </p:nvCxnSpPr>
         <p:spPr>
           <a:xfrm flipH="1">
-            <a:off x="959739" y="2853279"/>
-            <a:ext cx="2435924" cy="0"/>
+            <a:off x="7067550" y="2415129"/>
+            <a:ext cx="3838575" cy="0"/>
           </a:xfrm>
           <a:prstGeom prst="line">
             <a:avLst/>
@@ -24129,7 +24172,7 @@
         </p:nvSpPr>
         <p:spPr>
           <a:xfrm rot="10800000">
-            <a:off x="2913529" y="4589929"/>
+            <a:off x="3469343" y="4523214"/>
             <a:ext cx="1371600" cy="385483"/>
           </a:xfrm>
           <a:prstGeom prst="rightArrow">
@@ -24158,87 +24201,6 @@
           <a:p>
             <a:pPr algn="ctr"/>
             <a:endParaRPr lang="en-US"/>
-          </a:p>
-        </p:txBody>
-      </p:sp>
-      <p:sp>
-        <p:nvSpPr>
-          <p:cNvPr id="3" name="Content Placeholder 2"/>
-          <p:cNvSpPr>
-            <a:spLocks noGrp="1"/>
-          </p:cNvSpPr>
-          <p:nvPr>
-            <p:ph idx="1"/>
-          </p:nvPr>
-        </p:nvSpPr>
-        <p:spPr/>
-        <p:txBody>
-          <a:bodyPr>
-            <a:normAutofit fontScale="92500" lnSpcReduction="20000"/>
-          </a:bodyPr>
-          <a:lstStyle/>
-          <a:p>
-            <a:r>
-              <a:rPr lang="en-US" sz="3200" dirty="0"/>
-              <a:t>You are the sports director of a small college. </a:t>
-            </a:r>
-          </a:p>
-          <a:p>
-            <a:r>
-              <a:rPr lang="en-US" sz="3200" dirty="0"/>
-              <a:t>The dean has instructed you to grow the athletic program. You must choose a new varsity sport that uses spherical balls.</a:t>
-            </a:r>
-          </a:p>
-          <a:p>
-            <a:r>
-              <a:rPr lang="en-US" sz="3200" dirty="0"/>
-              <a:t>The sport must be able to sell tickets in the university’s outdoor grass turf venue to anyone.</a:t>
-            </a:r>
-          </a:p>
-          <a:p>
-            <a:r>
-              <a:rPr lang="en-US" sz="3200" dirty="0"/>
-              <a:t>You need to choose a new sport program.</a:t>
-            </a:r>
-          </a:p>
-          <a:p>
-            <a:pPr marL="0" indent="0">
-              <a:buNone/>
-            </a:pPr>
-            <a:endParaRPr lang="en-US" dirty="0"/>
-          </a:p>
-          <a:p>
-            <a:pPr marL="0" indent="0">
-              <a:buNone/>
-            </a:pPr>
-            <a:endParaRPr lang="en-US" dirty="0"/>
-          </a:p>
-          <a:p>
-            <a:r>
-              <a:rPr lang="en-US" dirty="0"/>
-              <a:t>A. 	Basketball</a:t>
-            </a:r>
-          </a:p>
-          <a:p>
-            <a:r>
-              <a:rPr lang="en-US" dirty="0"/>
-              <a:t>B. 	Baseball</a:t>
-            </a:r>
-          </a:p>
-          <a:p>
-            <a:r>
-              <a:rPr lang="en-US" dirty="0"/>
-              <a:t>C. 	Football</a:t>
-            </a:r>
-          </a:p>
-          <a:p>
-            <a:r>
-              <a:rPr lang="en-US" dirty="0"/>
-              <a:t>D. 	Quidditch</a:t>
-            </a:r>
-          </a:p>
-          <a:p>
-            <a:endParaRPr lang="en-US" dirty="0"/>
           </a:p>
         </p:txBody>
       </p:sp>
@@ -24626,7 +24588,7 @@
 </p:sld>
 </file>
 
-<file path=ppt/slides/slide41.xml><?xml version="1.0" encoding="utf-8"?>
+<file path=ppt/slides/slide42.xml><?xml version="1.0" encoding="utf-8"?>
 <p:sld xmlns:a="http://schemas.openxmlformats.org/drawingml/2006/main" xmlns:r="http://schemas.openxmlformats.org/officeDocument/2006/relationships" xmlns:p="http://schemas.openxmlformats.org/presentationml/2006/main">
   <p:cSld>
     <p:spTree>
@@ -24643,6 +24605,79 @@
           <a:chExt cx="0" cy="0"/>
         </a:xfrm>
       </p:grpSpPr>
+      <p:sp>
+        <p:nvSpPr>
+          <p:cNvPr id="3" name="Content Placeholder 2"/>
+          <p:cNvSpPr>
+            <a:spLocks noGrp="1"/>
+          </p:cNvSpPr>
+          <p:nvPr>
+            <p:ph idx="1"/>
+          </p:nvPr>
+        </p:nvSpPr>
+        <p:spPr/>
+        <p:txBody>
+          <a:bodyPr>
+            <a:normAutofit fontScale="92500" lnSpcReduction="10000"/>
+          </a:bodyPr>
+          <a:lstStyle/>
+          <a:p>
+            <a:r>
+              <a:rPr lang="en-US" sz="3200" dirty="0"/>
+              <a:t>You are the reel operator of a local cinema.</a:t>
+            </a:r>
+          </a:p>
+          <a:p>
+            <a:r>
+              <a:rPr lang="en-US" sz="3200" dirty="0"/>
+              <a:t>You must prepare a private showing of a film for a corporate event. The film must be a science fiction film featuring both alien(s) and android(s). You must not choose a film that features any raccoon(s). </a:t>
+            </a:r>
+          </a:p>
+          <a:p>
+            <a:r>
+              <a:rPr lang="en-US" sz="3200" dirty="0"/>
+              <a:t>You need to choose a film for the screening.</a:t>
+            </a:r>
+          </a:p>
+          <a:p>
+            <a:r>
+              <a:rPr lang="en-US" sz="3200" dirty="0"/>
+              <a:t>Which film should you screen?</a:t>
+            </a:r>
+            <a:br>
+              <a:rPr lang="en-US" dirty="0"/>
+            </a:br>
+            <a:endParaRPr lang="en-US" dirty="0"/>
+          </a:p>
+          <a:p>
+            <a:r>
+              <a:rPr lang="en-US" dirty="0"/>
+              <a:t>A. 	Guardians of the Galaxy Vol 2</a:t>
+            </a:r>
+          </a:p>
+          <a:p>
+            <a:r>
+              <a:rPr lang="en-US" dirty="0"/>
+              <a:t>B. 	Blade Runner</a:t>
+            </a:r>
+          </a:p>
+          <a:p>
+            <a:r>
+              <a:rPr lang="en-US" dirty="0"/>
+              <a:t>C. 	Interstellar</a:t>
+            </a:r>
+          </a:p>
+          <a:p>
+            <a:r>
+              <a:rPr lang="en-US" dirty="0"/>
+              <a:t>D. 	Aliens</a:t>
+            </a:r>
+          </a:p>
+          <a:p>
+            <a:endParaRPr lang="en-US" dirty="0"/>
+          </a:p>
+        </p:txBody>
+      </p:sp>
       <p:cxnSp>
         <p:nvCxnSpPr>
           <p:cNvPr id="13" name="Straight Connector 12"/>
@@ -24653,8 +24688,8 @@
         </p:nvCxnSpPr>
         <p:spPr>
           <a:xfrm flipH="1">
-            <a:off x="6826554" y="2340526"/>
-            <a:ext cx="3058592" cy="0"/>
+            <a:off x="6826554" y="2216701"/>
+            <a:ext cx="3136596" cy="0"/>
           </a:xfrm>
           <a:prstGeom prst="line">
             <a:avLst/>
@@ -24698,84 +24733,6 @@
           </a:p>
         </p:txBody>
       </p:sp>
-      <p:sp>
-        <p:nvSpPr>
-          <p:cNvPr id="3" name="Content Placeholder 2"/>
-          <p:cNvSpPr>
-            <a:spLocks noGrp="1"/>
-          </p:cNvSpPr>
-          <p:nvPr>
-            <p:ph idx="1"/>
-          </p:nvPr>
-        </p:nvSpPr>
-        <p:spPr/>
-        <p:txBody>
-          <a:bodyPr>
-            <a:normAutofit fontScale="92500" lnSpcReduction="10000"/>
-          </a:bodyPr>
-          <a:lstStyle/>
-          <a:p>
-            <a:r>
-              <a:rPr lang="en-US" sz="3200" dirty="0"/>
-              <a:t>You are the reel operator of a local cinema.</a:t>
-            </a:r>
-          </a:p>
-          <a:p>
-            <a:r>
-              <a:rPr lang="en-US" sz="3200" dirty="0"/>
-              <a:t>You must prepare a private showing of a film for a corporate event.</a:t>
-            </a:r>
-          </a:p>
-          <a:p>
-            <a:r>
-              <a:rPr lang="en-US" sz="3200" dirty="0"/>
-              <a:t>The film must be a science fiction film featuring both a cat and an android. You must not choose a film that features any raccoons. </a:t>
-            </a:r>
-          </a:p>
-          <a:p>
-            <a:r>
-              <a:rPr lang="en-US" sz="3200" dirty="0"/>
-              <a:t>You need to choose a film for the screening.</a:t>
-            </a:r>
-          </a:p>
-          <a:p>
-            <a:pPr marL="0" indent="0">
-              <a:buNone/>
-            </a:pPr>
-            <a:br>
-              <a:rPr lang="en-US" dirty="0"/>
-            </a:br>
-            <a:endParaRPr lang="en-US" dirty="0"/>
-          </a:p>
-          <a:p>
-            <a:r>
-              <a:rPr lang="en-US" dirty="0"/>
-              <a:t>A. 	Guardians of the Galaxy Vol 2</a:t>
-            </a:r>
-          </a:p>
-          <a:p>
-            <a:r>
-              <a:rPr lang="en-US" dirty="0"/>
-              <a:t>B. 	Blade Runner</a:t>
-            </a:r>
-          </a:p>
-          <a:p>
-            <a:r>
-              <a:rPr lang="en-US" dirty="0"/>
-              <a:t>C. 	Interstellar</a:t>
-            </a:r>
-          </a:p>
-          <a:p>
-            <a:r>
-              <a:rPr lang="en-US" dirty="0"/>
-              <a:t>D. 	Aliens</a:t>
-            </a:r>
-          </a:p>
-          <a:p>
-            <a:endParaRPr lang="en-US" dirty="0"/>
-          </a:p>
-        </p:txBody>
-      </p:sp>
       <p:cxnSp>
         <p:nvCxnSpPr>
           <p:cNvPr id="5" name="Straight Connector 4"/>
@@ -24784,7 +24741,7 @@
         </p:nvCxnSpPr>
         <p:spPr>
           <a:xfrm flipH="1" flipV="1">
-            <a:off x="1514942" y="4736128"/>
+            <a:off x="1591142" y="4593253"/>
             <a:ext cx="2435469" cy="24600"/>
           </a:xfrm>
           <a:prstGeom prst="line">
@@ -24815,7 +24772,7 @@
         </p:nvCxnSpPr>
         <p:spPr>
           <a:xfrm flipH="1">
-            <a:off x="1479692" y="4287977"/>
+            <a:off x="1555892" y="4145102"/>
             <a:ext cx="4087390" cy="0"/>
           </a:xfrm>
           <a:prstGeom prst="line">
@@ -24850,7 +24807,7 @@
         </p:nvCxnSpPr>
         <p:spPr>
           <a:xfrm flipH="1" flipV="1">
-            <a:off x="1514942" y="5184276"/>
+            <a:off x="1591142" y="5041401"/>
             <a:ext cx="2435470" cy="24602"/>
           </a:xfrm>
           <a:prstGeom prst="line">
@@ -24887,7 +24844,7 @@
         </p:nvCxnSpPr>
         <p:spPr>
           <a:xfrm flipH="1">
-            <a:off x="883451" y="2704051"/>
+            <a:off x="873825" y="2549262"/>
             <a:ext cx="1282233" cy="0"/>
           </a:xfrm>
           <a:prstGeom prst="line">
@@ -24924,7 +24881,7 @@
         </p:nvCxnSpPr>
         <p:spPr>
           <a:xfrm flipH="1">
-            <a:off x="8593286" y="2692137"/>
+            <a:off x="8631386" y="2549262"/>
             <a:ext cx="2094379" cy="0"/>
           </a:xfrm>
           <a:prstGeom prst="line">
@@ -24959,7 +24916,7 @@
         </p:nvSpPr>
         <p:spPr>
           <a:xfrm rot="10800000">
-            <a:off x="2508656" y="5439684"/>
+            <a:off x="2584856" y="5325384"/>
             <a:ext cx="1371600" cy="385483"/>
           </a:xfrm>
           <a:prstGeom prst="rightArrow">
@@ -25549,7 +25506,7 @@
 </p:sld>
 </file>
 
-<file path=ppt/slides/slide42.xml><?xml version="1.0" encoding="utf-8"?>
+<file path=ppt/slides/slide43.xml><?xml version="1.0" encoding="utf-8"?>
 <p:sld xmlns:a="http://schemas.openxmlformats.org/drawingml/2006/main" xmlns:r="http://schemas.openxmlformats.org/officeDocument/2006/relationships" xmlns:p="http://schemas.openxmlformats.org/presentationml/2006/main">
   <p:cSld>
     <p:spTree>
@@ -25598,8 +25555,9 @@
               <a:rPr lang="en-US" sz="4100" dirty="0"/>
               <a:t>You are instructed to serve an appropriate spirit to a diner. Your establishment only serves whiskeys aged in American oak barrels.</a:t>
             </a:r>
-          </a:p>
-          <a:p>
+            <a:br>
+              <a:rPr lang="en-US" sz="4100" dirty="0"/>
+            </a:br>
             <a:r>
               <a:rPr lang="en-US" sz="4100" dirty="0"/>
               <a:t>The diner has requested a malt whiskey from outside of Tennessee. The malt must not contain corn. </a:t>
@@ -25612,9 +25570,10 @@
             </a:r>
           </a:p>
           <a:p>
-            <a:pPr marL="0" indent="0">
-              <a:buNone/>
-            </a:pPr>
+            <a:r>
+              <a:rPr lang="en-US" sz="4100" dirty="0"/>
+              <a:t>Which spirit should you serve?</a:t>
+            </a:r>
             <a:endParaRPr lang="en-US" dirty="0"/>
           </a:p>
           <a:p>
@@ -25785,7 +25744,7 @@
         </p:nvCxnSpPr>
         <p:spPr>
           <a:xfrm flipH="1">
-            <a:off x="905996" y="3246383"/>
+            <a:off x="905996" y="3132275"/>
             <a:ext cx="1845607" cy="0"/>
           </a:xfrm>
           <a:prstGeom prst="line">
@@ -25818,7 +25777,7 @@
         </p:nvCxnSpPr>
         <p:spPr>
           <a:xfrm flipH="1" flipV="1">
-            <a:off x="5303104" y="3238289"/>
+            <a:off x="5293579" y="3087723"/>
             <a:ext cx="2621696" cy="8094"/>
           </a:xfrm>
           <a:prstGeom prst="line">
@@ -25855,7 +25814,7 @@
         </p:nvCxnSpPr>
         <p:spPr>
           <a:xfrm flipH="1">
-            <a:off x="5192246" y="2896569"/>
+            <a:off x="5192246" y="2744169"/>
             <a:ext cx="2063960" cy="0"/>
           </a:xfrm>
           <a:prstGeom prst="line">
@@ -25926,726 +25885,6 @@
     <p:extLst>
       <p:ext uri="{BB962C8B-B14F-4D97-AF65-F5344CB8AC3E}">
         <p14:creationId xmlns:p14="http://schemas.microsoft.com/office/powerpoint/2010/main" val="3852866341"/>
-      </p:ext>
-    </p:extLst>
-  </p:cSld>
-  <p:clrMapOvr>
-    <a:masterClrMapping/>
-  </p:clrMapOvr>
-  <p:timing>
-    <p:tnLst>
-      <p:par>
-        <p:cTn id="1" dur="indefinite" restart="never" nodeType="tmRoot">
-          <p:childTnLst>
-            <p:seq concurrent="1" nextAc="seek">
-              <p:cTn id="2" dur="indefinite" nodeType="mainSeq">
-                <p:childTnLst>
-                  <p:par>
-                    <p:cTn id="3" fill="hold">
-                      <p:stCondLst>
-                        <p:cond delay="indefinite"/>
-                      </p:stCondLst>
-                      <p:childTnLst>
-                        <p:par>
-                          <p:cTn id="4" fill="hold">
-                            <p:stCondLst>
-                              <p:cond delay="0"/>
-                            </p:stCondLst>
-                            <p:childTnLst>
-                              <p:par>
-                                <p:cTn id="5" presetID="1" presetClass="entr" presetSubtype="0" fill="hold" nodeType="clickEffect">
-                                  <p:stCondLst>
-                                    <p:cond delay="0"/>
-                                  </p:stCondLst>
-                                  <p:childTnLst>
-                                    <p:set>
-                                      <p:cBhvr>
-                                        <p:cTn id="6" dur="1" fill="hold">
-                                          <p:stCondLst>
-                                            <p:cond delay="0"/>
-                                          </p:stCondLst>
-                                        </p:cTn>
-                                        <p:tgtEl>
-                                          <p:spTgt spid="7"/>
-                                        </p:tgtEl>
-                                        <p:attrNameLst>
-                                          <p:attrName>style.visibility</p:attrName>
-                                        </p:attrNameLst>
-                                      </p:cBhvr>
-                                      <p:to>
-                                        <p:strVal val="visible"/>
-                                      </p:to>
-                                    </p:set>
-                                  </p:childTnLst>
-                                </p:cTn>
-                              </p:par>
-                              <p:par>
-                                <p:cTn id="7" presetID="1" presetClass="entr" presetSubtype="0" fill="hold" nodeType="withEffect">
-                                  <p:stCondLst>
-                                    <p:cond delay="0"/>
-                                  </p:stCondLst>
-                                  <p:childTnLst>
-                                    <p:set>
-                                      <p:cBhvr>
-                                        <p:cTn id="8" dur="1" fill="hold">
-                                          <p:stCondLst>
-                                            <p:cond delay="0"/>
-                                          </p:stCondLst>
-                                        </p:cTn>
-                                        <p:tgtEl>
-                                          <p:spTgt spid="15"/>
-                                        </p:tgtEl>
-                                        <p:attrNameLst>
-                                          <p:attrName>style.visibility</p:attrName>
-                                        </p:attrNameLst>
-                                      </p:cBhvr>
-                                      <p:to>
-                                        <p:strVal val="visible"/>
-                                      </p:to>
-                                    </p:set>
-                                  </p:childTnLst>
-                                </p:cTn>
-                              </p:par>
-                            </p:childTnLst>
-                          </p:cTn>
-                        </p:par>
-                      </p:childTnLst>
-                    </p:cTn>
-                  </p:par>
-                  <p:par>
-                    <p:cTn id="9" fill="hold">
-                      <p:stCondLst>
-                        <p:cond delay="indefinite"/>
-                      </p:stCondLst>
-                      <p:childTnLst>
-                        <p:par>
-                          <p:cTn id="10" fill="hold">
-                            <p:stCondLst>
-                              <p:cond delay="0"/>
-                            </p:stCondLst>
-                            <p:childTnLst>
-                              <p:par>
-                                <p:cTn id="11" presetID="1" presetClass="entr" presetSubtype="0" fill="hold" nodeType="clickEffect">
-                                  <p:stCondLst>
-                                    <p:cond delay="0"/>
-                                  </p:stCondLst>
-                                  <p:childTnLst>
-                                    <p:set>
-                                      <p:cBhvr>
-                                        <p:cTn id="12" dur="1" fill="hold">
-                                          <p:stCondLst>
-                                            <p:cond delay="0"/>
-                                          </p:stCondLst>
-                                        </p:cTn>
-                                        <p:tgtEl>
-                                          <p:spTgt spid="5"/>
-                                        </p:tgtEl>
-                                        <p:attrNameLst>
-                                          <p:attrName>style.visibility</p:attrName>
-                                        </p:attrNameLst>
-                                      </p:cBhvr>
-                                      <p:to>
-                                        <p:strVal val="visible"/>
-                                      </p:to>
-                                    </p:set>
-                                  </p:childTnLst>
-                                </p:cTn>
-                              </p:par>
-                              <p:par>
-                                <p:cTn id="13" presetID="1" presetClass="entr" presetSubtype="0" fill="hold" nodeType="withEffect">
-                                  <p:stCondLst>
-                                    <p:cond delay="0"/>
-                                  </p:stCondLst>
-                                  <p:childTnLst>
-                                    <p:set>
-                                      <p:cBhvr>
-                                        <p:cTn id="14" dur="1" fill="hold">
-                                          <p:stCondLst>
-                                            <p:cond delay="0"/>
-                                          </p:stCondLst>
-                                        </p:cTn>
-                                        <p:tgtEl>
-                                          <p:spTgt spid="13"/>
-                                        </p:tgtEl>
-                                        <p:attrNameLst>
-                                          <p:attrName>style.visibility</p:attrName>
-                                        </p:attrNameLst>
-                                      </p:cBhvr>
-                                      <p:to>
-                                        <p:strVal val="visible"/>
-                                      </p:to>
-                                    </p:set>
-                                  </p:childTnLst>
-                                </p:cTn>
-                              </p:par>
-                            </p:childTnLst>
-                          </p:cTn>
-                        </p:par>
-                      </p:childTnLst>
-                    </p:cTn>
-                  </p:par>
-                  <p:par>
-                    <p:cTn id="15" fill="hold">
-                      <p:stCondLst>
-                        <p:cond delay="indefinite"/>
-                      </p:stCondLst>
-                      <p:childTnLst>
-                        <p:par>
-                          <p:cTn id="16" fill="hold">
-                            <p:stCondLst>
-                              <p:cond delay="0"/>
-                            </p:stCondLst>
-                            <p:childTnLst>
-                              <p:par>
-                                <p:cTn id="17" presetID="1" presetClass="entr" presetSubtype="0" fill="hold" nodeType="clickEffect">
-                                  <p:stCondLst>
-                                    <p:cond delay="0"/>
-                                  </p:stCondLst>
-                                  <p:childTnLst>
-                                    <p:set>
-                                      <p:cBhvr>
-                                        <p:cTn id="18" dur="1" fill="hold">
-                                          <p:stCondLst>
-                                            <p:cond delay="0"/>
-                                          </p:stCondLst>
-                                        </p:cTn>
-                                        <p:tgtEl>
-                                          <p:spTgt spid="8"/>
-                                        </p:tgtEl>
-                                        <p:attrNameLst>
-                                          <p:attrName>style.visibility</p:attrName>
-                                        </p:attrNameLst>
-                                      </p:cBhvr>
-                                      <p:to>
-                                        <p:strVal val="visible"/>
-                                      </p:to>
-                                    </p:set>
-                                  </p:childTnLst>
-                                </p:cTn>
-                              </p:par>
-                              <p:par>
-                                <p:cTn id="19" presetID="1" presetClass="entr" presetSubtype="0" fill="hold" nodeType="withEffect">
-                                  <p:stCondLst>
-                                    <p:cond delay="0"/>
-                                  </p:stCondLst>
-                                  <p:childTnLst>
-                                    <p:set>
-                                      <p:cBhvr>
-                                        <p:cTn id="20" dur="1" fill="hold">
-                                          <p:stCondLst>
-                                            <p:cond delay="0"/>
-                                          </p:stCondLst>
-                                        </p:cTn>
-                                        <p:tgtEl>
-                                          <p:spTgt spid="14"/>
-                                        </p:tgtEl>
-                                        <p:attrNameLst>
-                                          <p:attrName>style.visibility</p:attrName>
-                                        </p:attrNameLst>
-                                      </p:cBhvr>
-                                      <p:to>
-                                        <p:strVal val="visible"/>
-                                      </p:to>
-                                    </p:set>
-                                  </p:childTnLst>
-                                </p:cTn>
-                              </p:par>
-                            </p:childTnLst>
-                          </p:cTn>
-                        </p:par>
-                      </p:childTnLst>
-                    </p:cTn>
-                  </p:par>
-                  <p:par>
-                    <p:cTn id="21" fill="hold">
-                      <p:stCondLst>
-                        <p:cond delay="indefinite"/>
-                      </p:stCondLst>
-                      <p:childTnLst>
-                        <p:par>
-                          <p:cTn id="22" fill="hold">
-                            <p:stCondLst>
-                              <p:cond delay="0"/>
-                            </p:stCondLst>
-                            <p:childTnLst>
-                              <p:par>
-                                <p:cTn id="23" presetID="42" presetClass="entr" presetSubtype="0" fill="hold" grpId="0" nodeType="clickEffect">
-                                  <p:stCondLst>
-                                    <p:cond delay="0"/>
-                                  </p:stCondLst>
-                                  <p:childTnLst>
-                                    <p:set>
-                                      <p:cBhvr>
-                                        <p:cTn id="24" dur="1" fill="hold">
-                                          <p:stCondLst>
-                                            <p:cond delay="0"/>
-                                          </p:stCondLst>
-                                        </p:cTn>
-                                        <p:tgtEl>
-                                          <p:spTgt spid="17"/>
-                                        </p:tgtEl>
-                                        <p:attrNameLst>
-                                          <p:attrName>style.visibility</p:attrName>
-                                        </p:attrNameLst>
-                                      </p:cBhvr>
-                                      <p:to>
-                                        <p:strVal val="visible"/>
-                                      </p:to>
-                                    </p:set>
-                                    <p:animEffect transition="in" filter="fade">
-                                      <p:cBhvr>
-                                        <p:cTn id="25" dur="1000"/>
-                                        <p:tgtEl>
-                                          <p:spTgt spid="17"/>
-                                        </p:tgtEl>
-                                      </p:cBhvr>
-                                    </p:animEffect>
-                                    <p:anim calcmode="lin" valueType="num">
-                                      <p:cBhvr>
-                                        <p:cTn id="26" dur="1000" fill="hold"/>
-                                        <p:tgtEl>
-                                          <p:spTgt spid="17"/>
-                                        </p:tgtEl>
-                                        <p:attrNameLst>
-                                          <p:attrName>ppt_x</p:attrName>
-                                        </p:attrNameLst>
-                                      </p:cBhvr>
-                                      <p:tavLst>
-                                        <p:tav tm="0">
-                                          <p:val>
-                                            <p:strVal val="#ppt_x"/>
-                                          </p:val>
-                                        </p:tav>
-                                        <p:tav tm="100000">
-                                          <p:val>
-                                            <p:strVal val="#ppt_x"/>
-                                          </p:val>
-                                        </p:tav>
-                                      </p:tavLst>
-                                    </p:anim>
-                                    <p:anim calcmode="lin" valueType="num">
-                                      <p:cBhvr>
-                                        <p:cTn id="27" dur="1000" fill="hold"/>
-                                        <p:tgtEl>
-                                          <p:spTgt spid="17"/>
-                                        </p:tgtEl>
-                                        <p:attrNameLst>
-                                          <p:attrName>ppt_y</p:attrName>
-                                        </p:attrNameLst>
-                                      </p:cBhvr>
-                                      <p:tavLst>
-                                        <p:tav tm="0">
-                                          <p:val>
-                                            <p:strVal val="#ppt_y+.1"/>
-                                          </p:val>
-                                        </p:tav>
-                                        <p:tav tm="100000">
-                                          <p:val>
-                                            <p:strVal val="#ppt_y"/>
-                                          </p:val>
-                                        </p:tav>
-                                      </p:tavLst>
-                                    </p:anim>
-                                  </p:childTnLst>
-                                </p:cTn>
-                              </p:par>
-                            </p:childTnLst>
-                          </p:cTn>
-                        </p:par>
-                      </p:childTnLst>
-                    </p:cTn>
-                  </p:par>
-                </p:childTnLst>
-              </p:cTn>
-              <p:prevCondLst>
-                <p:cond evt="onPrev" delay="0">
-                  <p:tgtEl>
-                    <p:sldTgt/>
-                  </p:tgtEl>
-                </p:cond>
-              </p:prevCondLst>
-              <p:nextCondLst>
-                <p:cond evt="onNext" delay="0">
-                  <p:tgtEl>
-                    <p:sldTgt/>
-                  </p:tgtEl>
-                </p:cond>
-              </p:nextCondLst>
-            </p:seq>
-          </p:childTnLst>
-        </p:cTn>
-      </p:par>
-    </p:tnLst>
-    <p:bldLst>
-      <p:bldP spid="17" grpId="0" animBg="1"/>
-    </p:bldLst>
-  </p:timing>
-</p:sld>
-</file>
-
-<file path=ppt/slides/slide43.xml><?xml version="1.0" encoding="utf-8"?>
-<p:sld xmlns:a="http://schemas.openxmlformats.org/drawingml/2006/main" xmlns:r="http://schemas.openxmlformats.org/officeDocument/2006/relationships" xmlns:p="http://schemas.openxmlformats.org/presentationml/2006/main">
-  <p:cSld>
-    <p:spTree>
-      <p:nvGrpSpPr>
-        <p:cNvPr id="1" name=""/>
-        <p:cNvGrpSpPr/>
-        <p:nvPr/>
-      </p:nvGrpSpPr>
-      <p:grpSpPr>
-        <a:xfrm>
-          <a:off x="0" y="0"/>
-          <a:ext cx="0" cy="0"/>
-          <a:chOff x="0" y="0"/>
-          <a:chExt cx="0" cy="0"/>
-        </a:xfrm>
-      </p:grpSpPr>
-      <p:sp>
-        <p:nvSpPr>
-          <p:cNvPr id="3" name="Content Placeholder 2"/>
-          <p:cNvSpPr>
-            <a:spLocks noGrp="1"/>
-          </p:cNvSpPr>
-          <p:nvPr>
-            <p:ph idx="1"/>
-          </p:nvPr>
-        </p:nvSpPr>
-        <p:spPr/>
-        <p:txBody>
-          <a:bodyPr>
-            <a:normAutofit fontScale="92500" lnSpcReduction="20000"/>
-          </a:bodyPr>
-          <a:lstStyle/>
-          <a:p>
-            <a:r>
-              <a:rPr lang="en-US" sz="3200" dirty="0"/>
-              <a:t>You are the social media director for a cool hip company.</a:t>
-            </a:r>
-          </a:p>
-          <a:p>
-            <a:r>
-              <a:rPr lang="en-US" sz="3200" dirty="0"/>
-              <a:t>Your new marketing campaign much choose a social media platform. </a:t>
-            </a:r>
-          </a:p>
-          <a:p>
-            <a:r>
-              <a:rPr lang="en-US" sz="3200" dirty="0"/>
-              <a:t>The social media platform must be persistent online forever. The grandmother of the CEO must not be aware of the platform. The platform be a social media platform with accelerating growth.</a:t>
-            </a:r>
-          </a:p>
-          <a:p>
-            <a:r>
-              <a:rPr lang="en-US" sz="3200" dirty="0"/>
-              <a:t>You need to choose a social media platform.</a:t>
-            </a:r>
-            <a:endParaRPr lang="en-US" dirty="0"/>
-          </a:p>
-          <a:p>
-            <a:pPr marL="0" indent="0">
-              <a:buNone/>
-            </a:pPr>
-            <a:endParaRPr lang="en-US" dirty="0"/>
-          </a:p>
-          <a:p>
-            <a:r>
-              <a:rPr lang="en-US" dirty="0"/>
-              <a:t>A. 	Facebook</a:t>
-            </a:r>
-          </a:p>
-          <a:p>
-            <a:r>
-              <a:rPr lang="en-US" dirty="0"/>
-              <a:t>B. 	Twitter</a:t>
-            </a:r>
-          </a:p>
-          <a:p>
-            <a:r>
-              <a:rPr lang="en-US" dirty="0"/>
-              <a:t>C. 	Instagram</a:t>
-            </a:r>
-          </a:p>
-          <a:p>
-            <a:r>
-              <a:rPr lang="en-US" dirty="0"/>
-              <a:t>D. 	Snapchat</a:t>
-            </a:r>
-          </a:p>
-          <a:p>
-            <a:endParaRPr lang="en-US" dirty="0"/>
-          </a:p>
-        </p:txBody>
-      </p:sp>
-      <p:sp>
-        <p:nvSpPr>
-          <p:cNvPr id="2" name="Title 1"/>
-          <p:cNvSpPr>
-            <a:spLocks noGrp="1"/>
-          </p:cNvSpPr>
-          <p:nvPr>
-            <p:ph type="title"/>
-          </p:nvPr>
-        </p:nvSpPr>
-        <p:spPr/>
-        <p:txBody>
-          <a:bodyPr/>
-          <a:lstStyle/>
-          <a:p>
-            <a:r>
-              <a:rPr lang="en-US" dirty="0"/>
-              <a:t>Question 5</a:t>
-            </a:r>
-          </a:p>
-        </p:txBody>
-      </p:sp>
-      <p:cxnSp>
-        <p:nvCxnSpPr>
-          <p:cNvPr id="5" name="Straight Connector 4"/>
-          <p:cNvCxnSpPr/>
-          <p:nvPr/>
-        </p:nvCxnSpPr>
-        <p:spPr>
-          <a:xfrm flipH="1" flipV="1">
-            <a:off x="1578304" y="4296744"/>
-            <a:ext cx="3988778" cy="25380"/>
-          </a:xfrm>
-          <a:prstGeom prst="line">
-            <a:avLst/>
-          </a:prstGeom>
-          <a:ln w="38100"/>
-        </p:spPr>
-        <p:style>
-          <a:lnRef idx="1">
-            <a:schemeClr val="accent2"/>
-          </a:lnRef>
-          <a:fillRef idx="0">
-            <a:schemeClr val="accent2"/>
-          </a:fillRef>
-          <a:effectRef idx="0">
-            <a:schemeClr val="accent2"/>
-          </a:effectRef>
-          <a:fontRef idx="minor">
-            <a:schemeClr val="tx1"/>
-          </a:fontRef>
-        </p:style>
-      </p:cxnSp>
-      <p:cxnSp>
-        <p:nvCxnSpPr>
-          <p:cNvPr id="7" name="Straight Connector 6"/>
-          <p:cNvCxnSpPr/>
-          <p:nvPr/>
-        </p:nvCxnSpPr>
-        <p:spPr>
-          <a:xfrm flipH="1">
-            <a:off x="1528998" y="5555513"/>
-            <a:ext cx="4087390" cy="0"/>
-          </a:xfrm>
-          <a:prstGeom prst="line">
-            <a:avLst/>
-          </a:prstGeom>
-          <a:ln w="38100">
-            <a:solidFill>
-              <a:srgbClr val="FFC000"/>
-            </a:solidFill>
-          </a:ln>
-        </p:spPr>
-        <p:style>
-          <a:lnRef idx="1">
-            <a:schemeClr val="accent2"/>
-          </a:lnRef>
-          <a:fillRef idx="0">
-            <a:schemeClr val="accent2"/>
-          </a:fillRef>
-          <a:effectRef idx="0">
-            <a:schemeClr val="accent2"/>
-          </a:effectRef>
-          <a:fontRef idx="minor">
-            <a:schemeClr val="tx1"/>
-          </a:fontRef>
-        </p:style>
-      </p:cxnSp>
-      <p:cxnSp>
-        <p:nvCxnSpPr>
-          <p:cNvPr id="8" name="Straight Connector 7"/>
-          <p:cNvCxnSpPr/>
-          <p:nvPr/>
-        </p:nvCxnSpPr>
-        <p:spPr>
-          <a:xfrm flipH="1" flipV="1">
-            <a:off x="1578304" y="4706193"/>
-            <a:ext cx="3988778" cy="38478"/>
-          </a:xfrm>
-          <a:prstGeom prst="line">
-            <a:avLst/>
-          </a:prstGeom>
-          <a:ln w="38100">
-            <a:solidFill>
-              <a:srgbClr val="FF0000"/>
-            </a:solidFill>
-          </a:ln>
-        </p:spPr>
-        <p:style>
-          <a:lnRef idx="1">
-            <a:schemeClr val="accent2"/>
-          </a:lnRef>
-          <a:fillRef idx="0">
-            <a:schemeClr val="accent2"/>
-          </a:fillRef>
-          <a:effectRef idx="0">
-            <a:schemeClr val="accent2"/>
-          </a:effectRef>
-          <a:fontRef idx="minor">
-            <a:schemeClr val="tx1"/>
-          </a:fontRef>
-        </p:style>
-      </p:cxnSp>
-      <p:cxnSp>
-        <p:nvCxnSpPr>
-          <p:cNvPr id="13" name="Straight Connector 12"/>
-          <p:cNvCxnSpPr>
-            <a:cxnSpLocks/>
-          </p:cNvCxnSpPr>
-          <p:nvPr/>
-        </p:nvCxnSpPr>
-        <p:spPr>
-          <a:xfrm flipH="1">
-            <a:off x="1084057" y="2817806"/>
-            <a:ext cx="3476622" cy="1"/>
-          </a:xfrm>
-          <a:prstGeom prst="line">
-            <a:avLst/>
-          </a:prstGeom>
-          <a:ln w="38100"/>
-        </p:spPr>
-        <p:style>
-          <a:lnRef idx="1">
-            <a:schemeClr val="accent2"/>
-          </a:lnRef>
-          <a:fillRef idx="0">
-            <a:schemeClr val="accent2"/>
-          </a:fillRef>
-          <a:effectRef idx="0">
-            <a:schemeClr val="accent2"/>
-          </a:effectRef>
-          <a:fontRef idx="minor">
-            <a:schemeClr val="tx1"/>
-          </a:fontRef>
-        </p:style>
-      </p:cxnSp>
-      <p:cxnSp>
-        <p:nvCxnSpPr>
-          <p:cNvPr id="14" name="Straight Connector 13"/>
-          <p:cNvCxnSpPr/>
-          <p:nvPr/>
-        </p:nvCxnSpPr>
-        <p:spPr>
-          <a:xfrm flipH="1">
-            <a:off x="7393469" y="3173444"/>
-            <a:ext cx="2969731" cy="0"/>
-          </a:xfrm>
-          <a:prstGeom prst="line">
-            <a:avLst/>
-          </a:prstGeom>
-          <a:ln w="38100">
-            <a:solidFill>
-              <a:srgbClr val="FF0000"/>
-            </a:solidFill>
-          </a:ln>
-        </p:spPr>
-        <p:style>
-          <a:lnRef idx="1">
-            <a:schemeClr val="accent2"/>
-          </a:lnRef>
-          <a:fillRef idx="0">
-            <a:schemeClr val="accent2"/>
-          </a:fillRef>
-          <a:effectRef idx="0">
-            <a:schemeClr val="accent2"/>
-          </a:effectRef>
-          <a:fontRef idx="minor">
-            <a:schemeClr val="tx1"/>
-          </a:fontRef>
-        </p:style>
-      </p:cxnSp>
-      <p:cxnSp>
-        <p:nvCxnSpPr>
-          <p:cNvPr id="15" name="Straight Connector 14"/>
-          <p:cNvCxnSpPr/>
-          <p:nvPr/>
-        </p:nvCxnSpPr>
-        <p:spPr>
-          <a:xfrm flipH="1">
-            <a:off x="6452131" y="2503779"/>
-            <a:ext cx="3698048" cy="7613"/>
-          </a:xfrm>
-          <a:prstGeom prst="line">
-            <a:avLst/>
-          </a:prstGeom>
-          <a:ln w="38100">
-            <a:solidFill>
-              <a:srgbClr val="FFC000"/>
-            </a:solidFill>
-          </a:ln>
-        </p:spPr>
-        <p:style>
-          <a:lnRef idx="1">
-            <a:schemeClr val="accent2"/>
-          </a:lnRef>
-          <a:fillRef idx="0">
-            <a:schemeClr val="accent2"/>
-          </a:fillRef>
-          <a:effectRef idx="0">
-            <a:schemeClr val="accent2"/>
-          </a:effectRef>
-          <a:fontRef idx="minor">
-            <a:schemeClr val="tx1"/>
-          </a:fontRef>
-        </p:style>
-      </p:cxnSp>
-      <p:sp>
-        <p:nvSpPr>
-          <p:cNvPr id="17" name="Arrow: Right 16"/>
-          <p:cNvSpPr/>
-          <p:nvPr/>
-        </p:nvSpPr>
-        <p:spPr>
-          <a:xfrm rot="10800000">
-            <a:off x="2962937" y="4935998"/>
-            <a:ext cx="1371600" cy="385483"/>
-          </a:xfrm>
-          <a:prstGeom prst="rightArrow">
-            <a:avLst/>
-          </a:prstGeom>
-        </p:spPr>
-        <p:style>
-          <a:lnRef idx="2">
-            <a:schemeClr val="accent6">
-              <a:shade val="50000"/>
-            </a:schemeClr>
-          </a:lnRef>
-          <a:fillRef idx="1">
-            <a:schemeClr val="accent6"/>
-          </a:fillRef>
-          <a:effectRef idx="0">
-            <a:schemeClr val="accent6"/>
-          </a:effectRef>
-          <a:fontRef idx="minor">
-            <a:schemeClr val="lt1"/>
-          </a:fontRef>
-        </p:style>
-        <p:txBody>
-          <a:bodyPr rtlCol="0" anchor="ctr"/>
-          <a:lstStyle/>
-          <a:p>
-            <a:pPr algn="ctr"/>
-            <a:endParaRPr lang="en-US"/>
-          </a:p>
-        </p:txBody>
-      </p:sp>
-    </p:spTree>
-    <p:extLst>
-      <p:ext uri="{BB962C8B-B14F-4D97-AF65-F5344CB8AC3E}">
-        <p14:creationId xmlns:p14="http://schemas.microsoft.com/office/powerpoint/2010/main" val="27124041"/>
       </p:ext>
     </p:extLst>
   </p:cSld>
@@ -27022,6 +26261,75 @@
       </p:grpSpPr>
       <p:sp>
         <p:nvSpPr>
+          <p:cNvPr id="3" name="Content Placeholder 2"/>
+          <p:cNvSpPr>
+            <a:spLocks noGrp="1"/>
+          </p:cNvSpPr>
+          <p:nvPr>
+            <p:ph idx="1"/>
+          </p:nvPr>
+        </p:nvSpPr>
+        <p:spPr/>
+        <p:txBody>
+          <a:bodyPr>
+            <a:normAutofit fontScale="92500" lnSpcReduction="10000"/>
+          </a:bodyPr>
+          <a:lstStyle/>
+          <a:p>
+            <a:r>
+              <a:rPr lang="en-US" sz="3200" dirty="0"/>
+              <a:t>You are the social media director for a cool hip company.</a:t>
+            </a:r>
+          </a:p>
+          <a:p>
+            <a:r>
+              <a:rPr lang="en-US" sz="3200" dirty="0"/>
+              <a:t>Your new marketing campaign much choose a social media platform. The social media platform must be persistent online forever. The grandmother of the CEO must not be aware of the platform. The platform must currently have accelerating growth.</a:t>
+            </a:r>
+          </a:p>
+          <a:p>
+            <a:r>
+              <a:rPr lang="en-US" sz="3200" dirty="0"/>
+              <a:t>You need to choose a social media platform.</a:t>
+            </a:r>
+          </a:p>
+          <a:p>
+            <a:r>
+              <a:rPr lang="en-US" sz="3200" dirty="0"/>
+              <a:t>Which platform should you choose?</a:t>
+            </a:r>
+          </a:p>
+          <a:p>
+            <a:r>
+              <a:rPr lang="en-US" dirty="0"/>
+              <a:t>A. 	Facebook</a:t>
+            </a:r>
+          </a:p>
+          <a:p>
+            <a:r>
+              <a:rPr lang="en-US" dirty="0"/>
+              <a:t>B. 	Twitter</a:t>
+            </a:r>
+          </a:p>
+          <a:p>
+            <a:r>
+              <a:rPr lang="en-US" dirty="0"/>
+              <a:t>C. 	Instagram</a:t>
+            </a:r>
+          </a:p>
+          <a:p>
+            <a:r>
+              <a:rPr lang="en-US" dirty="0"/>
+              <a:t>D. 	Snapchat</a:t>
+            </a:r>
+          </a:p>
+          <a:p>
+            <a:endParaRPr lang="en-US" dirty="0"/>
+          </a:p>
+        </p:txBody>
+      </p:sp>
+      <p:sp>
+        <p:nvSpPr>
           <p:cNvPr id="2" name="Title 1"/>
           <p:cNvSpPr>
             <a:spLocks noGrp="1"/>
@@ -27037,104 +26345,21 @@
           <a:p>
             <a:r>
               <a:rPr lang="en-US" dirty="0"/>
-              <a:t>Question 6</a:t>
-            </a:r>
-          </a:p>
-        </p:txBody>
-      </p:sp>
-      <p:sp>
-        <p:nvSpPr>
-          <p:cNvPr id="3" name="Content Placeholder 2"/>
-          <p:cNvSpPr>
-            <a:spLocks noGrp="1"/>
-          </p:cNvSpPr>
-          <p:nvPr>
-            <p:ph idx="1"/>
-          </p:nvPr>
-        </p:nvSpPr>
-        <p:spPr/>
-        <p:txBody>
-          <a:bodyPr>
-            <a:normAutofit fontScale="92500" lnSpcReduction="10000"/>
-          </a:bodyPr>
-          <a:lstStyle/>
-          <a:p>
-            <a:r>
-              <a:rPr lang="en-US" sz="3200" dirty="0"/>
-              <a:t>You are an astronaut looking to land on a planet in this solar system.</a:t>
-            </a:r>
-          </a:p>
-          <a:p>
-            <a:r>
-              <a:rPr lang="en-US" sz="3200" dirty="0"/>
-              <a:t>Your new space base requires a solid surface.</a:t>
-            </a:r>
-          </a:p>
-          <a:p>
-            <a:r>
-              <a:rPr lang="en-US" sz="3200" dirty="0"/>
-              <a:t>Your space base is equipped with a moon roof.</a:t>
-            </a:r>
-          </a:p>
-          <a:p>
-            <a:r>
-              <a:rPr lang="en-US" sz="3200" dirty="0"/>
-              <a:t>You need to choose a location for your new space base.</a:t>
-            </a:r>
-          </a:p>
-          <a:p>
-            <a:pPr marL="0" indent="0">
-              <a:buNone/>
-            </a:pPr>
-            <a:endParaRPr lang="en-US" dirty="0"/>
-          </a:p>
-          <a:p>
-            <a:pPr marL="0" indent="0">
-              <a:buNone/>
-            </a:pPr>
-            <a:endParaRPr lang="en-US" dirty="0"/>
-          </a:p>
-          <a:p>
-            <a:r>
-              <a:rPr lang="en-US" dirty="0"/>
-              <a:t>A. 	Jupiter</a:t>
-            </a:r>
-          </a:p>
-          <a:p>
-            <a:r>
-              <a:rPr lang="en-US" dirty="0"/>
-              <a:t>B. 	Venus</a:t>
-            </a:r>
-          </a:p>
-          <a:p>
-            <a:r>
-              <a:rPr lang="en-US" dirty="0"/>
-              <a:t>C. 	Pluto</a:t>
-            </a:r>
-          </a:p>
-          <a:p>
-            <a:r>
-              <a:rPr lang="en-US" dirty="0"/>
-              <a:t>D. 	Mars</a:t>
-            </a:r>
-          </a:p>
-          <a:p>
-            <a:endParaRPr lang="en-US" dirty="0"/>
+              <a:t>Question 5</a:t>
+            </a:r>
           </a:p>
         </p:txBody>
       </p:sp>
       <p:cxnSp>
         <p:nvCxnSpPr>
           <p:cNvPr id="5" name="Straight Connector 4"/>
-          <p:cNvCxnSpPr>
-            <a:cxnSpLocks/>
-          </p:cNvCxnSpPr>
+          <p:cNvCxnSpPr/>
           <p:nvPr/>
         </p:nvCxnSpPr>
         <p:spPr>
-          <a:xfrm flipH="1">
-            <a:off x="1578304" y="4047387"/>
-            <a:ext cx="1095046" cy="0"/>
+          <a:xfrm flipH="1" flipV="1">
+            <a:off x="1578304" y="4296744"/>
+            <a:ext cx="3988778" cy="25380"/>
           </a:xfrm>
           <a:prstGeom prst="line">
             <a:avLst/>
@@ -27159,15 +26384,13 @@
       <p:cxnSp>
         <p:nvCxnSpPr>
           <p:cNvPr id="7" name="Straight Connector 6"/>
-          <p:cNvCxnSpPr>
-            <a:cxnSpLocks/>
-          </p:cNvCxnSpPr>
+          <p:cNvCxnSpPr/>
           <p:nvPr/>
         </p:nvCxnSpPr>
         <p:spPr>
           <a:xfrm flipH="1">
-            <a:off x="1578304" y="4931370"/>
-            <a:ext cx="1145846" cy="0"/>
+            <a:off x="1528998" y="5555513"/>
+            <a:ext cx="4087390" cy="0"/>
           </a:xfrm>
           <a:prstGeom prst="line">
             <a:avLst/>
@@ -27196,15 +26419,13 @@
       <p:cxnSp>
         <p:nvCxnSpPr>
           <p:cNvPr id="8" name="Straight Connector 7"/>
-          <p:cNvCxnSpPr>
-            <a:cxnSpLocks/>
-          </p:cNvCxnSpPr>
+          <p:cNvCxnSpPr/>
           <p:nvPr/>
         </p:nvCxnSpPr>
         <p:spPr>
-          <a:xfrm flipH="1">
-            <a:off x="1578304" y="4479108"/>
-            <a:ext cx="1145846" cy="0"/>
+          <a:xfrm flipH="1" flipV="1">
+            <a:off x="1578304" y="4706193"/>
+            <a:ext cx="3988778" cy="38478"/>
           </a:xfrm>
           <a:prstGeom prst="line">
             <a:avLst/>
@@ -27240,8 +26461,8 @@
         </p:nvCxnSpPr>
         <p:spPr>
           <a:xfrm flipH="1">
-            <a:off x="5871411" y="1860551"/>
-            <a:ext cx="1934677" cy="1"/>
+            <a:off x="2962936" y="2561256"/>
+            <a:ext cx="3476622" cy="1"/>
           </a:xfrm>
           <a:prstGeom prst="line">
             <a:avLst/>
@@ -27266,15 +26487,13 @@
       <p:cxnSp>
         <p:nvCxnSpPr>
           <p:cNvPr id="14" name="Straight Connector 13"/>
-          <p:cNvCxnSpPr>
-            <a:cxnSpLocks/>
-          </p:cNvCxnSpPr>
+          <p:cNvCxnSpPr/>
           <p:nvPr/>
         </p:nvCxnSpPr>
         <p:spPr>
           <a:xfrm flipH="1">
-            <a:off x="6358017" y="2339148"/>
-            <a:ext cx="1763428" cy="0"/>
+            <a:off x="7680945" y="2916269"/>
+            <a:ext cx="2969731" cy="0"/>
           </a:xfrm>
           <a:prstGeom prst="line">
             <a:avLst/>
@@ -27310,8 +26529,8 @@
         </p:nvCxnSpPr>
         <p:spPr>
           <a:xfrm flipH="1">
-            <a:off x="7305944" y="1397070"/>
-            <a:ext cx="1039159" cy="0"/>
+            <a:off x="7877175" y="2202042"/>
+            <a:ext cx="2577273" cy="0"/>
           </a:xfrm>
           <a:prstGeom prst="line">
             <a:avLst/>
@@ -27345,7 +26564,7 @@
         </p:nvSpPr>
         <p:spPr>
           <a:xfrm rot="10800000">
-            <a:off x="2350469" y="5172954"/>
+            <a:off x="2962937" y="4935998"/>
             <a:ext cx="1371600" cy="385483"/>
           </a:xfrm>
           <a:prstGeom prst="rightArrow">
@@ -27380,7 +26599,7 @@
     </p:spTree>
     <p:extLst>
       <p:ext uri="{BB962C8B-B14F-4D97-AF65-F5344CB8AC3E}">
-        <p14:creationId xmlns:p14="http://schemas.microsoft.com/office/powerpoint/2010/main" val="2987354969"/>
+        <p14:creationId xmlns:p14="http://schemas.microsoft.com/office/powerpoint/2010/main" val="27124041"/>
       </p:ext>
     </p:extLst>
   </p:cSld>
@@ -27757,6 +26976,741 @@
       </p:grpSpPr>
       <p:sp>
         <p:nvSpPr>
+          <p:cNvPr id="2" name="Title 1"/>
+          <p:cNvSpPr>
+            <a:spLocks noGrp="1"/>
+          </p:cNvSpPr>
+          <p:nvPr>
+            <p:ph type="title"/>
+          </p:nvPr>
+        </p:nvSpPr>
+        <p:spPr/>
+        <p:txBody>
+          <a:bodyPr/>
+          <a:lstStyle/>
+          <a:p>
+            <a:r>
+              <a:rPr lang="en-US" dirty="0"/>
+              <a:t>Question 6</a:t>
+            </a:r>
+          </a:p>
+        </p:txBody>
+      </p:sp>
+      <p:sp>
+        <p:nvSpPr>
+          <p:cNvPr id="3" name="Content Placeholder 2"/>
+          <p:cNvSpPr>
+            <a:spLocks noGrp="1"/>
+          </p:cNvSpPr>
+          <p:nvPr>
+            <p:ph idx="1"/>
+          </p:nvPr>
+        </p:nvSpPr>
+        <p:spPr/>
+        <p:txBody>
+          <a:bodyPr>
+            <a:normAutofit fontScale="92500" lnSpcReduction="20000"/>
+          </a:bodyPr>
+          <a:lstStyle/>
+          <a:p>
+            <a:r>
+              <a:rPr lang="en-US" sz="3200" dirty="0"/>
+              <a:t>You are an astronaut looking to land on a planet in this solar system.</a:t>
+            </a:r>
+          </a:p>
+          <a:p>
+            <a:r>
+              <a:rPr lang="en-US" sz="3200" dirty="0"/>
+              <a:t>Your new space base requires a solid surface. Your space base is equipped with a moon roof.</a:t>
+            </a:r>
+          </a:p>
+          <a:p>
+            <a:r>
+              <a:rPr lang="en-US" sz="3200" dirty="0"/>
+              <a:t>You need to choose a location for your new space base.</a:t>
+            </a:r>
+          </a:p>
+          <a:p>
+            <a:r>
+              <a:rPr lang="en-US" sz="3200" dirty="0"/>
+              <a:t>Which planet should you choose?</a:t>
+            </a:r>
+          </a:p>
+          <a:p>
+            <a:pPr marL="0" indent="0">
+              <a:buNone/>
+            </a:pPr>
+            <a:endParaRPr lang="en-US" u="sng" dirty="0"/>
+          </a:p>
+          <a:p>
+            <a:pPr marL="0" indent="0">
+              <a:buNone/>
+            </a:pPr>
+            <a:endParaRPr lang="en-US" dirty="0"/>
+          </a:p>
+          <a:p>
+            <a:r>
+              <a:rPr lang="en-US" dirty="0"/>
+              <a:t>A. 	Jupiter</a:t>
+            </a:r>
+          </a:p>
+          <a:p>
+            <a:r>
+              <a:rPr lang="en-US" dirty="0"/>
+              <a:t>B. 	Venus</a:t>
+            </a:r>
+          </a:p>
+          <a:p>
+            <a:r>
+              <a:rPr lang="en-US" dirty="0"/>
+              <a:t>C. 	Pluto</a:t>
+            </a:r>
+          </a:p>
+          <a:p>
+            <a:r>
+              <a:rPr lang="en-US" dirty="0"/>
+              <a:t>D. 	Mars</a:t>
+            </a:r>
+          </a:p>
+          <a:p>
+            <a:endParaRPr lang="en-US" dirty="0"/>
+          </a:p>
+        </p:txBody>
+      </p:sp>
+      <p:cxnSp>
+        <p:nvCxnSpPr>
+          <p:cNvPr id="5" name="Straight Connector 4"/>
+          <p:cNvCxnSpPr>
+            <a:cxnSpLocks/>
+          </p:cNvCxnSpPr>
+          <p:nvPr/>
+        </p:nvCxnSpPr>
+        <p:spPr>
+          <a:xfrm flipH="1">
+            <a:off x="1578304" y="4047387"/>
+            <a:ext cx="1095046" cy="0"/>
+          </a:xfrm>
+          <a:prstGeom prst="line">
+            <a:avLst/>
+          </a:prstGeom>
+          <a:ln w="38100"/>
+        </p:spPr>
+        <p:style>
+          <a:lnRef idx="1">
+            <a:schemeClr val="accent2"/>
+          </a:lnRef>
+          <a:fillRef idx="0">
+            <a:schemeClr val="accent2"/>
+          </a:fillRef>
+          <a:effectRef idx="0">
+            <a:schemeClr val="accent2"/>
+          </a:effectRef>
+          <a:fontRef idx="minor">
+            <a:schemeClr val="tx1"/>
+          </a:fontRef>
+        </p:style>
+      </p:cxnSp>
+      <p:cxnSp>
+        <p:nvCxnSpPr>
+          <p:cNvPr id="7" name="Straight Connector 6"/>
+          <p:cNvCxnSpPr>
+            <a:cxnSpLocks/>
+          </p:cNvCxnSpPr>
+          <p:nvPr/>
+        </p:nvCxnSpPr>
+        <p:spPr>
+          <a:xfrm flipH="1">
+            <a:off x="1578304" y="4893270"/>
+            <a:ext cx="1145846" cy="0"/>
+          </a:xfrm>
+          <a:prstGeom prst="line">
+            <a:avLst/>
+          </a:prstGeom>
+          <a:ln w="38100">
+            <a:solidFill>
+              <a:srgbClr val="FFC000"/>
+            </a:solidFill>
+          </a:ln>
+        </p:spPr>
+        <p:style>
+          <a:lnRef idx="1">
+            <a:schemeClr val="accent2"/>
+          </a:lnRef>
+          <a:fillRef idx="0">
+            <a:schemeClr val="accent2"/>
+          </a:fillRef>
+          <a:effectRef idx="0">
+            <a:schemeClr val="accent2"/>
+          </a:effectRef>
+          <a:fontRef idx="minor">
+            <a:schemeClr val="tx1"/>
+          </a:fontRef>
+        </p:style>
+      </p:cxnSp>
+      <p:cxnSp>
+        <p:nvCxnSpPr>
+          <p:cNvPr id="8" name="Straight Connector 7"/>
+          <p:cNvCxnSpPr>
+            <a:cxnSpLocks/>
+          </p:cNvCxnSpPr>
+          <p:nvPr/>
+        </p:nvCxnSpPr>
+        <p:spPr>
+          <a:xfrm flipH="1">
+            <a:off x="1578304" y="4479108"/>
+            <a:ext cx="1145846" cy="0"/>
+          </a:xfrm>
+          <a:prstGeom prst="line">
+            <a:avLst/>
+          </a:prstGeom>
+          <a:ln w="38100">
+            <a:solidFill>
+              <a:srgbClr val="FF0000"/>
+            </a:solidFill>
+          </a:ln>
+        </p:spPr>
+        <p:style>
+          <a:lnRef idx="1">
+            <a:schemeClr val="accent2"/>
+          </a:lnRef>
+          <a:fillRef idx="0">
+            <a:schemeClr val="accent2"/>
+          </a:fillRef>
+          <a:effectRef idx="0">
+            <a:schemeClr val="accent2"/>
+          </a:effectRef>
+          <a:fontRef idx="minor">
+            <a:schemeClr val="tx1"/>
+          </a:fontRef>
+        </p:style>
+      </p:cxnSp>
+      <p:cxnSp>
+        <p:nvCxnSpPr>
+          <p:cNvPr id="13" name="Straight Connector 12"/>
+          <p:cNvCxnSpPr>
+            <a:cxnSpLocks/>
+          </p:cNvCxnSpPr>
+          <p:nvPr/>
+        </p:nvCxnSpPr>
+        <p:spPr>
+          <a:xfrm flipH="1">
+            <a:off x="5876909" y="1751701"/>
+            <a:ext cx="1934677" cy="1"/>
+          </a:xfrm>
+          <a:prstGeom prst="line">
+            <a:avLst/>
+          </a:prstGeom>
+          <a:ln w="38100"/>
+        </p:spPr>
+        <p:style>
+          <a:lnRef idx="1">
+            <a:schemeClr val="accent2"/>
+          </a:lnRef>
+          <a:fillRef idx="0">
+            <a:schemeClr val="accent2"/>
+          </a:fillRef>
+          <a:effectRef idx="0">
+            <a:schemeClr val="accent2"/>
+          </a:effectRef>
+          <a:fontRef idx="minor">
+            <a:schemeClr val="tx1"/>
+          </a:fontRef>
+        </p:style>
+      </p:cxnSp>
+      <p:cxnSp>
+        <p:nvCxnSpPr>
+          <p:cNvPr id="14" name="Straight Connector 13"/>
+          <p:cNvCxnSpPr>
+            <a:cxnSpLocks/>
+          </p:cNvCxnSpPr>
+          <p:nvPr/>
+        </p:nvCxnSpPr>
+        <p:spPr>
+          <a:xfrm flipH="1">
+            <a:off x="3238500" y="2081973"/>
+            <a:ext cx="1952625" cy="0"/>
+          </a:xfrm>
+          <a:prstGeom prst="line">
+            <a:avLst/>
+          </a:prstGeom>
+          <a:ln w="38100">
+            <a:solidFill>
+              <a:srgbClr val="FF0000"/>
+            </a:solidFill>
+          </a:ln>
+        </p:spPr>
+        <p:style>
+          <a:lnRef idx="1">
+            <a:schemeClr val="accent2"/>
+          </a:lnRef>
+          <a:fillRef idx="0">
+            <a:schemeClr val="accent2"/>
+          </a:fillRef>
+          <a:effectRef idx="0">
+            <a:schemeClr val="accent2"/>
+          </a:effectRef>
+          <a:fontRef idx="minor">
+            <a:schemeClr val="tx1"/>
+          </a:fontRef>
+        </p:style>
+      </p:cxnSp>
+      <p:cxnSp>
+        <p:nvCxnSpPr>
+          <p:cNvPr id="15" name="Straight Connector 14"/>
+          <p:cNvCxnSpPr>
+            <a:cxnSpLocks/>
+          </p:cNvCxnSpPr>
+          <p:nvPr/>
+        </p:nvCxnSpPr>
+        <p:spPr>
+          <a:xfrm flipH="1">
+            <a:off x="7292007" y="1320870"/>
+            <a:ext cx="1039159" cy="0"/>
+          </a:xfrm>
+          <a:prstGeom prst="line">
+            <a:avLst/>
+          </a:prstGeom>
+          <a:ln w="38100">
+            <a:solidFill>
+              <a:srgbClr val="FFC000"/>
+            </a:solidFill>
+          </a:ln>
+        </p:spPr>
+        <p:style>
+          <a:lnRef idx="1">
+            <a:schemeClr val="accent2"/>
+          </a:lnRef>
+          <a:fillRef idx="0">
+            <a:schemeClr val="accent2"/>
+          </a:fillRef>
+          <a:effectRef idx="0">
+            <a:schemeClr val="accent2"/>
+          </a:effectRef>
+          <a:fontRef idx="minor">
+            <a:schemeClr val="tx1"/>
+          </a:fontRef>
+        </p:style>
+      </p:cxnSp>
+      <p:sp>
+        <p:nvSpPr>
+          <p:cNvPr id="17" name="Arrow: Right 16"/>
+          <p:cNvSpPr/>
+          <p:nvPr/>
+        </p:nvSpPr>
+        <p:spPr>
+          <a:xfrm rot="10800000">
+            <a:off x="2407619" y="5071054"/>
+            <a:ext cx="1371600" cy="385483"/>
+          </a:xfrm>
+          <a:prstGeom prst="rightArrow">
+            <a:avLst/>
+          </a:prstGeom>
+        </p:spPr>
+        <p:style>
+          <a:lnRef idx="2">
+            <a:schemeClr val="accent6">
+              <a:shade val="50000"/>
+            </a:schemeClr>
+          </a:lnRef>
+          <a:fillRef idx="1">
+            <a:schemeClr val="accent6"/>
+          </a:fillRef>
+          <a:effectRef idx="0">
+            <a:schemeClr val="accent6"/>
+          </a:effectRef>
+          <a:fontRef idx="minor">
+            <a:schemeClr val="lt1"/>
+          </a:fontRef>
+        </p:style>
+        <p:txBody>
+          <a:bodyPr rtlCol="0" anchor="ctr"/>
+          <a:lstStyle/>
+          <a:p>
+            <a:pPr algn="ctr"/>
+            <a:endParaRPr lang="en-US"/>
+          </a:p>
+        </p:txBody>
+      </p:sp>
+    </p:spTree>
+    <p:extLst>
+      <p:ext uri="{BB962C8B-B14F-4D97-AF65-F5344CB8AC3E}">
+        <p14:creationId xmlns:p14="http://schemas.microsoft.com/office/powerpoint/2010/main" val="2987354969"/>
+      </p:ext>
+    </p:extLst>
+  </p:cSld>
+  <p:clrMapOvr>
+    <a:masterClrMapping/>
+  </p:clrMapOvr>
+  <p:timing>
+    <p:tnLst>
+      <p:par>
+        <p:cTn id="1" dur="indefinite" restart="never" nodeType="tmRoot">
+          <p:childTnLst>
+            <p:seq concurrent="1" nextAc="seek">
+              <p:cTn id="2" dur="indefinite" nodeType="mainSeq">
+                <p:childTnLst>
+                  <p:par>
+                    <p:cTn id="3" fill="hold">
+                      <p:stCondLst>
+                        <p:cond delay="indefinite"/>
+                      </p:stCondLst>
+                      <p:childTnLst>
+                        <p:par>
+                          <p:cTn id="4" fill="hold">
+                            <p:stCondLst>
+                              <p:cond delay="0"/>
+                            </p:stCondLst>
+                            <p:childTnLst>
+                              <p:par>
+                                <p:cTn id="5" presetID="1" presetClass="entr" presetSubtype="0" fill="hold" nodeType="clickEffect">
+                                  <p:stCondLst>
+                                    <p:cond delay="0"/>
+                                  </p:stCondLst>
+                                  <p:childTnLst>
+                                    <p:set>
+                                      <p:cBhvr>
+                                        <p:cTn id="6" dur="1" fill="hold">
+                                          <p:stCondLst>
+                                            <p:cond delay="0"/>
+                                          </p:stCondLst>
+                                        </p:cTn>
+                                        <p:tgtEl>
+                                          <p:spTgt spid="7"/>
+                                        </p:tgtEl>
+                                        <p:attrNameLst>
+                                          <p:attrName>style.visibility</p:attrName>
+                                        </p:attrNameLst>
+                                      </p:cBhvr>
+                                      <p:to>
+                                        <p:strVal val="visible"/>
+                                      </p:to>
+                                    </p:set>
+                                  </p:childTnLst>
+                                </p:cTn>
+                              </p:par>
+                              <p:par>
+                                <p:cTn id="7" presetID="1" presetClass="entr" presetSubtype="0" fill="hold" nodeType="withEffect">
+                                  <p:stCondLst>
+                                    <p:cond delay="0"/>
+                                  </p:stCondLst>
+                                  <p:childTnLst>
+                                    <p:set>
+                                      <p:cBhvr>
+                                        <p:cTn id="8" dur="1" fill="hold">
+                                          <p:stCondLst>
+                                            <p:cond delay="0"/>
+                                          </p:stCondLst>
+                                        </p:cTn>
+                                        <p:tgtEl>
+                                          <p:spTgt spid="15"/>
+                                        </p:tgtEl>
+                                        <p:attrNameLst>
+                                          <p:attrName>style.visibility</p:attrName>
+                                        </p:attrNameLst>
+                                      </p:cBhvr>
+                                      <p:to>
+                                        <p:strVal val="visible"/>
+                                      </p:to>
+                                    </p:set>
+                                  </p:childTnLst>
+                                </p:cTn>
+                              </p:par>
+                            </p:childTnLst>
+                          </p:cTn>
+                        </p:par>
+                      </p:childTnLst>
+                    </p:cTn>
+                  </p:par>
+                  <p:par>
+                    <p:cTn id="9" fill="hold">
+                      <p:stCondLst>
+                        <p:cond delay="indefinite"/>
+                      </p:stCondLst>
+                      <p:childTnLst>
+                        <p:par>
+                          <p:cTn id="10" fill="hold">
+                            <p:stCondLst>
+                              <p:cond delay="0"/>
+                            </p:stCondLst>
+                            <p:childTnLst>
+                              <p:par>
+                                <p:cTn id="11" presetID="1" presetClass="entr" presetSubtype="0" fill="hold" nodeType="clickEffect">
+                                  <p:stCondLst>
+                                    <p:cond delay="0"/>
+                                  </p:stCondLst>
+                                  <p:childTnLst>
+                                    <p:set>
+                                      <p:cBhvr>
+                                        <p:cTn id="12" dur="1" fill="hold">
+                                          <p:stCondLst>
+                                            <p:cond delay="0"/>
+                                          </p:stCondLst>
+                                        </p:cTn>
+                                        <p:tgtEl>
+                                          <p:spTgt spid="5"/>
+                                        </p:tgtEl>
+                                        <p:attrNameLst>
+                                          <p:attrName>style.visibility</p:attrName>
+                                        </p:attrNameLst>
+                                      </p:cBhvr>
+                                      <p:to>
+                                        <p:strVal val="visible"/>
+                                      </p:to>
+                                    </p:set>
+                                  </p:childTnLst>
+                                </p:cTn>
+                              </p:par>
+                              <p:par>
+                                <p:cTn id="13" presetID="1" presetClass="entr" presetSubtype="0" fill="hold" nodeType="withEffect">
+                                  <p:stCondLst>
+                                    <p:cond delay="0"/>
+                                  </p:stCondLst>
+                                  <p:childTnLst>
+                                    <p:set>
+                                      <p:cBhvr>
+                                        <p:cTn id="14" dur="1" fill="hold">
+                                          <p:stCondLst>
+                                            <p:cond delay="0"/>
+                                          </p:stCondLst>
+                                        </p:cTn>
+                                        <p:tgtEl>
+                                          <p:spTgt spid="13"/>
+                                        </p:tgtEl>
+                                        <p:attrNameLst>
+                                          <p:attrName>style.visibility</p:attrName>
+                                        </p:attrNameLst>
+                                      </p:cBhvr>
+                                      <p:to>
+                                        <p:strVal val="visible"/>
+                                      </p:to>
+                                    </p:set>
+                                  </p:childTnLst>
+                                </p:cTn>
+                              </p:par>
+                            </p:childTnLst>
+                          </p:cTn>
+                        </p:par>
+                      </p:childTnLst>
+                    </p:cTn>
+                  </p:par>
+                  <p:par>
+                    <p:cTn id="15" fill="hold">
+                      <p:stCondLst>
+                        <p:cond delay="indefinite"/>
+                      </p:stCondLst>
+                      <p:childTnLst>
+                        <p:par>
+                          <p:cTn id="16" fill="hold">
+                            <p:stCondLst>
+                              <p:cond delay="0"/>
+                            </p:stCondLst>
+                            <p:childTnLst>
+                              <p:par>
+                                <p:cTn id="17" presetID="1" presetClass="entr" presetSubtype="0" fill="hold" nodeType="clickEffect">
+                                  <p:stCondLst>
+                                    <p:cond delay="0"/>
+                                  </p:stCondLst>
+                                  <p:childTnLst>
+                                    <p:set>
+                                      <p:cBhvr>
+                                        <p:cTn id="18" dur="1" fill="hold">
+                                          <p:stCondLst>
+                                            <p:cond delay="0"/>
+                                          </p:stCondLst>
+                                        </p:cTn>
+                                        <p:tgtEl>
+                                          <p:spTgt spid="8"/>
+                                        </p:tgtEl>
+                                        <p:attrNameLst>
+                                          <p:attrName>style.visibility</p:attrName>
+                                        </p:attrNameLst>
+                                      </p:cBhvr>
+                                      <p:to>
+                                        <p:strVal val="visible"/>
+                                      </p:to>
+                                    </p:set>
+                                  </p:childTnLst>
+                                </p:cTn>
+                              </p:par>
+                              <p:par>
+                                <p:cTn id="19" presetID="1" presetClass="entr" presetSubtype="0" fill="hold" nodeType="withEffect">
+                                  <p:stCondLst>
+                                    <p:cond delay="0"/>
+                                  </p:stCondLst>
+                                  <p:childTnLst>
+                                    <p:set>
+                                      <p:cBhvr>
+                                        <p:cTn id="20" dur="1" fill="hold">
+                                          <p:stCondLst>
+                                            <p:cond delay="0"/>
+                                          </p:stCondLst>
+                                        </p:cTn>
+                                        <p:tgtEl>
+                                          <p:spTgt spid="14"/>
+                                        </p:tgtEl>
+                                        <p:attrNameLst>
+                                          <p:attrName>style.visibility</p:attrName>
+                                        </p:attrNameLst>
+                                      </p:cBhvr>
+                                      <p:to>
+                                        <p:strVal val="visible"/>
+                                      </p:to>
+                                    </p:set>
+                                  </p:childTnLst>
+                                </p:cTn>
+                              </p:par>
+                            </p:childTnLst>
+                          </p:cTn>
+                        </p:par>
+                      </p:childTnLst>
+                    </p:cTn>
+                  </p:par>
+                  <p:par>
+                    <p:cTn id="21" fill="hold">
+                      <p:stCondLst>
+                        <p:cond delay="indefinite"/>
+                      </p:stCondLst>
+                      <p:childTnLst>
+                        <p:par>
+                          <p:cTn id="22" fill="hold">
+                            <p:stCondLst>
+                              <p:cond delay="0"/>
+                            </p:stCondLst>
+                            <p:childTnLst>
+                              <p:par>
+                                <p:cTn id="23" presetID="42" presetClass="entr" presetSubtype="0" fill="hold" grpId="0" nodeType="clickEffect">
+                                  <p:stCondLst>
+                                    <p:cond delay="0"/>
+                                  </p:stCondLst>
+                                  <p:childTnLst>
+                                    <p:set>
+                                      <p:cBhvr>
+                                        <p:cTn id="24" dur="1" fill="hold">
+                                          <p:stCondLst>
+                                            <p:cond delay="0"/>
+                                          </p:stCondLst>
+                                        </p:cTn>
+                                        <p:tgtEl>
+                                          <p:spTgt spid="17"/>
+                                        </p:tgtEl>
+                                        <p:attrNameLst>
+                                          <p:attrName>style.visibility</p:attrName>
+                                        </p:attrNameLst>
+                                      </p:cBhvr>
+                                      <p:to>
+                                        <p:strVal val="visible"/>
+                                      </p:to>
+                                    </p:set>
+                                    <p:animEffect transition="in" filter="fade">
+                                      <p:cBhvr>
+                                        <p:cTn id="25" dur="1000"/>
+                                        <p:tgtEl>
+                                          <p:spTgt spid="17"/>
+                                        </p:tgtEl>
+                                      </p:cBhvr>
+                                    </p:animEffect>
+                                    <p:anim calcmode="lin" valueType="num">
+                                      <p:cBhvr>
+                                        <p:cTn id="26" dur="1000" fill="hold"/>
+                                        <p:tgtEl>
+                                          <p:spTgt spid="17"/>
+                                        </p:tgtEl>
+                                        <p:attrNameLst>
+                                          <p:attrName>ppt_x</p:attrName>
+                                        </p:attrNameLst>
+                                      </p:cBhvr>
+                                      <p:tavLst>
+                                        <p:tav tm="0">
+                                          <p:val>
+                                            <p:strVal val="#ppt_x"/>
+                                          </p:val>
+                                        </p:tav>
+                                        <p:tav tm="100000">
+                                          <p:val>
+                                            <p:strVal val="#ppt_x"/>
+                                          </p:val>
+                                        </p:tav>
+                                      </p:tavLst>
+                                    </p:anim>
+                                    <p:anim calcmode="lin" valueType="num">
+                                      <p:cBhvr>
+                                        <p:cTn id="27" dur="1000" fill="hold"/>
+                                        <p:tgtEl>
+                                          <p:spTgt spid="17"/>
+                                        </p:tgtEl>
+                                        <p:attrNameLst>
+                                          <p:attrName>ppt_y</p:attrName>
+                                        </p:attrNameLst>
+                                      </p:cBhvr>
+                                      <p:tavLst>
+                                        <p:tav tm="0">
+                                          <p:val>
+                                            <p:strVal val="#ppt_y+.1"/>
+                                          </p:val>
+                                        </p:tav>
+                                        <p:tav tm="100000">
+                                          <p:val>
+                                            <p:strVal val="#ppt_y"/>
+                                          </p:val>
+                                        </p:tav>
+                                      </p:tavLst>
+                                    </p:anim>
+                                  </p:childTnLst>
+                                </p:cTn>
+                              </p:par>
+                            </p:childTnLst>
+                          </p:cTn>
+                        </p:par>
+                      </p:childTnLst>
+                    </p:cTn>
+                  </p:par>
+                </p:childTnLst>
+              </p:cTn>
+              <p:prevCondLst>
+                <p:cond evt="onPrev" delay="0">
+                  <p:tgtEl>
+                    <p:sldTgt/>
+                  </p:tgtEl>
+                </p:cond>
+              </p:prevCondLst>
+              <p:nextCondLst>
+                <p:cond evt="onNext" delay="0">
+                  <p:tgtEl>
+                    <p:sldTgt/>
+                  </p:tgtEl>
+                </p:cond>
+              </p:nextCondLst>
+            </p:seq>
+          </p:childTnLst>
+        </p:cTn>
+      </p:par>
+    </p:tnLst>
+    <p:bldLst>
+      <p:bldP spid="17" grpId="0" animBg="1"/>
+    </p:bldLst>
+  </p:timing>
+</p:sld>
+</file>
+
+<file path=ppt/slides/slide46.xml><?xml version="1.0" encoding="utf-8"?>
+<p:sld xmlns:a="http://schemas.openxmlformats.org/drawingml/2006/main" xmlns:r="http://schemas.openxmlformats.org/officeDocument/2006/relationships" xmlns:p="http://schemas.openxmlformats.org/presentationml/2006/main">
+  <p:cSld>
+    <p:spTree>
+      <p:nvGrpSpPr>
+        <p:cNvPr id="1" name=""/>
+        <p:cNvGrpSpPr/>
+        <p:nvPr/>
+      </p:nvGrpSpPr>
+      <p:grpSpPr>
+        <a:xfrm>
+          <a:off x="0" y="0"/>
+          <a:ext cx="0" cy="0"/>
+          <a:chOff x="0" y="0"/>
+          <a:chExt cx="0" cy="0"/>
+        </a:xfrm>
+      </p:grpSpPr>
+      <p:sp>
+        <p:nvSpPr>
           <p:cNvPr id="5" name="Title 4"/>
           <p:cNvSpPr>
             <a:spLocks noGrp="1"/>
@@ -27801,7 +27755,7 @@
           <a:p>
             <a:fld id="{CC077DB7-DE37-4EA7-B5C7-4FE1B440C5DB}" type="slidenum">
               <a:rPr lang="en-US" smtClean="0"/>
-              <a:t>45</a:t>
+              <a:t>46</a:t>
             </a:fld>
             <a:endParaRPr lang="en-US" dirty="0"/>
           </a:p>
@@ -27818,7 +27772,7 @@
         <p:spPr>
           <a:xfrm>
             <a:off x="446411" y="1116702"/>
-            <a:ext cx="10972800" cy="2338598"/>
+            <a:ext cx="10972800" cy="3664848"/>
           </a:xfrm>
           <a:prstGeom prst="rect">
             <a:avLst/>
@@ -27964,6 +27918,31 @@
               </a:rPr>
               <a:t>https://www.microsoft.com/en-ca/learning/sql-certification.aspx</a:t>
             </a:r>
+            <a:endParaRPr lang="en-US" sz="2000" b="0" dirty="0">
+              <a:solidFill>
+                <a:schemeClr val="tx1"/>
+              </a:solidFill>
+              <a:latin typeface="+mn-lt"/>
+            </a:endParaRPr>
+          </a:p>
+          <a:p>
+            <a:pPr marL="285750" indent="-285750">
+              <a:buFont typeface="Arial" panose="020B0604020202020204" pitchFamily="34" charset="0"/>
+              <a:buChar char="•"/>
+            </a:pPr>
+            <a:r>
+              <a:rPr lang="en-US" sz="2000" dirty="0">
+                <a:hlinkClick r:id="rId5"/>
+              </a:rPr>
+              <a:t>https://www.microsoft.com/en-us/learning/exam-98-364.aspx</a:t>
+            </a:r>
+            <a:endParaRPr lang="en-US" sz="2000" dirty="0"/>
+          </a:p>
+          <a:p>
+            <a:pPr marL="285750" indent="-285750">
+              <a:buFont typeface="Arial" panose="020B0604020202020204" pitchFamily="34" charset="0"/>
+              <a:buChar char="•"/>
+            </a:pPr>
             <a:endParaRPr lang="en-US" sz="2000" b="0" dirty="0">
               <a:solidFill>
                 <a:schemeClr val="tx1"/>
@@ -28046,7 +28025,7 @@
 </p:sld>
 </file>
 
-<file path=ppt/slides/slide46.xml><?xml version="1.0" encoding="utf-8"?>
+<file path=ppt/slides/slide47.xml><?xml version="1.0" encoding="utf-8"?>
 <p:sld xmlns:a="http://schemas.openxmlformats.org/drawingml/2006/main" xmlns:r="http://schemas.openxmlformats.org/officeDocument/2006/relationships" xmlns:p="http://schemas.openxmlformats.org/presentationml/2006/main">
   <p:cSld>
     <p:bg>
@@ -28167,7 +28146,7 @@
 </p:sld>
 </file>
 
-<file path=ppt/slides/slide47.xml><?xml version="1.0" encoding="utf-8"?>
+<file path=ppt/slides/slide48.xml><?xml version="1.0" encoding="utf-8"?>
 <p:sld xmlns:a="http://schemas.openxmlformats.org/drawingml/2006/main" xmlns:r="http://schemas.openxmlformats.org/officeDocument/2006/relationships" xmlns:p="http://schemas.openxmlformats.org/presentationml/2006/main">
   <p:cSld>
     <p:spTree>
@@ -28226,7 +28205,7 @@
 </p:sld>
 </file>
 
-<file path=ppt/slides/slide48.xml><?xml version="1.0" encoding="utf-8"?>
+<file path=ppt/slides/slide49.xml><?xml version="1.0" encoding="utf-8"?>
 <p:sld xmlns:a="http://schemas.openxmlformats.org/drawingml/2006/main" xmlns:r="http://schemas.openxmlformats.org/officeDocument/2006/relationships" xmlns:p="http://schemas.openxmlformats.org/presentationml/2006/main">
   <p:cSld>
     <p:spTree>
@@ -28620,859 +28599,6 @@
 </p:sld>
 </file>
 
-<file path=ppt/slides/slide49.xml><?xml version="1.0" encoding="utf-8"?>
-<p:sld xmlns:a="http://schemas.openxmlformats.org/drawingml/2006/main" xmlns:r="http://schemas.openxmlformats.org/officeDocument/2006/relationships" xmlns:p="http://schemas.openxmlformats.org/presentationml/2006/main">
-  <p:cSld>
-    <p:spTree>
-      <p:nvGrpSpPr>
-        <p:cNvPr id="1" name=""/>
-        <p:cNvGrpSpPr/>
-        <p:nvPr/>
-      </p:nvGrpSpPr>
-      <p:grpSpPr>
-        <a:xfrm>
-          <a:off x="0" y="0"/>
-          <a:ext cx="0" cy="0"/>
-          <a:chOff x="0" y="0"/>
-          <a:chExt cx="0" cy="0"/>
-        </a:xfrm>
-      </p:grpSpPr>
-      <p:sp>
-        <p:nvSpPr>
-          <p:cNvPr id="3" name="Content Placeholder 2"/>
-          <p:cNvSpPr>
-            <a:spLocks noGrp="1"/>
-          </p:cNvSpPr>
-          <p:nvPr>
-            <p:ph idx="4294967295"/>
-          </p:nvPr>
-        </p:nvSpPr>
-        <p:spPr>
-          <a:xfrm>
-            <a:off x="0" y="3987797"/>
-            <a:ext cx="12192000" cy="2679659"/>
-          </a:xfrm>
-        </p:spPr>
-        <p:txBody>
-          <a:bodyPr>
-            <a:normAutofit/>
-          </a:bodyPr>
-          <a:lstStyle/>
-          <a:p>
-            <a:pPr marL="0" indent="0" algn="ctr">
-              <a:buNone/>
-            </a:pPr>
-            <a:r>
-              <a:rPr lang="en-US" sz="4000" dirty="0"/>
-              <a:t>This presentation, including all source code, available at this </a:t>
-            </a:r>
-            <a:r>
-              <a:rPr lang="en-US" sz="4000" dirty="0" err="1"/>
-              <a:t>SQLSaturday’s</a:t>
-            </a:r>
-            <a:r>
-              <a:rPr lang="en-US" sz="4000" dirty="0"/>
-              <a:t> schedule page and at my blog:</a:t>
-            </a:r>
-          </a:p>
-          <a:p>
-            <a:pPr marL="0" indent="0" algn="ctr">
-              <a:buNone/>
-            </a:pPr>
-            <a:r>
-              <a:rPr lang="en-US" sz="6000" b="1" dirty="0">
-                <a:hlinkClick r:id="rId2"/>
-              </a:rPr>
-              <a:t>SQLTact.com</a:t>
-            </a:r>
-            <a:endParaRPr lang="en-US" sz="6000" b="1" dirty="0"/>
-          </a:p>
-          <a:p>
-            <a:endParaRPr lang="en-US" sz="4800" dirty="0"/>
-          </a:p>
-          <a:p>
-            <a:endParaRPr lang="en-US" sz="4800" dirty="0"/>
-          </a:p>
-        </p:txBody>
-      </p:sp>
-      <p:sp>
-        <p:nvSpPr>
-          <p:cNvPr id="4" name="Subtitle 2"/>
-          <p:cNvSpPr txBox="1">
-            <a:spLocks/>
-          </p:cNvSpPr>
-          <p:nvPr/>
-        </p:nvSpPr>
-        <p:spPr>
-          <a:xfrm>
-            <a:off x="692459" y="877224"/>
-            <a:ext cx="9061142" cy="2995390"/>
-          </a:xfrm>
-          <a:prstGeom prst="rect">
-            <a:avLst/>
-          </a:prstGeom>
-        </p:spPr>
-        <p:txBody>
-          <a:bodyPr vert="horz" lIns="91438" tIns="45719" rIns="91438" bIns="45719" rtlCol="0">
-            <a:normAutofit fontScale="85000" lnSpcReduction="10000"/>
-          </a:bodyPr>
-          <a:lstStyle>
-            <a:lvl1pPr marL="342900" indent="-342900" algn="l" defTabSz="914400" rtl="0" eaLnBrk="1" latinLnBrk="0" hangingPunct="1">
-              <a:spcBef>
-                <a:spcPct val="20000"/>
-              </a:spcBef>
-              <a:buFont typeface="Arial" pitchFamily="34" charset="0"/>
-              <a:buChar char="•"/>
-              <a:defRPr sz="3200" kern="1200">
-                <a:solidFill>
-                  <a:schemeClr val="tx1"/>
-                </a:solidFill>
-                <a:latin typeface="+mn-lt"/>
-                <a:ea typeface="+mn-ea"/>
-                <a:cs typeface="+mn-cs"/>
-              </a:defRPr>
-            </a:lvl1pPr>
-            <a:lvl2pPr marL="742950" indent="-285750" algn="l" defTabSz="914400" rtl="0" eaLnBrk="1" latinLnBrk="0" hangingPunct="1">
-              <a:spcBef>
-                <a:spcPct val="20000"/>
-              </a:spcBef>
-              <a:buFont typeface="Arial" pitchFamily="34" charset="0"/>
-              <a:buChar char="–"/>
-              <a:defRPr sz="2800" kern="1200">
-                <a:solidFill>
-                  <a:schemeClr val="tx1"/>
-                </a:solidFill>
-                <a:latin typeface="+mn-lt"/>
-                <a:ea typeface="+mn-ea"/>
-                <a:cs typeface="+mn-cs"/>
-              </a:defRPr>
-            </a:lvl2pPr>
-            <a:lvl3pPr marL="1143000" indent="-228600" algn="l" defTabSz="914400" rtl="0" eaLnBrk="1" latinLnBrk="0" hangingPunct="1">
-              <a:spcBef>
-                <a:spcPct val="20000"/>
-              </a:spcBef>
-              <a:buFont typeface="Arial" pitchFamily="34" charset="0"/>
-              <a:buChar char="•"/>
-              <a:defRPr sz="2400" kern="1200">
-                <a:solidFill>
-                  <a:schemeClr val="tx1"/>
-                </a:solidFill>
-                <a:latin typeface="+mn-lt"/>
-                <a:ea typeface="+mn-ea"/>
-                <a:cs typeface="+mn-cs"/>
-              </a:defRPr>
-            </a:lvl3pPr>
-            <a:lvl4pPr marL="1600200" indent="-228600" algn="l" defTabSz="914400" rtl="0" eaLnBrk="1" latinLnBrk="0" hangingPunct="1">
-              <a:spcBef>
-                <a:spcPct val="20000"/>
-              </a:spcBef>
-              <a:buFont typeface="Arial" pitchFamily="34" charset="0"/>
-              <a:buChar char="–"/>
-              <a:defRPr sz="2000" kern="1200">
-                <a:solidFill>
-                  <a:schemeClr val="tx1"/>
-                </a:solidFill>
-                <a:latin typeface="+mn-lt"/>
-                <a:ea typeface="+mn-ea"/>
-                <a:cs typeface="+mn-cs"/>
-              </a:defRPr>
-            </a:lvl4pPr>
-            <a:lvl5pPr marL="2057400" indent="-228600" algn="l" defTabSz="914400" rtl="0" eaLnBrk="1" latinLnBrk="0" hangingPunct="1">
-              <a:spcBef>
-                <a:spcPct val="20000"/>
-              </a:spcBef>
-              <a:buFont typeface="Arial" pitchFamily="34" charset="0"/>
-              <a:buChar char="»"/>
-              <a:defRPr sz="2000" kern="1200">
-                <a:solidFill>
-                  <a:schemeClr val="tx1"/>
-                </a:solidFill>
-                <a:latin typeface="+mn-lt"/>
-                <a:ea typeface="+mn-ea"/>
-                <a:cs typeface="+mn-cs"/>
-              </a:defRPr>
-            </a:lvl5pPr>
-            <a:lvl6pPr marL="2514600" indent="-228600" algn="l" defTabSz="914400" rtl="0" eaLnBrk="1" latinLnBrk="0" hangingPunct="1">
-              <a:spcBef>
-                <a:spcPct val="20000"/>
-              </a:spcBef>
-              <a:buFont typeface="Arial" pitchFamily="34" charset="0"/>
-              <a:buChar char="•"/>
-              <a:defRPr sz="2000" kern="1200">
-                <a:solidFill>
-                  <a:schemeClr val="tx1"/>
-                </a:solidFill>
-                <a:latin typeface="+mn-lt"/>
-                <a:ea typeface="+mn-ea"/>
-                <a:cs typeface="+mn-cs"/>
-              </a:defRPr>
-            </a:lvl6pPr>
-            <a:lvl7pPr marL="2971800" indent="-228600" algn="l" defTabSz="914400" rtl="0" eaLnBrk="1" latinLnBrk="0" hangingPunct="1">
-              <a:spcBef>
-                <a:spcPct val="20000"/>
-              </a:spcBef>
-              <a:buFont typeface="Arial" pitchFamily="34" charset="0"/>
-              <a:buChar char="•"/>
-              <a:defRPr sz="2000" kern="1200">
-                <a:solidFill>
-                  <a:schemeClr val="tx1"/>
-                </a:solidFill>
-                <a:latin typeface="+mn-lt"/>
-                <a:ea typeface="+mn-ea"/>
-                <a:cs typeface="+mn-cs"/>
-              </a:defRPr>
-            </a:lvl7pPr>
-            <a:lvl8pPr marL="3429000" indent="-228600" algn="l" defTabSz="914400" rtl="0" eaLnBrk="1" latinLnBrk="0" hangingPunct="1">
-              <a:spcBef>
-                <a:spcPct val="20000"/>
-              </a:spcBef>
-              <a:buFont typeface="Arial" pitchFamily="34" charset="0"/>
-              <a:buChar char="•"/>
-              <a:defRPr sz="2000" kern="1200">
-                <a:solidFill>
-                  <a:schemeClr val="tx1"/>
-                </a:solidFill>
-                <a:latin typeface="+mn-lt"/>
-                <a:ea typeface="+mn-ea"/>
-                <a:cs typeface="+mn-cs"/>
-              </a:defRPr>
-            </a:lvl8pPr>
-            <a:lvl9pPr marL="3886200" indent="-228600" algn="l" defTabSz="914400" rtl="0" eaLnBrk="1" latinLnBrk="0" hangingPunct="1">
-              <a:spcBef>
-                <a:spcPct val="20000"/>
-              </a:spcBef>
-              <a:buFont typeface="Arial" pitchFamily="34" charset="0"/>
-              <a:buChar char="•"/>
-              <a:defRPr sz="2000" kern="1200">
-                <a:solidFill>
-                  <a:schemeClr val="tx1"/>
-                </a:solidFill>
-                <a:latin typeface="+mn-lt"/>
-                <a:ea typeface="+mn-ea"/>
-                <a:cs typeface="+mn-cs"/>
-              </a:defRPr>
-            </a:lvl9pPr>
-          </a:lstStyle>
-          <a:p>
-            <a:pPr marL="362891" marR="0" lvl="0" indent="-362891" algn="l" defTabSz="967710" rtl="0" eaLnBrk="1" fontAlgn="auto" latinLnBrk="0" hangingPunct="1">
-              <a:lnSpc>
-                <a:spcPct val="100000"/>
-              </a:lnSpc>
-              <a:spcBef>
-                <a:spcPct val="20000"/>
-              </a:spcBef>
-              <a:spcAft>
-                <a:spcPts val="0"/>
-              </a:spcAft>
-              <a:buClrTx/>
-              <a:buSzTx/>
-              <a:buFont typeface="Arial" pitchFamily="34" charset="0"/>
-              <a:buChar char="•"/>
-              <a:tabLst/>
-              <a:defRPr/>
-            </a:pPr>
-            <a:r>
-              <a:rPr kumimoji="0" lang="en-US" sz="3300" b="0" i="0" u="none" strike="noStrike" kern="1200" cap="none" spc="0" normalizeH="0" baseline="0" noProof="0" dirty="0">
-                <a:ln>
-                  <a:noFill/>
-                </a:ln>
-                <a:solidFill>
-                  <a:srgbClr val="101820"/>
-                </a:solidFill>
-                <a:effectLst/>
-                <a:uLnTx/>
-                <a:uFillTx/>
-                <a:latin typeface="Segoe UI"/>
-                <a:ea typeface="+mn-ea"/>
-                <a:cs typeface="+mn-cs"/>
-              </a:rPr>
-              <a:t>William D Assaf, MCSE</a:t>
-            </a:r>
-          </a:p>
-          <a:p>
-            <a:pPr marL="362891" marR="0" lvl="0" indent="-362891" algn="l" defTabSz="967710" rtl="0" eaLnBrk="1" fontAlgn="auto" latinLnBrk="0" hangingPunct="1">
-              <a:lnSpc>
-                <a:spcPct val="100000"/>
-              </a:lnSpc>
-              <a:spcBef>
-                <a:spcPct val="20000"/>
-              </a:spcBef>
-              <a:spcAft>
-                <a:spcPts val="0"/>
-              </a:spcAft>
-              <a:buClrTx/>
-              <a:buSzTx/>
-              <a:buFont typeface="Arial" pitchFamily="34" charset="0"/>
-              <a:buChar char="•"/>
-              <a:tabLst/>
-              <a:defRPr/>
-            </a:pPr>
-            <a:r>
-              <a:rPr kumimoji="0" lang="en-US" sz="3300" b="0" i="0" u="none" strike="noStrike" kern="1200" cap="none" spc="0" normalizeH="0" baseline="0" noProof="0" dirty="0">
-                <a:ln>
-                  <a:noFill/>
-                </a:ln>
-                <a:solidFill>
-                  <a:srgbClr val="101820"/>
-                </a:solidFill>
-                <a:effectLst/>
-                <a:uLnTx/>
-                <a:uFillTx/>
-                <a:latin typeface="Segoe UI"/>
-                <a:ea typeface="+mn-ea"/>
-                <a:cs typeface="+mn-cs"/>
-              </a:rPr>
-              <a:t>Baton Rouge SQL Server UG board and </a:t>
-            </a:r>
-            <a:r>
-              <a:rPr kumimoji="0" lang="en-US" sz="3300" b="0" i="0" u="none" strike="noStrike" kern="1200" cap="none" spc="0" normalizeH="0" baseline="0" noProof="0" dirty="0" err="1">
-                <a:ln>
-                  <a:noFill/>
-                </a:ln>
-                <a:solidFill>
-                  <a:srgbClr val="101820"/>
-                </a:solidFill>
-                <a:effectLst/>
-                <a:uLnTx/>
-                <a:uFillTx/>
-                <a:latin typeface="Segoe UI"/>
-                <a:ea typeface="+mn-ea"/>
-                <a:cs typeface="+mn-cs"/>
-              </a:rPr>
-              <a:t>SQLSat</a:t>
-            </a:r>
-            <a:r>
-              <a:rPr kumimoji="0" lang="en-US" sz="3300" b="0" i="0" u="none" strike="noStrike" kern="1200" cap="none" spc="0" normalizeH="0" baseline="0" noProof="0" dirty="0">
-                <a:ln>
-                  <a:noFill/>
-                </a:ln>
-                <a:solidFill>
-                  <a:srgbClr val="101820"/>
-                </a:solidFill>
-                <a:effectLst/>
-                <a:uLnTx/>
-                <a:uFillTx/>
-                <a:latin typeface="Segoe UI"/>
-                <a:ea typeface="+mn-ea"/>
-                <a:cs typeface="+mn-cs"/>
-              </a:rPr>
-              <a:t> chair</a:t>
-            </a:r>
-          </a:p>
-          <a:p>
-            <a:pPr marL="362891" marR="0" lvl="0" indent="-362891" algn="l" defTabSz="967710" rtl="0" eaLnBrk="1" fontAlgn="auto" latinLnBrk="0" hangingPunct="1">
-              <a:lnSpc>
-                <a:spcPct val="100000"/>
-              </a:lnSpc>
-              <a:spcBef>
-                <a:spcPct val="20000"/>
-              </a:spcBef>
-              <a:spcAft>
-                <a:spcPts val="0"/>
-              </a:spcAft>
-              <a:buClrTx/>
-              <a:buSzTx/>
-              <a:buFont typeface="Arial" pitchFamily="34" charset="0"/>
-              <a:buChar char="•"/>
-              <a:tabLst/>
-              <a:defRPr/>
-            </a:pPr>
-            <a:r>
-              <a:rPr kumimoji="0" lang="en-US" sz="3300" b="0" i="0" u="none" strike="noStrike" kern="1200" cap="none" spc="0" normalizeH="0" baseline="0" noProof="0" dirty="0">
-                <a:ln>
-                  <a:noFill/>
-                </a:ln>
-                <a:solidFill>
-                  <a:srgbClr val="101820"/>
-                </a:solidFill>
-                <a:effectLst/>
-                <a:uLnTx/>
-                <a:uFillTx/>
-                <a:latin typeface="Segoe UI"/>
-                <a:ea typeface="+mn-ea"/>
-                <a:cs typeface="+mn-cs"/>
-              </a:rPr>
-              <a:t>Principal Consultant, Manager – DBA Team at</a:t>
-            </a:r>
-          </a:p>
-          <a:p>
-            <a:pPr marL="0" marR="0" lvl="0" indent="0" algn="l" defTabSz="967710" rtl="0" eaLnBrk="1" fontAlgn="auto" latinLnBrk="0" hangingPunct="1">
-              <a:lnSpc>
-                <a:spcPct val="100000"/>
-              </a:lnSpc>
-              <a:spcBef>
-                <a:spcPct val="20000"/>
-              </a:spcBef>
-              <a:spcAft>
-                <a:spcPts val="0"/>
-              </a:spcAft>
-              <a:buClrTx/>
-              <a:buSzTx/>
-              <a:buFont typeface="Arial" pitchFamily="34" charset="0"/>
-              <a:buNone/>
-              <a:tabLst/>
-              <a:defRPr/>
-            </a:pPr>
-            <a:r>
-              <a:rPr kumimoji="0" lang="en-US" sz="3300" b="0" i="0" u="none" strike="noStrike" kern="1200" cap="none" spc="0" normalizeH="0" baseline="0" noProof="0" dirty="0">
-                <a:ln>
-                  <a:noFill/>
-                </a:ln>
-                <a:solidFill>
-                  <a:srgbClr val="101820"/>
-                </a:solidFill>
-                <a:effectLst/>
-                <a:uLnTx/>
-                <a:uFillTx/>
-                <a:latin typeface="Segoe UI"/>
-                <a:ea typeface="+mn-ea"/>
-                <a:cs typeface="+mn-cs"/>
-              </a:rPr>
-              <a:t>	Sparkhound Inc.  </a:t>
-            </a:r>
-          </a:p>
-          <a:p>
-            <a:pPr marL="362891" marR="0" lvl="0" indent="-362891" algn="l" defTabSz="967710" rtl="0" eaLnBrk="1" fontAlgn="auto" latinLnBrk="0" hangingPunct="1">
-              <a:lnSpc>
-                <a:spcPct val="100000"/>
-              </a:lnSpc>
-              <a:spcBef>
-                <a:spcPct val="20000"/>
-              </a:spcBef>
-              <a:spcAft>
-                <a:spcPts val="0"/>
-              </a:spcAft>
-              <a:buClrTx/>
-              <a:buSzTx/>
-              <a:buFont typeface="Arial" pitchFamily="34" charset="0"/>
-              <a:buChar char="•"/>
-              <a:tabLst/>
-              <a:defRPr/>
-            </a:pPr>
-            <a:r>
-              <a:rPr kumimoji="0" lang="en-US" sz="3300" b="0" i="0" u="none" strike="noStrike" kern="1200" cap="none" spc="0" normalizeH="0" baseline="0" noProof="0" dirty="0">
-                <a:ln>
-                  <a:noFill/>
-                </a:ln>
-                <a:solidFill>
-                  <a:srgbClr val="101820"/>
-                </a:solidFill>
-                <a:effectLst/>
-                <a:uLnTx/>
-                <a:uFillTx/>
-                <a:latin typeface="Segoe UI"/>
-                <a:ea typeface="+mn-ea"/>
-                <a:cs typeface="+mn-cs"/>
-                <a:hlinkClick r:id="rId3"/>
-              </a:rPr>
-              <a:t>William.Assaf@sparkhound.com</a:t>
-            </a:r>
-            <a:endParaRPr kumimoji="0" lang="en-US" sz="3300" b="0" i="0" u="none" strike="noStrike" kern="1200" cap="none" spc="0" normalizeH="0" baseline="0" noProof="0" dirty="0">
-              <a:ln>
-                <a:noFill/>
-              </a:ln>
-              <a:solidFill>
-                <a:srgbClr val="101820"/>
-              </a:solidFill>
-              <a:effectLst/>
-              <a:uLnTx/>
-              <a:uFillTx/>
-              <a:latin typeface="Segoe UI"/>
-              <a:ea typeface="+mn-ea"/>
-              <a:cs typeface="+mn-cs"/>
-            </a:endParaRPr>
-          </a:p>
-          <a:p>
-            <a:pPr marL="362891" marR="0" lvl="0" indent="-362891" algn="l" defTabSz="967710" rtl="0" eaLnBrk="1" fontAlgn="auto" latinLnBrk="0" hangingPunct="1">
-              <a:lnSpc>
-                <a:spcPct val="100000"/>
-              </a:lnSpc>
-              <a:spcBef>
-                <a:spcPct val="20000"/>
-              </a:spcBef>
-              <a:spcAft>
-                <a:spcPts val="0"/>
-              </a:spcAft>
-              <a:buClrTx/>
-              <a:buSzTx/>
-              <a:buFont typeface="Arial" pitchFamily="34" charset="0"/>
-              <a:buChar char="•"/>
-              <a:tabLst/>
-              <a:defRPr/>
-            </a:pPr>
-            <a:r>
-              <a:rPr kumimoji="0" lang="en-US" sz="3300" b="0" i="0" u="none" strike="noStrike" kern="1200" cap="none" spc="0" normalizeH="0" baseline="0" noProof="0" dirty="0">
-                <a:ln>
-                  <a:noFill/>
-                </a:ln>
-                <a:solidFill>
-                  <a:srgbClr val="101820"/>
-                </a:solidFill>
-                <a:effectLst/>
-                <a:uLnTx/>
-                <a:uFillTx/>
-                <a:latin typeface="Segoe UI"/>
-                <a:ea typeface="+mn-ea"/>
-                <a:cs typeface="+mn-cs"/>
-              </a:rPr>
-              <a:t>Twitter: @</a:t>
-            </a:r>
-            <a:r>
-              <a:rPr kumimoji="0" lang="en-US" sz="3300" b="0" i="0" u="none" strike="noStrike" kern="1200" cap="none" spc="0" normalizeH="0" baseline="0" noProof="0" dirty="0" err="1">
-                <a:ln>
-                  <a:noFill/>
-                </a:ln>
-                <a:solidFill>
-                  <a:srgbClr val="101820"/>
-                </a:solidFill>
-                <a:effectLst/>
-                <a:uLnTx/>
-                <a:uFillTx/>
-                <a:latin typeface="Segoe UI"/>
-                <a:ea typeface="+mn-ea"/>
-                <a:cs typeface="+mn-cs"/>
-              </a:rPr>
-              <a:t>william_a_dba</a:t>
-            </a:r>
-            <a:endParaRPr kumimoji="0" lang="en-US" sz="3300" b="0" i="0" u="none" strike="noStrike" kern="1200" cap="none" spc="0" normalizeH="0" baseline="0" noProof="0" dirty="0">
-              <a:ln>
-                <a:noFill/>
-              </a:ln>
-              <a:solidFill>
-                <a:srgbClr val="101820"/>
-              </a:solidFill>
-              <a:effectLst/>
-              <a:uLnTx/>
-              <a:uFillTx/>
-              <a:latin typeface="Segoe UI"/>
-              <a:ea typeface="+mn-ea"/>
-              <a:cs typeface="+mn-cs"/>
-            </a:endParaRPr>
-          </a:p>
-          <a:p>
-            <a:pPr marL="362891" marR="0" lvl="0" indent="-362891" algn="l" defTabSz="967710" rtl="0" eaLnBrk="1" fontAlgn="auto" latinLnBrk="0" hangingPunct="1">
-              <a:lnSpc>
-                <a:spcPct val="100000"/>
-              </a:lnSpc>
-              <a:spcBef>
-                <a:spcPct val="20000"/>
-              </a:spcBef>
-              <a:spcAft>
-                <a:spcPts val="0"/>
-              </a:spcAft>
-              <a:buClrTx/>
-              <a:buSzTx/>
-              <a:buFont typeface="Arial" pitchFamily="34" charset="0"/>
-              <a:buChar char="•"/>
-              <a:tabLst/>
-              <a:defRPr/>
-            </a:pPr>
-            <a:endParaRPr kumimoji="0" lang="en-US" sz="2800" b="0" i="0" u="none" strike="noStrike" kern="1200" cap="none" spc="0" normalizeH="0" baseline="0" noProof="0" dirty="0">
-              <a:ln>
-                <a:noFill/>
-              </a:ln>
-              <a:solidFill>
-                <a:srgbClr val="101820"/>
-              </a:solidFill>
-              <a:effectLst/>
-              <a:uLnTx/>
-              <a:uFillTx/>
-              <a:latin typeface="Segoe UI"/>
-              <a:ea typeface="+mn-ea"/>
-              <a:cs typeface="+mn-cs"/>
-            </a:endParaRPr>
-          </a:p>
-          <a:p>
-            <a:pPr marL="0" marR="0" lvl="0" indent="0" algn="l" defTabSz="967710" rtl="0" eaLnBrk="1" fontAlgn="auto" latinLnBrk="0" hangingPunct="1">
-              <a:lnSpc>
-                <a:spcPct val="100000"/>
-              </a:lnSpc>
-              <a:spcBef>
-                <a:spcPct val="20000"/>
-              </a:spcBef>
-              <a:spcAft>
-                <a:spcPts val="0"/>
-              </a:spcAft>
-              <a:buClrTx/>
-              <a:buSzTx/>
-              <a:buFont typeface="Arial" pitchFamily="34" charset="0"/>
-              <a:buNone/>
-              <a:tabLst/>
-              <a:defRPr/>
-            </a:pPr>
-            <a:endParaRPr kumimoji="0" lang="en-US" sz="2800" b="0" i="0" u="none" strike="noStrike" kern="1200" cap="none" spc="0" normalizeH="0" baseline="0" noProof="0" dirty="0">
-              <a:ln>
-                <a:noFill/>
-              </a:ln>
-              <a:solidFill>
-                <a:srgbClr val="101820"/>
-              </a:solidFill>
-              <a:effectLst/>
-              <a:uLnTx/>
-              <a:uFillTx/>
-              <a:latin typeface="Segoe UI"/>
-              <a:ea typeface="+mn-ea"/>
-              <a:cs typeface="+mn-cs"/>
-            </a:endParaRPr>
-          </a:p>
-        </p:txBody>
-      </p:sp>
-      <p:sp>
-        <p:nvSpPr>
-          <p:cNvPr id="5" name="Text Placeholder 2"/>
-          <p:cNvSpPr txBox="1">
-            <a:spLocks/>
-          </p:cNvSpPr>
-          <p:nvPr/>
-        </p:nvSpPr>
-        <p:spPr>
-          <a:xfrm>
-            <a:off x="0" y="53"/>
-            <a:ext cx="12191999" cy="761988"/>
-          </a:xfrm>
-          <a:prstGeom prst="rect">
-            <a:avLst/>
-          </a:prstGeom>
-        </p:spPr>
-        <p:txBody>
-          <a:bodyPr vert="horz" lIns="91438" tIns="45719" rIns="91438" bIns="45719" rtlCol="0">
-            <a:normAutofit/>
-          </a:bodyPr>
-          <a:lstStyle>
-            <a:lvl1pPr marL="342900" indent="-342900" algn="l" defTabSz="457200" rtl="0" eaLnBrk="1" latinLnBrk="0" hangingPunct="1">
-              <a:spcBef>
-                <a:spcPct val="20000"/>
-              </a:spcBef>
-              <a:buFont typeface="Wingdings" charset="2"/>
-              <a:buChar char="§"/>
-              <a:defRPr sz="3000" kern="1200">
-                <a:solidFill>
-                  <a:schemeClr val="tx2"/>
-                </a:solidFill>
-                <a:latin typeface="+mn-lt"/>
-                <a:ea typeface="+mn-ea"/>
-                <a:cs typeface="+mn-cs"/>
-              </a:defRPr>
-            </a:lvl1pPr>
-            <a:lvl2pPr marL="742950" indent="-285750" algn="l" defTabSz="457200" rtl="0" eaLnBrk="1" latinLnBrk="0" hangingPunct="1">
-              <a:spcBef>
-                <a:spcPct val="20000"/>
-              </a:spcBef>
-              <a:buFont typeface="Wingdings" charset="2"/>
-              <a:buChar char="§"/>
-              <a:defRPr sz="2600" kern="1200">
-                <a:solidFill>
-                  <a:schemeClr val="tx2"/>
-                </a:solidFill>
-                <a:latin typeface="+mn-lt"/>
-                <a:ea typeface="+mn-ea"/>
-                <a:cs typeface="+mn-cs"/>
-              </a:defRPr>
-            </a:lvl2pPr>
-            <a:lvl3pPr marL="1143000" indent="-228600" algn="l" defTabSz="457200" rtl="0" eaLnBrk="1" latinLnBrk="0" hangingPunct="1">
-              <a:spcBef>
-                <a:spcPct val="20000"/>
-              </a:spcBef>
-              <a:buFont typeface="Wingdings" charset="2"/>
-              <a:buChar char="§"/>
-              <a:defRPr sz="2200" kern="1200">
-                <a:solidFill>
-                  <a:schemeClr val="tx2"/>
-                </a:solidFill>
-                <a:latin typeface="+mn-lt"/>
-                <a:ea typeface="+mn-ea"/>
-                <a:cs typeface="+mn-cs"/>
-              </a:defRPr>
-            </a:lvl3pPr>
-            <a:lvl4pPr marL="1600200" indent="-228600" algn="l" defTabSz="457200" rtl="0" eaLnBrk="1" latinLnBrk="0" hangingPunct="1">
-              <a:spcBef>
-                <a:spcPct val="20000"/>
-              </a:spcBef>
-              <a:buFont typeface="Wingdings" charset="2"/>
-              <a:buChar char="§"/>
-              <a:defRPr sz="2000" kern="1200">
-                <a:solidFill>
-                  <a:schemeClr val="tx2"/>
-                </a:solidFill>
-                <a:latin typeface="+mn-lt"/>
-                <a:ea typeface="+mn-ea"/>
-                <a:cs typeface="+mn-cs"/>
-              </a:defRPr>
-            </a:lvl4pPr>
-            <a:lvl5pPr marL="2057400" indent="-228600" algn="l" defTabSz="457200" rtl="0" eaLnBrk="1" latinLnBrk="0" hangingPunct="1">
-              <a:spcBef>
-                <a:spcPct val="20000"/>
-              </a:spcBef>
-              <a:buFont typeface="Wingdings" charset="2"/>
-              <a:buChar char="§"/>
-              <a:defRPr sz="1800" kern="1200">
-                <a:solidFill>
-                  <a:schemeClr val="tx2"/>
-                </a:solidFill>
-                <a:latin typeface="+mn-lt"/>
-                <a:ea typeface="+mn-ea"/>
-                <a:cs typeface="+mn-cs"/>
-              </a:defRPr>
-            </a:lvl5pPr>
-            <a:lvl6pPr marL="2514600" indent="-228600" algn="l" defTabSz="457200" rtl="0" eaLnBrk="1" latinLnBrk="0" hangingPunct="1">
-              <a:spcBef>
-                <a:spcPct val="20000"/>
-              </a:spcBef>
-              <a:buFont typeface="Arial"/>
-              <a:buChar char="•"/>
-              <a:defRPr sz="2000" kern="1200">
-                <a:solidFill>
-                  <a:schemeClr val="tx1"/>
-                </a:solidFill>
-                <a:latin typeface="+mn-lt"/>
-                <a:ea typeface="+mn-ea"/>
-                <a:cs typeface="+mn-cs"/>
-              </a:defRPr>
-            </a:lvl6pPr>
-            <a:lvl7pPr marL="2971800" indent="-228600" algn="l" defTabSz="457200" rtl="0" eaLnBrk="1" latinLnBrk="0" hangingPunct="1">
-              <a:spcBef>
-                <a:spcPct val="20000"/>
-              </a:spcBef>
-              <a:buFont typeface="Arial"/>
-              <a:buChar char="•"/>
-              <a:defRPr sz="2000" kern="1200">
-                <a:solidFill>
-                  <a:schemeClr val="tx1"/>
-                </a:solidFill>
-                <a:latin typeface="+mn-lt"/>
-                <a:ea typeface="+mn-ea"/>
-                <a:cs typeface="+mn-cs"/>
-              </a:defRPr>
-            </a:lvl7pPr>
-            <a:lvl8pPr marL="3429000" indent="-228600" algn="l" defTabSz="457200" rtl="0" eaLnBrk="1" latinLnBrk="0" hangingPunct="1">
-              <a:spcBef>
-                <a:spcPct val="20000"/>
-              </a:spcBef>
-              <a:buFont typeface="Arial"/>
-              <a:buChar char="•"/>
-              <a:defRPr sz="2000" kern="1200">
-                <a:solidFill>
-                  <a:schemeClr val="tx1"/>
-                </a:solidFill>
-                <a:latin typeface="+mn-lt"/>
-                <a:ea typeface="+mn-ea"/>
-                <a:cs typeface="+mn-cs"/>
-              </a:defRPr>
-            </a:lvl8pPr>
-            <a:lvl9pPr marL="3886200" indent="-228600" algn="l" defTabSz="457200" rtl="0" eaLnBrk="1" latinLnBrk="0" hangingPunct="1">
-              <a:spcBef>
-                <a:spcPct val="20000"/>
-              </a:spcBef>
-              <a:buFont typeface="Arial"/>
-              <a:buChar char="•"/>
-              <a:defRPr sz="2000" kern="1200">
-                <a:solidFill>
-                  <a:schemeClr val="tx1"/>
-                </a:solidFill>
-                <a:latin typeface="+mn-lt"/>
-                <a:ea typeface="+mn-ea"/>
-                <a:cs typeface="+mn-cs"/>
-              </a:defRPr>
-            </a:lvl9pPr>
-          </a:lstStyle>
-          <a:p>
-            <a:pPr marL="0" marR="0" lvl="0" indent="0" algn="ctr" defTabSz="483855" rtl="0" eaLnBrk="1" fontAlgn="auto" latinLnBrk="0" hangingPunct="1">
-              <a:lnSpc>
-                <a:spcPct val="100000"/>
-              </a:lnSpc>
-              <a:spcBef>
-                <a:spcPct val="20000"/>
-              </a:spcBef>
-              <a:spcAft>
-                <a:spcPts val="0"/>
-              </a:spcAft>
-              <a:buClrTx/>
-              <a:buSzTx/>
-              <a:buFont typeface="Wingdings" charset="2"/>
-              <a:buNone/>
-              <a:tabLst/>
-              <a:defRPr/>
-            </a:pPr>
-            <a:r>
-              <a:rPr kumimoji="0" lang="en-US" sz="4000" b="1" i="0" u="none" strike="noStrike" kern="1200" cap="all" spc="0" normalizeH="0" baseline="0" noProof="0" dirty="0">
-                <a:ln>
-                  <a:noFill/>
-                </a:ln>
-                <a:solidFill>
-                  <a:srgbClr val="3D156F"/>
-                </a:solidFill>
-                <a:effectLst/>
-                <a:uLnTx/>
-                <a:uFillTx/>
-                <a:latin typeface="Segoe UI"/>
-                <a:ea typeface="+mn-ea"/>
-                <a:cs typeface="+mn-cs"/>
-              </a:rPr>
-              <a:t>Bio and contact</a:t>
-            </a:r>
-          </a:p>
-        </p:txBody>
-      </p:sp>
-      <p:pic>
-        <p:nvPicPr>
-          <p:cNvPr id="6" name="Picture 2" descr="William Assaf">
-            <a:extLst>
-              <a:ext uri="{FF2B5EF4-FFF2-40B4-BE49-F238E27FC236}">
-                <a16:creationId xmlns:a16="http://schemas.microsoft.com/office/drawing/2014/main" id="{2BAE5041-34BB-4C0C-A938-11DDAAA023DE}"/>
-              </a:ext>
-            </a:extLst>
-          </p:cNvPr>
-          <p:cNvPicPr>
-            <a:picLocks noChangeAspect="1" noChangeArrowheads="1"/>
-          </p:cNvPicPr>
-          <p:nvPr/>
-        </p:nvPicPr>
-        <p:blipFill>
-          <a:blip r:embed="rId4">
-            <a:extLst>
-              <a:ext uri="{28A0092B-C50C-407E-A947-70E740481C1C}">
-                <a14:useLocalDpi xmlns:a14="http://schemas.microsoft.com/office/drawing/2010/main" val="0"/>
-              </a:ext>
-            </a:extLst>
-          </a:blip>
-          <a:srcRect/>
-          <a:stretch>
-            <a:fillRect/>
-          </a:stretch>
-        </p:blipFill>
-        <p:spPr bwMode="auto">
-          <a:xfrm>
-            <a:off x="9982200" y="762041"/>
-            <a:ext cx="1981200" cy="1981200"/>
-          </a:xfrm>
-          <a:prstGeom prst="rect">
-            <a:avLst/>
-          </a:prstGeom>
-          <a:noFill/>
-          <a:extLst>
-            <a:ext uri="{909E8E84-426E-40DD-AFC4-6F175D3DCCD1}">
-              <a14:hiddenFill xmlns:a14="http://schemas.microsoft.com/office/drawing/2010/main">
-                <a:solidFill>
-                  <a:srgbClr val="FFFFFF"/>
-                </a:solidFill>
-              </a14:hiddenFill>
-            </a:ext>
-          </a:extLst>
-        </p:spPr>
-      </p:pic>
-    </p:spTree>
-    <p:extLst>
-      <p:ext uri="{BB962C8B-B14F-4D97-AF65-F5344CB8AC3E}">
-        <p14:creationId xmlns:p14="http://schemas.microsoft.com/office/powerpoint/2010/main" val="1965489894"/>
-      </p:ext>
-    </p:extLst>
-  </p:cSld>
-  <p:clrMapOvr>
-    <a:masterClrMapping/>
-  </p:clrMapOvr>
-</p:sld>
-</file>
-
 <file path=ppt/slides/slide5.xml><?xml version="1.0" encoding="utf-8"?>
 <p:sld xmlns:a="http://schemas.openxmlformats.org/drawingml/2006/main" xmlns:r="http://schemas.openxmlformats.org/officeDocument/2006/relationships" xmlns:p="http://schemas.openxmlformats.org/presentationml/2006/main">
   <p:cSld>
@@ -29507,7 +28633,7 @@
           <a:p>
             <a:r>
               <a:rPr lang="en-US" dirty="0"/>
-              <a:t>Test-taking insight</a:t>
+              <a:t>What Exams Try to Test</a:t>
             </a:r>
           </a:p>
         </p:txBody>
@@ -29803,6 +28929,859 @@
 </p:sld>
 </file>
 
+<file path=ppt/slides/slide50.xml><?xml version="1.0" encoding="utf-8"?>
+<p:sld xmlns:a="http://schemas.openxmlformats.org/drawingml/2006/main" xmlns:r="http://schemas.openxmlformats.org/officeDocument/2006/relationships" xmlns:p="http://schemas.openxmlformats.org/presentationml/2006/main">
+  <p:cSld>
+    <p:spTree>
+      <p:nvGrpSpPr>
+        <p:cNvPr id="1" name=""/>
+        <p:cNvGrpSpPr/>
+        <p:nvPr/>
+      </p:nvGrpSpPr>
+      <p:grpSpPr>
+        <a:xfrm>
+          <a:off x="0" y="0"/>
+          <a:ext cx="0" cy="0"/>
+          <a:chOff x="0" y="0"/>
+          <a:chExt cx="0" cy="0"/>
+        </a:xfrm>
+      </p:grpSpPr>
+      <p:sp>
+        <p:nvSpPr>
+          <p:cNvPr id="3" name="Content Placeholder 2"/>
+          <p:cNvSpPr>
+            <a:spLocks noGrp="1"/>
+          </p:cNvSpPr>
+          <p:nvPr>
+            <p:ph idx="4294967295"/>
+          </p:nvPr>
+        </p:nvSpPr>
+        <p:spPr>
+          <a:xfrm>
+            <a:off x="0" y="3987797"/>
+            <a:ext cx="12192000" cy="2679659"/>
+          </a:xfrm>
+        </p:spPr>
+        <p:txBody>
+          <a:bodyPr>
+            <a:normAutofit/>
+          </a:bodyPr>
+          <a:lstStyle/>
+          <a:p>
+            <a:pPr marL="0" indent="0" algn="ctr">
+              <a:buNone/>
+            </a:pPr>
+            <a:r>
+              <a:rPr lang="en-US" sz="4000" dirty="0"/>
+              <a:t>This presentation, including all source code, available at this </a:t>
+            </a:r>
+            <a:r>
+              <a:rPr lang="en-US" sz="4000" dirty="0" err="1"/>
+              <a:t>SQLSaturday’s</a:t>
+            </a:r>
+            <a:r>
+              <a:rPr lang="en-US" sz="4000" dirty="0"/>
+              <a:t> schedule page and at my blog:</a:t>
+            </a:r>
+          </a:p>
+          <a:p>
+            <a:pPr marL="0" indent="0" algn="ctr">
+              <a:buNone/>
+            </a:pPr>
+            <a:r>
+              <a:rPr lang="en-US" sz="6000" b="1" dirty="0">
+                <a:hlinkClick r:id="rId2"/>
+              </a:rPr>
+              <a:t>SQLTact.com</a:t>
+            </a:r>
+            <a:endParaRPr lang="en-US" sz="6000" b="1" dirty="0"/>
+          </a:p>
+          <a:p>
+            <a:endParaRPr lang="en-US" sz="4800" dirty="0"/>
+          </a:p>
+          <a:p>
+            <a:endParaRPr lang="en-US" sz="4800" dirty="0"/>
+          </a:p>
+        </p:txBody>
+      </p:sp>
+      <p:sp>
+        <p:nvSpPr>
+          <p:cNvPr id="4" name="Subtitle 2"/>
+          <p:cNvSpPr txBox="1">
+            <a:spLocks/>
+          </p:cNvSpPr>
+          <p:nvPr/>
+        </p:nvSpPr>
+        <p:spPr>
+          <a:xfrm>
+            <a:off x="692459" y="877224"/>
+            <a:ext cx="9061142" cy="2995390"/>
+          </a:xfrm>
+          <a:prstGeom prst="rect">
+            <a:avLst/>
+          </a:prstGeom>
+        </p:spPr>
+        <p:txBody>
+          <a:bodyPr vert="horz" lIns="91438" tIns="45719" rIns="91438" bIns="45719" rtlCol="0">
+            <a:normAutofit fontScale="85000" lnSpcReduction="10000"/>
+          </a:bodyPr>
+          <a:lstStyle>
+            <a:lvl1pPr marL="342900" indent="-342900" algn="l" defTabSz="914400" rtl="0" eaLnBrk="1" latinLnBrk="0" hangingPunct="1">
+              <a:spcBef>
+                <a:spcPct val="20000"/>
+              </a:spcBef>
+              <a:buFont typeface="Arial" pitchFamily="34" charset="0"/>
+              <a:buChar char="•"/>
+              <a:defRPr sz="3200" kern="1200">
+                <a:solidFill>
+                  <a:schemeClr val="tx1"/>
+                </a:solidFill>
+                <a:latin typeface="+mn-lt"/>
+                <a:ea typeface="+mn-ea"/>
+                <a:cs typeface="+mn-cs"/>
+              </a:defRPr>
+            </a:lvl1pPr>
+            <a:lvl2pPr marL="742950" indent="-285750" algn="l" defTabSz="914400" rtl="0" eaLnBrk="1" latinLnBrk="0" hangingPunct="1">
+              <a:spcBef>
+                <a:spcPct val="20000"/>
+              </a:spcBef>
+              <a:buFont typeface="Arial" pitchFamily="34" charset="0"/>
+              <a:buChar char="–"/>
+              <a:defRPr sz="2800" kern="1200">
+                <a:solidFill>
+                  <a:schemeClr val="tx1"/>
+                </a:solidFill>
+                <a:latin typeface="+mn-lt"/>
+                <a:ea typeface="+mn-ea"/>
+                <a:cs typeface="+mn-cs"/>
+              </a:defRPr>
+            </a:lvl2pPr>
+            <a:lvl3pPr marL="1143000" indent="-228600" algn="l" defTabSz="914400" rtl="0" eaLnBrk="1" latinLnBrk="0" hangingPunct="1">
+              <a:spcBef>
+                <a:spcPct val="20000"/>
+              </a:spcBef>
+              <a:buFont typeface="Arial" pitchFamily="34" charset="0"/>
+              <a:buChar char="•"/>
+              <a:defRPr sz="2400" kern="1200">
+                <a:solidFill>
+                  <a:schemeClr val="tx1"/>
+                </a:solidFill>
+                <a:latin typeface="+mn-lt"/>
+                <a:ea typeface="+mn-ea"/>
+                <a:cs typeface="+mn-cs"/>
+              </a:defRPr>
+            </a:lvl3pPr>
+            <a:lvl4pPr marL="1600200" indent="-228600" algn="l" defTabSz="914400" rtl="0" eaLnBrk="1" latinLnBrk="0" hangingPunct="1">
+              <a:spcBef>
+                <a:spcPct val="20000"/>
+              </a:spcBef>
+              <a:buFont typeface="Arial" pitchFamily="34" charset="0"/>
+              <a:buChar char="–"/>
+              <a:defRPr sz="2000" kern="1200">
+                <a:solidFill>
+                  <a:schemeClr val="tx1"/>
+                </a:solidFill>
+                <a:latin typeface="+mn-lt"/>
+                <a:ea typeface="+mn-ea"/>
+                <a:cs typeface="+mn-cs"/>
+              </a:defRPr>
+            </a:lvl4pPr>
+            <a:lvl5pPr marL="2057400" indent="-228600" algn="l" defTabSz="914400" rtl="0" eaLnBrk="1" latinLnBrk="0" hangingPunct="1">
+              <a:spcBef>
+                <a:spcPct val="20000"/>
+              </a:spcBef>
+              <a:buFont typeface="Arial" pitchFamily="34" charset="0"/>
+              <a:buChar char="»"/>
+              <a:defRPr sz="2000" kern="1200">
+                <a:solidFill>
+                  <a:schemeClr val="tx1"/>
+                </a:solidFill>
+                <a:latin typeface="+mn-lt"/>
+                <a:ea typeface="+mn-ea"/>
+                <a:cs typeface="+mn-cs"/>
+              </a:defRPr>
+            </a:lvl5pPr>
+            <a:lvl6pPr marL="2514600" indent="-228600" algn="l" defTabSz="914400" rtl="0" eaLnBrk="1" latinLnBrk="0" hangingPunct="1">
+              <a:spcBef>
+                <a:spcPct val="20000"/>
+              </a:spcBef>
+              <a:buFont typeface="Arial" pitchFamily="34" charset="0"/>
+              <a:buChar char="•"/>
+              <a:defRPr sz="2000" kern="1200">
+                <a:solidFill>
+                  <a:schemeClr val="tx1"/>
+                </a:solidFill>
+                <a:latin typeface="+mn-lt"/>
+                <a:ea typeface="+mn-ea"/>
+                <a:cs typeface="+mn-cs"/>
+              </a:defRPr>
+            </a:lvl6pPr>
+            <a:lvl7pPr marL="2971800" indent="-228600" algn="l" defTabSz="914400" rtl="0" eaLnBrk="1" latinLnBrk="0" hangingPunct="1">
+              <a:spcBef>
+                <a:spcPct val="20000"/>
+              </a:spcBef>
+              <a:buFont typeface="Arial" pitchFamily="34" charset="0"/>
+              <a:buChar char="•"/>
+              <a:defRPr sz="2000" kern="1200">
+                <a:solidFill>
+                  <a:schemeClr val="tx1"/>
+                </a:solidFill>
+                <a:latin typeface="+mn-lt"/>
+                <a:ea typeface="+mn-ea"/>
+                <a:cs typeface="+mn-cs"/>
+              </a:defRPr>
+            </a:lvl7pPr>
+            <a:lvl8pPr marL="3429000" indent="-228600" algn="l" defTabSz="914400" rtl="0" eaLnBrk="1" latinLnBrk="0" hangingPunct="1">
+              <a:spcBef>
+                <a:spcPct val="20000"/>
+              </a:spcBef>
+              <a:buFont typeface="Arial" pitchFamily="34" charset="0"/>
+              <a:buChar char="•"/>
+              <a:defRPr sz="2000" kern="1200">
+                <a:solidFill>
+                  <a:schemeClr val="tx1"/>
+                </a:solidFill>
+                <a:latin typeface="+mn-lt"/>
+                <a:ea typeface="+mn-ea"/>
+                <a:cs typeface="+mn-cs"/>
+              </a:defRPr>
+            </a:lvl8pPr>
+            <a:lvl9pPr marL="3886200" indent="-228600" algn="l" defTabSz="914400" rtl="0" eaLnBrk="1" latinLnBrk="0" hangingPunct="1">
+              <a:spcBef>
+                <a:spcPct val="20000"/>
+              </a:spcBef>
+              <a:buFont typeface="Arial" pitchFamily="34" charset="0"/>
+              <a:buChar char="•"/>
+              <a:defRPr sz="2000" kern="1200">
+                <a:solidFill>
+                  <a:schemeClr val="tx1"/>
+                </a:solidFill>
+                <a:latin typeface="+mn-lt"/>
+                <a:ea typeface="+mn-ea"/>
+                <a:cs typeface="+mn-cs"/>
+              </a:defRPr>
+            </a:lvl9pPr>
+          </a:lstStyle>
+          <a:p>
+            <a:pPr marL="362891" marR="0" lvl="0" indent="-362891" algn="l" defTabSz="967710" rtl="0" eaLnBrk="1" fontAlgn="auto" latinLnBrk="0" hangingPunct="1">
+              <a:lnSpc>
+                <a:spcPct val="100000"/>
+              </a:lnSpc>
+              <a:spcBef>
+                <a:spcPct val="20000"/>
+              </a:spcBef>
+              <a:spcAft>
+                <a:spcPts val="0"/>
+              </a:spcAft>
+              <a:buClrTx/>
+              <a:buSzTx/>
+              <a:buFont typeface="Arial" pitchFamily="34" charset="0"/>
+              <a:buChar char="•"/>
+              <a:tabLst/>
+              <a:defRPr/>
+            </a:pPr>
+            <a:r>
+              <a:rPr kumimoji="0" lang="en-US" sz="3300" b="0" i="0" u="none" strike="noStrike" kern="1200" cap="none" spc="0" normalizeH="0" baseline="0" noProof="0" dirty="0">
+                <a:ln>
+                  <a:noFill/>
+                </a:ln>
+                <a:solidFill>
+                  <a:srgbClr val="101820"/>
+                </a:solidFill>
+                <a:effectLst/>
+                <a:uLnTx/>
+                <a:uFillTx/>
+                <a:latin typeface="Segoe UI"/>
+                <a:ea typeface="+mn-ea"/>
+                <a:cs typeface="+mn-cs"/>
+              </a:rPr>
+              <a:t>William D Assaf, MCSE</a:t>
+            </a:r>
+          </a:p>
+          <a:p>
+            <a:pPr marL="362891" marR="0" lvl="0" indent="-362891" algn="l" defTabSz="967710" rtl="0" eaLnBrk="1" fontAlgn="auto" latinLnBrk="0" hangingPunct="1">
+              <a:lnSpc>
+                <a:spcPct val="100000"/>
+              </a:lnSpc>
+              <a:spcBef>
+                <a:spcPct val="20000"/>
+              </a:spcBef>
+              <a:spcAft>
+                <a:spcPts val="0"/>
+              </a:spcAft>
+              <a:buClrTx/>
+              <a:buSzTx/>
+              <a:buFont typeface="Arial" pitchFamily="34" charset="0"/>
+              <a:buChar char="•"/>
+              <a:tabLst/>
+              <a:defRPr/>
+            </a:pPr>
+            <a:r>
+              <a:rPr kumimoji="0" lang="en-US" sz="3300" b="0" i="0" u="none" strike="noStrike" kern="1200" cap="none" spc="0" normalizeH="0" baseline="0" noProof="0" dirty="0">
+                <a:ln>
+                  <a:noFill/>
+                </a:ln>
+                <a:solidFill>
+                  <a:srgbClr val="101820"/>
+                </a:solidFill>
+                <a:effectLst/>
+                <a:uLnTx/>
+                <a:uFillTx/>
+                <a:latin typeface="Segoe UI"/>
+                <a:ea typeface="+mn-ea"/>
+                <a:cs typeface="+mn-cs"/>
+              </a:rPr>
+              <a:t>Baton Rouge SQL Server UG board and </a:t>
+            </a:r>
+            <a:r>
+              <a:rPr kumimoji="0" lang="en-US" sz="3300" b="0" i="0" u="none" strike="noStrike" kern="1200" cap="none" spc="0" normalizeH="0" baseline="0" noProof="0" dirty="0" err="1">
+                <a:ln>
+                  <a:noFill/>
+                </a:ln>
+                <a:solidFill>
+                  <a:srgbClr val="101820"/>
+                </a:solidFill>
+                <a:effectLst/>
+                <a:uLnTx/>
+                <a:uFillTx/>
+                <a:latin typeface="Segoe UI"/>
+                <a:ea typeface="+mn-ea"/>
+                <a:cs typeface="+mn-cs"/>
+              </a:rPr>
+              <a:t>SQLSat</a:t>
+            </a:r>
+            <a:r>
+              <a:rPr kumimoji="0" lang="en-US" sz="3300" b="0" i="0" u="none" strike="noStrike" kern="1200" cap="none" spc="0" normalizeH="0" baseline="0" noProof="0" dirty="0">
+                <a:ln>
+                  <a:noFill/>
+                </a:ln>
+                <a:solidFill>
+                  <a:srgbClr val="101820"/>
+                </a:solidFill>
+                <a:effectLst/>
+                <a:uLnTx/>
+                <a:uFillTx/>
+                <a:latin typeface="Segoe UI"/>
+                <a:ea typeface="+mn-ea"/>
+                <a:cs typeface="+mn-cs"/>
+              </a:rPr>
+              <a:t> chair</a:t>
+            </a:r>
+          </a:p>
+          <a:p>
+            <a:pPr marL="362891" marR="0" lvl="0" indent="-362891" algn="l" defTabSz="967710" rtl="0" eaLnBrk="1" fontAlgn="auto" latinLnBrk="0" hangingPunct="1">
+              <a:lnSpc>
+                <a:spcPct val="100000"/>
+              </a:lnSpc>
+              <a:spcBef>
+                <a:spcPct val="20000"/>
+              </a:spcBef>
+              <a:spcAft>
+                <a:spcPts val="0"/>
+              </a:spcAft>
+              <a:buClrTx/>
+              <a:buSzTx/>
+              <a:buFont typeface="Arial" pitchFamily="34" charset="0"/>
+              <a:buChar char="•"/>
+              <a:tabLst/>
+              <a:defRPr/>
+            </a:pPr>
+            <a:r>
+              <a:rPr kumimoji="0" lang="en-US" sz="3300" b="0" i="0" u="none" strike="noStrike" kern="1200" cap="none" spc="0" normalizeH="0" baseline="0" noProof="0" dirty="0">
+                <a:ln>
+                  <a:noFill/>
+                </a:ln>
+                <a:solidFill>
+                  <a:srgbClr val="101820"/>
+                </a:solidFill>
+                <a:effectLst/>
+                <a:uLnTx/>
+                <a:uFillTx/>
+                <a:latin typeface="Segoe UI"/>
+                <a:ea typeface="+mn-ea"/>
+                <a:cs typeface="+mn-cs"/>
+              </a:rPr>
+              <a:t>Principal Consultant, Manager – DBA Team at</a:t>
+            </a:r>
+          </a:p>
+          <a:p>
+            <a:pPr marL="0" marR="0" lvl="0" indent="0" algn="l" defTabSz="967710" rtl="0" eaLnBrk="1" fontAlgn="auto" latinLnBrk="0" hangingPunct="1">
+              <a:lnSpc>
+                <a:spcPct val="100000"/>
+              </a:lnSpc>
+              <a:spcBef>
+                <a:spcPct val="20000"/>
+              </a:spcBef>
+              <a:spcAft>
+                <a:spcPts val="0"/>
+              </a:spcAft>
+              <a:buClrTx/>
+              <a:buSzTx/>
+              <a:buFont typeface="Arial" pitchFamily="34" charset="0"/>
+              <a:buNone/>
+              <a:tabLst/>
+              <a:defRPr/>
+            </a:pPr>
+            <a:r>
+              <a:rPr kumimoji="0" lang="en-US" sz="3300" b="0" i="0" u="none" strike="noStrike" kern="1200" cap="none" spc="0" normalizeH="0" baseline="0" noProof="0" dirty="0">
+                <a:ln>
+                  <a:noFill/>
+                </a:ln>
+                <a:solidFill>
+                  <a:srgbClr val="101820"/>
+                </a:solidFill>
+                <a:effectLst/>
+                <a:uLnTx/>
+                <a:uFillTx/>
+                <a:latin typeface="Segoe UI"/>
+                <a:ea typeface="+mn-ea"/>
+                <a:cs typeface="+mn-cs"/>
+              </a:rPr>
+              <a:t>	Sparkhound Inc.  </a:t>
+            </a:r>
+          </a:p>
+          <a:p>
+            <a:pPr marL="362891" marR="0" lvl="0" indent="-362891" algn="l" defTabSz="967710" rtl="0" eaLnBrk="1" fontAlgn="auto" latinLnBrk="0" hangingPunct="1">
+              <a:lnSpc>
+                <a:spcPct val="100000"/>
+              </a:lnSpc>
+              <a:spcBef>
+                <a:spcPct val="20000"/>
+              </a:spcBef>
+              <a:spcAft>
+                <a:spcPts val="0"/>
+              </a:spcAft>
+              <a:buClrTx/>
+              <a:buSzTx/>
+              <a:buFont typeface="Arial" pitchFamily="34" charset="0"/>
+              <a:buChar char="•"/>
+              <a:tabLst/>
+              <a:defRPr/>
+            </a:pPr>
+            <a:r>
+              <a:rPr kumimoji="0" lang="en-US" sz="3300" b="0" i="0" u="none" strike="noStrike" kern="1200" cap="none" spc="0" normalizeH="0" baseline="0" noProof="0" dirty="0">
+                <a:ln>
+                  <a:noFill/>
+                </a:ln>
+                <a:solidFill>
+                  <a:srgbClr val="101820"/>
+                </a:solidFill>
+                <a:effectLst/>
+                <a:uLnTx/>
+                <a:uFillTx/>
+                <a:latin typeface="Segoe UI"/>
+                <a:ea typeface="+mn-ea"/>
+                <a:cs typeface="+mn-cs"/>
+                <a:hlinkClick r:id="rId3"/>
+              </a:rPr>
+              <a:t>William.Assaf@sparkhound.com</a:t>
+            </a:r>
+            <a:endParaRPr kumimoji="0" lang="en-US" sz="3300" b="0" i="0" u="none" strike="noStrike" kern="1200" cap="none" spc="0" normalizeH="0" baseline="0" noProof="0" dirty="0">
+              <a:ln>
+                <a:noFill/>
+              </a:ln>
+              <a:solidFill>
+                <a:srgbClr val="101820"/>
+              </a:solidFill>
+              <a:effectLst/>
+              <a:uLnTx/>
+              <a:uFillTx/>
+              <a:latin typeface="Segoe UI"/>
+              <a:ea typeface="+mn-ea"/>
+              <a:cs typeface="+mn-cs"/>
+            </a:endParaRPr>
+          </a:p>
+          <a:p>
+            <a:pPr marL="362891" marR="0" lvl="0" indent="-362891" algn="l" defTabSz="967710" rtl="0" eaLnBrk="1" fontAlgn="auto" latinLnBrk="0" hangingPunct="1">
+              <a:lnSpc>
+                <a:spcPct val="100000"/>
+              </a:lnSpc>
+              <a:spcBef>
+                <a:spcPct val="20000"/>
+              </a:spcBef>
+              <a:spcAft>
+                <a:spcPts val="0"/>
+              </a:spcAft>
+              <a:buClrTx/>
+              <a:buSzTx/>
+              <a:buFont typeface="Arial" pitchFamily="34" charset="0"/>
+              <a:buChar char="•"/>
+              <a:tabLst/>
+              <a:defRPr/>
+            </a:pPr>
+            <a:r>
+              <a:rPr kumimoji="0" lang="en-US" sz="3300" b="0" i="0" u="none" strike="noStrike" kern="1200" cap="none" spc="0" normalizeH="0" baseline="0" noProof="0" dirty="0">
+                <a:ln>
+                  <a:noFill/>
+                </a:ln>
+                <a:solidFill>
+                  <a:srgbClr val="101820"/>
+                </a:solidFill>
+                <a:effectLst/>
+                <a:uLnTx/>
+                <a:uFillTx/>
+                <a:latin typeface="Segoe UI"/>
+                <a:ea typeface="+mn-ea"/>
+                <a:cs typeface="+mn-cs"/>
+              </a:rPr>
+              <a:t>Twitter: @</a:t>
+            </a:r>
+            <a:r>
+              <a:rPr kumimoji="0" lang="en-US" sz="3300" b="0" i="0" u="none" strike="noStrike" kern="1200" cap="none" spc="0" normalizeH="0" baseline="0" noProof="0" dirty="0" err="1">
+                <a:ln>
+                  <a:noFill/>
+                </a:ln>
+                <a:solidFill>
+                  <a:srgbClr val="101820"/>
+                </a:solidFill>
+                <a:effectLst/>
+                <a:uLnTx/>
+                <a:uFillTx/>
+                <a:latin typeface="Segoe UI"/>
+                <a:ea typeface="+mn-ea"/>
+                <a:cs typeface="+mn-cs"/>
+              </a:rPr>
+              <a:t>william_a_dba</a:t>
+            </a:r>
+            <a:endParaRPr kumimoji="0" lang="en-US" sz="3300" b="0" i="0" u="none" strike="noStrike" kern="1200" cap="none" spc="0" normalizeH="0" baseline="0" noProof="0" dirty="0">
+              <a:ln>
+                <a:noFill/>
+              </a:ln>
+              <a:solidFill>
+                <a:srgbClr val="101820"/>
+              </a:solidFill>
+              <a:effectLst/>
+              <a:uLnTx/>
+              <a:uFillTx/>
+              <a:latin typeface="Segoe UI"/>
+              <a:ea typeface="+mn-ea"/>
+              <a:cs typeface="+mn-cs"/>
+            </a:endParaRPr>
+          </a:p>
+          <a:p>
+            <a:pPr marL="362891" marR="0" lvl="0" indent="-362891" algn="l" defTabSz="967710" rtl="0" eaLnBrk="1" fontAlgn="auto" latinLnBrk="0" hangingPunct="1">
+              <a:lnSpc>
+                <a:spcPct val="100000"/>
+              </a:lnSpc>
+              <a:spcBef>
+                <a:spcPct val="20000"/>
+              </a:spcBef>
+              <a:spcAft>
+                <a:spcPts val="0"/>
+              </a:spcAft>
+              <a:buClrTx/>
+              <a:buSzTx/>
+              <a:buFont typeface="Arial" pitchFamily="34" charset="0"/>
+              <a:buChar char="•"/>
+              <a:tabLst/>
+              <a:defRPr/>
+            </a:pPr>
+            <a:endParaRPr kumimoji="0" lang="en-US" sz="2800" b="0" i="0" u="none" strike="noStrike" kern="1200" cap="none" spc="0" normalizeH="0" baseline="0" noProof="0" dirty="0">
+              <a:ln>
+                <a:noFill/>
+              </a:ln>
+              <a:solidFill>
+                <a:srgbClr val="101820"/>
+              </a:solidFill>
+              <a:effectLst/>
+              <a:uLnTx/>
+              <a:uFillTx/>
+              <a:latin typeface="Segoe UI"/>
+              <a:ea typeface="+mn-ea"/>
+              <a:cs typeface="+mn-cs"/>
+            </a:endParaRPr>
+          </a:p>
+          <a:p>
+            <a:pPr marL="0" marR="0" lvl="0" indent="0" algn="l" defTabSz="967710" rtl="0" eaLnBrk="1" fontAlgn="auto" latinLnBrk="0" hangingPunct="1">
+              <a:lnSpc>
+                <a:spcPct val="100000"/>
+              </a:lnSpc>
+              <a:spcBef>
+                <a:spcPct val="20000"/>
+              </a:spcBef>
+              <a:spcAft>
+                <a:spcPts val="0"/>
+              </a:spcAft>
+              <a:buClrTx/>
+              <a:buSzTx/>
+              <a:buFont typeface="Arial" pitchFamily="34" charset="0"/>
+              <a:buNone/>
+              <a:tabLst/>
+              <a:defRPr/>
+            </a:pPr>
+            <a:endParaRPr kumimoji="0" lang="en-US" sz="2800" b="0" i="0" u="none" strike="noStrike" kern="1200" cap="none" spc="0" normalizeH="0" baseline="0" noProof="0" dirty="0">
+              <a:ln>
+                <a:noFill/>
+              </a:ln>
+              <a:solidFill>
+                <a:srgbClr val="101820"/>
+              </a:solidFill>
+              <a:effectLst/>
+              <a:uLnTx/>
+              <a:uFillTx/>
+              <a:latin typeface="Segoe UI"/>
+              <a:ea typeface="+mn-ea"/>
+              <a:cs typeface="+mn-cs"/>
+            </a:endParaRPr>
+          </a:p>
+        </p:txBody>
+      </p:sp>
+      <p:sp>
+        <p:nvSpPr>
+          <p:cNvPr id="5" name="Text Placeholder 2"/>
+          <p:cNvSpPr txBox="1">
+            <a:spLocks/>
+          </p:cNvSpPr>
+          <p:nvPr/>
+        </p:nvSpPr>
+        <p:spPr>
+          <a:xfrm>
+            <a:off x="0" y="53"/>
+            <a:ext cx="12191999" cy="761988"/>
+          </a:xfrm>
+          <a:prstGeom prst="rect">
+            <a:avLst/>
+          </a:prstGeom>
+        </p:spPr>
+        <p:txBody>
+          <a:bodyPr vert="horz" lIns="91438" tIns="45719" rIns="91438" bIns="45719" rtlCol="0">
+            <a:normAutofit/>
+          </a:bodyPr>
+          <a:lstStyle>
+            <a:lvl1pPr marL="342900" indent="-342900" algn="l" defTabSz="457200" rtl="0" eaLnBrk="1" latinLnBrk="0" hangingPunct="1">
+              <a:spcBef>
+                <a:spcPct val="20000"/>
+              </a:spcBef>
+              <a:buFont typeface="Wingdings" charset="2"/>
+              <a:buChar char="§"/>
+              <a:defRPr sz="3000" kern="1200">
+                <a:solidFill>
+                  <a:schemeClr val="tx2"/>
+                </a:solidFill>
+                <a:latin typeface="+mn-lt"/>
+                <a:ea typeface="+mn-ea"/>
+                <a:cs typeface="+mn-cs"/>
+              </a:defRPr>
+            </a:lvl1pPr>
+            <a:lvl2pPr marL="742950" indent="-285750" algn="l" defTabSz="457200" rtl="0" eaLnBrk="1" latinLnBrk="0" hangingPunct="1">
+              <a:spcBef>
+                <a:spcPct val="20000"/>
+              </a:spcBef>
+              <a:buFont typeface="Wingdings" charset="2"/>
+              <a:buChar char="§"/>
+              <a:defRPr sz="2600" kern="1200">
+                <a:solidFill>
+                  <a:schemeClr val="tx2"/>
+                </a:solidFill>
+                <a:latin typeface="+mn-lt"/>
+                <a:ea typeface="+mn-ea"/>
+                <a:cs typeface="+mn-cs"/>
+              </a:defRPr>
+            </a:lvl2pPr>
+            <a:lvl3pPr marL="1143000" indent="-228600" algn="l" defTabSz="457200" rtl="0" eaLnBrk="1" latinLnBrk="0" hangingPunct="1">
+              <a:spcBef>
+                <a:spcPct val="20000"/>
+              </a:spcBef>
+              <a:buFont typeface="Wingdings" charset="2"/>
+              <a:buChar char="§"/>
+              <a:defRPr sz="2200" kern="1200">
+                <a:solidFill>
+                  <a:schemeClr val="tx2"/>
+                </a:solidFill>
+                <a:latin typeface="+mn-lt"/>
+                <a:ea typeface="+mn-ea"/>
+                <a:cs typeface="+mn-cs"/>
+              </a:defRPr>
+            </a:lvl3pPr>
+            <a:lvl4pPr marL="1600200" indent="-228600" algn="l" defTabSz="457200" rtl="0" eaLnBrk="1" latinLnBrk="0" hangingPunct="1">
+              <a:spcBef>
+                <a:spcPct val="20000"/>
+              </a:spcBef>
+              <a:buFont typeface="Wingdings" charset="2"/>
+              <a:buChar char="§"/>
+              <a:defRPr sz="2000" kern="1200">
+                <a:solidFill>
+                  <a:schemeClr val="tx2"/>
+                </a:solidFill>
+                <a:latin typeface="+mn-lt"/>
+                <a:ea typeface="+mn-ea"/>
+                <a:cs typeface="+mn-cs"/>
+              </a:defRPr>
+            </a:lvl4pPr>
+            <a:lvl5pPr marL="2057400" indent="-228600" algn="l" defTabSz="457200" rtl="0" eaLnBrk="1" latinLnBrk="0" hangingPunct="1">
+              <a:spcBef>
+                <a:spcPct val="20000"/>
+              </a:spcBef>
+              <a:buFont typeface="Wingdings" charset="2"/>
+              <a:buChar char="§"/>
+              <a:defRPr sz="1800" kern="1200">
+                <a:solidFill>
+                  <a:schemeClr val="tx2"/>
+                </a:solidFill>
+                <a:latin typeface="+mn-lt"/>
+                <a:ea typeface="+mn-ea"/>
+                <a:cs typeface="+mn-cs"/>
+              </a:defRPr>
+            </a:lvl5pPr>
+            <a:lvl6pPr marL="2514600" indent="-228600" algn="l" defTabSz="457200" rtl="0" eaLnBrk="1" latinLnBrk="0" hangingPunct="1">
+              <a:spcBef>
+                <a:spcPct val="20000"/>
+              </a:spcBef>
+              <a:buFont typeface="Arial"/>
+              <a:buChar char="•"/>
+              <a:defRPr sz="2000" kern="1200">
+                <a:solidFill>
+                  <a:schemeClr val="tx1"/>
+                </a:solidFill>
+                <a:latin typeface="+mn-lt"/>
+                <a:ea typeface="+mn-ea"/>
+                <a:cs typeface="+mn-cs"/>
+              </a:defRPr>
+            </a:lvl6pPr>
+            <a:lvl7pPr marL="2971800" indent="-228600" algn="l" defTabSz="457200" rtl="0" eaLnBrk="1" latinLnBrk="0" hangingPunct="1">
+              <a:spcBef>
+                <a:spcPct val="20000"/>
+              </a:spcBef>
+              <a:buFont typeface="Arial"/>
+              <a:buChar char="•"/>
+              <a:defRPr sz="2000" kern="1200">
+                <a:solidFill>
+                  <a:schemeClr val="tx1"/>
+                </a:solidFill>
+                <a:latin typeface="+mn-lt"/>
+                <a:ea typeface="+mn-ea"/>
+                <a:cs typeface="+mn-cs"/>
+              </a:defRPr>
+            </a:lvl7pPr>
+            <a:lvl8pPr marL="3429000" indent="-228600" algn="l" defTabSz="457200" rtl="0" eaLnBrk="1" latinLnBrk="0" hangingPunct="1">
+              <a:spcBef>
+                <a:spcPct val="20000"/>
+              </a:spcBef>
+              <a:buFont typeface="Arial"/>
+              <a:buChar char="•"/>
+              <a:defRPr sz="2000" kern="1200">
+                <a:solidFill>
+                  <a:schemeClr val="tx1"/>
+                </a:solidFill>
+                <a:latin typeface="+mn-lt"/>
+                <a:ea typeface="+mn-ea"/>
+                <a:cs typeface="+mn-cs"/>
+              </a:defRPr>
+            </a:lvl8pPr>
+            <a:lvl9pPr marL="3886200" indent="-228600" algn="l" defTabSz="457200" rtl="0" eaLnBrk="1" latinLnBrk="0" hangingPunct="1">
+              <a:spcBef>
+                <a:spcPct val="20000"/>
+              </a:spcBef>
+              <a:buFont typeface="Arial"/>
+              <a:buChar char="•"/>
+              <a:defRPr sz="2000" kern="1200">
+                <a:solidFill>
+                  <a:schemeClr val="tx1"/>
+                </a:solidFill>
+                <a:latin typeface="+mn-lt"/>
+                <a:ea typeface="+mn-ea"/>
+                <a:cs typeface="+mn-cs"/>
+              </a:defRPr>
+            </a:lvl9pPr>
+          </a:lstStyle>
+          <a:p>
+            <a:pPr marL="0" marR="0" lvl="0" indent="0" algn="ctr" defTabSz="483855" rtl="0" eaLnBrk="1" fontAlgn="auto" latinLnBrk="0" hangingPunct="1">
+              <a:lnSpc>
+                <a:spcPct val="100000"/>
+              </a:lnSpc>
+              <a:spcBef>
+                <a:spcPct val="20000"/>
+              </a:spcBef>
+              <a:spcAft>
+                <a:spcPts val="0"/>
+              </a:spcAft>
+              <a:buClrTx/>
+              <a:buSzTx/>
+              <a:buFont typeface="Wingdings" charset="2"/>
+              <a:buNone/>
+              <a:tabLst/>
+              <a:defRPr/>
+            </a:pPr>
+            <a:r>
+              <a:rPr kumimoji="0" lang="en-US" sz="4000" b="1" i="0" u="none" strike="noStrike" kern="1200" cap="all" spc="0" normalizeH="0" baseline="0" noProof="0" dirty="0">
+                <a:ln>
+                  <a:noFill/>
+                </a:ln>
+                <a:solidFill>
+                  <a:srgbClr val="3D156F"/>
+                </a:solidFill>
+                <a:effectLst/>
+                <a:uLnTx/>
+                <a:uFillTx/>
+                <a:latin typeface="Segoe UI"/>
+                <a:ea typeface="+mn-ea"/>
+                <a:cs typeface="+mn-cs"/>
+              </a:rPr>
+              <a:t>Bio and contact</a:t>
+            </a:r>
+          </a:p>
+        </p:txBody>
+      </p:sp>
+      <p:pic>
+        <p:nvPicPr>
+          <p:cNvPr id="6" name="Picture 2" descr="William Assaf">
+            <a:extLst>
+              <a:ext uri="{FF2B5EF4-FFF2-40B4-BE49-F238E27FC236}">
+                <a16:creationId xmlns:a16="http://schemas.microsoft.com/office/drawing/2014/main" id="{2BAE5041-34BB-4C0C-A938-11DDAAA023DE}"/>
+              </a:ext>
+            </a:extLst>
+          </p:cNvPr>
+          <p:cNvPicPr>
+            <a:picLocks noChangeAspect="1" noChangeArrowheads="1"/>
+          </p:cNvPicPr>
+          <p:nvPr/>
+        </p:nvPicPr>
+        <p:blipFill>
+          <a:blip r:embed="rId4">
+            <a:extLst>
+              <a:ext uri="{28A0092B-C50C-407E-A947-70E740481C1C}">
+                <a14:useLocalDpi xmlns:a14="http://schemas.microsoft.com/office/drawing/2010/main" val="0"/>
+              </a:ext>
+            </a:extLst>
+          </a:blip>
+          <a:srcRect/>
+          <a:stretch>
+            <a:fillRect/>
+          </a:stretch>
+        </p:blipFill>
+        <p:spPr bwMode="auto">
+          <a:xfrm>
+            <a:off x="9982200" y="762041"/>
+            <a:ext cx="1981200" cy="1981200"/>
+          </a:xfrm>
+          <a:prstGeom prst="rect">
+            <a:avLst/>
+          </a:prstGeom>
+          <a:noFill/>
+          <a:extLst>
+            <a:ext uri="{909E8E84-426E-40DD-AFC4-6F175D3DCCD1}">
+              <a14:hiddenFill xmlns:a14="http://schemas.microsoft.com/office/drawing/2010/main">
+                <a:solidFill>
+                  <a:srgbClr val="FFFFFF"/>
+                </a:solidFill>
+              </a14:hiddenFill>
+            </a:ext>
+          </a:extLst>
+        </p:spPr>
+      </p:pic>
+    </p:spTree>
+    <p:extLst>
+      <p:ext uri="{BB962C8B-B14F-4D97-AF65-F5344CB8AC3E}">
+        <p14:creationId xmlns:p14="http://schemas.microsoft.com/office/powerpoint/2010/main" val="1965489894"/>
+      </p:ext>
+    </p:extLst>
+  </p:cSld>
+  <p:clrMapOvr>
+    <a:masterClrMapping/>
+  </p:clrMapOvr>
+</p:sld>
+</file>
+
 <file path=ppt/slides/slide6.xml><?xml version="1.0" encoding="utf-8"?>
 <p:sld xmlns:a="http://schemas.openxmlformats.org/drawingml/2006/main" xmlns:r="http://schemas.openxmlformats.org/officeDocument/2006/relationships" xmlns:p="http://schemas.openxmlformats.org/presentationml/2006/main">
   <p:cSld>
@@ -29843,7 +29822,7 @@
           <a:p>
             <a:r>
               <a:rPr lang="en-US" dirty="0"/>
-              <a:t>Who Should Take Cert Exams</a:t>
+              <a:t>Guidance for Employers</a:t>
             </a:r>
           </a:p>
         </p:txBody>
@@ -29872,63 +29851,49 @@
         </p:spPr>
         <p:txBody>
           <a:bodyPr>
-            <a:normAutofit fontScale="92500" lnSpcReduction="10000"/>
+            <a:normAutofit lnSpcReduction="10000"/>
           </a:bodyPr>
           <a:lstStyle/>
           <a:p>
             <a:r>
               <a:rPr lang="en-US" sz="4000" dirty="0"/>
-              <a:t>The exams are highly situational.</a:t>
+              <a:t>Microsoft exams are designed to test experience, not book knowledge.</a:t>
             </a:r>
           </a:p>
           <a:p>
             <a:r>
               <a:rPr lang="en-US" sz="4000" dirty="0"/>
-              <a:t>So instead of asking "What is the difference between x and y." </a:t>
-            </a:r>
-          </a:p>
-          <a:p>
-            <a:r>
-              <a:rPr lang="en-US" sz="4000" dirty="0"/>
-              <a:t>The question will be:</a:t>
-            </a:r>
-            <a:br>
-              <a:rPr lang="en-US" sz="4000" dirty="0"/>
-            </a:br>
-            <a:br>
-              <a:rPr lang="en-US" sz="4000" dirty="0"/>
-            </a:br>
-            <a:r>
-              <a:rPr lang="en-US" sz="4000" dirty="0"/>
-              <a:t>You are doing this with these conditions and variables. What should you choose. </a:t>
-            </a:r>
-            <a:br>
-              <a:rPr lang="en-US" sz="4000" dirty="0"/>
-            </a:br>
-            <a:r>
-              <a:rPr lang="en-US" sz="4000" dirty="0"/>
-              <a:t>a. X  </a:t>
-            </a:r>
-            <a:br>
-              <a:rPr lang="en-US" sz="4000" dirty="0"/>
-            </a:br>
-            <a:r>
-              <a:rPr lang="en-US" sz="4000" dirty="0"/>
-              <a:t>b. Y  </a:t>
-            </a:r>
-            <a:br>
-              <a:rPr lang="en-US" sz="4000" dirty="0"/>
-            </a:br>
-            <a:r>
-              <a:rPr lang="en-US" sz="4000" dirty="0"/>
-              <a:t>c. Z  </a:t>
-            </a:r>
-            <a:br>
-              <a:rPr lang="en-US" sz="4000" dirty="0"/>
-            </a:br>
-            <a:r>
-              <a:rPr lang="en-US" sz="4000" dirty="0"/>
-              <a:t>d. Q</a:t>
+              <a:t>So asking a kid out of college or an entry-level employee to take a cert exam is not something I advise. It leads to one of three outcomes:</a:t>
+            </a:r>
+          </a:p>
+          <a:p>
+            <a:pPr lvl="1"/>
+            <a:r>
+              <a:rPr lang="en-US" sz="3600" dirty="0"/>
+              <a:t>They pass the exam. (Least likely)</a:t>
+            </a:r>
+          </a:p>
+          <a:p>
+            <a:pPr marL="457200" lvl="1" indent="0">
+              <a:buNone/>
+            </a:pPr>
+            <a:r>
+              <a:rPr lang="en-US" sz="3600" dirty="0"/>
+              <a:t>More likely:</a:t>
+            </a:r>
+          </a:p>
+          <a:p>
+            <a:pPr lvl="1"/>
+            <a:r>
+              <a:rPr lang="en-US" sz="3600" dirty="0"/>
+              <a:t>They fail the exam, possibly multiple times, resulting in frustration/disillusionment, even career derailment.</a:t>
+            </a:r>
+          </a:p>
+          <a:p>
+            <a:pPr lvl="1"/>
+            <a:r>
+              <a:rPr lang="en-US" sz="3600" dirty="0"/>
+              <a:t>They try to cheat. Outcomes dubious.</a:t>
             </a:r>
           </a:p>
         </p:txBody>
@@ -29936,7 +29901,7 @@
     </p:spTree>
     <p:extLst>
       <p:ext uri="{BB962C8B-B14F-4D97-AF65-F5344CB8AC3E}">
-        <p14:creationId xmlns:p14="http://schemas.microsoft.com/office/powerpoint/2010/main" val="3924733039"/>
+        <p14:creationId xmlns:p14="http://schemas.microsoft.com/office/powerpoint/2010/main" val="4255154783"/>
       </p:ext>
     </p:extLst>
   </p:cSld>
@@ -29965,478 +29930,6 @@
       </p:grpSpPr>
       <p:sp>
         <p:nvSpPr>
-          <p:cNvPr id="5" name="Title 4"/>
-          <p:cNvSpPr>
-            <a:spLocks noGrp="1"/>
-          </p:cNvSpPr>
-          <p:nvPr>
-            <p:ph type="title"/>
-          </p:nvPr>
-        </p:nvSpPr>
-        <p:spPr/>
-        <p:txBody>
-          <a:bodyPr>
-            <a:normAutofit/>
-          </a:bodyPr>
-          <a:lstStyle/>
-          <a:p>
-            <a:r>
-              <a:rPr lang="en-US" dirty="0"/>
-              <a:t>Real Answer Options</a:t>
-            </a:r>
-          </a:p>
-        </p:txBody>
-      </p:sp>
-      <p:sp>
-        <p:nvSpPr>
-          <p:cNvPr id="4" name="Slide Number Placeholder 3"/>
-          <p:cNvSpPr>
-            <a:spLocks noGrp="1"/>
-          </p:cNvSpPr>
-          <p:nvPr>
-            <p:ph type="sldNum" sz="quarter" idx="4294967295"/>
-          </p:nvPr>
-        </p:nvSpPr>
-        <p:spPr>
-          <a:xfrm>
-            <a:off x="9347200" y="6356350"/>
-            <a:ext cx="2844800" cy="365125"/>
-          </a:xfrm>
-        </p:spPr>
-        <p:txBody>
-          <a:bodyPr/>
-          <a:lstStyle/>
-          <a:p>
-            <a:fld id="{CC077DB7-DE37-4EA7-B5C7-4FE1B440C5DB}" type="slidenum">
-              <a:rPr lang="en-US" smtClean="0"/>
-              <a:t>7</a:t>
-            </a:fld>
-            <a:endParaRPr lang="en-US"/>
-          </a:p>
-        </p:txBody>
-      </p:sp>
-      <p:sp>
-        <p:nvSpPr>
-          <p:cNvPr id="6" name="Title 4"/>
-          <p:cNvSpPr txBox="1">
-            <a:spLocks/>
-          </p:cNvSpPr>
-          <p:nvPr/>
-        </p:nvSpPr>
-        <p:spPr>
-          <a:xfrm>
-            <a:off x="285981" y="839972"/>
-            <a:ext cx="10972800" cy="5637027"/>
-          </a:xfrm>
-          <a:prstGeom prst="rect">
-            <a:avLst/>
-          </a:prstGeom>
-        </p:spPr>
-        <p:txBody>
-          <a:bodyPr vert="horz" lIns="91440" tIns="45720" rIns="91440" bIns="45720" rtlCol="0" anchor="t">
-            <a:noAutofit/>
-          </a:bodyPr>
-          <a:lstStyle>
-            <a:lvl1pPr algn="l" defTabSz="914400" rtl="0" eaLnBrk="1" latinLnBrk="0" hangingPunct="1">
-              <a:spcBef>
-                <a:spcPct val="0"/>
-              </a:spcBef>
-              <a:buNone/>
-              <a:defRPr sz="4000" b="1" kern="1200" baseline="0">
-                <a:solidFill>
-                  <a:srgbClr val="4F2683"/>
-                </a:solidFill>
-                <a:latin typeface="+mj-lt"/>
-                <a:ea typeface="+mj-ea"/>
-                <a:cs typeface="+mj-cs"/>
-              </a:defRPr>
-            </a:lvl1pPr>
-          </a:lstStyle>
-          <a:p>
-            <a:r>
-              <a:rPr lang="en-US" b="0" dirty="0">
-                <a:solidFill>
-                  <a:schemeClr val="tx1"/>
-                </a:solidFill>
-                <a:latin typeface="+mn-lt"/>
-              </a:rPr>
-              <a:t>The correct answer has to be 100% correct.  </a:t>
-            </a:r>
-            <a:br>
-              <a:rPr lang="en-US" b="0" dirty="0">
-                <a:solidFill>
-                  <a:schemeClr val="tx1"/>
-                </a:solidFill>
-                <a:latin typeface="+mn-lt"/>
-              </a:rPr>
-            </a:br>
-            <a:r>
-              <a:rPr lang="en-US" b="0" dirty="0">
-                <a:solidFill>
-                  <a:schemeClr val="tx1"/>
-                </a:solidFill>
-                <a:latin typeface="+mn-lt"/>
-              </a:rPr>
-              <a:t>The "distractors" have to be plausible, but 100% wrong.</a:t>
-            </a:r>
-          </a:p>
-          <a:p>
-            <a:endParaRPr lang="en-US" b="0" dirty="0">
-              <a:solidFill>
-                <a:schemeClr val="tx1"/>
-              </a:solidFill>
-              <a:latin typeface="+mn-lt"/>
-            </a:endParaRPr>
-          </a:p>
-          <a:p>
-            <a:r>
-              <a:rPr lang="en-US" b="0" i="1" dirty="0">
-                <a:solidFill>
-                  <a:schemeClr val="tx1"/>
-                </a:solidFill>
-                <a:latin typeface="+mn-lt"/>
-              </a:rPr>
-              <a:t>But we can't make stuff up.</a:t>
-            </a:r>
-            <a:r>
-              <a:rPr lang="en-US" b="0" dirty="0">
-                <a:solidFill>
-                  <a:schemeClr val="tx1"/>
-                </a:solidFill>
-                <a:latin typeface="+mn-lt"/>
-              </a:rPr>
-              <a:t> Every answer you see is something real. We write plausible real wrong answers.</a:t>
-            </a:r>
-          </a:p>
-          <a:p>
-            <a:r>
-              <a:rPr lang="en-US" b="0" dirty="0">
-                <a:solidFill>
-                  <a:schemeClr val="tx1"/>
-                </a:solidFill>
-                <a:latin typeface="+mn-lt"/>
-              </a:rPr>
-              <a:t>In SQL Server, there is no “CHECKSUM Recovery Model” so you won’t see it on an exam.</a:t>
-            </a:r>
-          </a:p>
-          <a:p>
-            <a:endParaRPr lang="en-US" b="0" dirty="0">
-              <a:solidFill>
-                <a:schemeClr val="tx1"/>
-              </a:solidFill>
-              <a:latin typeface="+mn-lt"/>
-            </a:endParaRPr>
-          </a:p>
-        </p:txBody>
-      </p:sp>
-    </p:spTree>
-    <p:extLst>
-      <p:ext uri="{BB962C8B-B14F-4D97-AF65-F5344CB8AC3E}">
-        <p14:creationId xmlns:p14="http://schemas.microsoft.com/office/powerpoint/2010/main" val="3816552443"/>
-      </p:ext>
-    </p:extLst>
-  </p:cSld>
-  <p:clrMapOvr>
-    <a:masterClrMapping/>
-  </p:clrMapOvr>
-  <p:timing>
-    <p:tnLst>
-      <p:par>
-        <p:cTn id="1" dur="indefinite" restart="never" nodeType="tmRoot">
-          <p:childTnLst>
-            <p:seq concurrent="1" nextAc="seek">
-              <p:cTn id="2" dur="indefinite" nodeType="mainSeq">
-                <p:childTnLst>
-                  <p:par>
-                    <p:cTn id="3" fill="hold">
-                      <p:stCondLst>
-                        <p:cond delay="indefinite"/>
-                        <p:cond evt="onBegin" delay="0">
-                          <p:tn val="2"/>
-                        </p:cond>
-                      </p:stCondLst>
-                      <p:childTnLst>
-                        <p:par>
-                          <p:cTn id="4" fill="hold">
-                            <p:stCondLst>
-                              <p:cond delay="0"/>
-                            </p:stCondLst>
-                            <p:childTnLst>
-                              <p:par>
-                                <p:cTn id="5" presetID="1" presetClass="entr" presetSubtype="0" fill="hold" grpId="0" nodeType="withEffect">
-                                  <p:stCondLst>
-                                    <p:cond delay="0"/>
-                                  </p:stCondLst>
-                                  <p:childTnLst>
-                                    <p:set>
-                                      <p:cBhvr>
-                                        <p:cTn id="6" dur="1" fill="hold">
-                                          <p:stCondLst>
-                                            <p:cond delay="0"/>
-                                          </p:stCondLst>
-                                        </p:cTn>
-                                        <p:tgtEl>
-                                          <p:spTgt spid="6">
-                                            <p:txEl>
-                                              <p:pRg st="0" end="0"/>
-                                            </p:txEl>
-                                          </p:spTgt>
-                                        </p:tgtEl>
-                                        <p:attrNameLst>
-                                          <p:attrName>style.visibility</p:attrName>
-                                        </p:attrNameLst>
-                                      </p:cBhvr>
-                                      <p:to>
-                                        <p:strVal val="visible"/>
-                                      </p:to>
-                                    </p:set>
-                                  </p:childTnLst>
-                                </p:cTn>
-                              </p:par>
-                              <p:par>
-                                <p:cTn id="7" presetID="1" presetClass="entr" presetSubtype="0" fill="hold" grpId="0" nodeType="withEffect">
-                                  <p:stCondLst>
-                                    <p:cond delay="0"/>
-                                  </p:stCondLst>
-                                  <p:childTnLst>
-                                    <p:set>
-                                      <p:cBhvr>
-                                        <p:cTn id="8" dur="1" fill="hold">
-                                          <p:stCondLst>
-                                            <p:cond delay="0"/>
-                                          </p:stCondLst>
-                                        </p:cTn>
-                                        <p:tgtEl>
-                                          <p:spTgt spid="6">
-                                            <p:txEl>
-                                              <p:pRg st="2" end="2"/>
-                                            </p:txEl>
-                                          </p:spTgt>
-                                        </p:tgtEl>
-                                        <p:attrNameLst>
-                                          <p:attrName>style.visibility</p:attrName>
-                                        </p:attrNameLst>
-                                      </p:cBhvr>
-                                      <p:to>
-                                        <p:strVal val="visible"/>
-                                      </p:to>
-                                    </p:set>
-                                  </p:childTnLst>
-                                </p:cTn>
-                              </p:par>
-                              <p:par>
-                                <p:cTn id="9" presetID="1" presetClass="entr" presetSubtype="0" fill="hold" grpId="0" nodeType="withEffect">
-                                  <p:stCondLst>
-                                    <p:cond delay="0"/>
-                                  </p:stCondLst>
-                                  <p:childTnLst>
-                                    <p:set>
-                                      <p:cBhvr>
-                                        <p:cTn id="10" dur="1" fill="hold">
-                                          <p:stCondLst>
-                                            <p:cond delay="0"/>
-                                          </p:stCondLst>
-                                        </p:cTn>
-                                        <p:tgtEl>
-                                          <p:spTgt spid="6">
-                                            <p:txEl>
-                                              <p:pRg st="3" end="3"/>
-                                            </p:txEl>
-                                          </p:spTgt>
-                                        </p:tgtEl>
-                                        <p:attrNameLst>
-                                          <p:attrName>style.visibility</p:attrName>
-                                        </p:attrNameLst>
-                                      </p:cBhvr>
-                                      <p:to>
-                                        <p:strVal val="visible"/>
-                                      </p:to>
-                                    </p:set>
-                                  </p:childTnLst>
-                                </p:cTn>
-                              </p:par>
-                            </p:childTnLst>
-                          </p:cTn>
-                        </p:par>
-                      </p:childTnLst>
-                    </p:cTn>
-                  </p:par>
-                </p:childTnLst>
-              </p:cTn>
-              <p:prevCondLst>
-                <p:cond evt="onPrev" delay="0">
-                  <p:tgtEl>
-                    <p:sldTgt/>
-                  </p:tgtEl>
-                </p:cond>
-              </p:prevCondLst>
-              <p:nextCondLst>
-                <p:cond evt="onNext" delay="0">
-                  <p:tgtEl>
-                    <p:sldTgt/>
-                  </p:tgtEl>
-                </p:cond>
-              </p:nextCondLst>
-            </p:seq>
-          </p:childTnLst>
-        </p:cTn>
-      </p:par>
-    </p:tnLst>
-    <p:bldLst>
-      <p:bldP spid="6" grpId="0" uiExpand="1" build="allAtOnce"/>
-    </p:bldLst>
-  </p:timing>
-</p:sld>
-</file>
-
-<file path=ppt/slides/slide8.xml><?xml version="1.0" encoding="utf-8"?>
-<p:sld xmlns:a="http://schemas.openxmlformats.org/drawingml/2006/main" xmlns:r="http://schemas.openxmlformats.org/officeDocument/2006/relationships" xmlns:p="http://schemas.openxmlformats.org/presentationml/2006/main">
-  <p:cSld>
-    <p:spTree>
-      <p:nvGrpSpPr>
-        <p:cNvPr id="1" name=""/>
-        <p:cNvGrpSpPr/>
-        <p:nvPr/>
-      </p:nvGrpSpPr>
-      <p:grpSpPr>
-        <a:xfrm>
-          <a:off x="0" y="0"/>
-          <a:ext cx="0" cy="0"/>
-          <a:chOff x="0" y="0"/>
-          <a:chExt cx="0" cy="0"/>
-        </a:xfrm>
-      </p:grpSpPr>
-      <p:sp>
-        <p:nvSpPr>
-          <p:cNvPr id="2" name="Title 1">
-            <a:extLst>
-              <a:ext uri="{FF2B5EF4-FFF2-40B4-BE49-F238E27FC236}">
-                <a16:creationId xmlns:a16="http://schemas.microsoft.com/office/drawing/2014/main" id="{DDEF33D2-C99C-40D1-89F1-A81B1F85D202}"/>
-              </a:ext>
-            </a:extLst>
-          </p:cNvPr>
-          <p:cNvSpPr>
-            <a:spLocks noGrp="1"/>
-          </p:cNvSpPr>
-          <p:nvPr>
-            <p:ph type="title"/>
-          </p:nvPr>
-        </p:nvSpPr>
-        <p:spPr/>
-        <p:txBody>
-          <a:bodyPr/>
-          <a:lstStyle/>
-          <a:p>
-            <a:r>
-              <a:rPr lang="en-US" dirty="0"/>
-              <a:t>Guidance for Employers</a:t>
-            </a:r>
-          </a:p>
-        </p:txBody>
-      </p:sp>
-      <p:sp>
-        <p:nvSpPr>
-          <p:cNvPr id="3" name="Content Placeholder 2">
-            <a:extLst>
-              <a:ext uri="{FF2B5EF4-FFF2-40B4-BE49-F238E27FC236}">
-                <a16:creationId xmlns:a16="http://schemas.microsoft.com/office/drawing/2014/main" id="{FDC8B2BB-F0F2-481C-8DA0-098CADBB7296}"/>
-              </a:ext>
-            </a:extLst>
-          </p:cNvPr>
-          <p:cNvSpPr>
-            <a:spLocks noGrp="1"/>
-          </p:cNvSpPr>
-          <p:nvPr>
-            <p:ph idx="1"/>
-          </p:nvPr>
-        </p:nvSpPr>
-        <p:spPr>
-          <a:xfrm>
-            <a:off x="609600" y="990603"/>
-            <a:ext cx="10972800" cy="5657847"/>
-          </a:xfrm>
-        </p:spPr>
-        <p:txBody>
-          <a:bodyPr>
-            <a:normAutofit lnSpcReduction="10000"/>
-          </a:bodyPr>
-          <a:lstStyle/>
-          <a:p>
-            <a:r>
-              <a:rPr lang="en-US" sz="4000" dirty="0"/>
-              <a:t>Microsoft exams are designed to test experience, not book knowledge.</a:t>
-            </a:r>
-          </a:p>
-          <a:p>
-            <a:r>
-              <a:rPr lang="en-US" sz="4000" dirty="0"/>
-              <a:t>So asking a kid out of college or an entry-level employee to take a cert exam is not something I advise. It leads to one of three outcomes:</a:t>
-            </a:r>
-          </a:p>
-          <a:p>
-            <a:pPr lvl="1"/>
-            <a:r>
-              <a:rPr lang="en-US" sz="3600" dirty="0"/>
-              <a:t>They pass the exam. (Least likely)</a:t>
-            </a:r>
-          </a:p>
-          <a:p>
-            <a:pPr marL="457200" lvl="1" indent="0">
-              <a:buNone/>
-            </a:pPr>
-            <a:r>
-              <a:rPr lang="en-US" sz="3600" dirty="0"/>
-              <a:t>More likely:</a:t>
-            </a:r>
-          </a:p>
-          <a:p>
-            <a:pPr lvl="1"/>
-            <a:r>
-              <a:rPr lang="en-US" sz="3600" dirty="0"/>
-              <a:t>They fail the exam, possibly multiple times, resulting in frustration/disillusionment, even career derailment.</a:t>
-            </a:r>
-          </a:p>
-          <a:p>
-            <a:pPr lvl="1"/>
-            <a:r>
-              <a:rPr lang="en-US" sz="3600" dirty="0"/>
-              <a:t>They try to cheat. Outcomes dubious.</a:t>
-            </a:r>
-          </a:p>
-        </p:txBody>
-      </p:sp>
-    </p:spTree>
-    <p:extLst>
-      <p:ext uri="{BB962C8B-B14F-4D97-AF65-F5344CB8AC3E}">
-        <p14:creationId xmlns:p14="http://schemas.microsoft.com/office/powerpoint/2010/main" val="4255154783"/>
-      </p:ext>
-    </p:extLst>
-  </p:cSld>
-  <p:clrMapOvr>
-    <a:masterClrMapping/>
-  </p:clrMapOvr>
-</p:sld>
-</file>
-
-<file path=ppt/slides/slide9.xml><?xml version="1.0" encoding="utf-8"?>
-<p:sld xmlns:a="http://schemas.openxmlformats.org/drawingml/2006/main" xmlns:r="http://schemas.openxmlformats.org/officeDocument/2006/relationships" xmlns:p="http://schemas.openxmlformats.org/presentationml/2006/main">
-  <p:cSld>
-    <p:spTree>
-      <p:nvGrpSpPr>
-        <p:cNvPr id="1" name=""/>
-        <p:cNvGrpSpPr/>
-        <p:nvPr/>
-      </p:nvGrpSpPr>
-      <p:grpSpPr>
-        <a:xfrm>
-          <a:off x="0" y="0"/>
-          <a:ext cx="0" cy="0"/>
-          <a:chOff x="0" y="0"/>
-          <a:chExt cx="0" cy="0"/>
-        </a:xfrm>
-      </p:grpSpPr>
-      <p:sp>
-        <p:nvSpPr>
           <p:cNvPr id="2" name="Title 1"/>
           <p:cNvSpPr>
             <a:spLocks noGrp="1"/>
@@ -30502,14 +29995,14 @@
             <a:pPr lvl="1"/>
             <a:r>
               <a:rPr lang="en-US" sz="3600" dirty="0"/>
-              <a:t>Put cash bounties on exams, but with no time limit.</a:t>
+              <a:t>Put cash bounties on exams, but with no time limit</a:t>
             </a:r>
           </a:p>
           <a:p>
             <a:pPr lvl="1"/>
             <a:r>
               <a:rPr lang="en-US" sz="3600" dirty="0"/>
-              <a:t>Pay the exam fees. Even when they fail. Every time.</a:t>
+              <a:t>Pay the exam fees. Even if they fail. Every time</a:t>
             </a:r>
           </a:p>
           <a:p>
@@ -30523,7 +30016,7 @@
             <a:pPr lvl="1"/>
             <a:r>
               <a:rPr lang="en-US" sz="3600" dirty="0"/>
-              <a:t>Reward success but not to excess. Career progress should also occur outside of exams</a:t>
+              <a:t>Reward success but not to excess. Career progress should also occur outside of exam</a:t>
             </a:r>
           </a:p>
           <a:p>
@@ -30900,6 +30393,635 @@
       <p:bldP spid="3" grpId="0" uiExpand="1" build="p"/>
     </p:bldLst>
   </p:timing>
+</p:sld>
+</file>
+
+<file path=ppt/slides/slide8.xml><?xml version="1.0" encoding="utf-8"?>
+<p:sld xmlns:a="http://schemas.openxmlformats.org/drawingml/2006/main" xmlns:r="http://schemas.openxmlformats.org/officeDocument/2006/relationships" xmlns:p="http://schemas.openxmlformats.org/presentationml/2006/main">
+  <p:cSld>
+    <p:spTree>
+      <p:nvGrpSpPr>
+        <p:cNvPr id="1" name=""/>
+        <p:cNvGrpSpPr/>
+        <p:nvPr/>
+      </p:nvGrpSpPr>
+      <p:grpSpPr>
+        <a:xfrm>
+          <a:off x="0" y="0"/>
+          <a:ext cx="0" cy="0"/>
+          <a:chOff x="0" y="0"/>
+          <a:chExt cx="0" cy="0"/>
+        </a:xfrm>
+      </p:grpSpPr>
+      <p:sp>
+        <p:nvSpPr>
+          <p:cNvPr id="2" name="Title 1"/>
+          <p:cNvSpPr>
+            <a:spLocks noGrp="1"/>
+          </p:cNvSpPr>
+          <p:nvPr>
+            <p:ph type="title"/>
+          </p:nvPr>
+        </p:nvSpPr>
+        <p:spPr/>
+        <p:txBody>
+          <a:bodyPr/>
+          <a:lstStyle/>
+          <a:p>
+            <a:r>
+              <a:rPr lang="en-US" dirty="0"/>
+              <a:t>Certs and Your Employees</a:t>
+            </a:r>
+          </a:p>
+        </p:txBody>
+      </p:sp>
+      <p:sp>
+        <p:nvSpPr>
+          <p:cNvPr id="3" name="Content Placeholder 2"/>
+          <p:cNvSpPr>
+            <a:spLocks noGrp="1"/>
+          </p:cNvSpPr>
+          <p:nvPr>
+            <p:ph idx="1"/>
+          </p:nvPr>
+        </p:nvSpPr>
+        <p:spPr>
+          <a:xfrm>
+            <a:off x="95251" y="990604"/>
+            <a:ext cx="12096750" cy="5381622"/>
+          </a:xfrm>
+        </p:spPr>
+        <p:txBody>
+          <a:bodyPr>
+            <a:noAutofit/>
+          </a:bodyPr>
+          <a:lstStyle/>
+          <a:p>
+            <a:r>
+              <a:rPr lang="en-US" sz="3500" dirty="0"/>
+              <a:t>Microsoft does have some “Fundamentals” level exams that are not in the MCSE path, but rather the MTA (Technology Associate) path. </a:t>
+            </a:r>
+          </a:p>
+          <a:p>
+            <a:r>
+              <a:rPr lang="en-US" sz="3500" dirty="0"/>
+              <a:t>These may be more appropriate for incentivizing employees without the </a:t>
+            </a:r>
+            <a:r>
+              <a:rPr lang="en-US" sz="3500" dirty="0" err="1"/>
+              <a:t>yrs</a:t>
+            </a:r>
+            <a:r>
+              <a:rPr lang="en-US" sz="3500" dirty="0"/>
+              <a:t> of experience targeted for the MCSA/MCSE path.</a:t>
+            </a:r>
+          </a:p>
+          <a:p>
+            <a:pPr lvl="1"/>
+            <a:r>
+              <a:rPr lang="en-US" sz="3200" dirty="0"/>
+              <a:t>More appropriate for students, entry-level positions, or preparing for a career change.</a:t>
+            </a:r>
+          </a:p>
+          <a:p>
+            <a:pPr lvl="1"/>
+            <a:r>
+              <a:rPr lang="en-US" dirty="0"/>
+              <a:t>Examples: </a:t>
+            </a:r>
+          </a:p>
+          <a:p>
+            <a:pPr lvl="2"/>
+            <a:r>
+              <a:rPr lang="en-US" dirty="0"/>
+              <a:t>Exam 98-349 Windows Operating System Fundamentals</a:t>
+            </a:r>
+          </a:p>
+          <a:p>
+            <a:pPr lvl="2"/>
+            <a:r>
+              <a:rPr lang="en-US" dirty="0"/>
+              <a:t>Exam 98-364 Database Fundamentals </a:t>
+            </a:r>
+          </a:p>
+          <a:p>
+            <a:pPr lvl="2"/>
+            <a:r>
+              <a:rPr lang="en-US" dirty="0"/>
+              <a:t>Exam 98-382 Introduction to Programming Using JavaScript</a:t>
+            </a:r>
+          </a:p>
+          <a:p>
+            <a:pPr lvl="2"/>
+            <a:r>
+              <a:rPr lang="en-US" dirty="0"/>
+              <a:t>Exam 98-369 Cloud Fundamentals</a:t>
+            </a:r>
+          </a:p>
+          <a:p>
+            <a:pPr lvl="2"/>
+            <a:r>
+              <a:rPr lang="en-US" dirty="0">
+                <a:hlinkClick r:id="rId2"/>
+              </a:rPr>
+              <a:t>https://www.microsoft.com/en-us/learning/mta-summary-certification.aspx</a:t>
+            </a:r>
+            <a:endParaRPr lang="en-US" dirty="0"/>
+          </a:p>
+          <a:p>
+            <a:pPr lvl="2"/>
+            <a:endParaRPr lang="en-US" dirty="0"/>
+          </a:p>
+          <a:p>
+            <a:pPr lvl="1"/>
+            <a:endParaRPr lang="en-US" sz="3100" dirty="0"/>
+          </a:p>
+        </p:txBody>
+      </p:sp>
+    </p:spTree>
+    <p:extLst>
+      <p:ext uri="{BB962C8B-B14F-4D97-AF65-F5344CB8AC3E}">
+        <p14:creationId xmlns:p14="http://schemas.microsoft.com/office/powerpoint/2010/main" val="3044225996"/>
+      </p:ext>
+    </p:extLst>
+  </p:cSld>
+  <p:clrMapOvr>
+    <a:masterClrMapping/>
+  </p:clrMapOvr>
+  <p:timing>
+    <p:tnLst>
+      <p:par>
+        <p:cTn id="1" dur="indefinite" restart="never" nodeType="tmRoot">
+          <p:childTnLst>
+            <p:seq concurrent="1" nextAc="seek">
+              <p:cTn id="2" dur="indefinite" nodeType="mainSeq">
+                <p:childTnLst>
+                  <p:par>
+                    <p:cTn id="3" fill="hold">
+                      <p:stCondLst>
+                        <p:cond delay="indefinite"/>
+                      </p:stCondLst>
+                      <p:childTnLst>
+                        <p:par>
+                          <p:cTn id="4" fill="hold">
+                            <p:stCondLst>
+                              <p:cond delay="0"/>
+                            </p:stCondLst>
+                            <p:childTnLst>
+                              <p:par>
+                                <p:cTn id="5" presetID="1" presetClass="entr" presetSubtype="0" fill="hold" grpId="0" nodeType="clickEffect">
+                                  <p:stCondLst>
+                                    <p:cond delay="0"/>
+                                  </p:stCondLst>
+                                  <p:childTnLst>
+                                    <p:set>
+                                      <p:cBhvr>
+                                        <p:cTn id="6" dur="1" fill="hold">
+                                          <p:stCondLst>
+                                            <p:cond delay="0"/>
+                                          </p:stCondLst>
+                                        </p:cTn>
+                                        <p:tgtEl>
+                                          <p:spTgt spid="3">
+                                            <p:txEl>
+                                              <p:pRg st="0" end="0"/>
+                                            </p:txEl>
+                                          </p:spTgt>
+                                        </p:tgtEl>
+                                        <p:attrNameLst>
+                                          <p:attrName>style.visibility</p:attrName>
+                                        </p:attrNameLst>
+                                      </p:cBhvr>
+                                      <p:to>
+                                        <p:strVal val="visible"/>
+                                      </p:to>
+                                    </p:set>
+                                  </p:childTnLst>
+                                </p:cTn>
+                              </p:par>
+                            </p:childTnLst>
+                          </p:cTn>
+                        </p:par>
+                      </p:childTnLst>
+                    </p:cTn>
+                  </p:par>
+                  <p:par>
+                    <p:cTn id="7" fill="hold">
+                      <p:stCondLst>
+                        <p:cond delay="indefinite"/>
+                      </p:stCondLst>
+                      <p:childTnLst>
+                        <p:par>
+                          <p:cTn id="8" fill="hold">
+                            <p:stCondLst>
+                              <p:cond delay="0"/>
+                            </p:stCondLst>
+                            <p:childTnLst>
+                              <p:par>
+                                <p:cTn id="9" presetID="1" presetClass="entr" presetSubtype="0" fill="hold" grpId="0" nodeType="clickEffect">
+                                  <p:stCondLst>
+                                    <p:cond delay="0"/>
+                                  </p:stCondLst>
+                                  <p:childTnLst>
+                                    <p:set>
+                                      <p:cBhvr>
+                                        <p:cTn id="10" dur="1" fill="hold">
+                                          <p:stCondLst>
+                                            <p:cond delay="0"/>
+                                          </p:stCondLst>
+                                        </p:cTn>
+                                        <p:tgtEl>
+                                          <p:spTgt spid="3">
+                                            <p:txEl>
+                                              <p:pRg st="1" end="1"/>
+                                            </p:txEl>
+                                          </p:spTgt>
+                                        </p:tgtEl>
+                                        <p:attrNameLst>
+                                          <p:attrName>style.visibility</p:attrName>
+                                        </p:attrNameLst>
+                                      </p:cBhvr>
+                                      <p:to>
+                                        <p:strVal val="visible"/>
+                                      </p:to>
+                                    </p:set>
+                                  </p:childTnLst>
+                                </p:cTn>
+                              </p:par>
+                              <p:par>
+                                <p:cTn id="11" presetID="1" presetClass="entr" presetSubtype="0" fill="hold" grpId="0" nodeType="withEffect">
+                                  <p:stCondLst>
+                                    <p:cond delay="0"/>
+                                  </p:stCondLst>
+                                  <p:childTnLst>
+                                    <p:set>
+                                      <p:cBhvr>
+                                        <p:cTn id="12" dur="1" fill="hold">
+                                          <p:stCondLst>
+                                            <p:cond delay="0"/>
+                                          </p:stCondLst>
+                                        </p:cTn>
+                                        <p:tgtEl>
+                                          <p:spTgt spid="3">
+                                            <p:txEl>
+                                              <p:pRg st="2" end="2"/>
+                                            </p:txEl>
+                                          </p:spTgt>
+                                        </p:tgtEl>
+                                        <p:attrNameLst>
+                                          <p:attrName>style.visibility</p:attrName>
+                                        </p:attrNameLst>
+                                      </p:cBhvr>
+                                      <p:to>
+                                        <p:strVal val="visible"/>
+                                      </p:to>
+                                    </p:set>
+                                  </p:childTnLst>
+                                </p:cTn>
+                              </p:par>
+                              <p:par>
+                                <p:cTn id="13" presetID="1" presetClass="entr" presetSubtype="0" fill="hold" grpId="0" nodeType="withEffect">
+                                  <p:stCondLst>
+                                    <p:cond delay="0"/>
+                                  </p:stCondLst>
+                                  <p:childTnLst>
+                                    <p:set>
+                                      <p:cBhvr>
+                                        <p:cTn id="14" dur="1" fill="hold">
+                                          <p:stCondLst>
+                                            <p:cond delay="0"/>
+                                          </p:stCondLst>
+                                        </p:cTn>
+                                        <p:tgtEl>
+                                          <p:spTgt spid="3">
+                                            <p:txEl>
+                                              <p:pRg st="3" end="3"/>
+                                            </p:txEl>
+                                          </p:spTgt>
+                                        </p:tgtEl>
+                                        <p:attrNameLst>
+                                          <p:attrName>style.visibility</p:attrName>
+                                        </p:attrNameLst>
+                                      </p:cBhvr>
+                                      <p:to>
+                                        <p:strVal val="visible"/>
+                                      </p:to>
+                                    </p:set>
+                                  </p:childTnLst>
+                                </p:cTn>
+                              </p:par>
+                              <p:par>
+                                <p:cTn id="15" presetID="1" presetClass="entr" presetSubtype="0" fill="hold" grpId="0" nodeType="withEffect">
+                                  <p:stCondLst>
+                                    <p:cond delay="0"/>
+                                  </p:stCondLst>
+                                  <p:childTnLst>
+                                    <p:set>
+                                      <p:cBhvr>
+                                        <p:cTn id="16" dur="1" fill="hold">
+                                          <p:stCondLst>
+                                            <p:cond delay="0"/>
+                                          </p:stCondLst>
+                                        </p:cTn>
+                                        <p:tgtEl>
+                                          <p:spTgt spid="3">
+                                            <p:txEl>
+                                              <p:pRg st="4" end="4"/>
+                                            </p:txEl>
+                                          </p:spTgt>
+                                        </p:tgtEl>
+                                        <p:attrNameLst>
+                                          <p:attrName>style.visibility</p:attrName>
+                                        </p:attrNameLst>
+                                      </p:cBhvr>
+                                      <p:to>
+                                        <p:strVal val="visible"/>
+                                      </p:to>
+                                    </p:set>
+                                  </p:childTnLst>
+                                </p:cTn>
+                              </p:par>
+                              <p:par>
+                                <p:cTn id="17" presetID="1" presetClass="entr" presetSubtype="0" fill="hold" grpId="0" nodeType="withEffect">
+                                  <p:stCondLst>
+                                    <p:cond delay="0"/>
+                                  </p:stCondLst>
+                                  <p:childTnLst>
+                                    <p:set>
+                                      <p:cBhvr>
+                                        <p:cTn id="18" dur="1" fill="hold">
+                                          <p:stCondLst>
+                                            <p:cond delay="0"/>
+                                          </p:stCondLst>
+                                        </p:cTn>
+                                        <p:tgtEl>
+                                          <p:spTgt spid="3">
+                                            <p:txEl>
+                                              <p:pRg st="5" end="5"/>
+                                            </p:txEl>
+                                          </p:spTgt>
+                                        </p:tgtEl>
+                                        <p:attrNameLst>
+                                          <p:attrName>style.visibility</p:attrName>
+                                        </p:attrNameLst>
+                                      </p:cBhvr>
+                                      <p:to>
+                                        <p:strVal val="visible"/>
+                                      </p:to>
+                                    </p:set>
+                                  </p:childTnLst>
+                                </p:cTn>
+                              </p:par>
+                              <p:par>
+                                <p:cTn id="19" presetID="1" presetClass="entr" presetSubtype="0" fill="hold" grpId="0" nodeType="withEffect">
+                                  <p:stCondLst>
+                                    <p:cond delay="0"/>
+                                  </p:stCondLst>
+                                  <p:childTnLst>
+                                    <p:set>
+                                      <p:cBhvr>
+                                        <p:cTn id="20" dur="1" fill="hold">
+                                          <p:stCondLst>
+                                            <p:cond delay="0"/>
+                                          </p:stCondLst>
+                                        </p:cTn>
+                                        <p:tgtEl>
+                                          <p:spTgt spid="3">
+                                            <p:txEl>
+                                              <p:pRg st="6" end="6"/>
+                                            </p:txEl>
+                                          </p:spTgt>
+                                        </p:tgtEl>
+                                        <p:attrNameLst>
+                                          <p:attrName>style.visibility</p:attrName>
+                                        </p:attrNameLst>
+                                      </p:cBhvr>
+                                      <p:to>
+                                        <p:strVal val="visible"/>
+                                      </p:to>
+                                    </p:set>
+                                  </p:childTnLst>
+                                </p:cTn>
+                              </p:par>
+                              <p:par>
+                                <p:cTn id="21" presetID="1" presetClass="entr" presetSubtype="0" fill="hold" grpId="0" nodeType="withEffect">
+                                  <p:stCondLst>
+                                    <p:cond delay="0"/>
+                                  </p:stCondLst>
+                                  <p:childTnLst>
+                                    <p:set>
+                                      <p:cBhvr>
+                                        <p:cTn id="22" dur="1" fill="hold">
+                                          <p:stCondLst>
+                                            <p:cond delay="0"/>
+                                          </p:stCondLst>
+                                        </p:cTn>
+                                        <p:tgtEl>
+                                          <p:spTgt spid="3">
+                                            <p:txEl>
+                                              <p:pRg st="7" end="7"/>
+                                            </p:txEl>
+                                          </p:spTgt>
+                                        </p:tgtEl>
+                                        <p:attrNameLst>
+                                          <p:attrName>style.visibility</p:attrName>
+                                        </p:attrNameLst>
+                                      </p:cBhvr>
+                                      <p:to>
+                                        <p:strVal val="visible"/>
+                                      </p:to>
+                                    </p:set>
+                                  </p:childTnLst>
+                                </p:cTn>
+                              </p:par>
+                              <p:par>
+                                <p:cTn id="23" presetID="1" presetClass="entr" presetSubtype="0" fill="hold" grpId="0" nodeType="withEffect">
+                                  <p:stCondLst>
+                                    <p:cond delay="0"/>
+                                  </p:stCondLst>
+                                  <p:childTnLst>
+                                    <p:set>
+                                      <p:cBhvr>
+                                        <p:cTn id="24" dur="1" fill="hold">
+                                          <p:stCondLst>
+                                            <p:cond delay="0"/>
+                                          </p:stCondLst>
+                                        </p:cTn>
+                                        <p:tgtEl>
+                                          <p:spTgt spid="3">
+                                            <p:txEl>
+                                              <p:pRg st="8" end="8"/>
+                                            </p:txEl>
+                                          </p:spTgt>
+                                        </p:tgtEl>
+                                        <p:attrNameLst>
+                                          <p:attrName>style.visibility</p:attrName>
+                                        </p:attrNameLst>
+                                      </p:cBhvr>
+                                      <p:to>
+                                        <p:strVal val="visible"/>
+                                      </p:to>
+                                    </p:set>
+                                  </p:childTnLst>
+                                </p:cTn>
+                              </p:par>
+                            </p:childTnLst>
+                          </p:cTn>
+                        </p:par>
+                      </p:childTnLst>
+                    </p:cTn>
+                  </p:par>
+                </p:childTnLst>
+              </p:cTn>
+              <p:prevCondLst>
+                <p:cond evt="onPrev" delay="0">
+                  <p:tgtEl>
+                    <p:sldTgt/>
+                  </p:tgtEl>
+                </p:cond>
+              </p:prevCondLst>
+              <p:nextCondLst>
+                <p:cond evt="onNext" delay="0">
+                  <p:tgtEl>
+                    <p:sldTgt/>
+                  </p:tgtEl>
+                </p:cond>
+              </p:nextCondLst>
+            </p:seq>
+          </p:childTnLst>
+        </p:cTn>
+      </p:par>
+    </p:tnLst>
+    <p:bldLst>
+      <p:bldP spid="3" grpId="0" uiExpand="1" build="p"/>
+    </p:bldLst>
+  </p:timing>
+</p:sld>
+</file>
+
+<file path=ppt/slides/slide9.xml><?xml version="1.0" encoding="utf-8"?>
+<p:sld xmlns:a="http://schemas.openxmlformats.org/drawingml/2006/main" xmlns:r="http://schemas.openxmlformats.org/officeDocument/2006/relationships" xmlns:p="http://schemas.openxmlformats.org/presentationml/2006/main">
+  <p:cSld>
+    <p:spTree>
+      <p:nvGrpSpPr>
+        <p:cNvPr id="1" name=""/>
+        <p:cNvGrpSpPr/>
+        <p:nvPr/>
+      </p:nvGrpSpPr>
+      <p:grpSpPr>
+        <a:xfrm>
+          <a:off x="0" y="0"/>
+          <a:ext cx="0" cy="0"/>
+          <a:chOff x="0" y="0"/>
+          <a:chExt cx="0" cy="0"/>
+        </a:xfrm>
+      </p:grpSpPr>
+      <p:sp>
+        <p:nvSpPr>
+          <p:cNvPr id="2" name="Title 1"/>
+          <p:cNvSpPr>
+            <a:spLocks noGrp="1"/>
+          </p:cNvSpPr>
+          <p:nvPr>
+            <p:ph type="title"/>
+          </p:nvPr>
+        </p:nvSpPr>
+        <p:spPr/>
+        <p:txBody>
+          <a:bodyPr/>
+          <a:lstStyle/>
+          <a:p>
+            <a:r>
+              <a:rPr lang="en-US" dirty="0"/>
+              <a:t>How to Train an Employee</a:t>
+            </a:r>
+          </a:p>
+        </p:txBody>
+      </p:sp>
+      <p:sp>
+        <p:nvSpPr>
+          <p:cNvPr id="3" name="Content Placeholder 2"/>
+          <p:cNvSpPr>
+            <a:spLocks noGrp="1"/>
+          </p:cNvSpPr>
+          <p:nvPr>
+            <p:ph idx="1"/>
+          </p:nvPr>
+        </p:nvSpPr>
+        <p:spPr>
+          <a:xfrm>
+            <a:off x="247650" y="972674"/>
+            <a:ext cx="11820525" cy="5551951"/>
+          </a:xfrm>
+        </p:spPr>
+        <p:txBody>
+          <a:bodyPr>
+            <a:normAutofit/>
+          </a:bodyPr>
+          <a:lstStyle/>
+          <a:p>
+            <a:r>
+              <a:rPr lang="en-US" sz="4800" dirty="0"/>
+              <a:t>Employers: </a:t>
+            </a:r>
+          </a:p>
+          <a:p>
+            <a:pPr lvl="1"/>
+            <a:r>
+              <a:rPr lang="en-US" sz="4000" dirty="0"/>
+              <a:t>Classroom training overrated, lengthy, hit-and-miss. </a:t>
+            </a:r>
+          </a:p>
+          <a:p>
+            <a:pPr lvl="1"/>
+            <a:r>
+              <a:rPr lang="en-US" sz="4000" dirty="0"/>
+              <a:t>Travel conferences are expensive, lengthy. </a:t>
+            </a:r>
+          </a:p>
+          <a:p>
+            <a:pPr lvl="2"/>
+            <a:r>
+              <a:rPr lang="en-US" sz="3600" dirty="0"/>
+              <a:t>Require knowledge transfer afterwards.</a:t>
+            </a:r>
+          </a:p>
+          <a:p>
+            <a:pPr lvl="2"/>
+            <a:r>
+              <a:rPr lang="en-US" sz="3600" dirty="0"/>
+              <a:t>Proof of hands-on-lab completion when sending employees off. No hands-on labs? Be skeptical. :/</a:t>
+            </a:r>
+          </a:p>
+          <a:p>
+            <a:pPr lvl="1"/>
+            <a:r>
+              <a:rPr lang="en-US" sz="4000" dirty="0"/>
+              <a:t>Employees should take advantage of the easy free training opportunities to earn expensive paid ones </a:t>
+            </a:r>
+            <a:r>
+              <a:rPr lang="en-US" sz="3600" dirty="0"/>
+              <a:t>(Hint: This. Event. Right. Now.)</a:t>
+            </a:r>
+          </a:p>
+          <a:p>
+            <a:pPr marL="457200" lvl="1" indent="0">
+              <a:buNone/>
+            </a:pPr>
+            <a:endParaRPr lang="en-US" sz="3600" dirty="0"/>
+          </a:p>
+        </p:txBody>
+      </p:sp>
+    </p:spTree>
+    <p:extLst>
+      <p:ext uri="{BB962C8B-B14F-4D97-AF65-F5344CB8AC3E}">
+        <p14:creationId xmlns:p14="http://schemas.microsoft.com/office/powerpoint/2010/main" val="3697046818"/>
+      </p:ext>
+    </p:extLst>
+  </p:cSld>
+  <p:clrMapOvr>
+    <a:masterClrMapping/>
+  </p:clrMapOvr>
 </p:sld>
 </file>
 

--- a/SQLSat Bham 2019/Think Like a Certification Exam.pptx
+++ b/SQLSat Bham 2019/Think Like a Certification Exam.pptx
@@ -249,7 +249,7 @@
           <a:p>
             <a:fld id="{6CD4ABDE-846B-4F2E-A91E-CE2D55B6EF91}" type="datetimeFigureOut">
               <a:rPr lang="en-US" smtClean="0"/>
-              <a:t>7/31/2019</a:t>
+              <a:t>8/2/2019</a:t>
             </a:fld>
             <a:endParaRPr lang="en-US"/>
           </a:p>
@@ -824,7 +824,7 @@
           <a:p>
             <a:fld id="{DF1B7059-9994-452B-97D3-B9424BDCF679}" type="datetimeFigureOut">
               <a:rPr lang="en-US" smtClean="0"/>
-              <a:t>7/31/2019</a:t>
+              <a:t>8/2/2019</a:t>
             </a:fld>
             <a:endParaRPr lang="en-US" dirty="0"/>
           </a:p>
@@ -994,7 +994,7 @@
           <a:p>
             <a:fld id="{DF1B7059-9994-452B-97D3-B9424BDCF679}" type="datetimeFigureOut">
               <a:rPr lang="en-US" smtClean="0"/>
-              <a:t>7/31/2019</a:t>
+              <a:t>8/2/2019</a:t>
             </a:fld>
             <a:endParaRPr lang="en-US" dirty="0"/>
           </a:p>
@@ -1174,7 +1174,7 @@
           <a:p>
             <a:fld id="{DF1B7059-9994-452B-97D3-B9424BDCF679}" type="datetimeFigureOut">
               <a:rPr lang="en-US" smtClean="0"/>
-              <a:t>7/31/2019</a:t>
+              <a:t>8/2/2019</a:t>
             </a:fld>
             <a:endParaRPr lang="en-US" dirty="0"/>
           </a:p>
@@ -2565,7 +2565,7 @@
           <a:p>
             <a:fld id="{DF1B7059-9994-452B-97D3-B9424BDCF679}" type="datetimeFigureOut">
               <a:rPr lang="en-US" smtClean="0"/>
-              <a:t>7/31/2019</a:t>
+              <a:t>8/2/2019</a:t>
             </a:fld>
             <a:endParaRPr lang="en-US" dirty="0"/>
           </a:p>
@@ -3210,7 +3210,7 @@
                 </a:solidFill>
               </a:rPr>
               <a:pPr/>
-              <a:t>7/31/2019</a:t>
+              <a:t>8/2/2019</a:t>
             </a:fld>
             <a:endParaRPr lang="en-US" dirty="0">
               <a:solidFill>
@@ -3457,7 +3457,7 @@
           <a:p>
             <a:fld id="{DF1B7059-9994-452B-97D3-B9424BDCF679}" type="datetimeFigureOut">
               <a:rPr lang="en-US" smtClean="0"/>
-              <a:t>7/31/2019</a:t>
+              <a:t>8/2/2019</a:t>
             </a:fld>
             <a:endParaRPr lang="en-US" dirty="0"/>
           </a:p>
@@ -3592,7 +3592,7 @@
                 </a:solidFill>
               </a:rPr>
               <a:pPr/>
-              <a:t>7/31/2019</a:t>
+              <a:t>8/2/2019</a:t>
             </a:fld>
             <a:endParaRPr lang="en-US" dirty="0">
               <a:solidFill>
@@ -3839,7 +3839,7 @@
           <a:p>
             <a:fld id="{DF1B7059-9994-452B-97D3-B9424BDCF679}" type="datetimeFigureOut">
               <a:rPr lang="en-US" smtClean="0"/>
-              <a:t>7/31/2019</a:t>
+              <a:t>8/2/2019</a:t>
             </a:fld>
             <a:endParaRPr lang="en-US" dirty="0"/>
           </a:p>
@@ -4083,7 +4083,7 @@
           <a:p>
             <a:fld id="{DF1B7059-9994-452B-97D3-B9424BDCF679}" type="datetimeFigureOut">
               <a:rPr lang="en-US" smtClean="0"/>
-              <a:t>7/31/2019</a:t>
+              <a:t>8/2/2019</a:t>
             </a:fld>
             <a:endParaRPr lang="en-US" dirty="0"/>
           </a:p>
@@ -4273,7 +4273,7 @@
           <a:p>
             <a:fld id="{3FAA6659-066F-4E7F-BD92-0981E5430CBE}" type="datetimeFigureOut">
               <a:rPr lang="en-US" smtClean="0"/>
-              <a:t>7/31/2019</a:t>
+              <a:t>8/2/2019</a:t>
             </a:fld>
             <a:endParaRPr lang="en-US"/>
           </a:p>
@@ -4441,7 +4441,7 @@
           <a:p>
             <a:fld id="{3FAA6659-066F-4E7F-BD92-0981E5430CBE}" type="datetimeFigureOut">
               <a:rPr lang="en-US" smtClean="0"/>
-              <a:t>7/31/2019</a:t>
+              <a:t>8/2/2019</a:t>
             </a:fld>
             <a:endParaRPr lang="en-US"/>
           </a:p>
@@ -4686,7 +4686,7 @@
           <a:p>
             <a:fld id="{3FAA6659-066F-4E7F-BD92-0981E5430CBE}" type="datetimeFigureOut">
               <a:rPr lang="en-US" smtClean="0"/>
-              <a:t>7/31/2019</a:t>
+              <a:t>8/2/2019</a:t>
             </a:fld>
             <a:endParaRPr lang="en-US"/>
           </a:p>
@@ -4915,7 +4915,7 @@
           <a:p>
             <a:fld id="{3FAA6659-066F-4E7F-BD92-0981E5430CBE}" type="datetimeFigureOut">
               <a:rPr lang="en-US" smtClean="0"/>
-              <a:t>7/31/2019</a:t>
+              <a:t>8/2/2019</a:t>
             </a:fld>
             <a:endParaRPr lang="en-US"/>
           </a:p>
@@ -5279,7 +5279,7 @@
           <a:p>
             <a:fld id="{3FAA6659-066F-4E7F-BD92-0981E5430CBE}" type="datetimeFigureOut">
               <a:rPr lang="en-US" smtClean="0"/>
-              <a:t>7/31/2019</a:t>
+              <a:t>8/2/2019</a:t>
             </a:fld>
             <a:endParaRPr lang="en-US"/>
           </a:p>
@@ -5396,7 +5396,7 @@
           <a:p>
             <a:fld id="{3FAA6659-066F-4E7F-BD92-0981E5430CBE}" type="datetimeFigureOut">
               <a:rPr lang="en-US" smtClean="0"/>
-              <a:t>7/31/2019</a:t>
+              <a:t>8/2/2019</a:t>
             </a:fld>
             <a:endParaRPr lang="en-US"/>
           </a:p>
@@ -5491,7 +5491,7 @@
           <a:p>
             <a:fld id="{3FAA6659-066F-4E7F-BD92-0981E5430CBE}" type="datetimeFigureOut">
               <a:rPr lang="en-US" smtClean="0"/>
-              <a:t>7/31/2019</a:t>
+              <a:t>8/2/2019</a:t>
             </a:fld>
             <a:endParaRPr lang="en-US"/>
           </a:p>
@@ -5766,7 +5766,7 @@
           <a:p>
             <a:fld id="{3FAA6659-066F-4E7F-BD92-0981E5430CBE}" type="datetimeFigureOut">
               <a:rPr lang="en-US" smtClean="0"/>
-              <a:t>7/31/2019</a:t>
+              <a:t>8/2/2019</a:t>
             </a:fld>
             <a:endParaRPr lang="en-US"/>
           </a:p>
@@ -6018,7 +6018,7 @@
           <a:p>
             <a:fld id="{3FAA6659-066F-4E7F-BD92-0981E5430CBE}" type="datetimeFigureOut">
               <a:rPr lang="en-US" smtClean="0"/>
-              <a:t>7/31/2019</a:t>
+              <a:t>8/2/2019</a:t>
             </a:fld>
             <a:endParaRPr lang="en-US"/>
           </a:p>
@@ -6186,7 +6186,7 @@
           <a:p>
             <a:fld id="{3FAA6659-066F-4E7F-BD92-0981E5430CBE}" type="datetimeFigureOut">
               <a:rPr lang="en-US" smtClean="0"/>
-              <a:t>7/31/2019</a:t>
+              <a:t>8/2/2019</a:t>
             </a:fld>
             <a:endParaRPr lang="en-US"/>
           </a:p>
@@ -6418,7 +6418,7 @@
           <a:p>
             <a:fld id="{DF1B7059-9994-452B-97D3-B9424BDCF679}" type="datetimeFigureOut">
               <a:rPr lang="en-US" smtClean="0"/>
-              <a:t>7/31/2019</a:t>
+              <a:t>8/2/2019</a:t>
             </a:fld>
             <a:endParaRPr lang="en-US" dirty="0"/>
           </a:p>
@@ -6596,7 +6596,7 @@
           <a:p>
             <a:fld id="{3FAA6659-066F-4E7F-BD92-0981E5430CBE}" type="datetimeFigureOut">
               <a:rPr lang="en-US" smtClean="0"/>
-              <a:t>7/31/2019</a:t>
+              <a:t>8/2/2019</a:t>
             </a:fld>
             <a:endParaRPr lang="en-US"/>
           </a:p>
@@ -7170,7 +7170,7 @@
           <a:p>
             <a:fld id="{DF1B7059-9994-452B-97D3-B9424BDCF679}" type="datetimeFigureOut">
               <a:rPr lang="en-US" smtClean="0"/>
-              <a:t>7/31/2019</a:t>
+              <a:t>8/2/2019</a:t>
             </a:fld>
             <a:endParaRPr lang="en-US" dirty="0"/>
           </a:p>
@@ -7288,7 +7288,7 @@
           <a:p>
             <a:fld id="{DF1B7059-9994-452B-97D3-B9424BDCF679}" type="datetimeFigureOut">
               <a:rPr lang="en-US" smtClean="0"/>
-              <a:t>7/31/2019</a:t>
+              <a:t>8/2/2019</a:t>
             </a:fld>
             <a:endParaRPr lang="en-US" dirty="0"/>
           </a:p>
@@ -7383,7 +7383,7 @@
           <a:p>
             <a:fld id="{DF1B7059-9994-452B-97D3-B9424BDCF679}" type="datetimeFigureOut">
               <a:rPr lang="en-US" smtClean="0"/>
-              <a:t>7/31/2019</a:t>
+              <a:t>8/2/2019</a:t>
             </a:fld>
             <a:endParaRPr lang="en-US" dirty="0"/>
           </a:p>
@@ -7660,7 +7660,7 @@
           <a:p>
             <a:fld id="{DF1B7059-9994-452B-97D3-B9424BDCF679}" type="datetimeFigureOut">
               <a:rPr lang="en-US" smtClean="0"/>
-              <a:t>7/31/2019</a:t>
+              <a:t>8/2/2019</a:t>
             </a:fld>
             <a:endParaRPr lang="en-US" dirty="0"/>
           </a:p>
@@ -7916,7 +7916,7 @@
           <a:p>
             <a:fld id="{DF1B7059-9994-452B-97D3-B9424BDCF679}" type="datetimeFigureOut">
               <a:rPr lang="en-US" smtClean="0"/>
-              <a:t>7/31/2019</a:t>
+              <a:t>8/2/2019</a:t>
             </a:fld>
             <a:endParaRPr lang="en-US" dirty="0"/>
           </a:p>
@@ -8129,7 +8129,7 @@
           <a:p>
             <a:fld id="{DF1B7059-9994-452B-97D3-B9424BDCF679}" type="datetimeFigureOut">
               <a:rPr lang="en-US" smtClean="0"/>
-              <a:t>7/31/2019</a:t>
+              <a:t>8/2/2019</a:t>
             </a:fld>
             <a:endParaRPr lang="en-US" dirty="0"/>
           </a:p>
@@ -8724,7 +8724,7 @@
                 </a:solidFill>
               </a:rPr>
               <a:pPr/>
-              <a:t>7/31/2019</a:t>
+              <a:t>8/2/2019</a:t>
             </a:fld>
             <a:endParaRPr lang="en-US" dirty="0">
               <a:solidFill>
@@ -9287,7 +9287,7 @@
                 </a:solidFill>
               </a:rPr>
               <a:pPr/>
-              <a:t>7/31/2019</a:t>
+              <a:t>8/2/2019</a:t>
             </a:fld>
             <a:endParaRPr lang="en-US" dirty="0">
               <a:solidFill>
@@ -9805,7 +9805,7 @@
           <a:p>
             <a:fld id="{3FAA6659-066F-4E7F-BD92-0981E5430CBE}" type="datetimeFigureOut">
               <a:rPr lang="en-US" smtClean="0"/>
-              <a:t>7/31/2019</a:t>
+              <a:t>8/2/2019</a:t>
             </a:fld>
             <a:endParaRPr lang="en-US"/>
           </a:p>
@@ -10617,7 +10617,7 @@
             <a:pPr lvl="1"/>
             <a:r>
               <a:rPr lang="en-US" sz="4000" dirty="0"/>
-              <a:t>If something is not familiar, or if you get the practice question wrong, go and DO it.</a:t>
+              <a:t>If something is not familiar, or if you get the practice question wrong, go lab it out.</a:t>
             </a:r>
           </a:p>
         </p:txBody>
@@ -10928,13 +10928,6 @@
               <a:t>Have a lab environment installed on your work/home PC’s, or use Azure. (Free credits out there for students, new accounts, MSDN, etc.)</a:t>
             </a:r>
           </a:p>
-          <a:p>
-            <a:pPr lvl="1"/>
-            <a:r>
-              <a:rPr lang="en-US" sz="4000" dirty="0"/>
-              <a:t>No home study for your tech? Red flag.</a:t>
-            </a:r>
-          </a:p>
         </p:txBody>
       </p:sp>
     </p:spTree>
@@ -11077,55 +11070,6 @@
                                           <p:spTgt spid="3">
                                             <p:txEl>
                                               <p:pRg st="3" end="3"/>
-                                            </p:txEl>
-                                          </p:spTgt>
-                                        </p:tgtEl>
-                                        <p:attrNameLst>
-                                          <p:attrName>style.visibility</p:attrName>
-                                        </p:attrNameLst>
-                                      </p:cBhvr>
-                                      <p:to>
-                                        <p:strVal val="visible"/>
-                                      </p:to>
-                                    </p:set>
-                                  </p:childTnLst>
-                                </p:cTn>
-                              </p:par>
-                            </p:childTnLst>
-                          </p:cTn>
-                        </p:par>
-                      </p:childTnLst>
-                    </p:cTn>
-                  </p:par>
-                  <p:par>
-                    <p:cTn id="13" fill="hold">
-                      <p:stCondLst>
-                        <p:cond delay="indefinite"/>
-                      </p:stCondLst>
-                      <p:childTnLst>
-                        <p:par>
-                          <p:cTn id="14" fill="hold">
-                            <p:stCondLst>
-                              <p:cond delay="0"/>
-                            </p:stCondLst>
-                            <p:childTnLst>
-                              <p:par>
-                                <p:cTn id="15" presetID="1" presetClass="entr" presetSubtype="0" fill="hold" grpId="0" nodeType="clickEffect">
-                                  <p:stCondLst>
-                                    <p:cond delay="0"/>
-                                  </p:stCondLst>
-                                  <p:childTnLst>
-                                    <p:set>
-                                      <p:cBhvr>
-                                        <p:cTn id="16" dur="1" fill="hold">
-                                          <p:stCondLst>
-                                            <p:cond delay="0"/>
-                                          </p:stCondLst>
-                                        </p:cTn>
-                                        <p:tgtEl>
-                                          <p:spTgt spid="3">
-                                            <p:txEl>
-                                              <p:pRg st="4" end="4"/>
                                             </p:txEl>
                                           </p:spTgt>
                                         </p:tgtEl>
@@ -14257,6 +14201,84 @@
   <p:clrMapOvr>
     <a:masterClrMapping/>
   </p:clrMapOvr>
+  <p:timing>
+    <p:tnLst>
+      <p:par>
+        <p:cTn id="1" dur="indefinite" restart="never" nodeType="tmRoot">
+          <p:childTnLst>
+            <p:seq concurrent="1" nextAc="seek">
+              <p:cTn id="2" dur="indefinite" nodeType="mainSeq">
+                <p:childTnLst>
+                  <p:par>
+                    <p:cTn id="3" fill="hold">
+                      <p:stCondLst>
+                        <p:cond delay="indefinite"/>
+                      </p:stCondLst>
+                      <p:childTnLst>
+                        <p:par>
+                          <p:cTn id="4" fill="hold">
+                            <p:stCondLst>
+                              <p:cond delay="0"/>
+                            </p:stCondLst>
+                            <p:childTnLst>
+                              <p:par>
+                                <p:cTn id="5" presetID="1" presetClass="entr" presetSubtype="0" fill="hold" grpId="0" nodeType="clickEffect">
+                                  <p:stCondLst>
+                                    <p:cond delay="0"/>
+                                  </p:stCondLst>
+                                  <p:childTnLst>
+                                    <p:set>
+                                      <p:cBhvr>
+                                        <p:cTn id="6" dur="1" fill="hold">
+                                          <p:stCondLst>
+                                            <p:cond delay="0"/>
+                                          </p:stCondLst>
+                                        </p:cTn>
+                                        <p:tgtEl>
+                                          <p:spTgt spid="17"/>
+                                        </p:tgtEl>
+                                        <p:attrNameLst>
+                                          <p:attrName>style.visibility</p:attrName>
+                                        </p:attrNameLst>
+                                      </p:cBhvr>
+                                      <p:to>
+                                        <p:strVal val="visible"/>
+                                      </p:to>
+                                    </p:set>
+                                  </p:childTnLst>
+                                </p:cTn>
+                              </p:par>
+                            </p:childTnLst>
+                          </p:cTn>
+                        </p:par>
+                      </p:childTnLst>
+                    </p:cTn>
+                  </p:par>
+                </p:childTnLst>
+              </p:cTn>
+              <p:prevCondLst>
+                <p:cond evt="onPrev" delay="0">
+                  <p:tgtEl>
+                    <p:sldTgt/>
+                  </p:tgtEl>
+                </p:cond>
+              </p:prevCondLst>
+              <p:nextCondLst>
+                <p:cond evt="onNext" delay="0">
+                  <p:tgtEl>
+                    <p:sldTgt/>
+                  </p:tgtEl>
+                </p:cond>
+              </p:nextCondLst>
+            </p:seq>
+          </p:childTnLst>
+        </p:cTn>
+      </p:par>
+    </p:tnLst>
+    <p:bldLst>
+      <p:bldP spid="17" grpId="0" animBg="1"/>
+    </p:bldLst>
+  </p:timing>
 </p:sld>
 </file>
 
@@ -23839,6 +23861,551 @@
   <p:clrMapOvr>
     <a:masterClrMapping/>
   </p:clrMapOvr>
+  <p:timing>
+    <p:tnLst>
+      <p:par>
+        <p:cTn id="1" dur="indefinite" restart="never" nodeType="tmRoot">
+          <p:childTnLst>
+            <p:seq concurrent="1" nextAc="seek">
+              <p:cTn id="2" dur="indefinite" nodeType="mainSeq">
+                <p:childTnLst>
+                  <p:par>
+                    <p:cTn id="3" fill="hold">
+                      <p:stCondLst>
+                        <p:cond delay="indefinite"/>
+                      </p:stCondLst>
+                      <p:childTnLst>
+                        <p:par>
+                          <p:cTn id="4" fill="hold">
+                            <p:stCondLst>
+                              <p:cond delay="0"/>
+                            </p:stCondLst>
+                            <p:childTnLst>
+                              <p:par>
+                                <p:cTn id="5" presetID="1" presetClass="entr" presetSubtype="0" fill="hold" nodeType="clickEffect">
+                                  <p:stCondLst>
+                                    <p:cond delay="0"/>
+                                  </p:stCondLst>
+                                  <p:childTnLst>
+                                    <p:set>
+                                      <p:cBhvr>
+                                        <p:cTn id="6" dur="1" fill="hold">
+                                          <p:stCondLst>
+                                            <p:cond delay="0"/>
+                                          </p:stCondLst>
+                                        </p:cTn>
+                                        <p:tgtEl>
+                                          <p:spTgt spid="12"/>
+                                        </p:tgtEl>
+                                        <p:attrNameLst>
+                                          <p:attrName>style.visibility</p:attrName>
+                                        </p:attrNameLst>
+                                      </p:cBhvr>
+                                      <p:to>
+                                        <p:strVal val="visible"/>
+                                      </p:to>
+                                    </p:set>
+                                  </p:childTnLst>
+                                </p:cTn>
+                              </p:par>
+                              <p:par>
+                                <p:cTn id="7" presetID="1" presetClass="entr" presetSubtype="0" fill="hold" nodeType="withEffect">
+                                  <p:stCondLst>
+                                    <p:cond delay="0"/>
+                                  </p:stCondLst>
+                                  <p:childTnLst>
+                                    <p:set>
+                                      <p:cBhvr>
+                                        <p:cTn id="8" dur="1" fill="hold">
+                                          <p:stCondLst>
+                                            <p:cond delay="0"/>
+                                          </p:stCondLst>
+                                        </p:cTn>
+                                        <p:tgtEl>
+                                          <p:spTgt spid="5"/>
+                                        </p:tgtEl>
+                                        <p:attrNameLst>
+                                          <p:attrName>style.visibility</p:attrName>
+                                        </p:attrNameLst>
+                                      </p:cBhvr>
+                                      <p:to>
+                                        <p:strVal val="visible"/>
+                                      </p:to>
+                                    </p:set>
+                                  </p:childTnLst>
+                                </p:cTn>
+                              </p:par>
+                            </p:childTnLst>
+                          </p:cTn>
+                        </p:par>
+                      </p:childTnLst>
+                    </p:cTn>
+                  </p:par>
+                  <p:par>
+                    <p:cTn id="9" fill="hold">
+                      <p:stCondLst>
+                        <p:cond delay="indefinite"/>
+                      </p:stCondLst>
+                      <p:childTnLst>
+                        <p:par>
+                          <p:cTn id="10" fill="hold">
+                            <p:stCondLst>
+                              <p:cond delay="0"/>
+                            </p:stCondLst>
+                            <p:childTnLst>
+                              <p:par>
+                                <p:cTn id="11" presetID="1" presetClass="entr" presetSubtype="0" fill="hold" nodeType="clickEffect">
+                                  <p:stCondLst>
+                                    <p:cond delay="0"/>
+                                  </p:stCondLst>
+                                  <p:childTnLst>
+                                    <p:set>
+                                      <p:cBhvr>
+                                        <p:cTn id="12" dur="1" fill="hold">
+                                          <p:stCondLst>
+                                            <p:cond delay="0"/>
+                                          </p:stCondLst>
+                                        </p:cTn>
+                                        <p:tgtEl>
+                                          <p:spTgt spid="21"/>
+                                        </p:tgtEl>
+                                        <p:attrNameLst>
+                                          <p:attrName>style.visibility</p:attrName>
+                                        </p:attrNameLst>
+                                      </p:cBhvr>
+                                      <p:to>
+                                        <p:strVal val="visible"/>
+                                      </p:to>
+                                    </p:set>
+                                  </p:childTnLst>
+                                </p:cTn>
+                              </p:par>
+                              <p:par>
+                                <p:cTn id="13" presetID="1" presetClass="entr" presetSubtype="0" fill="hold" nodeType="withEffect">
+                                  <p:stCondLst>
+                                    <p:cond delay="0"/>
+                                  </p:stCondLst>
+                                  <p:childTnLst>
+                                    <p:set>
+                                      <p:cBhvr>
+                                        <p:cTn id="14" dur="1" fill="hold">
+                                          <p:stCondLst>
+                                            <p:cond delay="0"/>
+                                          </p:stCondLst>
+                                        </p:cTn>
+                                        <p:tgtEl>
+                                          <p:spTgt spid="8"/>
+                                        </p:tgtEl>
+                                        <p:attrNameLst>
+                                          <p:attrName>style.visibility</p:attrName>
+                                        </p:attrNameLst>
+                                      </p:cBhvr>
+                                      <p:to>
+                                        <p:strVal val="visible"/>
+                                      </p:to>
+                                    </p:set>
+                                  </p:childTnLst>
+                                </p:cTn>
+                              </p:par>
+                            </p:childTnLst>
+                          </p:cTn>
+                        </p:par>
+                      </p:childTnLst>
+                    </p:cTn>
+                  </p:par>
+                  <p:par>
+                    <p:cTn id="15" fill="hold">
+                      <p:stCondLst>
+                        <p:cond delay="indefinite"/>
+                      </p:stCondLst>
+                      <p:childTnLst>
+                        <p:par>
+                          <p:cTn id="16" fill="hold">
+                            <p:stCondLst>
+                              <p:cond delay="0"/>
+                            </p:stCondLst>
+                            <p:childTnLst>
+                              <p:par>
+                                <p:cTn id="17" presetID="1" presetClass="entr" presetSubtype="0" fill="hold" nodeType="clickEffect">
+                                  <p:stCondLst>
+                                    <p:cond delay="0"/>
+                                  </p:stCondLst>
+                                  <p:childTnLst>
+                                    <p:set>
+                                      <p:cBhvr>
+                                        <p:cTn id="18" dur="1" fill="hold">
+                                          <p:stCondLst>
+                                            <p:cond delay="0"/>
+                                          </p:stCondLst>
+                                        </p:cTn>
+                                        <p:tgtEl>
+                                          <p:spTgt spid="22"/>
+                                        </p:tgtEl>
+                                        <p:attrNameLst>
+                                          <p:attrName>style.visibility</p:attrName>
+                                        </p:attrNameLst>
+                                      </p:cBhvr>
+                                      <p:to>
+                                        <p:strVal val="visible"/>
+                                      </p:to>
+                                    </p:set>
+                                  </p:childTnLst>
+                                </p:cTn>
+                              </p:par>
+                              <p:par>
+                                <p:cTn id="19" presetID="1" presetClass="entr" presetSubtype="0" fill="hold" nodeType="withEffect">
+                                  <p:stCondLst>
+                                    <p:cond delay="0"/>
+                                  </p:stCondLst>
+                                  <p:childTnLst>
+                                    <p:set>
+                                      <p:cBhvr>
+                                        <p:cTn id="20" dur="1" fill="hold">
+                                          <p:stCondLst>
+                                            <p:cond delay="0"/>
+                                          </p:stCondLst>
+                                        </p:cTn>
+                                        <p:tgtEl>
+                                          <p:spTgt spid="7"/>
+                                        </p:tgtEl>
+                                        <p:attrNameLst>
+                                          <p:attrName>style.visibility</p:attrName>
+                                        </p:attrNameLst>
+                                      </p:cBhvr>
+                                      <p:to>
+                                        <p:strVal val="visible"/>
+                                      </p:to>
+                                    </p:set>
+                                  </p:childTnLst>
+                                </p:cTn>
+                              </p:par>
+                            </p:childTnLst>
+                          </p:cTn>
+                        </p:par>
+                      </p:childTnLst>
+                    </p:cTn>
+                  </p:par>
+                  <p:par>
+                    <p:cTn id="21" fill="hold">
+                      <p:stCondLst>
+                        <p:cond delay="indefinite"/>
+                      </p:stCondLst>
+                      <p:childTnLst>
+                        <p:par>
+                          <p:cTn id="22" fill="hold">
+                            <p:stCondLst>
+                              <p:cond delay="0"/>
+                            </p:stCondLst>
+                            <p:childTnLst>
+                              <p:par>
+                                <p:cTn id="23" presetID="26" presetClass="entr" presetSubtype="0" fill="hold" grpId="0" nodeType="clickEffect">
+                                  <p:stCondLst>
+                                    <p:cond delay="0"/>
+                                  </p:stCondLst>
+                                  <p:childTnLst>
+                                    <p:set>
+                                      <p:cBhvr>
+                                        <p:cTn id="24" dur="1" fill="hold">
+                                          <p:stCondLst>
+                                            <p:cond delay="0"/>
+                                          </p:stCondLst>
+                                        </p:cTn>
+                                        <p:tgtEl>
+                                          <p:spTgt spid="17"/>
+                                        </p:tgtEl>
+                                        <p:attrNameLst>
+                                          <p:attrName>style.visibility</p:attrName>
+                                        </p:attrNameLst>
+                                      </p:cBhvr>
+                                      <p:to>
+                                        <p:strVal val="visible"/>
+                                      </p:to>
+                                    </p:set>
+                                    <p:animEffect transition="in" filter="wipe(down)">
+                                      <p:cBhvr>
+                                        <p:cTn id="25" dur="580">
+                                          <p:stCondLst>
+                                            <p:cond delay="0"/>
+                                          </p:stCondLst>
+                                        </p:cTn>
+                                        <p:tgtEl>
+                                          <p:spTgt spid="17"/>
+                                        </p:tgtEl>
+                                      </p:cBhvr>
+                                    </p:animEffect>
+                                    <p:anim calcmode="lin" valueType="num">
+                                      <p:cBhvr>
+                                        <p:cTn id="26" dur="1822" tmFilter="0,0; 0.14,0.36; 0.43,0.73; 0.71,0.91; 1.0,1.0">
+                                          <p:stCondLst>
+                                            <p:cond delay="0"/>
+                                          </p:stCondLst>
+                                        </p:cTn>
+                                        <p:tgtEl>
+                                          <p:spTgt spid="17"/>
+                                        </p:tgtEl>
+                                        <p:attrNameLst>
+                                          <p:attrName>ppt_x</p:attrName>
+                                        </p:attrNameLst>
+                                      </p:cBhvr>
+                                      <p:tavLst>
+                                        <p:tav tm="0">
+                                          <p:val>
+                                            <p:strVal val="#ppt_x-0.25"/>
+                                          </p:val>
+                                        </p:tav>
+                                        <p:tav tm="100000">
+                                          <p:val>
+                                            <p:strVal val="#ppt_x"/>
+                                          </p:val>
+                                        </p:tav>
+                                      </p:tavLst>
+                                    </p:anim>
+                                    <p:anim calcmode="lin" valueType="num">
+                                      <p:cBhvr>
+                                        <p:cTn id="27" dur="664" tmFilter="0.0,0.0; 0.25,0.07; 0.50,0.2; 0.75,0.467; 1.0,1.0">
+                                          <p:stCondLst>
+                                            <p:cond delay="0"/>
+                                          </p:stCondLst>
+                                        </p:cTn>
+                                        <p:tgtEl>
+                                          <p:spTgt spid="17"/>
+                                        </p:tgtEl>
+                                        <p:attrNameLst>
+                                          <p:attrName>ppt_y</p:attrName>
+                                        </p:attrNameLst>
+                                      </p:cBhvr>
+                                      <p:tavLst>
+                                        <p:tav tm="0" fmla="#ppt_y-sin(pi*$)/3">
+                                          <p:val>
+                                            <p:fltVal val="0.5"/>
+                                          </p:val>
+                                        </p:tav>
+                                        <p:tav tm="100000">
+                                          <p:val>
+                                            <p:fltVal val="1"/>
+                                          </p:val>
+                                        </p:tav>
+                                      </p:tavLst>
+                                    </p:anim>
+                                    <p:anim calcmode="lin" valueType="num">
+                                      <p:cBhvr>
+                                        <p:cTn id="28" dur="664" tmFilter="0, 0; 0.125,0.2665; 0.25,0.4; 0.375,0.465; 0.5,0.5;  0.625,0.535; 0.75,0.6; 0.875,0.7335; 1,1">
+                                          <p:stCondLst>
+                                            <p:cond delay="664"/>
+                                          </p:stCondLst>
+                                        </p:cTn>
+                                        <p:tgtEl>
+                                          <p:spTgt spid="17"/>
+                                        </p:tgtEl>
+                                        <p:attrNameLst>
+                                          <p:attrName>ppt_y</p:attrName>
+                                        </p:attrNameLst>
+                                      </p:cBhvr>
+                                      <p:tavLst>
+                                        <p:tav tm="0" fmla="#ppt_y-sin(pi*$)/9">
+                                          <p:val>
+                                            <p:fltVal val="0"/>
+                                          </p:val>
+                                        </p:tav>
+                                        <p:tav tm="100000">
+                                          <p:val>
+                                            <p:fltVal val="1"/>
+                                          </p:val>
+                                        </p:tav>
+                                      </p:tavLst>
+                                    </p:anim>
+                                    <p:anim calcmode="lin" valueType="num">
+                                      <p:cBhvr>
+                                        <p:cTn id="29" dur="332" tmFilter="0, 0; 0.125,0.2665; 0.25,0.4; 0.375,0.465; 0.5,0.5;  0.625,0.535; 0.75,0.6; 0.875,0.7335; 1,1">
+                                          <p:stCondLst>
+                                            <p:cond delay="1324"/>
+                                          </p:stCondLst>
+                                        </p:cTn>
+                                        <p:tgtEl>
+                                          <p:spTgt spid="17"/>
+                                        </p:tgtEl>
+                                        <p:attrNameLst>
+                                          <p:attrName>ppt_y</p:attrName>
+                                        </p:attrNameLst>
+                                      </p:cBhvr>
+                                      <p:tavLst>
+                                        <p:tav tm="0" fmla="#ppt_y-sin(pi*$)/27">
+                                          <p:val>
+                                            <p:fltVal val="0"/>
+                                          </p:val>
+                                        </p:tav>
+                                        <p:tav tm="100000">
+                                          <p:val>
+                                            <p:fltVal val="1"/>
+                                          </p:val>
+                                        </p:tav>
+                                      </p:tavLst>
+                                    </p:anim>
+                                    <p:anim calcmode="lin" valueType="num">
+                                      <p:cBhvr>
+                                        <p:cTn id="30" dur="164" tmFilter="0, 0; 0.125,0.2665; 0.25,0.4; 0.375,0.465; 0.5,0.5;  0.625,0.535; 0.75,0.6; 0.875,0.7335; 1,1">
+                                          <p:stCondLst>
+                                            <p:cond delay="1656"/>
+                                          </p:stCondLst>
+                                        </p:cTn>
+                                        <p:tgtEl>
+                                          <p:spTgt spid="17"/>
+                                        </p:tgtEl>
+                                        <p:attrNameLst>
+                                          <p:attrName>ppt_y</p:attrName>
+                                        </p:attrNameLst>
+                                      </p:cBhvr>
+                                      <p:tavLst>
+                                        <p:tav tm="0" fmla="#ppt_y-sin(pi*$)/81">
+                                          <p:val>
+                                            <p:fltVal val="0"/>
+                                          </p:val>
+                                        </p:tav>
+                                        <p:tav tm="100000">
+                                          <p:val>
+                                            <p:fltVal val="1"/>
+                                          </p:val>
+                                        </p:tav>
+                                      </p:tavLst>
+                                    </p:anim>
+                                    <p:animScale>
+                                      <p:cBhvr>
+                                        <p:cTn id="31" dur="26">
+                                          <p:stCondLst>
+                                            <p:cond delay="650"/>
+                                          </p:stCondLst>
+                                        </p:cTn>
+                                        <p:tgtEl>
+                                          <p:spTgt spid="17"/>
+                                        </p:tgtEl>
+                                      </p:cBhvr>
+                                      <p:to x="100000" y="60000"/>
+                                    </p:animScale>
+                                    <p:animScale>
+                                      <p:cBhvr>
+                                        <p:cTn id="32" dur="166" decel="50000">
+                                          <p:stCondLst>
+                                            <p:cond delay="676"/>
+                                          </p:stCondLst>
+                                        </p:cTn>
+                                        <p:tgtEl>
+                                          <p:spTgt spid="17"/>
+                                        </p:tgtEl>
+                                      </p:cBhvr>
+                                      <p:to x="100000" y="100000"/>
+                                    </p:animScale>
+                                    <p:animScale>
+                                      <p:cBhvr>
+                                        <p:cTn id="33" dur="26">
+                                          <p:stCondLst>
+                                            <p:cond delay="1312"/>
+                                          </p:stCondLst>
+                                        </p:cTn>
+                                        <p:tgtEl>
+                                          <p:spTgt spid="17"/>
+                                        </p:tgtEl>
+                                      </p:cBhvr>
+                                      <p:to x="100000" y="80000"/>
+                                    </p:animScale>
+                                    <p:animScale>
+                                      <p:cBhvr>
+                                        <p:cTn id="34" dur="166" decel="50000">
+                                          <p:stCondLst>
+                                            <p:cond delay="1338"/>
+                                          </p:stCondLst>
+                                        </p:cTn>
+                                        <p:tgtEl>
+                                          <p:spTgt spid="17"/>
+                                        </p:tgtEl>
+                                      </p:cBhvr>
+                                      <p:to x="100000" y="100000"/>
+                                    </p:animScale>
+                                    <p:animScale>
+                                      <p:cBhvr>
+                                        <p:cTn id="35" dur="26">
+                                          <p:stCondLst>
+                                            <p:cond delay="1642"/>
+                                          </p:stCondLst>
+                                        </p:cTn>
+                                        <p:tgtEl>
+                                          <p:spTgt spid="17"/>
+                                        </p:tgtEl>
+                                      </p:cBhvr>
+                                      <p:to x="100000" y="90000"/>
+                                    </p:animScale>
+                                    <p:animScale>
+                                      <p:cBhvr>
+                                        <p:cTn id="36" dur="166" decel="50000">
+                                          <p:stCondLst>
+                                            <p:cond delay="1668"/>
+                                          </p:stCondLst>
+                                        </p:cTn>
+                                        <p:tgtEl>
+                                          <p:spTgt spid="17"/>
+                                        </p:tgtEl>
+                                      </p:cBhvr>
+                                      <p:to x="100000" y="100000"/>
+                                    </p:animScale>
+                                    <p:animScale>
+                                      <p:cBhvr>
+                                        <p:cTn id="37" dur="26">
+                                          <p:stCondLst>
+                                            <p:cond delay="1808"/>
+                                          </p:stCondLst>
+                                        </p:cTn>
+                                        <p:tgtEl>
+                                          <p:spTgt spid="17"/>
+                                        </p:tgtEl>
+                                      </p:cBhvr>
+                                      <p:to x="100000" y="95000"/>
+                                    </p:animScale>
+                                    <p:animScale>
+                                      <p:cBhvr>
+                                        <p:cTn id="38" dur="166" decel="50000">
+                                          <p:stCondLst>
+                                            <p:cond delay="1834"/>
+                                          </p:stCondLst>
+                                        </p:cTn>
+                                        <p:tgtEl>
+                                          <p:spTgt spid="17"/>
+                                        </p:tgtEl>
+                                      </p:cBhvr>
+                                      <p:to x="100000" y="100000"/>
+                                    </p:animScale>
+                                  </p:childTnLst>
+                                </p:cTn>
+                              </p:par>
+                            </p:childTnLst>
+                          </p:cTn>
+                        </p:par>
+                      </p:childTnLst>
+                    </p:cTn>
+                  </p:par>
+                </p:childTnLst>
+              </p:cTn>
+              <p:prevCondLst>
+                <p:cond evt="onPrev" delay="0">
+                  <p:tgtEl>
+                    <p:sldTgt/>
+                  </p:tgtEl>
+                </p:cond>
+              </p:prevCondLst>
+              <p:nextCondLst>
+                <p:cond evt="onNext" delay="0">
+                  <p:tgtEl>
+                    <p:sldTgt/>
+                  </p:tgtEl>
+                </p:cond>
+              </p:nextCondLst>
+            </p:seq>
+          </p:childTnLst>
+        </p:cTn>
+      </p:par>
+    </p:tnLst>
+    <p:bldLst>
+      <p:bldP spid="17" grpId="0" animBg="1"/>
+    </p:bldLst>
+  </p:timing>
 </p:sld>
 </file>
 
@@ -28683,19 +29250,19 @@
             </a:br>
             <a:r>
               <a:rPr lang="en-US" sz="4000" dirty="0"/>
-              <a:t>“Is this a skillset you would ask about when hiring?”</a:t>
+              <a:t>“Is this a skillset you would ask for when hiring?”</a:t>
             </a:r>
           </a:p>
           <a:p>
             <a:r>
               <a:rPr lang="en-US" sz="4000" dirty="0"/>
-              <a:t>If a worldwide group of 10 SME’s do not think a feature is important, it’s not on the exam.</a:t>
+              <a:t>If a worldwide group of a dozen SME’s does not think a feature is important, it’s not on the exam.</a:t>
             </a:r>
           </a:p>
           <a:p>
             <a:r>
               <a:rPr lang="en-US" sz="4000" dirty="0"/>
-              <a:t>New features are likely to be included on the exam, to certify people working in the newest version(s).</a:t>
+              <a:t>However, new features for new versions are likely to be included on the exam, to certify people working in the newest version(s).</a:t>
             </a:r>
           </a:p>
         </p:txBody>
@@ -29987,6 +30554,13 @@
           <a:p>
             <a:pPr lvl="1"/>
             <a:r>
+              <a:rPr lang="en-US" sz="3500" dirty="0"/>
+              <a:t>Some exams are intended for 5+yrs of experience</a:t>
+            </a:r>
+          </a:p>
+          <a:p>
+            <a:pPr lvl="1"/>
+            <a:r>
               <a:rPr lang="en-US" sz="3600" dirty="0"/>
               <a:t>Don’t have unrealistic expectations of entry-level employees</a:t>
             </a:r>
@@ -30002,7 +30576,7 @@
             <a:pPr lvl="1"/>
             <a:r>
               <a:rPr lang="en-US" sz="3600" dirty="0"/>
-              <a:t>Pay the exam fees. Even if they fail. Every time</a:t>
+              <a:t>Pay the exam fees. Even if they fail. </a:t>
             </a:r>
           </a:p>
           <a:p>
@@ -30117,33 +30691,15 @@
                                   </p:childTnLst>
                                 </p:cTn>
                               </p:par>
-                            </p:childTnLst>
-                          </p:cTn>
-                        </p:par>
-                      </p:childTnLst>
-                    </p:cTn>
-                  </p:par>
-                  <p:par>
-                    <p:cTn id="9" fill="hold">
-                      <p:stCondLst>
-                        <p:cond delay="indefinite"/>
-                      </p:stCondLst>
-                      <p:childTnLst>
-                        <p:par>
-                          <p:cTn id="10" fill="hold">
-                            <p:stCondLst>
-                              <p:cond delay="0"/>
-                            </p:stCondLst>
-                            <p:childTnLst>
                               <p:par>
-                                <p:cTn id="11" presetID="1" presetClass="entr" presetSubtype="0" fill="hold" grpId="0" nodeType="clickEffect">
+                                <p:cTn id="9" presetID="1" presetClass="entr" presetSubtype="0" fill="hold" grpId="0" nodeType="withEffect">
                                   <p:stCondLst>
                                     <p:cond delay="0"/>
                                   </p:stCondLst>
                                   <p:childTnLst>
                                     <p:set>
                                       <p:cBhvr>
-                                        <p:cTn id="12" dur="1" fill="hold">
+                                        <p:cTn id="10" dur="1" fill="hold">
                                           <p:stCondLst>
                                             <p:cond delay="0"/>
                                           </p:stCondLst>
@@ -30173,26 +30729,26 @@
                     </p:cTn>
                   </p:par>
                   <p:par>
-                    <p:cTn id="13" fill="hold">
+                    <p:cTn id="11" fill="hold">
                       <p:stCondLst>
                         <p:cond delay="indefinite"/>
                       </p:stCondLst>
                       <p:childTnLst>
                         <p:par>
-                          <p:cTn id="14" fill="hold">
+                          <p:cTn id="12" fill="hold">
                             <p:stCondLst>
                               <p:cond delay="0"/>
                             </p:stCondLst>
                             <p:childTnLst>
                               <p:par>
-                                <p:cTn id="15" presetID="1" presetClass="entr" presetSubtype="0" fill="hold" grpId="0" nodeType="clickEffect">
+                                <p:cTn id="13" presetID="1" presetClass="entr" presetSubtype="0" fill="hold" grpId="0" nodeType="clickEffect">
                                   <p:stCondLst>
                                     <p:cond delay="0"/>
                                   </p:stCondLst>
                                   <p:childTnLst>
                                     <p:set>
                                       <p:cBhvr>
-                                        <p:cTn id="16" dur="1" fill="hold">
+                                        <p:cTn id="14" dur="1" fill="hold">
                                           <p:stCondLst>
                                             <p:cond delay="0"/>
                                           </p:stCondLst>
@@ -30222,26 +30778,26 @@
                     </p:cTn>
                   </p:par>
                   <p:par>
-                    <p:cTn id="17" fill="hold">
+                    <p:cTn id="15" fill="hold">
                       <p:stCondLst>
                         <p:cond delay="indefinite"/>
                       </p:stCondLst>
                       <p:childTnLst>
                         <p:par>
-                          <p:cTn id="18" fill="hold">
+                          <p:cTn id="16" fill="hold">
                             <p:stCondLst>
                               <p:cond delay="0"/>
                             </p:stCondLst>
                             <p:childTnLst>
                               <p:par>
-                                <p:cTn id="19" presetID="1" presetClass="entr" presetSubtype="0" fill="hold" grpId="0" nodeType="clickEffect">
+                                <p:cTn id="17" presetID="1" presetClass="entr" presetSubtype="0" fill="hold" grpId="0" nodeType="clickEffect">
                                   <p:stCondLst>
                                     <p:cond delay="0"/>
                                   </p:stCondLst>
                                   <p:childTnLst>
                                     <p:set>
                                       <p:cBhvr>
-                                        <p:cTn id="20" dur="1" fill="hold">
+                                        <p:cTn id="18" dur="1" fill="hold">
                                           <p:stCondLst>
                                             <p:cond delay="0"/>
                                           </p:stCondLst>
@@ -30271,26 +30827,26 @@
                     </p:cTn>
                   </p:par>
                   <p:par>
-                    <p:cTn id="21" fill="hold">
+                    <p:cTn id="19" fill="hold">
                       <p:stCondLst>
                         <p:cond delay="indefinite"/>
                       </p:stCondLst>
                       <p:childTnLst>
                         <p:par>
-                          <p:cTn id="22" fill="hold">
+                          <p:cTn id="20" fill="hold">
                             <p:stCondLst>
                               <p:cond delay="0"/>
                             </p:stCondLst>
                             <p:childTnLst>
                               <p:par>
-                                <p:cTn id="23" presetID="1" presetClass="entr" presetSubtype="0" fill="hold" grpId="0" nodeType="clickEffect">
+                                <p:cTn id="21" presetID="1" presetClass="entr" presetSubtype="0" fill="hold" grpId="0" nodeType="clickEffect">
                                   <p:stCondLst>
                                     <p:cond delay="0"/>
                                   </p:stCondLst>
                                   <p:childTnLst>
                                     <p:set>
                                       <p:cBhvr>
-                                        <p:cTn id="24" dur="1" fill="hold">
+                                        <p:cTn id="22" dur="1" fill="hold">
                                           <p:stCondLst>
                                             <p:cond delay="0"/>
                                           </p:stCondLst>
@@ -30320,26 +30876,26 @@
                     </p:cTn>
                   </p:par>
                   <p:par>
-                    <p:cTn id="25" fill="hold">
+                    <p:cTn id="23" fill="hold">
                       <p:stCondLst>
                         <p:cond delay="indefinite"/>
                       </p:stCondLst>
                       <p:childTnLst>
                         <p:par>
-                          <p:cTn id="26" fill="hold">
+                          <p:cTn id="24" fill="hold">
                             <p:stCondLst>
                               <p:cond delay="0"/>
                             </p:stCondLst>
                             <p:childTnLst>
                               <p:par>
-                                <p:cTn id="27" presetID="1" presetClass="entr" presetSubtype="0" fill="hold" grpId="0" nodeType="clickEffect">
+                                <p:cTn id="25" presetID="1" presetClass="entr" presetSubtype="0" fill="hold" grpId="0" nodeType="clickEffect">
                                   <p:stCondLst>
                                     <p:cond delay="0"/>
                                   </p:stCondLst>
                                   <p:childTnLst>
                                     <p:set>
                                       <p:cBhvr>
-                                        <p:cTn id="28" dur="1" fill="hold">
+                                        <p:cTn id="26" dur="1" fill="hold">
                                           <p:stCondLst>
                                             <p:cond delay="0"/>
                                           </p:stCondLst>
@@ -30348,6 +30904,55 @@
                                           <p:spTgt spid="3">
                                             <p:txEl>
                                               <p:pRg st="6" end="6"/>
+                                            </p:txEl>
+                                          </p:spTgt>
+                                        </p:tgtEl>
+                                        <p:attrNameLst>
+                                          <p:attrName>style.visibility</p:attrName>
+                                        </p:attrNameLst>
+                                      </p:cBhvr>
+                                      <p:to>
+                                        <p:strVal val="visible"/>
+                                      </p:to>
+                                    </p:set>
+                                  </p:childTnLst>
+                                </p:cTn>
+                              </p:par>
+                            </p:childTnLst>
+                          </p:cTn>
+                        </p:par>
+                      </p:childTnLst>
+                    </p:cTn>
+                  </p:par>
+                  <p:par>
+                    <p:cTn id="27" fill="hold">
+                      <p:stCondLst>
+                        <p:cond delay="indefinite"/>
+                      </p:stCondLst>
+                      <p:childTnLst>
+                        <p:par>
+                          <p:cTn id="28" fill="hold">
+                            <p:stCondLst>
+                              <p:cond delay="0"/>
+                            </p:stCondLst>
+                            <p:childTnLst>
+                              <p:par>
+                                <p:cTn id="29" presetID="1" presetClass="entr" presetSubtype="0" fill="hold" grpId="0" nodeType="clickEffect">
+                                  <p:stCondLst>
+                                    <p:cond delay="0"/>
+                                  </p:stCondLst>
+                                  <p:childTnLst>
+                                    <p:set>
+                                      <p:cBhvr>
+                                        <p:cTn id="30" dur="1" fill="hold">
+                                          <p:stCondLst>
+                                            <p:cond delay="0"/>
+                                          </p:stCondLst>
+                                        </p:cTn>
+                                        <p:tgtEl>
+                                          <p:spTgt spid="3">
+                                            <p:txEl>
+                                              <p:pRg st="7" end="7"/>
                                             </p:txEl>
                                           </p:spTgt>
                                         </p:tgtEl>
@@ -30465,7 +31070,7 @@
           <a:p>
             <a:r>
               <a:rPr lang="en-US" sz="3500" dirty="0"/>
-              <a:t>These may be more appropriate for incentivizing employees without the </a:t>
+              <a:t>These may be more appropriate for incentivizing entry-level employees without the </a:t>
             </a:r>
             <a:r>
               <a:rPr lang="en-US" sz="3500" dirty="0" err="1"/>
@@ -30473,7 +31078,7 @@
             </a:r>
             <a:r>
               <a:rPr lang="en-US" sz="3500" dirty="0"/>
-              <a:t> of experience targeted for the MCSA/MCSE path.</a:t>
+              <a:t> targeted for the MCSA/MCSE path.</a:t>
             </a:r>
           </a:p>
           <a:p>
